--- a/bigraphspace/docs/images/Cookbook_diagrams.pptx
+++ b/bigraphspace/docs/images/Cookbook_diagrams.pptx
@@ -6,17 +6,23 @@
   </p:sldMasterIdLst>
   <p:sldIdLst>
     <p:sldId id="256" r:id="rId2"/>
-    <p:sldId id="257" r:id="rId3"/>
-    <p:sldId id="258" r:id="rId4"/>
-    <p:sldId id="259" r:id="rId5"/>
-    <p:sldId id="260" r:id="rId6"/>
-    <p:sldId id="261" r:id="rId7"/>
-    <p:sldId id="262" r:id="rId8"/>
-    <p:sldId id="263" r:id="rId9"/>
-    <p:sldId id="264" r:id="rId10"/>
-    <p:sldId id="265" r:id="rId11"/>
-    <p:sldId id="267" r:id="rId12"/>
-    <p:sldId id="266" r:id="rId13"/>
+    <p:sldId id="268" r:id="rId3"/>
+    <p:sldId id="257" r:id="rId4"/>
+    <p:sldId id="258" r:id="rId5"/>
+    <p:sldId id="259" r:id="rId6"/>
+    <p:sldId id="260" r:id="rId7"/>
+    <p:sldId id="261" r:id="rId8"/>
+    <p:sldId id="262" r:id="rId9"/>
+    <p:sldId id="263" r:id="rId10"/>
+    <p:sldId id="264" r:id="rId11"/>
+    <p:sldId id="265" r:id="rId12"/>
+    <p:sldId id="267" r:id="rId13"/>
+    <p:sldId id="266" r:id="rId14"/>
+    <p:sldId id="269" r:id="rId15"/>
+    <p:sldId id="270" r:id="rId16"/>
+    <p:sldId id="271" r:id="rId17"/>
+    <p:sldId id="272" r:id="rId18"/>
+    <p:sldId id="273" r:id="rId19"/>
   </p:sldIdLst>
   <p:sldSz cx="9144000" cy="6858000" type="screen4x3"/>
   <p:notesSz cx="6858000" cy="9144000"/>
@@ -300,7 +306,7 @@
             <a:fld id="{1D8BD707-D9CF-40AE-B4C6-C98DA3205C09}" type="datetimeFigureOut">
               <a:rPr lang="en-US" smtClean="0"/>
               <a:pPr/>
-              <a:t>7/24/2009</a:t>
+              <a:t>7/25/2009</a:t>
             </a:fld>
             <a:endParaRPr lang="en-US"/>
           </a:p>
@@ -467,7 +473,7 @@
             <a:fld id="{1D8BD707-D9CF-40AE-B4C6-C98DA3205C09}" type="datetimeFigureOut">
               <a:rPr lang="en-US" smtClean="0"/>
               <a:pPr/>
-              <a:t>7/24/2009</a:t>
+              <a:t>7/25/2009</a:t>
             </a:fld>
             <a:endParaRPr lang="en-US"/>
           </a:p>
@@ -644,7 +650,7 @@
             <a:fld id="{1D8BD707-D9CF-40AE-B4C6-C98DA3205C09}" type="datetimeFigureOut">
               <a:rPr lang="en-US" smtClean="0"/>
               <a:pPr/>
-              <a:t>7/24/2009</a:t>
+              <a:t>7/25/2009</a:t>
             </a:fld>
             <a:endParaRPr lang="en-US"/>
           </a:p>
@@ -811,7 +817,7 @@
             <a:fld id="{1D8BD707-D9CF-40AE-B4C6-C98DA3205C09}" type="datetimeFigureOut">
               <a:rPr lang="en-US" smtClean="0"/>
               <a:pPr/>
-              <a:t>7/24/2009</a:t>
+              <a:t>7/25/2009</a:t>
             </a:fld>
             <a:endParaRPr lang="en-US"/>
           </a:p>
@@ -1054,7 +1060,7 @@
             <a:fld id="{1D8BD707-D9CF-40AE-B4C6-C98DA3205C09}" type="datetimeFigureOut">
               <a:rPr lang="en-US" smtClean="0"/>
               <a:pPr/>
-              <a:t>7/24/2009</a:t>
+              <a:t>7/25/2009</a:t>
             </a:fld>
             <a:endParaRPr lang="en-US"/>
           </a:p>
@@ -1339,7 +1345,7 @@
             <a:fld id="{1D8BD707-D9CF-40AE-B4C6-C98DA3205C09}" type="datetimeFigureOut">
               <a:rPr lang="en-US" smtClean="0"/>
               <a:pPr/>
-              <a:t>7/24/2009</a:t>
+              <a:t>7/25/2009</a:t>
             </a:fld>
             <a:endParaRPr lang="en-US"/>
           </a:p>
@@ -1758,7 +1764,7 @@
             <a:fld id="{1D8BD707-D9CF-40AE-B4C6-C98DA3205C09}" type="datetimeFigureOut">
               <a:rPr lang="en-US" smtClean="0"/>
               <a:pPr/>
-              <a:t>7/24/2009</a:t>
+              <a:t>7/25/2009</a:t>
             </a:fld>
             <a:endParaRPr lang="en-US"/>
           </a:p>
@@ -1873,7 +1879,7 @@
             <a:fld id="{1D8BD707-D9CF-40AE-B4C6-C98DA3205C09}" type="datetimeFigureOut">
               <a:rPr lang="en-US" smtClean="0"/>
               <a:pPr/>
-              <a:t>7/24/2009</a:t>
+              <a:t>7/25/2009</a:t>
             </a:fld>
             <a:endParaRPr lang="en-US"/>
           </a:p>
@@ -1965,7 +1971,7 @@
             <a:fld id="{1D8BD707-D9CF-40AE-B4C6-C98DA3205C09}" type="datetimeFigureOut">
               <a:rPr lang="en-US" smtClean="0"/>
               <a:pPr/>
-              <a:t>7/24/2009</a:t>
+              <a:t>7/25/2009</a:t>
             </a:fld>
             <a:endParaRPr lang="en-US"/>
           </a:p>
@@ -2239,7 +2245,7 @@
             <a:fld id="{1D8BD707-D9CF-40AE-B4C6-C98DA3205C09}" type="datetimeFigureOut">
               <a:rPr lang="en-US" smtClean="0"/>
               <a:pPr/>
-              <a:t>7/24/2009</a:t>
+              <a:t>7/25/2009</a:t>
             </a:fld>
             <a:endParaRPr lang="en-US"/>
           </a:p>
@@ -2489,7 +2495,7 @@
             <a:fld id="{1D8BD707-D9CF-40AE-B4C6-C98DA3205C09}" type="datetimeFigureOut">
               <a:rPr lang="en-US" smtClean="0"/>
               <a:pPr/>
-              <a:t>7/24/2009</a:t>
+              <a:t>7/25/2009</a:t>
             </a:fld>
             <a:endParaRPr lang="en-US"/>
           </a:p>
@@ -2699,7 +2705,7 @@
             <a:fld id="{1D8BD707-D9CF-40AE-B4C6-C98DA3205C09}" type="datetimeFigureOut">
               <a:rPr lang="en-US" smtClean="0"/>
               <a:pPr/>
-              <a:t>7/24/2009</a:t>
+              <a:t>7/25/2009</a:t>
             </a:fld>
             <a:endParaRPr lang="en-US"/>
           </a:p>
@@ -3095,16 +3101,46 @@
       </p:sp>
       <p:sp>
         <p:nvSpPr>
-          <p:cNvPr id="5" name="Oval 4"/>
-          <p:cNvSpPr/>
-          <p:nvPr/>
-        </p:nvSpPr>
-        <p:spPr>
-          <a:xfrm>
-            <a:off x="5791200" y="2819400"/>
-            <a:ext cx="1752600" cy="914400"/>
-          </a:xfrm>
-          <a:prstGeom prst="ellipse">
+          <p:cNvPr id="6" name="TextBox 5"/>
+          <p:cNvSpPr txBox="1"/>
+          <p:nvPr/>
+        </p:nvSpPr>
+        <p:spPr>
+          <a:xfrm>
+            <a:off x="4800600" y="1600200"/>
+            <a:ext cx="490840" cy="369332"/>
+          </a:xfrm>
+          <a:prstGeom prst="rect">
+            <a:avLst/>
+          </a:prstGeom>
+          <a:noFill/>
+        </p:spPr>
+        <p:txBody>
+          <a:bodyPr wrap="none" rtlCol="0">
+            <a:spAutoFit/>
+          </a:bodyPr>
+          <a:lstStyle/>
+          <a:p>
+            <a:r>
+              <a:rPr lang="en-GB" dirty="0" smtClean="0"/>
+              <a:t>“1”</a:t>
+            </a:r>
+            <a:endParaRPr lang="en-GB" dirty="0"/>
+          </a:p>
+        </p:txBody>
+      </p:sp>
+      <p:sp>
+        <p:nvSpPr>
+          <p:cNvPr id="7" name="Rounded Rectangle 6"/>
+          <p:cNvSpPr/>
+          <p:nvPr/>
+        </p:nvSpPr>
+        <p:spPr>
+          <a:xfrm>
+            <a:off x="2514600" y="2743200"/>
+            <a:ext cx="1295400" cy="1143000"/>
+          </a:xfrm>
+          <a:prstGeom prst="roundRect">
             <a:avLst/>
           </a:prstGeom>
           <a:solidFill>
@@ -3143,96 +3179,6 @@
                   <a:schemeClr val="tx1"/>
                 </a:solidFill>
               </a:rPr>
-              <a:t>Number_1</a:t>
-            </a:r>
-            <a:endParaRPr lang="en-GB" dirty="0">
-              <a:solidFill>
-                <a:schemeClr val="tx1"/>
-              </a:solidFill>
-            </a:endParaRPr>
-          </a:p>
-        </p:txBody>
-      </p:sp>
-      <p:sp>
-        <p:nvSpPr>
-          <p:cNvPr id="6" name="TextBox 5"/>
-          <p:cNvSpPr txBox="1"/>
-          <p:nvPr/>
-        </p:nvSpPr>
-        <p:spPr>
-          <a:xfrm>
-            <a:off x="4800600" y="1600200"/>
-            <a:ext cx="490840" cy="369332"/>
-          </a:xfrm>
-          <a:prstGeom prst="rect">
-            <a:avLst/>
-          </a:prstGeom>
-          <a:noFill/>
-        </p:spPr>
-        <p:txBody>
-          <a:bodyPr wrap="none" rtlCol="0">
-            <a:spAutoFit/>
-          </a:bodyPr>
-          <a:lstStyle/>
-          <a:p>
-            <a:r>
-              <a:rPr lang="en-GB" dirty="0" smtClean="0"/>
-              <a:t>“1”</a:t>
-            </a:r>
-            <a:endParaRPr lang="en-GB" dirty="0"/>
-          </a:p>
-        </p:txBody>
-      </p:sp>
-      <p:sp>
-        <p:nvSpPr>
-          <p:cNvPr id="7" name="Rounded Rectangle 6"/>
-          <p:cNvSpPr/>
-          <p:nvPr/>
-        </p:nvSpPr>
-        <p:spPr>
-          <a:xfrm>
-            <a:off x="2514600" y="2743200"/>
-            <a:ext cx="1295400" cy="1143000"/>
-          </a:xfrm>
-          <a:prstGeom prst="roundRect">
-            <a:avLst/>
-          </a:prstGeom>
-          <a:solidFill>
-            <a:schemeClr val="bg1"/>
-          </a:solidFill>
-          <a:ln>
-            <a:solidFill>
-              <a:schemeClr val="tx1"/>
-            </a:solidFill>
-          </a:ln>
-        </p:spPr>
-        <p:style>
-          <a:lnRef idx="2">
-            <a:schemeClr val="accent1">
-              <a:shade val="50000"/>
-            </a:schemeClr>
-          </a:lnRef>
-          <a:fillRef idx="1">
-            <a:schemeClr val="accent1"/>
-          </a:fillRef>
-          <a:effectRef idx="0">
-            <a:schemeClr val="accent1"/>
-          </a:effectRef>
-          <a:fontRef idx="minor">
-            <a:schemeClr val="lt1"/>
-          </a:fontRef>
-        </p:style>
-        <p:txBody>
-          <a:bodyPr rtlCol="0" anchor="ctr"/>
-          <a:lstStyle/>
-          <a:p>
-            <a:pPr algn="ctr"/>
-            <a:r>
-              <a:rPr lang="en-GB" dirty="0" smtClean="0">
-                <a:solidFill>
-                  <a:schemeClr val="tx1"/>
-                </a:solidFill>
-              </a:rPr>
               <a:t>Record</a:t>
             </a:r>
             <a:endParaRPr lang="en-GB" dirty="0">
@@ -3293,54 +3239,6 @@
       </p:sp>
       <p:sp>
         <p:nvSpPr>
-          <p:cNvPr id="9" name="Oval 8"/>
-          <p:cNvSpPr/>
-          <p:nvPr/>
-        </p:nvSpPr>
-        <p:spPr>
-          <a:xfrm>
-            <a:off x="6553200" y="2667000"/>
-            <a:ext cx="152400" cy="152400"/>
-          </a:xfrm>
-          <a:prstGeom prst="ellipse">
-            <a:avLst/>
-          </a:prstGeom>
-          <a:solidFill>
-            <a:schemeClr val="tx1"/>
-          </a:solidFill>
-          <a:ln>
-            <a:solidFill>
-              <a:schemeClr val="tx1"/>
-            </a:solidFill>
-          </a:ln>
-        </p:spPr>
-        <p:style>
-          <a:lnRef idx="2">
-            <a:schemeClr val="accent1">
-              <a:shade val="50000"/>
-            </a:schemeClr>
-          </a:lnRef>
-          <a:fillRef idx="1">
-            <a:schemeClr val="accent1"/>
-          </a:fillRef>
-          <a:effectRef idx="0">
-            <a:schemeClr val="accent1"/>
-          </a:effectRef>
-          <a:fontRef idx="minor">
-            <a:schemeClr val="lt1"/>
-          </a:fontRef>
-        </p:style>
-        <p:txBody>
-          <a:bodyPr rtlCol="0" anchor="ctr"/>
-          <a:lstStyle/>
-          <a:p>
-            <a:pPr algn="ctr"/>
-            <a:endParaRPr lang="en-GB"/>
-          </a:p>
-        </p:txBody>
-      </p:sp>
-      <p:sp>
-        <p:nvSpPr>
           <p:cNvPr id="10" name="TextBox 9"/>
           <p:cNvSpPr txBox="1"/>
           <p:nvPr/>
@@ -3385,46 +3283,6 @@
           </a:xfrm>
           <a:prstGeom prst="curvedConnector2">
             <a:avLst/>
-          </a:prstGeom>
-          <a:ln>
-            <a:solidFill>
-              <a:schemeClr val="tx1"/>
-            </a:solidFill>
-          </a:ln>
-        </p:spPr>
-        <p:style>
-          <a:lnRef idx="1">
-            <a:schemeClr val="accent1"/>
-          </a:lnRef>
-          <a:fillRef idx="0">
-            <a:schemeClr val="accent1"/>
-          </a:fillRef>
-          <a:effectRef idx="0">
-            <a:schemeClr val="accent1"/>
-          </a:effectRef>
-          <a:fontRef idx="minor">
-            <a:schemeClr val="tx1"/>
-          </a:fontRef>
-        </p:style>
-      </p:cxnSp>
-      <p:cxnSp>
-        <p:nvCxnSpPr>
-          <p:cNvPr id="14" name="Curved Connector 11"/>
-          <p:cNvCxnSpPr>
-            <a:stCxn id="9" idx="0"/>
-            <a:endCxn id="6" idx="2"/>
-          </p:cNvCxnSpPr>
-          <p:nvPr/>
-        </p:nvCxnSpPr>
-        <p:spPr>
-          <a:xfrm rot="16200000" flipV="1">
-            <a:off x="5488976" y="1526576"/>
-            <a:ext cx="697468" cy="1583380"/>
-          </a:xfrm>
-          <a:prstGeom prst="curvedConnector3">
-            <a:avLst>
-              <a:gd name="adj1" fmla="val 50000"/>
-            </a:avLst>
           </a:prstGeom>
           <a:ln>
             <a:solidFill>
@@ -3503,6 +3361,297 @@
 </file>
 
 <file path=ppt/slides/slide10.xml><?xml version="1.0" encoding="utf-8"?>
+<p:sld xmlns:a="http://schemas.openxmlformats.org/drawingml/2006/main" xmlns:r="http://schemas.openxmlformats.org/officeDocument/2006/relationships" xmlns:p="http://schemas.openxmlformats.org/presentationml/2006/main">
+  <p:cSld>
+    <p:spTree>
+      <p:nvGrpSpPr>
+        <p:cNvPr id="1" name=""/>
+        <p:cNvGrpSpPr/>
+        <p:nvPr/>
+      </p:nvGrpSpPr>
+      <p:grpSpPr>
+        <a:xfrm>
+          <a:off x="0" y="0"/>
+          <a:ext cx="0" cy="0"/>
+          <a:chOff x="0" y="0"/>
+          <a:chExt cx="0" cy="0"/>
+        </a:xfrm>
+      </p:grpSpPr>
+      <p:sp>
+        <p:nvSpPr>
+          <p:cNvPr id="2" name="Title 1"/>
+          <p:cNvSpPr>
+            <a:spLocks noGrp="1"/>
+          </p:cNvSpPr>
+          <p:nvPr>
+            <p:ph type="title"/>
+          </p:nvPr>
+        </p:nvSpPr>
+        <p:spPr/>
+        <p:txBody>
+          <a:bodyPr/>
+          <a:lstStyle/>
+          <a:p>
+            <a:r>
+              <a:rPr lang="en-GB" dirty="0" smtClean="0"/>
+              <a:t>Object position as linked value</a:t>
+            </a:r>
+            <a:endParaRPr lang="en-GB" dirty="0"/>
+          </a:p>
+        </p:txBody>
+      </p:sp>
+      <p:sp>
+        <p:nvSpPr>
+          <p:cNvPr id="3" name="Oval 2"/>
+          <p:cNvSpPr/>
+          <p:nvPr/>
+        </p:nvSpPr>
+        <p:spPr>
+          <a:xfrm>
+            <a:off x="3959942" y="3250381"/>
+            <a:ext cx="76200" cy="76200"/>
+          </a:xfrm>
+          <a:prstGeom prst="ellipse">
+            <a:avLst/>
+          </a:prstGeom>
+          <a:noFill/>
+          <a:ln>
+            <a:solidFill>
+              <a:schemeClr val="tx1"/>
+            </a:solidFill>
+          </a:ln>
+        </p:spPr>
+        <p:style>
+          <a:lnRef idx="2">
+            <a:schemeClr val="accent1">
+              <a:shade val="50000"/>
+            </a:schemeClr>
+          </a:lnRef>
+          <a:fillRef idx="1">
+            <a:schemeClr val="accent1"/>
+          </a:fillRef>
+          <a:effectRef idx="0">
+            <a:schemeClr val="accent1"/>
+          </a:effectRef>
+          <a:fontRef idx="minor">
+            <a:schemeClr val="lt1"/>
+          </a:fontRef>
+        </p:style>
+        <p:txBody>
+          <a:bodyPr rtlCol="0" anchor="ctr"/>
+          <a:lstStyle/>
+          <a:p>
+            <a:pPr algn="ctr"/>
+            <a:endParaRPr lang="en-GB" dirty="0">
+              <a:solidFill>
+                <a:schemeClr val="tx1"/>
+              </a:solidFill>
+            </a:endParaRPr>
+          </a:p>
+        </p:txBody>
+      </p:sp>
+      <p:sp>
+        <p:nvSpPr>
+          <p:cNvPr id="4" name="TextBox 3"/>
+          <p:cNvSpPr txBox="1"/>
+          <p:nvPr/>
+        </p:nvSpPr>
+        <p:spPr>
+          <a:xfrm>
+            <a:off x="3807542" y="3402781"/>
+            <a:ext cx="851515" cy="369332"/>
+          </a:xfrm>
+          <a:prstGeom prst="rect">
+            <a:avLst/>
+          </a:prstGeom>
+          <a:noFill/>
+        </p:spPr>
+        <p:txBody>
+          <a:bodyPr wrap="none" rtlCol="0">
+            <a:spAutoFit/>
+          </a:bodyPr>
+          <a:lstStyle/>
+          <a:p>
+            <a:r>
+              <a:rPr lang="en-GB" dirty="0" smtClean="0"/>
+              <a:t>[12,10]</a:t>
+            </a:r>
+            <a:endParaRPr lang="en-GB" dirty="0"/>
+          </a:p>
+        </p:txBody>
+      </p:sp>
+      <p:sp>
+        <p:nvSpPr>
+          <p:cNvPr id="7" name="Oval 6"/>
+          <p:cNvSpPr/>
+          <p:nvPr/>
+        </p:nvSpPr>
+        <p:spPr>
+          <a:xfrm>
+            <a:off x="2438400" y="3733800"/>
+            <a:ext cx="1219200" cy="838200"/>
+          </a:xfrm>
+          <a:prstGeom prst="ellipse">
+            <a:avLst/>
+          </a:prstGeom>
+          <a:solidFill>
+            <a:schemeClr val="bg1"/>
+          </a:solidFill>
+          <a:ln>
+            <a:solidFill>
+              <a:schemeClr val="tx1"/>
+            </a:solidFill>
+          </a:ln>
+        </p:spPr>
+        <p:style>
+          <a:lnRef idx="2">
+            <a:schemeClr val="accent1">
+              <a:shade val="50000"/>
+            </a:schemeClr>
+          </a:lnRef>
+          <a:fillRef idx="1">
+            <a:schemeClr val="accent1"/>
+          </a:fillRef>
+          <a:effectRef idx="0">
+            <a:schemeClr val="accent1"/>
+          </a:effectRef>
+          <a:fontRef idx="minor">
+            <a:schemeClr val="lt1"/>
+          </a:fontRef>
+        </p:style>
+        <p:txBody>
+          <a:bodyPr rtlCol="0" anchor="ctr"/>
+          <a:lstStyle/>
+          <a:p>
+            <a:pPr algn="ctr"/>
+            <a:endParaRPr lang="en-GB" dirty="0">
+              <a:solidFill>
+                <a:schemeClr val="tx1"/>
+              </a:solidFill>
+            </a:endParaRPr>
+          </a:p>
+        </p:txBody>
+      </p:sp>
+      <p:sp>
+        <p:nvSpPr>
+          <p:cNvPr id="8" name="Oval 7"/>
+          <p:cNvSpPr/>
+          <p:nvPr/>
+        </p:nvSpPr>
+        <p:spPr>
+          <a:xfrm>
+            <a:off x="2971800" y="3581400"/>
+            <a:ext cx="152400" cy="152400"/>
+          </a:xfrm>
+          <a:prstGeom prst="ellipse">
+            <a:avLst/>
+          </a:prstGeom>
+          <a:solidFill>
+            <a:schemeClr val="tx1"/>
+          </a:solidFill>
+          <a:ln>
+            <a:solidFill>
+              <a:schemeClr val="tx1"/>
+            </a:solidFill>
+          </a:ln>
+        </p:spPr>
+        <p:style>
+          <a:lnRef idx="2">
+            <a:schemeClr val="accent1">
+              <a:shade val="50000"/>
+            </a:schemeClr>
+          </a:lnRef>
+          <a:fillRef idx="1">
+            <a:schemeClr val="accent1"/>
+          </a:fillRef>
+          <a:effectRef idx="0">
+            <a:schemeClr val="accent1"/>
+          </a:effectRef>
+          <a:fontRef idx="minor">
+            <a:schemeClr val="lt1"/>
+          </a:fontRef>
+        </p:style>
+        <p:txBody>
+          <a:bodyPr rtlCol="0" anchor="ctr"/>
+          <a:lstStyle/>
+          <a:p>
+            <a:pPr algn="ctr"/>
+            <a:endParaRPr lang="en-GB"/>
+          </a:p>
+        </p:txBody>
+      </p:sp>
+      <p:cxnSp>
+        <p:nvCxnSpPr>
+          <p:cNvPr id="10" name="Curved Connector 9"/>
+          <p:cNvCxnSpPr>
+            <a:stCxn id="3" idx="2"/>
+            <a:endCxn id="8" idx="0"/>
+          </p:cNvCxnSpPr>
+          <p:nvPr/>
+        </p:nvCxnSpPr>
+        <p:spPr>
+          <a:xfrm rot="10800000" flipV="1">
+            <a:off x="3048000" y="3288480"/>
+            <a:ext cx="911942" cy="292919"/>
+          </a:xfrm>
+          <a:prstGeom prst="curvedConnector2">
+            <a:avLst/>
+          </a:prstGeom>
+        </p:spPr>
+        <p:style>
+          <a:lnRef idx="1">
+            <a:schemeClr val="accent1"/>
+          </a:lnRef>
+          <a:fillRef idx="0">
+            <a:schemeClr val="accent1"/>
+          </a:fillRef>
+          <a:effectRef idx="0">
+            <a:schemeClr val="accent1"/>
+          </a:effectRef>
+          <a:fontRef idx="minor">
+            <a:schemeClr val="tx1"/>
+          </a:fontRef>
+        </p:style>
+      </p:cxnSp>
+      <p:sp>
+        <p:nvSpPr>
+          <p:cNvPr id="12" name="Rectangle 11"/>
+          <p:cNvSpPr/>
+          <p:nvPr/>
+        </p:nvSpPr>
+        <p:spPr>
+          <a:xfrm>
+            <a:off x="2057400" y="3429000"/>
+            <a:ext cx="823687" cy="369332"/>
+          </a:xfrm>
+          <a:prstGeom prst="rect">
+            <a:avLst/>
+          </a:prstGeom>
+        </p:spPr>
+        <p:txBody>
+          <a:bodyPr wrap="none">
+            <a:spAutoFit/>
+          </a:bodyPr>
+          <a:lstStyle/>
+          <a:p>
+            <a:pPr algn="ctr"/>
+            <a:r>
+              <a:rPr lang="en-GB" dirty="0" smtClean="0"/>
+              <a:t>Person</a:t>
+            </a:r>
+            <a:endParaRPr lang="en-GB" dirty="0"/>
+          </a:p>
+        </p:txBody>
+      </p:sp>
+    </p:spTree>
+  </p:cSld>
+  <p:clrMapOvr>
+    <a:masterClrMapping/>
+  </p:clrMapOvr>
+</p:sld>
+</file>
+
+<file path=ppt/slides/slide11.xml><?xml version="1.0" encoding="utf-8"?>
 <p:sld xmlns:a="http://schemas.openxmlformats.org/drawingml/2006/main" xmlns:r="http://schemas.openxmlformats.org/officeDocument/2006/relationships" xmlns:p="http://schemas.openxmlformats.org/presentationml/2006/main">
   <p:cSld>
     <p:spTree>
@@ -3950,54 +4099,6 @@
 </p:sld>
 </file>
 
-<file path=ppt/slides/slide11.xml><?xml version="1.0" encoding="utf-8"?>
-<p:sld xmlns:a="http://schemas.openxmlformats.org/drawingml/2006/main" xmlns:r="http://schemas.openxmlformats.org/officeDocument/2006/relationships" xmlns:p="http://schemas.openxmlformats.org/presentationml/2006/main">
-  <p:cSld>
-    <p:spTree>
-      <p:nvGrpSpPr>
-        <p:cNvPr id="1" name=""/>
-        <p:cNvGrpSpPr/>
-        <p:nvPr/>
-      </p:nvGrpSpPr>
-      <p:grpSpPr>
-        <a:xfrm>
-          <a:off x="0" y="0"/>
-          <a:ext cx="0" cy="0"/>
-          <a:chOff x="0" y="0"/>
-          <a:chExt cx="0" cy="0"/>
-        </a:xfrm>
-      </p:grpSpPr>
-      <p:sp>
-        <p:nvSpPr>
-          <p:cNvPr id="2" name="Title 1"/>
-          <p:cNvSpPr>
-            <a:spLocks noGrp="1"/>
-          </p:cNvSpPr>
-          <p:nvPr>
-            <p:ph type="title"/>
-          </p:nvPr>
-        </p:nvSpPr>
-        <p:spPr/>
-        <p:txBody>
-          <a:bodyPr/>
-          <a:lstStyle/>
-          <a:p>
-            <a:r>
-              <a:rPr lang="en-GB" dirty="0" smtClean="0"/>
-              <a:t>Directed links</a:t>
-            </a:r>
-            <a:endParaRPr lang="en-GB" dirty="0"/>
-          </a:p>
-        </p:txBody>
-      </p:sp>
-    </p:spTree>
-  </p:cSld>
-  <p:clrMapOvr>
-    <a:masterClrMapping/>
-  </p:clrMapOvr>
-</p:sld>
-</file>
-
 <file path=ppt/slides/slide12.xml><?xml version="1.0" encoding="utf-8"?>
 <p:sld xmlns:a="http://schemas.openxmlformats.org/drawingml/2006/main" xmlns:r="http://schemas.openxmlformats.org/officeDocument/2006/relationships" xmlns:p="http://schemas.openxmlformats.org/presentationml/2006/main">
   <p:cSld>
@@ -4032,6 +4133,54 @@
           <a:p>
             <a:r>
               <a:rPr lang="en-GB" dirty="0" smtClean="0"/>
+              <a:t>Directed links</a:t>
+            </a:r>
+            <a:endParaRPr lang="en-GB" dirty="0"/>
+          </a:p>
+        </p:txBody>
+      </p:sp>
+    </p:spTree>
+  </p:cSld>
+  <p:clrMapOvr>
+    <a:masterClrMapping/>
+  </p:clrMapOvr>
+</p:sld>
+</file>
+
+<file path=ppt/slides/slide13.xml><?xml version="1.0" encoding="utf-8"?>
+<p:sld xmlns:a="http://schemas.openxmlformats.org/drawingml/2006/main" xmlns:r="http://schemas.openxmlformats.org/officeDocument/2006/relationships" xmlns:p="http://schemas.openxmlformats.org/presentationml/2006/main">
+  <p:cSld>
+    <p:spTree>
+      <p:nvGrpSpPr>
+        <p:cNvPr id="1" name=""/>
+        <p:cNvGrpSpPr/>
+        <p:nvPr/>
+      </p:nvGrpSpPr>
+      <p:grpSpPr>
+        <a:xfrm>
+          <a:off x="0" y="0"/>
+          <a:ext cx="0" cy="0"/>
+          <a:chOff x="0" y="0"/>
+          <a:chExt cx="0" cy="0"/>
+        </a:xfrm>
+      </p:grpSpPr>
+      <p:sp>
+        <p:nvSpPr>
+          <p:cNvPr id="2" name="Title 1"/>
+          <p:cNvSpPr>
+            <a:spLocks noGrp="1"/>
+          </p:cNvSpPr>
+          <p:nvPr>
+            <p:ph type="title"/>
+          </p:nvPr>
+        </p:nvSpPr>
+        <p:spPr/>
+        <p:txBody>
+          <a:bodyPr/>
+          <a:lstStyle/>
+          <a:p>
+            <a:r>
+              <a:rPr lang="en-GB" dirty="0" smtClean="0"/>
               <a:t>Shared port </a:t>
             </a:r>
             <a:r>
@@ -5175,6 +5324,2445 @@
               <a:t>C</a:t>
             </a:r>
             <a:endParaRPr lang="en-GB" dirty="0"/>
+          </a:p>
+        </p:txBody>
+      </p:sp>
+    </p:spTree>
+  </p:cSld>
+  <p:clrMapOvr>
+    <a:masterClrMapping/>
+  </p:clrMapOvr>
+</p:sld>
+</file>
+
+<file path=ppt/slides/slide14.xml><?xml version="1.0" encoding="utf-8"?>
+<p:sld xmlns:a="http://schemas.openxmlformats.org/drawingml/2006/main" xmlns:r="http://schemas.openxmlformats.org/officeDocument/2006/relationships" xmlns:p="http://schemas.openxmlformats.org/presentationml/2006/main">
+  <p:cSld>
+    <p:spTree>
+      <p:nvGrpSpPr>
+        <p:cNvPr id="1" name=""/>
+        <p:cNvGrpSpPr/>
+        <p:nvPr/>
+      </p:nvGrpSpPr>
+      <p:grpSpPr>
+        <a:xfrm>
+          <a:off x="0" y="0"/>
+          <a:ext cx="0" cy="0"/>
+          <a:chOff x="0" y="0"/>
+          <a:chExt cx="0" cy="0"/>
+        </a:xfrm>
+      </p:grpSpPr>
+      <p:sp>
+        <p:nvSpPr>
+          <p:cNvPr id="2" name="Title 1"/>
+          <p:cNvSpPr>
+            <a:spLocks noGrp="1"/>
+          </p:cNvSpPr>
+          <p:nvPr>
+            <p:ph type="title"/>
+          </p:nvPr>
+        </p:nvSpPr>
+        <p:spPr/>
+        <p:txBody>
+          <a:bodyPr/>
+          <a:lstStyle/>
+          <a:p>
+            <a:r>
+              <a:rPr lang="en-GB" dirty="0" smtClean="0"/>
+              <a:t>State as token</a:t>
+            </a:r>
+            <a:endParaRPr lang="en-GB" dirty="0"/>
+          </a:p>
+        </p:txBody>
+      </p:sp>
+      <p:sp>
+        <p:nvSpPr>
+          <p:cNvPr id="3" name="Oval 2"/>
+          <p:cNvSpPr/>
+          <p:nvPr/>
+        </p:nvSpPr>
+        <p:spPr>
+          <a:xfrm>
+            <a:off x="2564350" y="3276600"/>
+            <a:ext cx="1219200" cy="838200"/>
+          </a:xfrm>
+          <a:prstGeom prst="ellipse">
+            <a:avLst/>
+          </a:prstGeom>
+          <a:solidFill>
+            <a:schemeClr val="bg1"/>
+          </a:solidFill>
+          <a:ln>
+            <a:solidFill>
+              <a:schemeClr val="tx1"/>
+            </a:solidFill>
+          </a:ln>
+        </p:spPr>
+        <p:style>
+          <a:lnRef idx="2">
+            <a:schemeClr val="accent1">
+              <a:shade val="50000"/>
+            </a:schemeClr>
+          </a:lnRef>
+          <a:fillRef idx="1">
+            <a:schemeClr val="accent1"/>
+          </a:fillRef>
+          <a:effectRef idx="0">
+            <a:schemeClr val="accent1"/>
+          </a:effectRef>
+          <a:fontRef idx="minor">
+            <a:schemeClr val="lt1"/>
+          </a:fontRef>
+        </p:style>
+        <p:txBody>
+          <a:bodyPr rtlCol="0" anchor="ctr"/>
+          <a:lstStyle/>
+          <a:p>
+            <a:pPr algn="ctr"/>
+            <a:endParaRPr lang="en-GB" dirty="0">
+              <a:solidFill>
+                <a:schemeClr val="tx1"/>
+              </a:solidFill>
+            </a:endParaRPr>
+          </a:p>
+        </p:txBody>
+      </p:sp>
+      <p:sp>
+        <p:nvSpPr>
+          <p:cNvPr id="4" name="Oval 3"/>
+          <p:cNvSpPr/>
+          <p:nvPr/>
+        </p:nvSpPr>
+        <p:spPr>
+          <a:xfrm>
+            <a:off x="3783550" y="3581400"/>
+            <a:ext cx="152400" cy="152400"/>
+          </a:xfrm>
+          <a:prstGeom prst="ellipse">
+            <a:avLst/>
+          </a:prstGeom>
+          <a:solidFill>
+            <a:schemeClr val="tx1"/>
+          </a:solidFill>
+          <a:ln>
+            <a:solidFill>
+              <a:schemeClr val="tx1"/>
+            </a:solidFill>
+          </a:ln>
+        </p:spPr>
+        <p:style>
+          <a:lnRef idx="2">
+            <a:schemeClr val="accent1">
+              <a:shade val="50000"/>
+            </a:schemeClr>
+          </a:lnRef>
+          <a:fillRef idx="1">
+            <a:schemeClr val="accent1"/>
+          </a:fillRef>
+          <a:effectRef idx="0">
+            <a:schemeClr val="accent1"/>
+          </a:effectRef>
+          <a:fontRef idx="minor">
+            <a:schemeClr val="lt1"/>
+          </a:fontRef>
+        </p:style>
+        <p:txBody>
+          <a:bodyPr rtlCol="0" anchor="ctr"/>
+          <a:lstStyle/>
+          <a:p>
+            <a:pPr algn="ctr"/>
+            <a:endParaRPr lang="en-GB"/>
+          </a:p>
+        </p:txBody>
+      </p:sp>
+      <p:sp>
+        <p:nvSpPr>
+          <p:cNvPr id="5" name="Rectangle 4"/>
+          <p:cNvSpPr/>
+          <p:nvPr/>
+        </p:nvSpPr>
+        <p:spPr>
+          <a:xfrm>
+            <a:off x="2629863" y="2895600"/>
+            <a:ext cx="848887" cy="369332"/>
+          </a:xfrm>
+          <a:prstGeom prst="rect">
+            <a:avLst/>
+          </a:prstGeom>
+        </p:spPr>
+        <p:txBody>
+          <a:bodyPr wrap="none">
+            <a:spAutoFit/>
+          </a:bodyPr>
+          <a:lstStyle/>
+          <a:p>
+            <a:pPr algn="ctr"/>
+            <a:r>
+              <a:rPr lang="en-GB" dirty="0" smtClean="0"/>
+              <a:t>State A</a:t>
+            </a:r>
+            <a:endParaRPr lang="en-GB" dirty="0"/>
+          </a:p>
+        </p:txBody>
+      </p:sp>
+      <p:sp>
+        <p:nvSpPr>
+          <p:cNvPr id="6" name="Oval 5"/>
+          <p:cNvSpPr/>
+          <p:nvPr/>
+        </p:nvSpPr>
+        <p:spPr>
+          <a:xfrm>
+            <a:off x="4648200" y="3200400"/>
+            <a:ext cx="1219200" cy="838200"/>
+          </a:xfrm>
+          <a:prstGeom prst="ellipse">
+            <a:avLst/>
+          </a:prstGeom>
+          <a:solidFill>
+            <a:schemeClr val="bg1"/>
+          </a:solidFill>
+          <a:ln>
+            <a:solidFill>
+              <a:schemeClr val="tx1"/>
+            </a:solidFill>
+          </a:ln>
+        </p:spPr>
+        <p:style>
+          <a:lnRef idx="2">
+            <a:schemeClr val="accent1">
+              <a:shade val="50000"/>
+            </a:schemeClr>
+          </a:lnRef>
+          <a:fillRef idx="1">
+            <a:schemeClr val="accent1"/>
+          </a:fillRef>
+          <a:effectRef idx="0">
+            <a:schemeClr val="accent1"/>
+          </a:effectRef>
+          <a:fontRef idx="minor">
+            <a:schemeClr val="lt1"/>
+          </a:fontRef>
+        </p:style>
+        <p:txBody>
+          <a:bodyPr rtlCol="0" anchor="ctr"/>
+          <a:lstStyle/>
+          <a:p>
+            <a:pPr algn="ctr"/>
+            <a:endParaRPr lang="en-GB" dirty="0">
+              <a:solidFill>
+                <a:schemeClr val="tx1"/>
+              </a:solidFill>
+            </a:endParaRPr>
+          </a:p>
+        </p:txBody>
+      </p:sp>
+      <p:sp>
+        <p:nvSpPr>
+          <p:cNvPr id="7" name="Oval 6"/>
+          <p:cNvSpPr/>
+          <p:nvPr/>
+        </p:nvSpPr>
+        <p:spPr>
+          <a:xfrm>
+            <a:off x="4469350" y="3581400"/>
+            <a:ext cx="152400" cy="152400"/>
+          </a:xfrm>
+          <a:prstGeom prst="ellipse">
+            <a:avLst/>
+          </a:prstGeom>
+          <a:solidFill>
+            <a:schemeClr val="tx1"/>
+          </a:solidFill>
+          <a:ln>
+            <a:solidFill>
+              <a:schemeClr val="tx1"/>
+            </a:solidFill>
+          </a:ln>
+        </p:spPr>
+        <p:style>
+          <a:lnRef idx="2">
+            <a:schemeClr val="accent1">
+              <a:shade val="50000"/>
+            </a:schemeClr>
+          </a:lnRef>
+          <a:fillRef idx="1">
+            <a:schemeClr val="accent1"/>
+          </a:fillRef>
+          <a:effectRef idx="0">
+            <a:schemeClr val="accent1"/>
+          </a:effectRef>
+          <a:fontRef idx="minor">
+            <a:schemeClr val="lt1"/>
+          </a:fontRef>
+        </p:style>
+        <p:txBody>
+          <a:bodyPr rtlCol="0" anchor="ctr"/>
+          <a:lstStyle/>
+          <a:p>
+            <a:pPr algn="ctr"/>
+            <a:endParaRPr lang="en-GB"/>
+          </a:p>
+        </p:txBody>
+      </p:sp>
+      <p:sp>
+        <p:nvSpPr>
+          <p:cNvPr id="8" name="Rectangle 7"/>
+          <p:cNvSpPr/>
+          <p:nvPr/>
+        </p:nvSpPr>
+        <p:spPr>
+          <a:xfrm>
+            <a:off x="4713713" y="2819400"/>
+            <a:ext cx="848887" cy="369332"/>
+          </a:xfrm>
+          <a:prstGeom prst="rect">
+            <a:avLst/>
+          </a:prstGeom>
+        </p:spPr>
+        <p:txBody>
+          <a:bodyPr wrap="none">
+            <a:spAutoFit/>
+          </a:bodyPr>
+          <a:lstStyle/>
+          <a:p>
+            <a:pPr algn="ctr"/>
+            <a:r>
+              <a:rPr lang="en-GB" dirty="0" smtClean="0"/>
+              <a:t>State B</a:t>
+            </a:r>
+            <a:endParaRPr lang="en-GB" dirty="0"/>
+          </a:p>
+        </p:txBody>
+      </p:sp>
+      <p:cxnSp>
+        <p:nvCxnSpPr>
+          <p:cNvPr id="9" name="Curved Connector 8"/>
+          <p:cNvCxnSpPr>
+            <a:stCxn id="7" idx="2"/>
+            <a:endCxn id="4" idx="6"/>
+          </p:cNvCxnSpPr>
+          <p:nvPr/>
+        </p:nvCxnSpPr>
+        <p:spPr>
+          <a:xfrm rot="10800000">
+            <a:off x="3935950" y="3657600"/>
+            <a:ext cx="533400" cy="1588"/>
+          </a:xfrm>
+          <a:prstGeom prst="curvedConnector3">
+            <a:avLst>
+              <a:gd name="adj1" fmla="val 50000"/>
+            </a:avLst>
+          </a:prstGeom>
+        </p:spPr>
+        <p:style>
+          <a:lnRef idx="1">
+            <a:schemeClr val="accent1"/>
+          </a:lnRef>
+          <a:fillRef idx="0">
+            <a:schemeClr val="accent1"/>
+          </a:fillRef>
+          <a:effectRef idx="0">
+            <a:schemeClr val="accent1"/>
+          </a:effectRef>
+          <a:fontRef idx="minor">
+            <a:schemeClr val="tx1"/>
+          </a:fontRef>
+        </p:style>
+      </p:cxnSp>
+      <p:sp>
+        <p:nvSpPr>
+          <p:cNvPr id="12" name="Oval 11"/>
+          <p:cNvSpPr/>
+          <p:nvPr/>
+        </p:nvSpPr>
+        <p:spPr>
+          <a:xfrm>
+            <a:off x="2869150" y="3429000"/>
+            <a:ext cx="685800" cy="533400"/>
+          </a:xfrm>
+          <a:prstGeom prst="ellipse">
+            <a:avLst/>
+          </a:prstGeom>
+          <a:solidFill>
+            <a:schemeClr val="bg1"/>
+          </a:solidFill>
+          <a:ln>
+            <a:solidFill>
+              <a:schemeClr val="tx1"/>
+            </a:solidFill>
+          </a:ln>
+        </p:spPr>
+        <p:style>
+          <a:lnRef idx="2">
+            <a:schemeClr val="accent1">
+              <a:shade val="50000"/>
+            </a:schemeClr>
+          </a:lnRef>
+          <a:fillRef idx="1">
+            <a:schemeClr val="accent1"/>
+          </a:fillRef>
+          <a:effectRef idx="0">
+            <a:schemeClr val="accent1"/>
+          </a:effectRef>
+          <a:fontRef idx="minor">
+            <a:schemeClr val="lt1"/>
+          </a:fontRef>
+        </p:style>
+        <p:txBody>
+          <a:bodyPr lIns="0" tIns="0" rIns="0" bIns="0" rtlCol="0" anchor="ctr"/>
+          <a:lstStyle/>
+          <a:p>
+            <a:pPr algn="ctr"/>
+            <a:r>
+              <a:rPr lang="en-GB" sz="1600" dirty="0" smtClean="0">
+                <a:solidFill>
+                  <a:schemeClr val="tx1"/>
+                </a:solidFill>
+              </a:rPr>
+              <a:t>Token</a:t>
+            </a:r>
+            <a:endParaRPr lang="en-GB" sz="1600" dirty="0">
+              <a:solidFill>
+                <a:schemeClr val="tx1"/>
+              </a:solidFill>
+            </a:endParaRPr>
+          </a:p>
+        </p:txBody>
+      </p:sp>
+    </p:spTree>
+  </p:cSld>
+  <p:clrMapOvr>
+    <a:masterClrMapping/>
+  </p:clrMapOvr>
+</p:sld>
+</file>
+
+<file path=ppt/slides/slide15.xml><?xml version="1.0" encoding="utf-8"?>
+<p:sld xmlns:a="http://schemas.openxmlformats.org/drawingml/2006/main" xmlns:r="http://schemas.openxmlformats.org/officeDocument/2006/relationships" xmlns:p="http://schemas.openxmlformats.org/presentationml/2006/main">
+  <p:cSld>
+    <p:spTree>
+      <p:nvGrpSpPr>
+        <p:cNvPr id="1" name=""/>
+        <p:cNvGrpSpPr/>
+        <p:nvPr/>
+      </p:nvGrpSpPr>
+      <p:grpSpPr>
+        <a:xfrm>
+          <a:off x="0" y="0"/>
+          <a:ext cx="0" cy="0"/>
+          <a:chOff x="0" y="0"/>
+          <a:chExt cx="0" cy="0"/>
+        </a:xfrm>
+      </p:grpSpPr>
+      <p:sp>
+        <p:nvSpPr>
+          <p:cNvPr id="4" name="Title 3"/>
+          <p:cNvSpPr>
+            <a:spLocks noGrp="1"/>
+          </p:cNvSpPr>
+          <p:nvPr>
+            <p:ph type="title"/>
+          </p:nvPr>
+        </p:nvSpPr>
+        <p:spPr/>
+        <p:txBody>
+          <a:bodyPr/>
+          <a:lstStyle/>
+          <a:p>
+            <a:r>
+              <a:rPr lang="en-GB" dirty="0" smtClean="0"/>
+              <a:t>State as Field(s)</a:t>
+            </a:r>
+            <a:endParaRPr lang="en-GB" dirty="0"/>
+          </a:p>
+        </p:txBody>
+      </p:sp>
+      <p:sp>
+        <p:nvSpPr>
+          <p:cNvPr id="7" name="Rounded Rectangle 6"/>
+          <p:cNvSpPr/>
+          <p:nvPr/>
+        </p:nvSpPr>
+        <p:spPr>
+          <a:xfrm>
+            <a:off x="2514600" y="2743200"/>
+            <a:ext cx="4343400" cy="1828800"/>
+          </a:xfrm>
+          <a:prstGeom prst="roundRect">
+            <a:avLst/>
+          </a:prstGeom>
+          <a:solidFill>
+            <a:schemeClr val="bg1"/>
+          </a:solidFill>
+          <a:ln>
+            <a:solidFill>
+              <a:schemeClr val="tx1"/>
+            </a:solidFill>
+          </a:ln>
+        </p:spPr>
+        <p:style>
+          <a:lnRef idx="2">
+            <a:schemeClr val="accent1">
+              <a:shade val="50000"/>
+            </a:schemeClr>
+          </a:lnRef>
+          <a:fillRef idx="1">
+            <a:schemeClr val="accent1"/>
+          </a:fillRef>
+          <a:effectRef idx="0">
+            <a:schemeClr val="accent1"/>
+          </a:effectRef>
+          <a:fontRef idx="minor">
+            <a:schemeClr val="lt1"/>
+          </a:fontRef>
+        </p:style>
+        <p:txBody>
+          <a:bodyPr rtlCol="0" anchor="ctr"/>
+          <a:lstStyle/>
+          <a:p>
+            <a:pPr algn="ctr"/>
+            <a:endParaRPr lang="en-GB" dirty="0">
+              <a:solidFill>
+                <a:schemeClr val="tx1"/>
+              </a:solidFill>
+            </a:endParaRPr>
+          </a:p>
+        </p:txBody>
+      </p:sp>
+      <p:sp>
+        <p:nvSpPr>
+          <p:cNvPr id="13" name="Rectangle 12"/>
+          <p:cNvSpPr/>
+          <p:nvPr/>
+        </p:nvSpPr>
+        <p:spPr>
+          <a:xfrm>
+            <a:off x="2683974" y="2362200"/>
+            <a:ext cx="498855" cy="369332"/>
+          </a:xfrm>
+          <a:prstGeom prst="rect">
+            <a:avLst/>
+          </a:prstGeom>
+        </p:spPr>
+        <p:txBody>
+          <a:bodyPr wrap="none">
+            <a:spAutoFit/>
+          </a:bodyPr>
+          <a:lstStyle/>
+          <a:p>
+            <a:pPr algn="ctr"/>
+            <a:r>
+              <a:rPr lang="en-GB" dirty="0" smtClean="0"/>
+              <a:t>Car</a:t>
+            </a:r>
+            <a:endParaRPr lang="en-GB" dirty="0"/>
+          </a:p>
+        </p:txBody>
+      </p:sp>
+      <p:sp>
+        <p:nvSpPr>
+          <p:cNvPr id="15" name="Rounded Rectangle 14"/>
+          <p:cNvSpPr/>
+          <p:nvPr/>
+        </p:nvSpPr>
+        <p:spPr>
+          <a:xfrm>
+            <a:off x="2971800" y="3124200"/>
+            <a:ext cx="1447800" cy="1295400"/>
+          </a:xfrm>
+          <a:prstGeom prst="roundRect">
+            <a:avLst/>
+          </a:prstGeom>
+          <a:solidFill>
+            <a:schemeClr val="bg1"/>
+          </a:solidFill>
+          <a:ln>
+            <a:solidFill>
+              <a:schemeClr val="tx1"/>
+            </a:solidFill>
+          </a:ln>
+        </p:spPr>
+        <p:style>
+          <a:lnRef idx="2">
+            <a:schemeClr val="accent1">
+              <a:shade val="50000"/>
+            </a:schemeClr>
+          </a:lnRef>
+          <a:fillRef idx="1">
+            <a:schemeClr val="accent1"/>
+          </a:fillRef>
+          <a:effectRef idx="0">
+            <a:schemeClr val="accent1"/>
+          </a:effectRef>
+          <a:fontRef idx="minor">
+            <a:schemeClr val="lt1"/>
+          </a:fontRef>
+        </p:style>
+        <p:txBody>
+          <a:bodyPr rtlCol="0" anchor="ctr"/>
+          <a:lstStyle/>
+          <a:p>
+            <a:pPr algn="ctr"/>
+            <a:endParaRPr lang="en-GB" dirty="0">
+              <a:solidFill>
+                <a:schemeClr val="tx1"/>
+              </a:solidFill>
+            </a:endParaRPr>
+          </a:p>
+        </p:txBody>
+      </p:sp>
+      <p:sp>
+        <p:nvSpPr>
+          <p:cNvPr id="16" name="Rectangle 15"/>
+          <p:cNvSpPr/>
+          <p:nvPr/>
+        </p:nvSpPr>
+        <p:spPr>
+          <a:xfrm>
+            <a:off x="2760113" y="2754868"/>
+            <a:ext cx="748923" cy="369332"/>
+          </a:xfrm>
+          <a:prstGeom prst="rect">
+            <a:avLst/>
+          </a:prstGeom>
+        </p:spPr>
+        <p:txBody>
+          <a:bodyPr wrap="none">
+            <a:spAutoFit/>
+          </a:bodyPr>
+          <a:lstStyle/>
+          <a:p>
+            <a:pPr algn="ctr"/>
+            <a:r>
+              <a:rPr lang="en-GB" dirty="0" smtClean="0"/>
+              <a:t>speed</a:t>
+            </a:r>
+            <a:endParaRPr lang="en-GB" dirty="0"/>
+          </a:p>
+        </p:txBody>
+      </p:sp>
+      <p:sp>
+        <p:nvSpPr>
+          <p:cNvPr id="18" name="Oval 17"/>
+          <p:cNvSpPr/>
+          <p:nvPr/>
+        </p:nvSpPr>
+        <p:spPr>
+          <a:xfrm>
+            <a:off x="3276600" y="3352800"/>
+            <a:ext cx="914400" cy="838200"/>
+          </a:xfrm>
+          <a:prstGeom prst="ellipse">
+            <a:avLst/>
+          </a:prstGeom>
+          <a:solidFill>
+            <a:schemeClr val="bg1"/>
+          </a:solidFill>
+          <a:ln>
+            <a:solidFill>
+              <a:schemeClr val="tx1"/>
+            </a:solidFill>
+          </a:ln>
+        </p:spPr>
+        <p:style>
+          <a:lnRef idx="2">
+            <a:schemeClr val="accent1">
+              <a:shade val="50000"/>
+            </a:schemeClr>
+          </a:lnRef>
+          <a:fillRef idx="1">
+            <a:schemeClr val="accent1"/>
+          </a:fillRef>
+          <a:effectRef idx="0">
+            <a:schemeClr val="accent1"/>
+          </a:effectRef>
+          <a:fontRef idx="minor">
+            <a:schemeClr val="lt1"/>
+          </a:fontRef>
+        </p:style>
+        <p:txBody>
+          <a:bodyPr lIns="36000" rIns="36000" rtlCol="0" anchor="ctr"/>
+          <a:lstStyle/>
+          <a:p>
+            <a:pPr algn="ctr"/>
+            <a:r>
+              <a:rPr lang="en-GB" dirty="0" smtClean="0">
+                <a:solidFill>
+                  <a:schemeClr val="tx1"/>
+                </a:solidFill>
+              </a:rPr>
+              <a:t>N_10</a:t>
+            </a:r>
+            <a:endParaRPr lang="en-GB" dirty="0">
+              <a:solidFill>
+                <a:schemeClr val="tx1"/>
+              </a:solidFill>
+            </a:endParaRPr>
+          </a:p>
+        </p:txBody>
+      </p:sp>
+      <p:sp>
+        <p:nvSpPr>
+          <p:cNvPr id="8" name="Rounded Rectangle 7"/>
+          <p:cNvSpPr/>
+          <p:nvPr/>
+        </p:nvSpPr>
+        <p:spPr>
+          <a:xfrm>
+            <a:off x="4783687" y="3112532"/>
+            <a:ext cx="1447800" cy="1295400"/>
+          </a:xfrm>
+          <a:prstGeom prst="roundRect">
+            <a:avLst/>
+          </a:prstGeom>
+          <a:solidFill>
+            <a:schemeClr val="bg1"/>
+          </a:solidFill>
+          <a:ln>
+            <a:solidFill>
+              <a:schemeClr val="tx1"/>
+            </a:solidFill>
+          </a:ln>
+        </p:spPr>
+        <p:style>
+          <a:lnRef idx="2">
+            <a:schemeClr val="accent1">
+              <a:shade val="50000"/>
+            </a:schemeClr>
+          </a:lnRef>
+          <a:fillRef idx="1">
+            <a:schemeClr val="accent1"/>
+          </a:fillRef>
+          <a:effectRef idx="0">
+            <a:schemeClr val="accent1"/>
+          </a:effectRef>
+          <a:fontRef idx="minor">
+            <a:schemeClr val="lt1"/>
+          </a:fontRef>
+        </p:style>
+        <p:txBody>
+          <a:bodyPr rtlCol="0" anchor="ctr"/>
+          <a:lstStyle/>
+          <a:p>
+            <a:pPr algn="ctr"/>
+            <a:endParaRPr lang="en-GB" dirty="0">
+              <a:solidFill>
+                <a:schemeClr val="tx1"/>
+              </a:solidFill>
+            </a:endParaRPr>
+          </a:p>
+        </p:txBody>
+      </p:sp>
+      <p:sp>
+        <p:nvSpPr>
+          <p:cNvPr id="9" name="Rectangle 8"/>
+          <p:cNvSpPr/>
+          <p:nvPr/>
+        </p:nvSpPr>
+        <p:spPr>
+          <a:xfrm>
+            <a:off x="4648200" y="2743200"/>
+            <a:ext cx="894797" cy="369332"/>
+          </a:xfrm>
+          <a:prstGeom prst="rect">
+            <a:avLst/>
+          </a:prstGeom>
+        </p:spPr>
+        <p:txBody>
+          <a:bodyPr wrap="none">
+            <a:spAutoFit/>
+          </a:bodyPr>
+          <a:lstStyle/>
+          <a:p>
+            <a:pPr algn="ctr"/>
+            <a:r>
+              <a:rPr lang="en-GB" dirty="0" smtClean="0"/>
+              <a:t>ignition</a:t>
+            </a:r>
+            <a:endParaRPr lang="en-GB" dirty="0"/>
+          </a:p>
+        </p:txBody>
+      </p:sp>
+      <p:sp>
+        <p:nvSpPr>
+          <p:cNvPr id="10" name="Oval 9"/>
+          <p:cNvSpPr/>
+          <p:nvPr/>
+        </p:nvSpPr>
+        <p:spPr>
+          <a:xfrm>
+            <a:off x="5088487" y="3341132"/>
+            <a:ext cx="914400" cy="838200"/>
+          </a:xfrm>
+          <a:prstGeom prst="ellipse">
+            <a:avLst/>
+          </a:prstGeom>
+          <a:solidFill>
+            <a:schemeClr val="bg1"/>
+          </a:solidFill>
+          <a:ln>
+            <a:solidFill>
+              <a:schemeClr val="tx1"/>
+            </a:solidFill>
+          </a:ln>
+        </p:spPr>
+        <p:style>
+          <a:lnRef idx="2">
+            <a:schemeClr val="accent1">
+              <a:shade val="50000"/>
+            </a:schemeClr>
+          </a:lnRef>
+          <a:fillRef idx="1">
+            <a:schemeClr val="accent1"/>
+          </a:fillRef>
+          <a:effectRef idx="0">
+            <a:schemeClr val="accent1"/>
+          </a:effectRef>
+          <a:fontRef idx="minor">
+            <a:schemeClr val="lt1"/>
+          </a:fontRef>
+        </p:style>
+        <p:txBody>
+          <a:bodyPr lIns="36000" rIns="36000" rtlCol="0" anchor="ctr"/>
+          <a:lstStyle/>
+          <a:p>
+            <a:pPr algn="ctr"/>
+            <a:r>
+              <a:rPr lang="en-GB" dirty="0" smtClean="0">
+                <a:solidFill>
+                  <a:schemeClr val="tx1"/>
+                </a:solidFill>
+              </a:rPr>
+              <a:t>True</a:t>
+            </a:r>
+            <a:endParaRPr lang="en-GB" dirty="0">
+              <a:solidFill>
+                <a:schemeClr val="tx1"/>
+              </a:solidFill>
+            </a:endParaRPr>
+          </a:p>
+        </p:txBody>
+      </p:sp>
+    </p:spTree>
+  </p:cSld>
+  <p:clrMapOvr>
+    <a:masterClrMapping/>
+  </p:clrMapOvr>
+</p:sld>
+</file>
+
+<file path=ppt/slides/slide16.xml><?xml version="1.0" encoding="utf-8"?>
+<p:sld xmlns:a="http://schemas.openxmlformats.org/drawingml/2006/main" xmlns:r="http://schemas.openxmlformats.org/officeDocument/2006/relationships" xmlns:p="http://schemas.openxmlformats.org/presentationml/2006/main">
+  <p:cSld>
+    <p:spTree>
+      <p:nvGrpSpPr>
+        <p:cNvPr id="1" name=""/>
+        <p:cNvGrpSpPr/>
+        <p:nvPr/>
+      </p:nvGrpSpPr>
+      <p:grpSpPr>
+        <a:xfrm>
+          <a:off x="0" y="0"/>
+          <a:ext cx="0" cy="0"/>
+          <a:chOff x="0" y="0"/>
+          <a:chExt cx="0" cy="0"/>
+        </a:xfrm>
+      </p:grpSpPr>
+      <p:sp>
+        <p:nvSpPr>
+          <p:cNvPr id="2" name="Title 1"/>
+          <p:cNvSpPr>
+            <a:spLocks noGrp="1"/>
+          </p:cNvSpPr>
+          <p:nvPr>
+            <p:ph type="title"/>
+          </p:nvPr>
+        </p:nvSpPr>
+        <p:spPr/>
+        <p:txBody>
+          <a:bodyPr/>
+          <a:lstStyle/>
+          <a:p>
+            <a:r>
+              <a:rPr lang="en-GB" dirty="0" smtClean="0"/>
+              <a:t>State as control set</a:t>
+            </a:r>
+            <a:endParaRPr lang="en-GB" dirty="0"/>
+          </a:p>
+        </p:txBody>
+      </p:sp>
+      <p:sp>
+        <p:nvSpPr>
+          <p:cNvPr id="3" name="Oval 2"/>
+          <p:cNvSpPr/>
+          <p:nvPr/>
+        </p:nvSpPr>
+        <p:spPr>
+          <a:xfrm>
+            <a:off x="2514600" y="3200400"/>
+            <a:ext cx="1219200" cy="838200"/>
+          </a:xfrm>
+          <a:prstGeom prst="ellipse">
+            <a:avLst/>
+          </a:prstGeom>
+          <a:solidFill>
+            <a:schemeClr val="bg1"/>
+          </a:solidFill>
+          <a:ln>
+            <a:solidFill>
+              <a:schemeClr val="tx1"/>
+            </a:solidFill>
+          </a:ln>
+        </p:spPr>
+        <p:style>
+          <a:lnRef idx="2">
+            <a:schemeClr val="accent1">
+              <a:shade val="50000"/>
+            </a:schemeClr>
+          </a:lnRef>
+          <a:fillRef idx="1">
+            <a:schemeClr val="accent1"/>
+          </a:fillRef>
+          <a:effectRef idx="0">
+            <a:schemeClr val="accent1"/>
+          </a:effectRef>
+          <a:fontRef idx="minor">
+            <a:schemeClr val="lt1"/>
+          </a:fontRef>
+        </p:style>
+        <p:txBody>
+          <a:bodyPr rtlCol="0" anchor="ctr"/>
+          <a:lstStyle/>
+          <a:p>
+            <a:pPr algn="ctr"/>
+            <a:endParaRPr lang="en-GB" dirty="0">
+              <a:solidFill>
+                <a:schemeClr val="tx1"/>
+              </a:solidFill>
+            </a:endParaRPr>
+          </a:p>
+        </p:txBody>
+      </p:sp>
+      <p:sp>
+        <p:nvSpPr>
+          <p:cNvPr id="5" name="Rectangle 4"/>
+          <p:cNvSpPr/>
+          <p:nvPr/>
+        </p:nvSpPr>
+        <p:spPr>
+          <a:xfrm>
+            <a:off x="2438400" y="4038600"/>
+            <a:ext cx="1572483" cy="369332"/>
+          </a:xfrm>
+          <a:prstGeom prst="rect">
+            <a:avLst/>
+          </a:prstGeom>
+        </p:spPr>
+        <p:txBody>
+          <a:bodyPr wrap="none">
+            <a:spAutoFit/>
+          </a:bodyPr>
+          <a:lstStyle/>
+          <a:p>
+            <a:pPr algn="ctr"/>
+            <a:r>
+              <a:rPr lang="en-GB" dirty="0" smtClean="0"/>
+              <a:t>InterfaceDown</a:t>
+            </a:r>
+            <a:endParaRPr lang="en-GB" dirty="0"/>
+          </a:p>
+        </p:txBody>
+      </p:sp>
+      <p:sp>
+        <p:nvSpPr>
+          <p:cNvPr id="6" name="Oval 5"/>
+          <p:cNvSpPr/>
+          <p:nvPr/>
+        </p:nvSpPr>
+        <p:spPr>
+          <a:xfrm>
+            <a:off x="4648200" y="3200400"/>
+            <a:ext cx="1219200" cy="838200"/>
+          </a:xfrm>
+          <a:prstGeom prst="ellipse">
+            <a:avLst/>
+          </a:prstGeom>
+          <a:solidFill>
+            <a:schemeClr val="bg1"/>
+          </a:solidFill>
+          <a:ln>
+            <a:solidFill>
+              <a:schemeClr val="tx1"/>
+            </a:solidFill>
+          </a:ln>
+        </p:spPr>
+        <p:style>
+          <a:lnRef idx="2">
+            <a:schemeClr val="accent1">
+              <a:shade val="50000"/>
+            </a:schemeClr>
+          </a:lnRef>
+          <a:fillRef idx="1">
+            <a:schemeClr val="accent1"/>
+          </a:fillRef>
+          <a:effectRef idx="0">
+            <a:schemeClr val="accent1"/>
+          </a:effectRef>
+          <a:fontRef idx="minor">
+            <a:schemeClr val="lt1"/>
+          </a:fontRef>
+        </p:style>
+        <p:txBody>
+          <a:bodyPr rtlCol="0" anchor="ctr"/>
+          <a:lstStyle/>
+          <a:p>
+            <a:pPr algn="ctr"/>
+            <a:endParaRPr lang="en-GB" dirty="0">
+              <a:solidFill>
+                <a:schemeClr val="tx1"/>
+              </a:solidFill>
+            </a:endParaRPr>
+          </a:p>
+        </p:txBody>
+      </p:sp>
+      <p:sp>
+        <p:nvSpPr>
+          <p:cNvPr id="7" name="Oval 6"/>
+          <p:cNvSpPr/>
+          <p:nvPr/>
+        </p:nvSpPr>
+        <p:spPr>
+          <a:xfrm>
+            <a:off x="5181600" y="3048000"/>
+            <a:ext cx="152400" cy="152400"/>
+          </a:xfrm>
+          <a:prstGeom prst="ellipse">
+            <a:avLst/>
+          </a:prstGeom>
+          <a:solidFill>
+            <a:schemeClr val="tx1"/>
+          </a:solidFill>
+          <a:ln>
+            <a:solidFill>
+              <a:schemeClr val="tx1"/>
+            </a:solidFill>
+          </a:ln>
+        </p:spPr>
+        <p:style>
+          <a:lnRef idx="2">
+            <a:schemeClr val="accent1">
+              <a:shade val="50000"/>
+            </a:schemeClr>
+          </a:lnRef>
+          <a:fillRef idx="1">
+            <a:schemeClr val="accent1"/>
+          </a:fillRef>
+          <a:effectRef idx="0">
+            <a:schemeClr val="accent1"/>
+          </a:effectRef>
+          <a:fontRef idx="minor">
+            <a:schemeClr val="lt1"/>
+          </a:fontRef>
+        </p:style>
+        <p:txBody>
+          <a:bodyPr rtlCol="0" anchor="ctr"/>
+          <a:lstStyle/>
+          <a:p>
+            <a:pPr algn="ctr"/>
+            <a:endParaRPr lang="en-GB"/>
+          </a:p>
+        </p:txBody>
+      </p:sp>
+      <p:sp>
+        <p:nvSpPr>
+          <p:cNvPr id="8" name="Rectangle 7"/>
+          <p:cNvSpPr/>
+          <p:nvPr/>
+        </p:nvSpPr>
+        <p:spPr>
+          <a:xfrm>
+            <a:off x="4572000" y="4038600"/>
+            <a:ext cx="1291251" cy="369332"/>
+          </a:xfrm>
+          <a:prstGeom prst="rect">
+            <a:avLst/>
+          </a:prstGeom>
+        </p:spPr>
+        <p:txBody>
+          <a:bodyPr wrap="none">
+            <a:spAutoFit/>
+          </a:bodyPr>
+          <a:lstStyle/>
+          <a:p>
+            <a:pPr algn="ctr"/>
+            <a:r>
+              <a:rPr lang="en-GB" dirty="0" smtClean="0"/>
+              <a:t>InterfaceUp</a:t>
+            </a:r>
+            <a:endParaRPr lang="en-GB" dirty="0"/>
+          </a:p>
+        </p:txBody>
+      </p:sp>
+      <p:sp>
+        <p:nvSpPr>
+          <p:cNvPr id="11" name="TextBox 10"/>
+          <p:cNvSpPr txBox="1"/>
+          <p:nvPr/>
+        </p:nvSpPr>
+        <p:spPr>
+          <a:xfrm>
+            <a:off x="4858332" y="2362200"/>
+            <a:ext cx="399468" cy="369332"/>
+          </a:xfrm>
+          <a:prstGeom prst="rect">
+            <a:avLst/>
+          </a:prstGeom>
+          <a:noFill/>
+        </p:spPr>
+        <p:txBody>
+          <a:bodyPr wrap="none" rtlCol="0">
+            <a:spAutoFit/>
+          </a:bodyPr>
+          <a:lstStyle/>
+          <a:p>
+            <a:r>
+              <a:rPr lang="en-GB" dirty="0" smtClean="0"/>
+              <a:t>c1</a:t>
+            </a:r>
+            <a:endParaRPr lang="en-GB" dirty="0"/>
+          </a:p>
+        </p:txBody>
+      </p:sp>
+      <p:cxnSp>
+        <p:nvCxnSpPr>
+          <p:cNvPr id="12" name="Curved Connector 11"/>
+          <p:cNvCxnSpPr>
+            <a:stCxn id="7" idx="0"/>
+          </p:cNvCxnSpPr>
+          <p:nvPr/>
+        </p:nvCxnSpPr>
+        <p:spPr>
+          <a:xfrm rot="16200000" flipV="1">
+            <a:off x="4953000" y="2743200"/>
+            <a:ext cx="381000" cy="228600"/>
+          </a:xfrm>
+          <a:prstGeom prst="curvedConnector3">
+            <a:avLst>
+              <a:gd name="adj1" fmla="val 50000"/>
+            </a:avLst>
+          </a:prstGeom>
+          <a:ln>
+            <a:solidFill>
+              <a:schemeClr val="tx1"/>
+            </a:solidFill>
+          </a:ln>
+        </p:spPr>
+        <p:style>
+          <a:lnRef idx="1">
+            <a:schemeClr val="accent1"/>
+          </a:lnRef>
+          <a:fillRef idx="0">
+            <a:schemeClr val="accent1"/>
+          </a:fillRef>
+          <a:effectRef idx="0">
+            <a:schemeClr val="accent1"/>
+          </a:effectRef>
+          <a:fontRef idx="minor">
+            <a:schemeClr val="tx1"/>
+          </a:fontRef>
+        </p:style>
+      </p:cxnSp>
+      <p:sp>
+        <p:nvSpPr>
+          <p:cNvPr id="13" name="Rounded Rectangle 12"/>
+          <p:cNvSpPr/>
+          <p:nvPr/>
+        </p:nvSpPr>
+        <p:spPr>
+          <a:xfrm>
+            <a:off x="2133600" y="2819400"/>
+            <a:ext cx="4191000" cy="1676400"/>
+          </a:xfrm>
+          <a:prstGeom prst="roundRect">
+            <a:avLst/>
+          </a:prstGeom>
+          <a:noFill/>
+          <a:ln>
+            <a:solidFill>
+              <a:schemeClr val="tx1"/>
+            </a:solidFill>
+            <a:prstDash val="dash"/>
+          </a:ln>
+        </p:spPr>
+        <p:style>
+          <a:lnRef idx="2">
+            <a:schemeClr val="accent1">
+              <a:shade val="50000"/>
+            </a:schemeClr>
+          </a:lnRef>
+          <a:fillRef idx="1">
+            <a:schemeClr val="accent1"/>
+          </a:fillRef>
+          <a:effectRef idx="0">
+            <a:schemeClr val="accent1"/>
+          </a:effectRef>
+          <a:fontRef idx="minor">
+            <a:schemeClr val="lt1"/>
+          </a:fontRef>
+        </p:style>
+        <p:txBody>
+          <a:bodyPr rtlCol="0" anchor="ctr"/>
+          <a:lstStyle/>
+          <a:p>
+            <a:pPr algn="ctr"/>
+            <a:endParaRPr lang="en-GB"/>
+          </a:p>
+        </p:txBody>
+      </p:sp>
+    </p:spTree>
+  </p:cSld>
+  <p:clrMapOvr>
+    <a:masterClrMapping/>
+  </p:clrMapOvr>
+</p:sld>
+</file>
+
+<file path=ppt/slides/slide17.xml><?xml version="1.0" encoding="utf-8"?>
+<p:sld xmlns:a="http://schemas.openxmlformats.org/drawingml/2006/main" xmlns:r="http://schemas.openxmlformats.org/officeDocument/2006/relationships" xmlns:p="http://schemas.openxmlformats.org/presentationml/2006/main">
+  <p:cSld>
+    <p:spTree>
+      <p:nvGrpSpPr>
+        <p:cNvPr id="1" name=""/>
+        <p:cNvGrpSpPr/>
+        <p:nvPr/>
+      </p:nvGrpSpPr>
+      <p:grpSpPr>
+        <a:xfrm>
+          <a:off x="0" y="0"/>
+          <a:ext cx="0" cy="0"/>
+          <a:chOff x="0" y="0"/>
+          <a:chExt cx="0" cy="0"/>
+        </a:xfrm>
+      </p:grpSpPr>
+      <p:sp>
+        <p:nvSpPr>
+          <p:cNvPr id="2" name="Title 1"/>
+          <p:cNvSpPr>
+            <a:spLocks noGrp="1"/>
+          </p:cNvSpPr>
+          <p:nvPr>
+            <p:ph type="title"/>
+          </p:nvPr>
+        </p:nvSpPr>
+        <p:spPr/>
+        <p:txBody>
+          <a:bodyPr/>
+          <a:lstStyle/>
+          <a:p>
+            <a:r>
+              <a:rPr lang="en-GB" dirty="0" smtClean="0"/>
+              <a:t>Topology as ports and links</a:t>
+            </a:r>
+            <a:endParaRPr lang="en-GB" dirty="0"/>
+          </a:p>
+        </p:txBody>
+      </p:sp>
+      <p:sp>
+        <p:nvSpPr>
+          <p:cNvPr id="3" name="Rounded Rectangle 2"/>
+          <p:cNvSpPr/>
+          <p:nvPr/>
+        </p:nvSpPr>
+        <p:spPr>
+          <a:xfrm>
+            <a:off x="2971800" y="3124200"/>
+            <a:ext cx="762000" cy="685800"/>
+          </a:xfrm>
+          <a:prstGeom prst="roundRect">
+            <a:avLst/>
+          </a:prstGeom>
+          <a:solidFill>
+            <a:schemeClr val="bg1"/>
+          </a:solidFill>
+          <a:ln>
+            <a:solidFill>
+              <a:schemeClr val="tx1"/>
+            </a:solidFill>
+          </a:ln>
+        </p:spPr>
+        <p:style>
+          <a:lnRef idx="2">
+            <a:schemeClr val="accent1">
+              <a:shade val="50000"/>
+            </a:schemeClr>
+          </a:lnRef>
+          <a:fillRef idx="1">
+            <a:schemeClr val="accent1"/>
+          </a:fillRef>
+          <a:effectRef idx="0">
+            <a:schemeClr val="accent1"/>
+          </a:effectRef>
+          <a:fontRef idx="minor">
+            <a:schemeClr val="lt1"/>
+          </a:fontRef>
+        </p:style>
+        <p:txBody>
+          <a:bodyPr rtlCol="0" anchor="ctr"/>
+          <a:lstStyle/>
+          <a:p>
+            <a:pPr algn="ctr"/>
+            <a:endParaRPr lang="en-GB" dirty="0">
+              <a:solidFill>
+                <a:schemeClr val="tx1"/>
+              </a:solidFill>
+            </a:endParaRPr>
+          </a:p>
+        </p:txBody>
+      </p:sp>
+      <p:sp>
+        <p:nvSpPr>
+          <p:cNvPr id="4" name="Rectangle 3"/>
+          <p:cNvSpPr/>
+          <p:nvPr/>
+        </p:nvSpPr>
+        <p:spPr>
+          <a:xfrm>
+            <a:off x="2895600" y="2743200"/>
+            <a:ext cx="837280" cy="369332"/>
+          </a:xfrm>
+          <a:prstGeom prst="rect">
+            <a:avLst/>
+          </a:prstGeom>
+        </p:spPr>
+        <p:txBody>
+          <a:bodyPr wrap="none">
+            <a:spAutoFit/>
+          </a:bodyPr>
+          <a:lstStyle/>
+          <a:p>
+            <a:pPr algn="ctr"/>
+            <a:r>
+              <a:rPr lang="en-GB" dirty="0" smtClean="0"/>
+              <a:t>Square</a:t>
+            </a:r>
+            <a:endParaRPr lang="en-GB" dirty="0"/>
+          </a:p>
+        </p:txBody>
+      </p:sp>
+      <p:sp>
+        <p:nvSpPr>
+          <p:cNvPr id="5" name="Oval 4"/>
+          <p:cNvSpPr/>
+          <p:nvPr/>
+        </p:nvSpPr>
+        <p:spPr>
+          <a:xfrm>
+            <a:off x="3733800" y="3429000"/>
+            <a:ext cx="152400" cy="152400"/>
+          </a:xfrm>
+          <a:prstGeom prst="ellipse">
+            <a:avLst/>
+          </a:prstGeom>
+          <a:solidFill>
+            <a:schemeClr val="tx1"/>
+          </a:solidFill>
+          <a:ln>
+            <a:solidFill>
+              <a:schemeClr val="tx1"/>
+            </a:solidFill>
+          </a:ln>
+        </p:spPr>
+        <p:style>
+          <a:lnRef idx="2">
+            <a:schemeClr val="accent1">
+              <a:shade val="50000"/>
+            </a:schemeClr>
+          </a:lnRef>
+          <a:fillRef idx="1">
+            <a:schemeClr val="accent1"/>
+          </a:fillRef>
+          <a:effectRef idx="0">
+            <a:schemeClr val="accent1"/>
+          </a:effectRef>
+          <a:fontRef idx="minor">
+            <a:schemeClr val="lt1"/>
+          </a:fontRef>
+        </p:style>
+        <p:txBody>
+          <a:bodyPr rtlCol="0" anchor="ctr"/>
+          <a:lstStyle/>
+          <a:p>
+            <a:pPr algn="ctr"/>
+            <a:endParaRPr lang="en-GB"/>
+          </a:p>
+        </p:txBody>
+      </p:sp>
+      <p:sp>
+        <p:nvSpPr>
+          <p:cNvPr id="6" name="Oval 5"/>
+          <p:cNvSpPr/>
+          <p:nvPr/>
+        </p:nvSpPr>
+        <p:spPr>
+          <a:xfrm>
+            <a:off x="2819400" y="3429000"/>
+            <a:ext cx="152400" cy="152400"/>
+          </a:xfrm>
+          <a:prstGeom prst="ellipse">
+            <a:avLst/>
+          </a:prstGeom>
+          <a:solidFill>
+            <a:schemeClr val="tx1"/>
+          </a:solidFill>
+          <a:ln>
+            <a:solidFill>
+              <a:schemeClr val="tx1"/>
+            </a:solidFill>
+          </a:ln>
+        </p:spPr>
+        <p:style>
+          <a:lnRef idx="2">
+            <a:schemeClr val="accent1">
+              <a:shade val="50000"/>
+            </a:schemeClr>
+          </a:lnRef>
+          <a:fillRef idx="1">
+            <a:schemeClr val="accent1"/>
+          </a:fillRef>
+          <a:effectRef idx="0">
+            <a:schemeClr val="accent1"/>
+          </a:effectRef>
+          <a:fontRef idx="minor">
+            <a:schemeClr val="lt1"/>
+          </a:fontRef>
+        </p:style>
+        <p:txBody>
+          <a:bodyPr rtlCol="0" anchor="ctr"/>
+          <a:lstStyle/>
+          <a:p>
+            <a:pPr algn="ctr"/>
+            <a:endParaRPr lang="en-GB"/>
+          </a:p>
+        </p:txBody>
+      </p:sp>
+      <p:sp>
+        <p:nvSpPr>
+          <p:cNvPr id="7" name="Rounded Rectangle 6"/>
+          <p:cNvSpPr/>
+          <p:nvPr/>
+        </p:nvSpPr>
+        <p:spPr>
+          <a:xfrm>
+            <a:off x="4343400" y="3124200"/>
+            <a:ext cx="762000" cy="685800"/>
+          </a:xfrm>
+          <a:prstGeom prst="roundRect">
+            <a:avLst/>
+          </a:prstGeom>
+          <a:solidFill>
+            <a:schemeClr val="bg1"/>
+          </a:solidFill>
+          <a:ln>
+            <a:solidFill>
+              <a:schemeClr val="tx1"/>
+            </a:solidFill>
+          </a:ln>
+        </p:spPr>
+        <p:style>
+          <a:lnRef idx="2">
+            <a:schemeClr val="accent1">
+              <a:shade val="50000"/>
+            </a:schemeClr>
+          </a:lnRef>
+          <a:fillRef idx="1">
+            <a:schemeClr val="accent1"/>
+          </a:fillRef>
+          <a:effectRef idx="0">
+            <a:schemeClr val="accent1"/>
+          </a:effectRef>
+          <a:fontRef idx="minor">
+            <a:schemeClr val="lt1"/>
+          </a:fontRef>
+        </p:style>
+        <p:txBody>
+          <a:bodyPr rtlCol="0" anchor="ctr"/>
+          <a:lstStyle/>
+          <a:p>
+            <a:pPr algn="ctr"/>
+            <a:endParaRPr lang="en-GB" dirty="0">
+              <a:solidFill>
+                <a:schemeClr val="tx1"/>
+              </a:solidFill>
+            </a:endParaRPr>
+          </a:p>
+        </p:txBody>
+      </p:sp>
+      <p:sp>
+        <p:nvSpPr>
+          <p:cNvPr id="8" name="Rectangle 7"/>
+          <p:cNvSpPr/>
+          <p:nvPr/>
+        </p:nvSpPr>
+        <p:spPr>
+          <a:xfrm>
+            <a:off x="4267200" y="2743200"/>
+            <a:ext cx="837280" cy="369332"/>
+          </a:xfrm>
+          <a:prstGeom prst="rect">
+            <a:avLst/>
+          </a:prstGeom>
+        </p:spPr>
+        <p:txBody>
+          <a:bodyPr wrap="none">
+            <a:spAutoFit/>
+          </a:bodyPr>
+          <a:lstStyle/>
+          <a:p>
+            <a:pPr algn="ctr"/>
+            <a:r>
+              <a:rPr lang="en-GB" dirty="0" smtClean="0"/>
+              <a:t>Square</a:t>
+            </a:r>
+            <a:endParaRPr lang="en-GB" dirty="0"/>
+          </a:p>
+        </p:txBody>
+      </p:sp>
+      <p:sp>
+        <p:nvSpPr>
+          <p:cNvPr id="9" name="Oval 8"/>
+          <p:cNvSpPr/>
+          <p:nvPr/>
+        </p:nvSpPr>
+        <p:spPr>
+          <a:xfrm>
+            <a:off x="5105400" y="3429000"/>
+            <a:ext cx="152400" cy="152400"/>
+          </a:xfrm>
+          <a:prstGeom prst="ellipse">
+            <a:avLst/>
+          </a:prstGeom>
+          <a:solidFill>
+            <a:schemeClr val="tx1"/>
+          </a:solidFill>
+          <a:ln>
+            <a:solidFill>
+              <a:schemeClr val="tx1"/>
+            </a:solidFill>
+          </a:ln>
+        </p:spPr>
+        <p:style>
+          <a:lnRef idx="2">
+            <a:schemeClr val="accent1">
+              <a:shade val="50000"/>
+            </a:schemeClr>
+          </a:lnRef>
+          <a:fillRef idx="1">
+            <a:schemeClr val="accent1"/>
+          </a:fillRef>
+          <a:effectRef idx="0">
+            <a:schemeClr val="accent1"/>
+          </a:effectRef>
+          <a:fontRef idx="minor">
+            <a:schemeClr val="lt1"/>
+          </a:fontRef>
+        </p:style>
+        <p:txBody>
+          <a:bodyPr rtlCol="0" anchor="ctr"/>
+          <a:lstStyle/>
+          <a:p>
+            <a:pPr algn="ctr"/>
+            <a:endParaRPr lang="en-GB"/>
+          </a:p>
+        </p:txBody>
+      </p:sp>
+      <p:sp>
+        <p:nvSpPr>
+          <p:cNvPr id="10" name="Oval 9"/>
+          <p:cNvSpPr/>
+          <p:nvPr/>
+        </p:nvSpPr>
+        <p:spPr>
+          <a:xfrm>
+            <a:off x="4191000" y="3429000"/>
+            <a:ext cx="152400" cy="152400"/>
+          </a:xfrm>
+          <a:prstGeom prst="ellipse">
+            <a:avLst/>
+          </a:prstGeom>
+          <a:solidFill>
+            <a:schemeClr val="tx1"/>
+          </a:solidFill>
+          <a:ln>
+            <a:solidFill>
+              <a:schemeClr val="tx1"/>
+            </a:solidFill>
+          </a:ln>
+        </p:spPr>
+        <p:style>
+          <a:lnRef idx="2">
+            <a:schemeClr val="accent1">
+              <a:shade val="50000"/>
+            </a:schemeClr>
+          </a:lnRef>
+          <a:fillRef idx="1">
+            <a:schemeClr val="accent1"/>
+          </a:fillRef>
+          <a:effectRef idx="0">
+            <a:schemeClr val="accent1"/>
+          </a:effectRef>
+          <a:fontRef idx="minor">
+            <a:schemeClr val="lt1"/>
+          </a:fontRef>
+        </p:style>
+        <p:txBody>
+          <a:bodyPr rtlCol="0" anchor="ctr"/>
+          <a:lstStyle/>
+          <a:p>
+            <a:pPr algn="ctr"/>
+            <a:endParaRPr lang="en-GB"/>
+          </a:p>
+        </p:txBody>
+      </p:sp>
+      <p:sp>
+        <p:nvSpPr>
+          <p:cNvPr id="11" name="Rounded Rectangle 10"/>
+          <p:cNvSpPr/>
+          <p:nvPr/>
+        </p:nvSpPr>
+        <p:spPr>
+          <a:xfrm>
+            <a:off x="5715000" y="3124200"/>
+            <a:ext cx="762000" cy="685800"/>
+          </a:xfrm>
+          <a:prstGeom prst="roundRect">
+            <a:avLst/>
+          </a:prstGeom>
+          <a:solidFill>
+            <a:schemeClr val="bg1"/>
+          </a:solidFill>
+          <a:ln>
+            <a:solidFill>
+              <a:schemeClr val="tx1"/>
+            </a:solidFill>
+          </a:ln>
+        </p:spPr>
+        <p:style>
+          <a:lnRef idx="2">
+            <a:schemeClr val="accent1">
+              <a:shade val="50000"/>
+            </a:schemeClr>
+          </a:lnRef>
+          <a:fillRef idx="1">
+            <a:schemeClr val="accent1"/>
+          </a:fillRef>
+          <a:effectRef idx="0">
+            <a:schemeClr val="accent1"/>
+          </a:effectRef>
+          <a:fontRef idx="minor">
+            <a:schemeClr val="lt1"/>
+          </a:fontRef>
+        </p:style>
+        <p:txBody>
+          <a:bodyPr rtlCol="0" anchor="ctr"/>
+          <a:lstStyle/>
+          <a:p>
+            <a:pPr algn="ctr"/>
+            <a:endParaRPr lang="en-GB" dirty="0">
+              <a:solidFill>
+                <a:schemeClr val="tx1"/>
+              </a:solidFill>
+            </a:endParaRPr>
+          </a:p>
+        </p:txBody>
+      </p:sp>
+      <p:sp>
+        <p:nvSpPr>
+          <p:cNvPr id="12" name="Rectangle 11"/>
+          <p:cNvSpPr/>
+          <p:nvPr/>
+        </p:nvSpPr>
+        <p:spPr>
+          <a:xfrm>
+            <a:off x="5638800" y="2743200"/>
+            <a:ext cx="837280" cy="369332"/>
+          </a:xfrm>
+          <a:prstGeom prst="rect">
+            <a:avLst/>
+          </a:prstGeom>
+        </p:spPr>
+        <p:txBody>
+          <a:bodyPr wrap="none">
+            <a:spAutoFit/>
+          </a:bodyPr>
+          <a:lstStyle/>
+          <a:p>
+            <a:pPr algn="ctr"/>
+            <a:r>
+              <a:rPr lang="en-GB" dirty="0" smtClean="0"/>
+              <a:t>Square</a:t>
+            </a:r>
+            <a:endParaRPr lang="en-GB" dirty="0"/>
+          </a:p>
+        </p:txBody>
+      </p:sp>
+      <p:sp>
+        <p:nvSpPr>
+          <p:cNvPr id="13" name="Oval 12"/>
+          <p:cNvSpPr/>
+          <p:nvPr/>
+        </p:nvSpPr>
+        <p:spPr>
+          <a:xfrm>
+            <a:off x="6477000" y="3429000"/>
+            <a:ext cx="152400" cy="152400"/>
+          </a:xfrm>
+          <a:prstGeom prst="ellipse">
+            <a:avLst/>
+          </a:prstGeom>
+          <a:solidFill>
+            <a:schemeClr val="tx1"/>
+          </a:solidFill>
+          <a:ln>
+            <a:solidFill>
+              <a:schemeClr val="tx1"/>
+            </a:solidFill>
+          </a:ln>
+        </p:spPr>
+        <p:style>
+          <a:lnRef idx="2">
+            <a:schemeClr val="accent1">
+              <a:shade val="50000"/>
+            </a:schemeClr>
+          </a:lnRef>
+          <a:fillRef idx="1">
+            <a:schemeClr val="accent1"/>
+          </a:fillRef>
+          <a:effectRef idx="0">
+            <a:schemeClr val="accent1"/>
+          </a:effectRef>
+          <a:fontRef idx="minor">
+            <a:schemeClr val="lt1"/>
+          </a:fontRef>
+        </p:style>
+        <p:txBody>
+          <a:bodyPr rtlCol="0" anchor="ctr"/>
+          <a:lstStyle/>
+          <a:p>
+            <a:pPr algn="ctr"/>
+            <a:endParaRPr lang="en-GB"/>
+          </a:p>
+        </p:txBody>
+      </p:sp>
+      <p:sp>
+        <p:nvSpPr>
+          <p:cNvPr id="14" name="Oval 13"/>
+          <p:cNvSpPr/>
+          <p:nvPr/>
+        </p:nvSpPr>
+        <p:spPr>
+          <a:xfrm>
+            <a:off x="5562600" y="3429000"/>
+            <a:ext cx="152400" cy="152400"/>
+          </a:xfrm>
+          <a:prstGeom prst="ellipse">
+            <a:avLst/>
+          </a:prstGeom>
+          <a:solidFill>
+            <a:schemeClr val="tx1"/>
+          </a:solidFill>
+          <a:ln>
+            <a:solidFill>
+              <a:schemeClr val="tx1"/>
+            </a:solidFill>
+          </a:ln>
+        </p:spPr>
+        <p:style>
+          <a:lnRef idx="2">
+            <a:schemeClr val="accent1">
+              <a:shade val="50000"/>
+            </a:schemeClr>
+          </a:lnRef>
+          <a:fillRef idx="1">
+            <a:schemeClr val="accent1"/>
+          </a:fillRef>
+          <a:effectRef idx="0">
+            <a:schemeClr val="accent1"/>
+          </a:effectRef>
+          <a:fontRef idx="minor">
+            <a:schemeClr val="lt1"/>
+          </a:fontRef>
+        </p:style>
+        <p:txBody>
+          <a:bodyPr rtlCol="0" anchor="ctr"/>
+          <a:lstStyle/>
+          <a:p>
+            <a:pPr algn="ctr"/>
+            <a:endParaRPr lang="en-GB"/>
+          </a:p>
+        </p:txBody>
+      </p:sp>
+      <p:cxnSp>
+        <p:nvCxnSpPr>
+          <p:cNvPr id="15" name="Curved Connector 14"/>
+          <p:cNvCxnSpPr>
+            <a:stCxn id="10" idx="2"/>
+            <a:endCxn id="5" idx="6"/>
+          </p:cNvCxnSpPr>
+          <p:nvPr/>
+        </p:nvCxnSpPr>
+        <p:spPr>
+          <a:xfrm rot="10800000">
+            <a:off x="3886200" y="3505200"/>
+            <a:ext cx="304800" cy="1588"/>
+          </a:xfrm>
+          <a:prstGeom prst="curvedConnector3">
+            <a:avLst>
+              <a:gd name="adj1" fmla="val 50000"/>
+            </a:avLst>
+          </a:prstGeom>
+          <a:ln>
+            <a:solidFill>
+              <a:schemeClr val="tx1"/>
+            </a:solidFill>
+          </a:ln>
+        </p:spPr>
+        <p:style>
+          <a:lnRef idx="1">
+            <a:schemeClr val="accent1"/>
+          </a:lnRef>
+          <a:fillRef idx="0">
+            <a:schemeClr val="accent1"/>
+          </a:fillRef>
+          <a:effectRef idx="0">
+            <a:schemeClr val="accent1"/>
+          </a:effectRef>
+          <a:fontRef idx="minor">
+            <a:schemeClr val="tx1"/>
+          </a:fontRef>
+        </p:style>
+      </p:cxnSp>
+      <p:cxnSp>
+        <p:nvCxnSpPr>
+          <p:cNvPr id="18" name="Curved Connector 17"/>
+          <p:cNvCxnSpPr>
+            <a:stCxn id="14" idx="2"/>
+            <a:endCxn id="9" idx="6"/>
+          </p:cNvCxnSpPr>
+          <p:nvPr/>
+        </p:nvCxnSpPr>
+        <p:spPr>
+          <a:xfrm rot="10800000">
+            <a:off x="5257800" y="3505200"/>
+            <a:ext cx="304800" cy="1588"/>
+          </a:xfrm>
+          <a:prstGeom prst="curvedConnector3">
+            <a:avLst>
+              <a:gd name="adj1" fmla="val 50000"/>
+            </a:avLst>
+          </a:prstGeom>
+          <a:ln>
+            <a:solidFill>
+              <a:schemeClr val="tx1"/>
+            </a:solidFill>
+          </a:ln>
+        </p:spPr>
+        <p:style>
+          <a:lnRef idx="1">
+            <a:schemeClr val="accent1"/>
+          </a:lnRef>
+          <a:fillRef idx="0">
+            <a:schemeClr val="accent1"/>
+          </a:fillRef>
+          <a:effectRef idx="0">
+            <a:schemeClr val="accent1"/>
+          </a:effectRef>
+          <a:fontRef idx="minor">
+            <a:schemeClr val="tx1"/>
+          </a:fontRef>
+        </p:style>
+      </p:cxnSp>
+    </p:spTree>
+  </p:cSld>
+  <p:clrMapOvr>
+    <a:masterClrMapping/>
+  </p:clrMapOvr>
+</p:sld>
+</file>
+
+<file path=ppt/slides/slide18.xml><?xml version="1.0" encoding="utf-8"?>
+<p:sld xmlns:a="http://schemas.openxmlformats.org/drawingml/2006/main" xmlns:r="http://schemas.openxmlformats.org/officeDocument/2006/relationships" xmlns:p="http://schemas.openxmlformats.org/presentationml/2006/main">
+  <p:cSld>
+    <p:spTree>
+      <p:nvGrpSpPr>
+        <p:cNvPr id="1" name=""/>
+        <p:cNvGrpSpPr/>
+        <p:nvPr/>
+      </p:nvGrpSpPr>
+      <p:grpSpPr>
+        <a:xfrm>
+          <a:off x="0" y="0"/>
+          <a:ext cx="0" cy="0"/>
+          <a:chOff x="0" y="0"/>
+          <a:chExt cx="0" cy="0"/>
+        </a:xfrm>
+      </p:grpSpPr>
+      <p:sp>
+        <p:nvSpPr>
+          <p:cNvPr id="2" name="Title 1"/>
+          <p:cNvSpPr>
+            <a:spLocks noGrp="1"/>
+          </p:cNvSpPr>
+          <p:nvPr>
+            <p:ph type="title"/>
+          </p:nvPr>
+        </p:nvSpPr>
+        <p:spPr/>
+        <p:txBody>
+          <a:bodyPr/>
+          <a:lstStyle/>
+          <a:p>
+            <a:r>
+              <a:rPr lang="en-GB" dirty="0" smtClean="0"/>
+              <a:t>Topology as child nodes and links</a:t>
+            </a:r>
+            <a:endParaRPr lang="en-GB" dirty="0"/>
+          </a:p>
+        </p:txBody>
+      </p:sp>
+      <p:sp>
+        <p:nvSpPr>
+          <p:cNvPr id="3" name="Rounded Rectangle 2"/>
+          <p:cNvSpPr/>
+          <p:nvPr/>
+        </p:nvSpPr>
+        <p:spPr>
+          <a:xfrm>
+            <a:off x="2971800" y="3124200"/>
+            <a:ext cx="762000" cy="685800"/>
+          </a:xfrm>
+          <a:prstGeom prst="roundRect">
+            <a:avLst/>
+          </a:prstGeom>
+          <a:solidFill>
+            <a:schemeClr val="bg1"/>
+          </a:solidFill>
+          <a:ln>
+            <a:solidFill>
+              <a:schemeClr val="tx1"/>
+            </a:solidFill>
+          </a:ln>
+        </p:spPr>
+        <p:style>
+          <a:lnRef idx="2">
+            <a:schemeClr val="accent1">
+              <a:shade val="50000"/>
+            </a:schemeClr>
+          </a:lnRef>
+          <a:fillRef idx="1">
+            <a:schemeClr val="accent1"/>
+          </a:fillRef>
+          <a:effectRef idx="0">
+            <a:schemeClr val="accent1"/>
+          </a:effectRef>
+          <a:fontRef idx="minor">
+            <a:schemeClr val="lt1"/>
+          </a:fontRef>
+        </p:style>
+        <p:txBody>
+          <a:bodyPr rtlCol="0" anchor="ctr"/>
+          <a:lstStyle/>
+          <a:p>
+            <a:pPr algn="ctr"/>
+            <a:endParaRPr lang="en-GB" dirty="0">
+              <a:solidFill>
+                <a:schemeClr val="tx1"/>
+              </a:solidFill>
+            </a:endParaRPr>
+          </a:p>
+        </p:txBody>
+      </p:sp>
+      <p:sp>
+        <p:nvSpPr>
+          <p:cNvPr id="4" name="Rectangle 3"/>
+          <p:cNvSpPr/>
+          <p:nvPr/>
+        </p:nvSpPr>
+        <p:spPr>
+          <a:xfrm>
+            <a:off x="2924711" y="2743200"/>
+            <a:ext cx="779059" cy="369332"/>
+          </a:xfrm>
+          <a:prstGeom prst="rect">
+            <a:avLst/>
+          </a:prstGeom>
+        </p:spPr>
+        <p:txBody>
+          <a:bodyPr wrap="none">
+            <a:spAutoFit/>
+          </a:bodyPr>
+          <a:lstStyle/>
+          <a:p>
+            <a:pPr algn="ctr"/>
+            <a:r>
+              <a:rPr lang="en-GB" dirty="0" smtClean="0"/>
+              <a:t>Locale</a:t>
+            </a:r>
+            <a:endParaRPr lang="en-GB" dirty="0"/>
+          </a:p>
+        </p:txBody>
+      </p:sp>
+      <p:sp>
+        <p:nvSpPr>
+          <p:cNvPr id="7" name="Rounded Rectangle 6"/>
+          <p:cNvSpPr/>
+          <p:nvPr/>
+        </p:nvSpPr>
+        <p:spPr>
+          <a:xfrm>
+            <a:off x="4343400" y="3124200"/>
+            <a:ext cx="762000" cy="685800"/>
+          </a:xfrm>
+          <a:prstGeom prst="roundRect">
+            <a:avLst/>
+          </a:prstGeom>
+          <a:solidFill>
+            <a:schemeClr val="bg1"/>
+          </a:solidFill>
+          <a:ln>
+            <a:solidFill>
+              <a:schemeClr val="tx1"/>
+            </a:solidFill>
+          </a:ln>
+        </p:spPr>
+        <p:style>
+          <a:lnRef idx="2">
+            <a:schemeClr val="accent1">
+              <a:shade val="50000"/>
+            </a:schemeClr>
+          </a:lnRef>
+          <a:fillRef idx="1">
+            <a:schemeClr val="accent1"/>
+          </a:fillRef>
+          <a:effectRef idx="0">
+            <a:schemeClr val="accent1"/>
+          </a:effectRef>
+          <a:fontRef idx="minor">
+            <a:schemeClr val="lt1"/>
+          </a:fontRef>
+        </p:style>
+        <p:txBody>
+          <a:bodyPr rtlCol="0" anchor="ctr"/>
+          <a:lstStyle/>
+          <a:p>
+            <a:pPr algn="ctr"/>
+            <a:endParaRPr lang="en-GB" dirty="0">
+              <a:solidFill>
+                <a:schemeClr val="tx1"/>
+              </a:solidFill>
+            </a:endParaRPr>
+          </a:p>
+        </p:txBody>
+      </p:sp>
+      <p:sp>
+        <p:nvSpPr>
+          <p:cNvPr id="8" name="Rectangle 7"/>
+          <p:cNvSpPr/>
+          <p:nvPr/>
+        </p:nvSpPr>
+        <p:spPr>
+          <a:xfrm>
+            <a:off x="4296311" y="2743200"/>
+            <a:ext cx="779059" cy="369332"/>
+          </a:xfrm>
+          <a:prstGeom prst="rect">
+            <a:avLst/>
+          </a:prstGeom>
+        </p:spPr>
+        <p:txBody>
+          <a:bodyPr wrap="none">
+            <a:spAutoFit/>
+          </a:bodyPr>
+          <a:lstStyle/>
+          <a:p>
+            <a:pPr algn="ctr"/>
+            <a:r>
+              <a:rPr lang="en-GB" dirty="0" smtClean="0"/>
+              <a:t>Locale</a:t>
+            </a:r>
+            <a:endParaRPr lang="en-GB" dirty="0"/>
+          </a:p>
+        </p:txBody>
+      </p:sp>
+      <p:sp>
+        <p:nvSpPr>
+          <p:cNvPr id="11" name="Rounded Rectangle 10"/>
+          <p:cNvSpPr/>
+          <p:nvPr/>
+        </p:nvSpPr>
+        <p:spPr>
+          <a:xfrm>
+            <a:off x="5715000" y="3124200"/>
+            <a:ext cx="762000" cy="685800"/>
+          </a:xfrm>
+          <a:prstGeom prst="roundRect">
+            <a:avLst/>
+          </a:prstGeom>
+          <a:solidFill>
+            <a:schemeClr val="bg1"/>
+          </a:solidFill>
+          <a:ln>
+            <a:solidFill>
+              <a:schemeClr val="tx1"/>
+            </a:solidFill>
+          </a:ln>
+        </p:spPr>
+        <p:style>
+          <a:lnRef idx="2">
+            <a:schemeClr val="accent1">
+              <a:shade val="50000"/>
+            </a:schemeClr>
+          </a:lnRef>
+          <a:fillRef idx="1">
+            <a:schemeClr val="accent1"/>
+          </a:fillRef>
+          <a:effectRef idx="0">
+            <a:schemeClr val="accent1"/>
+          </a:effectRef>
+          <a:fontRef idx="minor">
+            <a:schemeClr val="lt1"/>
+          </a:fontRef>
+        </p:style>
+        <p:txBody>
+          <a:bodyPr rtlCol="0" anchor="ctr"/>
+          <a:lstStyle/>
+          <a:p>
+            <a:pPr algn="ctr"/>
+            <a:endParaRPr lang="en-GB" dirty="0">
+              <a:solidFill>
+                <a:schemeClr val="tx1"/>
+              </a:solidFill>
+            </a:endParaRPr>
+          </a:p>
+        </p:txBody>
+      </p:sp>
+      <p:sp>
+        <p:nvSpPr>
+          <p:cNvPr id="12" name="Rectangle 11"/>
+          <p:cNvSpPr/>
+          <p:nvPr/>
+        </p:nvSpPr>
+        <p:spPr>
+          <a:xfrm>
+            <a:off x="5667910" y="2743200"/>
+            <a:ext cx="779059" cy="369332"/>
+          </a:xfrm>
+          <a:prstGeom prst="rect">
+            <a:avLst/>
+          </a:prstGeom>
+        </p:spPr>
+        <p:txBody>
+          <a:bodyPr wrap="none">
+            <a:spAutoFit/>
+          </a:bodyPr>
+          <a:lstStyle/>
+          <a:p>
+            <a:pPr algn="ctr"/>
+            <a:r>
+              <a:rPr lang="en-GB" dirty="0" smtClean="0"/>
+              <a:t>Locale</a:t>
+            </a:r>
+            <a:endParaRPr lang="en-GB" dirty="0"/>
+          </a:p>
+        </p:txBody>
+      </p:sp>
+      <p:cxnSp>
+        <p:nvCxnSpPr>
+          <p:cNvPr id="15" name="Curved Connector 14"/>
+          <p:cNvCxnSpPr>
+            <a:endCxn id="25" idx="3"/>
+          </p:cNvCxnSpPr>
+          <p:nvPr/>
+        </p:nvCxnSpPr>
+        <p:spPr>
+          <a:xfrm rot="10800000">
+            <a:off x="3657600" y="3505200"/>
+            <a:ext cx="762000" cy="1588"/>
+          </a:xfrm>
+          <a:prstGeom prst="curvedConnector3">
+            <a:avLst>
+              <a:gd name="adj1" fmla="val 50000"/>
+            </a:avLst>
+          </a:prstGeom>
+          <a:ln>
+            <a:solidFill>
+              <a:schemeClr val="tx1"/>
+            </a:solidFill>
+          </a:ln>
+        </p:spPr>
+        <p:style>
+          <a:lnRef idx="1">
+            <a:schemeClr val="accent1"/>
+          </a:lnRef>
+          <a:fillRef idx="0">
+            <a:schemeClr val="accent1"/>
+          </a:fillRef>
+          <a:effectRef idx="0">
+            <a:schemeClr val="accent1"/>
+          </a:effectRef>
+          <a:fontRef idx="minor">
+            <a:schemeClr val="tx1"/>
+          </a:fontRef>
+        </p:style>
+      </p:cxnSp>
+      <p:cxnSp>
+        <p:nvCxnSpPr>
+          <p:cNvPr id="18" name="Curved Connector 17"/>
+          <p:cNvCxnSpPr/>
+          <p:nvPr/>
+        </p:nvCxnSpPr>
+        <p:spPr>
+          <a:xfrm rot="10800000">
+            <a:off x="5029200" y="3505200"/>
+            <a:ext cx="762000" cy="1588"/>
+          </a:xfrm>
+          <a:prstGeom prst="curvedConnector3">
+            <a:avLst>
+              <a:gd name="adj1" fmla="val 50000"/>
+            </a:avLst>
+          </a:prstGeom>
+          <a:ln>
+            <a:solidFill>
+              <a:schemeClr val="tx1"/>
+            </a:solidFill>
+          </a:ln>
+        </p:spPr>
+        <p:style>
+          <a:lnRef idx="1">
+            <a:schemeClr val="accent1"/>
+          </a:lnRef>
+          <a:fillRef idx="0">
+            <a:schemeClr val="accent1"/>
+          </a:fillRef>
+          <a:effectRef idx="0">
+            <a:schemeClr val="accent1"/>
+          </a:effectRef>
+          <a:fontRef idx="minor">
+            <a:schemeClr val="tx1"/>
+          </a:fontRef>
+        </p:style>
+      </p:cxnSp>
+      <p:sp>
+        <p:nvSpPr>
+          <p:cNvPr id="25" name="Diamond 24"/>
+          <p:cNvSpPr/>
+          <p:nvPr/>
+        </p:nvSpPr>
+        <p:spPr>
+          <a:xfrm>
+            <a:off x="3505200" y="3429000"/>
+            <a:ext cx="152400" cy="152400"/>
+          </a:xfrm>
+          <a:prstGeom prst="diamond">
+            <a:avLst/>
+          </a:prstGeom>
+          <a:noFill/>
+          <a:ln>
+            <a:solidFill>
+              <a:schemeClr val="tx1"/>
+            </a:solidFill>
+          </a:ln>
+        </p:spPr>
+        <p:style>
+          <a:lnRef idx="2">
+            <a:schemeClr val="accent1">
+              <a:shade val="50000"/>
+            </a:schemeClr>
+          </a:lnRef>
+          <a:fillRef idx="1">
+            <a:schemeClr val="accent1"/>
+          </a:fillRef>
+          <a:effectRef idx="0">
+            <a:schemeClr val="accent1"/>
+          </a:effectRef>
+          <a:fontRef idx="minor">
+            <a:schemeClr val="lt1"/>
+          </a:fontRef>
+        </p:style>
+        <p:txBody>
+          <a:bodyPr rtlCol="0" anchor="ctr"/>
+          <a:lstStyle/>
+          <a:p>
+            <a:pPr algn="ctr"/>
+            <a:endParaRPr lang="en-GB"/>
+          </a:p>
+        </p:txBody>
+      </p:sp>
+      <p:sp>
+        <p:nvSpPr>
+          <p:cNvPr id="27" name="Diamond 26"/>
+          <p:cNvSpPr/>
+          <p:nvPr/>
+        </p:nvSpPr>
+        <p:spPr>
+          <a:xfrm>
+            <a:off x="4419600" y="3429000"/>
+            <a:ext cx="152400" cy="152400"/>
+          </a:xfrm>
+          <a:prstGeom prst="diamond">
+            <a:avLst/>
+          </a:prstGeom>
+          <a:noFill/>
+          <a:ln>
+            <a:solidFill>
+              <a:schemeClr val="tx1"/>
+            </a:solidFill>
+          </a:ln>
+        </p:spPr>
+        <p:style>
+          <a:lnRef idx="2">
+            <a:schemeClr val="accent1">
+              <a:shade val="50000"/>
+            </a:schemeClr>
+          </a:lnRef>
+          <a:fillRef idx="1">
+            <a:schemeClr val="accent1"/>
+          </a:fillRef>
+          <a:effectRef idx="0">
+            <a:schemeClr val="accent1"/>
+          </a:effectRef>
+          <a:fontRef idx="minor">
+            <a:schemeClr val="lt1"/>
+          </a:fontRef>
+        </p:style>
+        <p:txBody>
+          <a:bodyPr rtlCol="0" anchor="ctr"/>
+          <a:lstStyle/>
+          <a:p>
+            <a:pPr algn="ctr"/>
+            <a:endParaRPr lang="en-GB"/>
+          </a:p>
+        </p:txBody>
+      </p:sp>
+      <p:sp>
+        <p:nvSpPr>
+          <p:cNvPr id="28" name="Diamond 27"/>
+          <p:cNvSpPr/>
+          <p:nvPr/>
+        </p:nvSpPr>
+        <p:spPr>
+          <a:xfrm>
+            <a:off x="4876800" y="3429000"/>
+            <a:ext cx="152400" cy="152400"/>
+          </a:xfrm>
+          <a:prstGeom prst="diamond">
+            <a:avLst/>
+          </a:prstGeom>
+          <a:noFill/>
+          <a:ln>
+            <a:solidFill>
+              <a:schemeClr val="tx1"/>
+            </a:solidFill>
+          </a:ln>
+        </p:spPr>
+        <p:style>
+          <a:lnRef idx="2">
+            <a:schemeClr val="accent1">
+              <a:shade val="50000"/>
+            </a:schemeClr>
+          </a:lnRef>
+          <a:fillRef idx="1">
+            <a:schemeClr val="accent1"/>
+          </a:fillRef>
+          <a:effectRef idx="0">
+            <a:schemeClr val="accent1"/>
+          </a:effectRef>
+          <a:fontRef idx="minor">
+            <a:schemeClr val="lt1"/>
+          </a:fontRef>
+        </p:style>
+        <p:txBody>
+          <a:bodyPr rtlCol="0" anchor="ctr"/>
+          <a:lstStyle/>
+          <a:p>
+            <a:pPr algn="ctr"/>
+            <a:endParaRPr lang="en-GB"/>
+          </a:p>
+        </p:txBody>
+      </p:sp>
+      <p:sp>
+        <p:nvSpPr>
+          <p:cNvPr id="29" name="Diamond 28"/>
+          <p:cNvSpPr/>
+          <p:nvPr/>
+        </p:nvSpPr>
+        <p:spPr>
+          <a:xfrm>
+            <a:off x="5791200" y="3429000"/>
+            <a:ext cx="152400" cy="152400"/>
+          </a:xfrm>
+          <a:prstGeom prst="diamond">
+            <a:avLst/>
+          </a:prstGeom>
+          <a:noFill/>
+          <a:ln>
+            <a:solidFill>
+              <a:schemeClr val="tx1"/>
+            </a:solidFill>
+          </a:ln>
+        </p:spPr>
+        <p:style>
+          <a:lnRef idx="2">
+            <a:schemeClr val="accent1">
+              <a:shade val="50000"/>
+            </a:schemeClr>
+          </a:lnRef>
+          <a:fillRef idx="1">
+            <a:schemeClr val="accent1"/>
+          </a:fillRef>
+          <a:effectRef idx="0">
+            <a:schemeClr val="accent1"/>
+          </a:effectRef>
+          <a:fontRef idx="minor">
+            <a:schemeClr val="lt1"/>
+          </a:fontRef>
+        </p:style>
+        <p:txBody>
+          <a:bodyPr rtlCol="0" anchor="ctr"/>
+          <a:lstStyle/>
+          <a:p>
+            <a:pPr algn="ctr"/>
+            <a:endParaRPr lang="en-GB"/>
+          </a:p>
+        </p:txBody>
+      </p:sp>
+      <p:sp>
+        <p:nvSpPr>
+          <p:cNvPr id="30" name="TextBox 29"/>
+          <p:cNvSpPr txBox="1"/>
+          <p:nvPr/>
+        </p:nvSpPr>
+        <p:spPr>
+          <a:xfrm>
+            <a:off x="5705520" y="3152001"/>
+            <a:ext cx="619080" cy="276999"/>
+          </a:xfrm>
+          <a:prstGeom prst="rect">
+            <a:avLst/>
+          </a:prstGeom>
+          <a:noFill/>
+        </p:spPr>
+        <p:txBody>
+          <a:bodyPr wrap="none" rtlCol="0">
+            <a:spAutoFit/>
+          </a:bodyPr>
+          <a:lstStyle/>
+          <a:p>
+            <a:r>
+              <a:rPr lang="en-GB" sz="1200" dirty="0" smtClean="0"/>
+              <a:t>anchor</a:t>
+            </a:r>
+            <a:endParaRPr lang="en-GB" sz="1200" dirty="0"/>
           </a:p>
         </p:txBody>
       </p:sp>
@@ -5205,7 +7793,7 @@
       </p:grpSpPr>
       <p:sp>
         <p:nvSpPr>
-          <p:cNvPr id="2" name="Title 1"/>
+          <p:cNvPr id="4" name="Title 3"/>
           <p:cNvSpPr>
             <a:spLocks noGrp="1"/>
           </p:cNvSpPr>
@@ -5220,7 +7808,11 @@
           <a:p>
             <a:r>
               <a:rPr lang="en-GB" dirty="0" smtClean="0"/>
-              <a:t>Numbers as controls</a:t>
+              <a:t>Numbers as “constant” </a:t>
+            </a:r>
+            <a:r>
+              <a:rPr lang="en-GB" dirty="0" smtClean="0"/>
+              <a:t>links (2)</a:t>
             </a:r>
             <a:endParaRPr lang="en-GB" dirty="0"/>
           </a:p>
@@ -5228,14 +7820,14 @@
       </p:sp>
       <p:sp>
         <p:nvSpPr>
-          <p:cNvPr id="3" name="Oval 2"/>
-          <p:cNvSpPr/>
-          <p:nvPr/>
-        </p:nvSpPr>
-        <p:spPr>
-          <a:xfrm>
-            <a:off x="1676400" y="2743200"/>
-            <a:ext cx="914400" cy="838200"/>
+          <p:cNvPr id="5" name="Oval 4"/>
+          <p:cNvSpPr/>
+          <p:nvPr/>
+        </p:nvSpPr>
+        <p:spPr>
+          <a:xfrm>
+            <a:off x="5791200" y="2819400"/>
+            <a:ext cx="1752600" cy="914400"/>
           </a:xfrm>
           <a:prstGeom prst="ellipse">
             <a:avLst/>
@@ -5276,7 +7868,7 @@
                   <a:schemeClr val="tx1"/>
                 </a:solidFill>
               </a:rPr>
-              <a:t>N_0</a:t>
+              <a:t>N_1</a:t>
             </a:r>
             <a:endParaRPr lang="en-GB" dirty="0">
               <a:solidFill>
@@ -5288,16 +7880,46 @@
       </p:sp>
       <p:sp>
         <p:nvSpPr>
-          <p:cNvPr id="4" name="Oval 3"/>
-          <p:cNvSpPr/>
-          <p:nvPr/>
-        </p:nvSpPr>
-        <p:spPr>
-          <a:xfrm>
-            <a:off x="2895600" y="2743200"/>
-            <a:ext cx="914400" cy="838200"/>
-          </a:xfrm>
-          <a:prstGeom prst="ellipse">
+          <p:cNvPr id="6" name="TextBox 5"/>
+          <p:cNvSpPr txBox="1"/>
+          <p:nvPr/>
+        </p:nvSpPr>
+        <p:spPr>
+          <a:xfrm>
+            <a:off x="4800600" y="1600200"/>
+            <a:ext cx="490840" cy="369332"/>
+          </a:xfrm>
+          <a:prstGeom prst="rect">
+            <a:avLst/>
+          </a:prstGeom>
+          <a:noFill/>
+        </p:spPr>
+        <p:txBody>
+          <a:bodyPr wrap="none" rtlCol="0">
+            <a:spAutoFit/>
+          </a:bodyPr>
+          <a:lstStyle/>
+          <a:p>
+            <a:r>
+              <a:rPr lang="en-GB" dirty="0" smtClean="0"/>
+              <a:t>“1”</a:t>
+            </a:r>
+            <a:endParaRPr lang="en-GB" dirty="0"/>
+          </a:p>
+        </p:txBody>
+      </p:sp>
+      <p:sp>
+        <p:nvSpPr>
+          <p:cNvPr id="7" name="Rounded Rectangle 6"/>
+          <p:cNvSpPr/>
+          <p:nvPr/>
+        </p:nvSpPr>
+        <p:spPr>
+          <a:xfrm>
+            <a:off x="2514600" y="2743200"/>
+            <a:ext cx="1295400" cy="1143000"/>
+          </a:xfrm>
+          <a:prstGeom prst="roundRect">
             <a:avLst/>
           </a:prstGeom>
           <a:solidFill>
@@ -5336,7 +7958,7 @@
                   <a:schemeClr val="tx1"/>
                 </a:solidFill>
               </a:rPr>
-              <a:t>N_1</a:t>
+              <a:t>Record</a:t>
             </a:r>
             <a:endParaRPr lang="en-GB" dirty="0">
               <a:solidFill>
@@ -5348,14 +7970,110 @@
       </p:sp>
       <p:sp>
         <p:nvSpPr>
-          <p:cNvPr id="5" name="TextBox 4"/>
+          <p:cNvPr id="8" name="Oval 7"/>
+          <p:cNvSpPr/>
+          <p:nvPr/>
+        </p:nvSpPr>
+        <p:spPr>
+          <a:xfrm>
+            <a:off x="3810000" y="3200400"/>
+            <a:ext cx="152400" cy="152400"/>
+          </a:xfrm>
+          <a:prstGeom prst="ellipse">
+            <a:avLst/>
+          </a:prstGeom>
+          <a:solidFill>
+            <a:schemeClr val="tx1"/>
+          </a:solidFill>
+          <a:ln>
+            <a:solidFill>
+              <a:schemeClr val="tx1"/>
+            </a:solidFill>
+          </a:ln>
+        </p:spPr>
+        <p:style>
+          <a:lnRef idx="2">
+            <a:schemeClr val="accent1">
+              <a:shade val="50000"/>
+            </a:schemeClr>
+          </a:lnRef>
+          <a:fillRef idx="1">
+            <a:schemeClr val="accent1"/>
+          </a:fillRef>
+          <a:effectRef idx="0">
+            <a:schemeClr val="accent1"/>
+          </a:effectRef>
+          <a:fontRef idx="minor">
+            <a:schemeClr val="lt1"/>
+          </a:fontRef>
+        </p:style>
+        <p:txBody>
+          <a:bodyPr rtlCol="0" anchor="ctr"/>
+          <a:lstStyle/>
+          <a:p>
+            <a:pPr algn="ctr"/>
+            <a:endParaRPr lang="en-GB"/>
+          </a:p>
+        </p:txBody>
+      </p:sp>
+      <p:sp>
+        <p:nvSpPr>
+          <p:cNvPr id="9" name="Oval 8"/>
+          <p:cNvSpPr/>
+          <p:nvPr/>
+        </p:nvSpPr>
+        <p:spPr>
+          <a:xfrm>
+            <a:off x="6553200" y="2667000"/>
+            <a:ext cx="152400" cy="152400"/>
+          </a:xfrm>
+          <a:prstGeom prst="ellipse">
+            <a:avLst/>
+          </a:prstGeom>
+          <a:solidFill>
+            <a:schemeClr val="tx1"/>
+          </a:solidFill>
+          <a:ln>
+            <a:solidFill>
+              <a:schemeClr val="tx1"/>
+            </a:solidFill>
+          </a:ln>
+        </p:spPr>
+        <p:style>
+          <a:lnRef idx="2">
+            <a:schemeClr val="accent1">
+              <a:shade val="50000"/>
+            </a:schemeClr>
+          </a:lnRef>
+          <a:fillRef idx="1">
+            <a:schemeClr val="accent1"/>
+          </a:fillRef>
+          <a:effectRef idx="0">
+            <a:schemeClr val="accent1"/>
+          </a:effectRef>
+          <a:fontRef idx="minor">
+            <a:schemeClr val="lt1"/>
+          </a:fontRef>
+        </p:style>
+        <p:txBody>
+          <a:bodyPr rtlCol="0" anchor="ctr"/>
+          <a:lstStyle/>
+          <a:p>
+            <a:pPr algn="ctr"/>
+            <a:endParaRPr lang="en-GB"/>
+          </a:p>
+        </p:txBody>
+      </p:sp>
+      <p:sp>
+        <p:nvSpPr>
+          <p:cNvPr id="10" name="TextBox 9"/>
           <p:cNvSpPr txBox="1"/>
           <p:nvPr/>
         </p:nvSpPr>
         <p:spPr>
           <a:xfrm>
-            <a:off x="4038600" y="2971800"/>
-            <a:ext cx="343364" cy="369332"/>
+            <a:off x="4114800" y="3200400"/>
+            <a:ext cx="1240596" cy="369332"/>
           </a:xfrm>
           <a:prstGeom prst="rect">
             <a:avLst/>
@@ -5370,9 +8088,134 @@
           <a:p>
             <a:r>
               <a:rPr lang="en-GB" dirty="0" smtClean="0"/>
-              <a:t>…</a:t>
+              <a:t>Port 0 / “x”</a:t>
             </a:r>
             <a:endParaRPr lang="en-GB" dirty="0"/>
+          </a:p>
+        </p:txBody>
+      </p:sp>
+      <p:cxnSp>
+        <p:nvCxnSpPr>
+          <p:cNvPr id="12" name="Curved Connector 11"/>
+          <p:cNvCxnSpPr>
+            <a:stCxn id="8" idx="6"/>
+            <a:endCxn id="6" idx="2"/>
+          </p:cNvCxnSpPr>
+          <p:nvPr/>
+        </p:nvCxnSpPr>
+        <p:spPr>
+          <a:xfrm flipV="1">
+            <a:off x="3962400" y="1969532"/>
+            <a:ext cx="1083620" cy="1307068"/>
+          </a:xfrm>
+          <a:prstGeom prst="curvedConnector2">
+            <a:avLst/>
+          </a:prstGeom>
+          <a:ln>
+            <a:solidFill>
+              <a:schemeClr val="tx1"/>
+            </a:solidFill>
+          </a:ln>
+        </p:spPr>
+        <p:style>
+          <a:lnRef idx="1">
+            <a:schemeClr val="accent1"/>
+          </a:lnRef>
+          <a:fillRef idx="0">
+            <a:schemeClr val="accent1"/>
+          </a:fillRef>
+          <a:effectRef idx="0">
+            <a:schemeClr val="accent1"/>
+          </a:effectRef>
+          <a:fontRef idx="minor">
+            <a:schemeClr val="tx1"/>
+          </a:fontRef>
+        </p:style>
+      </p:cxnSp>
+      <p:cxnSp>
+        <p:nvCxnSpPr>
+          <p:cNvPr id="14" name="Curved Connector 11"/>
+          <p:cNvCxnSpPr>
+            <a:stCxn id="9" idx="0"/>
+            <a:endCxn id="6" idx="2"/>
+          </p:cNvCxnSpPr>
+          <p:nvPr/>
+        </p:nvCxnSpPr>
+        <p:spPr>
+          <a:xfrm rot="16200000" flipV="1">
+            <a:off x="5488976" y="1526576"/>
+            <a:ext cx="697468" cy="1583380"/>
+          </a:xfrm>
+          <a:prstGeom prst="curvedConnector3">
+            <a:avLst>
+              <a:gd name="adj1" fmla="val 50000"/>
+            </a:avLst>
+          </a:prstGeom>
+          <a:ln>
+            <a:solidFill>
+              <a:schemeClr val="tx1"/>
+            </a:solidFill>
+          </a:ln>
+        </p:spPr>
+        <p:style>
+          <a:lnRef idx="1">
+            <a:schemeClr val="accent1"/>
+          </a:lnRef>
+          <a:fillRef idx="0">
+            <a:schemeClr val="accent1"/>
+          </a:fillRef>
+          <a:effectRef idx="0">
+            <a:schemeClr val="accent1"/>
+          </a:effectRef>
+          <a:fontRef idx="minor">
+            <a:schemeClr val="tx1"/>
+          </a:fontRef>
+        </p:style>
+      </p:cxnSp>
+      <p:sp>
+        <p:nvSpPr>
+          <p:cNvPr id="17" name="Rounded Rectangle 16"/>
+          <p:cNvSpPr/>
+          <p:nvPr/>
+        </p:nvSpPr>
+        <p:spPr>
+          <a:xfrm>
+            <a:off x="2209800" y="2438400"/>
+            <a:ext cx="3276600" cy="1752600"/>
+          </a:xfrm>
+          <a:prstGeom prst="roundRect">
+            <a:avLst/>
+          </a:prstGeom>
+          <a:noFill/>
+          <a:ln>
+            <a:solidFill>
+              <a:schemeClr val="tx1"/>
+            </a:solidFill>
+            <a:prstDash val="dash"/>
+          </a:ln>
+        </p:spPr>
+        <p:style>
+          <a:lnRef idx="2">
+            <a:schemeClr val="accent1">
+              <a:shade val="50000"/>
+            </a:schemeClr>
+          </a:lnRef>
+          <a:fillRef idx="1">
+            <a:schemeClr val="accent1"/>
+          </a:fillRef>
+          <a:effectRef idx="0">
+            <a:schemeClr val="accent1"/>
+          </a:effectRef>
+          <a:fontRef idx="minor">
+            <a:schemeClr val="lt1"/>
+          </a:fontRef>
+        </p:style>
+        <p:txBody>
+          <a:bodyPr rtlCol="0" anchor="ctr"/>
+          <a:lstStyle/>
+          <a:p>
+            <a:pPr algn="ctr"/>
+            <a:endParaRPr lang="en-GB"/>
           </a:p>
         </p:txBody>
       </p:sp>
@@ -5417,12 +8260,8 @@
           <a:lstStyle/>
           <a:p>
             <a:r>
-              <a:rPr lang="en-GB" dirty="0" err="1" smtClean="0"/>
-              <a:t>Peano</a:t>
-            </a:r>
-            <a:r>
               <a:rPr lang="en-GB" dirty="0" smtClean="0"/>
-              <a:t> Numerals</a:t>
+              <a:t>Numbers as controls</a:t>
             </a:r>
             <a:endParaRPr lang="en-GB" dirty="0"/>
           </a:p>
@@ -5478,7 +8317,7 @@
                   <a:schemeClr val="tx1"/>
                 </a:solidFill>
               </a:rPr>
-              <a:t>Zero</a:t>
+              <a:t>N_0</a:t>
             </a:r>
             <a:endParaRPr lang="en-GB" dirty="0">
               <a:solidFill>
@@ -5496,7 +8335,7 @@
         </p:nvSpPr>
         <p:spPr>
           <a:xfrm>
-            <a:off x="3124200" y="2743200"/>
+            <a:off x="2895600" y="2743200"/>
             <a:ext cx="914400" cy="838200"/>
           </a:xfrm>
           <a:prstGeom prst="ellipse">
@@ -5538,7 +8377,7 @@
                   <a:schemeClr val="tx1"/>
                 </a:solidFill>
               </a:rPr>
-              <a:t>Zero</a:t>
+              <a:t>N_1</a:t>
             </a:r>
             <a:endParaRPr lang="en-GB" dirty="0">
               <a:solidFill>
@@ -5556,7 +8395,7 @@
         </p:nvSpPr>
         <p:spPr>
           <a:xfrm>
-            <a:off x="6438436" y="2983468"/>
+            <a:off x="4038600" y="2971800"/>
             <a:ext cx="343364" cy="369332"/>
           </a:xfrm>
           <a:prstGeom prst="rect">
@@ -5573,306 +8412,6 @@
             <a:r>
               <a:rPr lang="en-GB" dirty="0" smtClean="0"/>
               <a:t>…</a:t>
-            </a:r>
-            <a:endParaRPr lang="en-GB" dirty="0"/>
-          </a:p>
-        </p:txBody>
-      </p:sp>
-      <p:sp>
-        <p:nvSpPr>
-          <p:cNvPr id="6" name="Oval 5"/>
-          <p:cNvSpPr/>
-          <p:nvPr/>
-        </p:nvSpPr>
-        <p:spPr>
-          <a:xfrm>
-            <a:off x="2971800" y="2590800"/>
-            <a:ext cx="1219200" cy="1143000"/>
-          </a:xfrm>
-          <a:prstGeom prst="ellipse">
-            <a:avLst/>
-          </a:prstGeom>
-          <a:noFill/>
-          <a:ln>
-            <a:solidFill>
-              <a:schemeClr val="tx1"/>
-            </a:solidFill>
-          </a:ln>
-        </p:spPr>
-        <p:style>
-          <a:lnRef idx="2">
-            <a:schemeClr val="accent1">
-              <a:shade val="50000"/>
-            </a:schemeClr>
-          </a:lnRef>
-          <a:fillRef idx="1">
-            <a:schemeClr val="accent1"/>
-          </a:fillRef>
-          <a:effectRef idx="0">
-            <a:schemeClr val="accent1"/>
-          </a:effectRef>
-          <a:fontRef idx="minor">
-            <a:schemeClr val="lt1"/>
-          </a:fontRef>
-        </p:style>
-        <p:txBody>
-          <a:bodyPr rtlCol="0" anchor="ctr"/>
-          <a:lstStyle/>
-          <a:p>
-            <a:pPr algn="ctr"/>
-            <a:endParaRPr lang="en-GB" dirty="0">
-              <a:solidFill>
-                <a:schemeClr val="tx1"/>
-              </a:solidFill>
-            </a:endParaRPr>
-          </a:p>
-        </p:txBody>
-      </p:sp>
-      <p:sp>
-        <p:nvSpPr>
-          <p:cNvPr id="7" name="TextBox 6"/>
-          <p:cNvSpPr txBox="1"/>
-          <p:nvPr/>
-        </p:nvSpPr>
-        <p:spPr>
-          <a:xfrm>
-            <a:off x="3276600" y="2221468"/>
-            <a:ext cx="1219200" cy="369332"/>
-          </a:xfrm>
-          <a:prstGeom prst="rect">
-            <a:avLst/>
-          </a:prstGeom>
-          <a:noFill/>
-        </p:spPr>
-        <p:txBody>
-          <a:bodyPr wrap="square" rtlCol="0">
-            <a:spAutoFit/>
-          </a:bodyPr>
-          <a:lstStyle/>
-          <a:p>
-            <a:r>
-              <a:rPr lang="en-GB" dirty="0" err="1" smtClean="0"/>
-              <a:t>Succ</a:t>
-            </a:r>
-            <a:endParaRPr lang="en-GB" dirty="0"/>
-          </a:p>
-        </p:txBody>
-      </p:sp>
-      <p:sp>
-        <p:nvSpPr>
-          <p:cNvPr id="8" name="Oval 7"/>
-          <p:cNvSpPr/>
-          <p:nvPr/>
-        </p:nvSpPr>
-        <p:spPr>
-          <a:xfrm>
-            <a:off x="4838236" y="2883932"/>
-            <a:ext cx="914400" cy="838200"/>
-          </a:xfrm>
-          <a:prstGeom prst="ellipse">
-            <a:avLst/>
-          </a:prstGeom>
-          <a:solidFill>
-            <a:schemeClr val="bg1"/>
-          </a:solidFill>
-          <a:ln>
-            <a:solidFill>
-              <a:schemeClr val="tx1"/>
-            </a:solidFill>
-          </a:ln>
-        </p:spPr>
-        <p:style>
-          <a:lnRef idx="2">
-            <a:schemeClr val="accent1">
-              <a:shade val="50000"/>
-            </a:schemeClr>
-          </a:lnRef>
-          <a:fillRef idx="1">
-            <a:schemeClr val="accent1"/>
-          </a:fillRef>
-          <a:effectRef idx="0">
-            <a:schemeClr val="accent1"/>
-          </a:effectRef>
-          <a:fontRef idx="minor">
-            <a:schemeClr val="lt1"/>
-          </a:fontRef>
-        </p:style>
-        <p:txBody>
-          <a:bodyPr rtlCol="0" anchor="ctr"/>
-          <a:lstStyle/>
-          <a:p>
-            <a:pPr algn="ctr"/>
-            <a:r>
-              <a:rPr lang="en-GB" dirty="0" smtClean="0">
-                <a:solidFill>
-                  <a:schemeClr val="tx1"/>
-                </a:solidFill>
-              </a:rPr>
-              <a:t>Zero</a:t>
-            </a:r>
-            <a:endParaRPr lang="en-GB" dirty="0">
-              <a:solidFill>
-                <a:schemeClr val="tx1"/>
-              </a:solidFill>
-            </a:endParaRPr>
-          </a:p>
-        </p:txBody>
-      </p:sp>
-      <p:sp>
-        <p:nvSpPr>
-          <p:cNvPr id="9" name="Oval 8"/>
-          <p:cNvSpPr/>
-          <p:nvPr/>
-        </p:nvSpPr>
-        <p:spPr>
-          <a:xfrm>
-            <a:off x="4685836" y="2731532"/>
-            <a:ext cx="1219200" cy="1143000"/>
-          </a:xfrm>
-          <a:prstGeom prst="ellipse">
-            <a:avLst/>
-          </a:prstGeom>
-          <a:noFill/>
-          <a:ln>
-            <a:solidFill>
-              <a:schemeClr val="tx1"/>
-            </a:solidFill>
-          </a:ln>
-        </p:spPr>
-        <p:style>
-          <a:lnRef idx="2">
-            <a:schemeClr val="accent1">
-              <a:shade val="50000"/>
-            </a:schemeClr>
-          </a:lnRef>
-          <a:fillRef idx="1">
-            <a:schemeClr val="accent1"/>
-          </a:fillRef>
-          <a:effectRef idx="0">
-            <a:schemeClr val="accent1"/>
-          </a:effectRef>
-          <a:fontRef idx="minor">
-            <a:schemeClr val="lt1"/>
-          </a:fontRef>
-        </p:style>
-        <p:txBody>
-          <a:bodyPr rtlCol="0" anchor="ctr"/>
-          <a:lstStyle/>
-          <a:p>
-            <a:pPr algn="ctr"/>
-            <a:endParaRPr lang="en-GB" dirty="0">
-              <a:solidFill>
-                <a:schemeClr val="tx1"/>
-              </a:solidFill>
-            </a:endParaRPr>
-          </a:p>
-        </p:txBody>
-      </p:sp>
-      <p:sp>
-        <p:nvSpPr>
-          <p:cNvPr id="10" name="TextBox 9"/>
-          <p:cNvSpPr txBox="1"/>
-          <p:nvPr/>
-        </p:nvSpPr>
-        <p:spPr>
-          <a:xfrm>
-            <a:off x="4990636" y="2362200"/>
-            <a:ext cx="1219200" cy="369332"/>
-          </a:xfrm>
-          <a:prstGeom prst="rect">
-            <a:avLst/>
-          </a:prstGeom>
-          <a:noFill/>
-        </p:spPr>
-        <p:txBody>
-          <a:bodyPr wrap="square" rtlCol="0">
-            <a:spAutoFit/>
-          </a:bodyPr>
-          <a:lstStyle/>
-          <a:p>
-            <a:r>
-              <a:rPr lang="en-GB" dirty="0" err="1" smtClean="0"/>
-              <a:t>Succ</a:t>
-            </a:r>
-            <a:endParaRPr lang="en-GB" dirty="0"/>
-          </a:p>
-        </p:txBody>
-      </p:sp>
-      <p:sp>
-        <p:nvSpPr>
-          <p:cNvPr id="11" name="Oval 10"/>
-          <p:cNvSpPr/>
-          <p:nvPr/>
-        </p:nvSpPr>
-        <p:spPr>
-          <a:xfrm>
-            <a:off x="4457236" y="2350532"/>
-            <a:ext cx="1676400" cy="1676400"/>
-          </a:xfrm>
-          <a:prstGeom prst="ellipse">
-            <a:avLst/>
-          </a:prstGeom>
-          <a:noFill/>
-          <a:ln>
-            <a:solidFill>
-              <a:schemeClr val="tx1"/>
-            </a:solidFill>
-          </a:ln>
-        </p:spPr>
-        <p:style>
-          <a:lnRef idx="2">
-            <a:schemeClr val="accent1">
-              <a:shade val="50000"/>
-            </a:schemeClr>
-          </a:lnRef>
-          <a:fillRef idx="1">
-            <a:schemeClr val="accent1"/>
-          </a:fillRef>
-          <a:effectRef idx="0">
-            <a:schemeClr val="accent1"/>
-          </a:effectRef>
-          <a:fontRef idx="minor">
-            <a:schemeClr val="lt1"/>
-          </a:fontRef>
-        </p:style>
-        <p:txBody>
-          <a:bodyPr rtlCol="0" anchor="ctr"/>
-          <a:lstStyle/>
-          <a:p>
-            <a:pPr algn="ctr"/>
-            <a:endParaRPr lang="en-GB" dirty="0">
-              <a:solidFill>
-                <a:schemeClr val="tx1"/>
-              </a:solidFill>
-            </a:endParaRPr>
-          </a:p>
-        </p:txBody>
-      </p:sp>
-      <p:sp>
-        <p:nvSpPr>
-          <p:cNvPr id="12" name="TextBox 11"/>
-          <p:cNvSpPr txBox="1"/>
-          <p:nvPr/>
-        </p:nvSpPr>
-        <p:spPr>
-          <a:xfrm>
-            <a:off x="4990636" y="1981200"/>
-            <a:ext cx="1676400" cy="369332"/>
-          </a:xfrm>
-          <a:prstGeom prst="rect">
-            <a:avLst/>
-          </a:prstGeom>
-          <a:noFill/>
-        </p:spPr>
-        <p:txBody>
-          <a:bodyPr wrap="square" rtlCol="0">
-            <a:spAutoFit/>
-          </a:bodyPr>
-          <a:lstStyle/>
-          <a:p>
-            <a:r>
-              <a:rPr lang="en-GB" dirty="0" err="1" smtClean="0"/>
-              <a:t>Succ</a:t>
             </a:r>
             <a:endParaRPr lang="en-GB" dirty="0"/>
           </a:p>
@@ -5919,8 +8458,12 @@
           <a:lstStyle/>
           <a:p>
             <a:r>
+              <a:rPr lang="en-GB" dirty="0" err="1" smtClean="0"/>
+              <a:t>Peano</a:t>
+            </a:r>
+            <a:r>
               <a:rPr lang="en-GB" dirty="0" smtClean="0"/>
-              <a:t>Boolean</a:t>
+              <a:t> Numerals</a:t>
             </a:r>
             <a:endParaRPr lang="en-GB" dirty="0"/>
           </a:p>
@@ -5976,7 +8519,7 @@
                   <a:schemeClr val="tx1"/>
                 </a:solidFill>
               </a:rPr>
-              <a:t>True</a:t>
+              <a:t>Zero</a:t>
             </a:r>
             <a:endParaRPr lang="en-GB" dirty="0">
               <a:solidFill>
@@ -5994,8 +8537,8 @@
         </p:nvSpPr>
         <p:spPr>
           <a:xfrm>
-            <a:off x="2895600" y="2743200"/>
-            <a:ext cx="990600" cy="838200"/>
+            <a:off x="3124200" y="2743200"/>
+            <a:ext cx="914400" cy="838200"/>
           </a:xfrm>
           <a:prstGeom prst="ellipse">
             <a:avLst/>
@@ -6036,13 +8579,343 @@
                   <a:schemeClr val="tx1"/>
                 </a:solidFill>
               </a:rPr>
-              <a:t>False</a:t>
+              <a:t>Zero</a:t>
             </a:r>
             <a:endParaRPr lang="en-GB" dirty="0">
               <a:solidFill>
                 <a:schemeClr val="tx1"/>
               </a:solidFill>
             </a:endParaRPr>
+          </a:p>
+        </p:txBody>
+      </p:sp>
+      <p:sp>
+        <p:nvSpPr>
+          <p:cNvPr id="5" name="TextBox 4"/>
+          <p:cNvSpPr txBox="1"/>
+          <p:nvPr/>
+        </p:nvSpPr>
+        <p:spPr>
+          <a:xfrm>
+            <a:off x="6438436" y="2983468"/>
+            <a:ext cx="343364" cy="369332"/>
+          </a:xfrm>
+          <a:prstGeom prst="rect">
+            <a:avLst/>
+          </a:prstGeom>
+          <a:noFill/>
+        </p:spPr>
+        <p:txBody>
+          <a:bodyPr wrap="none" rtlCol="0">
+            <a:spAutoFit/>
+          </a:bodyPr>
+          <a:lstStyle/>
+          <a:p>
+            <a:r>
+              <a:rPr lang="en-GB" dirty="0" smtClean="0"/>
+              <a:t>…</a:t>
+            </a:r>
+            <a:endParaRPr lang="en-GB" dirty="0"/>
+          </a:p>
+        </p:txBody>
+      </p:sp>
+      <p:sp>
+        <p:nvSpPr>
+          <p:cNvPr id="6" name="Oval 5"/>
+          <p:cNvSpPr/>
+          <p:nvPr/>
+        </p:nvSpPr>
+        <p:spPr>
+          <a:xfrm>
+            <a:off x="2971800" y="2590800"/>
+            <a:ext cx="1219200" cy="1143000"/>
+          </a:xfrm>
+          <a:prstGeom prst="ellipse">
+            <a:avLst/>
+          </a:prstGeom>
+          <a:noFill/>
+          <a:ln>
+            <a:solidFill>
+              <a:schemeClr val="tx1"/>
+            </a:solidFill>
+          </a:ln>
+        </p:spPr>
+        <p:style>
+          <a:lnRef idx="2">
+            <a:schemeClr val="accent1">
+              <a:shade val="50000"/>
+            </a:schemeClr>
+          </a:lnRef>
+          <a:fillRef idx="1">
+            <a:schemeClr val="accent1"/>
+          </a:fillRef>
+          <a:effectRef idx="0">
+            <a:schemeClr val="accent1"/>
+          </a:effectRef>
+          <a:fontRef idx="minor">
+            <a:schemeClr val="lt1"/>
+          </a:fontRef>
+        </p:style>
+        <p:txBody>
+          <a:bodyPr rtlCol="0" anchor="ctr"/>
+          <a:lstStyle/>
+          <a:p>
+            <a:pPr algn="ctr"/>
+            <a:endParaRPr lang="en-GB" dirty="0">
+              <a:solidFill>
+                <a:schemeClr val="tx1"/>
+              </a:solidFill>
+            </a:endParaRPr>
+          </a:p>
+        </p:txBody>
+      </p:sp>
+      <p:sp>
+        <p:nvSpPr>
+          <p:cNvPr id="7" name="TextBox 6"/>
+          <p:cNvSpPr txBox="1"/>
+          <p:nvPr/>
+        </p:nvSpPr>
+        <p:spPr>
+          <a:xfrm>
+            <a:off x="3276600" y="2221468"/>
+            <a:ext cx="1219200" cy="369332"/>
+          </a:xfrm>
+          <a:prstGeom prst="rect">
+            <a:avLst/>
+          </a:prstGeom>
+          <a:noFill/>
+        </p:spPr>
+        <p:txBody>
+          <a:bodyPr wrap="square" rtlCol="0">
+            <a:spAutoFit/>
+          </a:bodyPr>
+          <a:lstStyle/>
+          <a:p>
+            <a:r>
+              <a:rPr lang="en-GB" dirty="0" err="1" smtClean="0"/>
+              <a:t>Succ</a:t>
+            </a:r>
+            <a:endParaRPr lang="en-GB" dirty="0"/>
+          </a:p>
+        </p:txBody>
+      </p:sp>
+      <p:sp>
+        <p:nvSpPr>
+          <p:cNvPr id="8" name="Oval 7"/>
+          <p:cNvSpPr/>
+          <p:nvPr/>
+        </p:nvSpPr>
+        <p:spPr>
+          <a:xfrm>
+            <a:off x="4838236" y="2883932"/>
+            <a:ext cx="914400" cy="838200"/>
+          </a:xfrm>
+          <a:prstGeom prst="ellipse">
+            <a:avLst/>
+          </a:prstGeom>
+          <a:solidFill>
+            <a:schemeClr val="bg1"/>
+          </a:solidFill>
+          <a:ln>
+            <a:solidFill>
+              <a:schemeClr val="tx1"/>
+            </a:solidFill>
+          </a:ln>
+        </p:spPr>
+        <p:style>
+          <a:lnRef idx="2">
+            <a:schemeClr val="accent1">
+              <a:shade val="50000"/>
+            </a:schemeClr>
+          </a:lnRef>
+          <a:fillRef idx="1">
+            <a:schemeClr val="accent1"/>
+          </a:fillRef>
+          <a:effectRef idx="0">
+            <a:schemeClr val="accent1"/>
+          </a:effectRef>
+          <a:fontRef idx="minor">
+            <a:schemeClr val="lt1"/>
+          </a:fontRef>
+        </p:style>
+        <p:txBody>
+          <a:bodyPr rtlCol="0" anchor="ctr"/>
+          <a:lstStyle/>
+          <a:p>
+            <a:pPr algn="ctr"/>
+            <a:r>
+              <a:rPr lang="en-GB" dirty="0" smtClean="0">
+                <a:solidFill>
+                  <a:schemeClr val="tx1"/>
+                </a:solidFill>
+              </a:rPr>
+              <a:t>Zero</a:t>
+            </a:r>
+            <a:endParaRPr lang="en-GB" dirty="0">
+              <a:solidFill>
+                <a:schemeClr val="tx1"/>
+              </a:solidFill>
+            </a:endParaRPr>
+          </a:p>
+        </p:txBody>
+      </p:sp>
+      <p:sp>
+        <p:nvSpPr>
+          <p:cNvPr id="9" name="Oval 8"/>
+          <p:cNvSpPr/>
+          <p:nvPr/>
+        </p:nvSpPr>
+        <p:spPr>
+          <a:xfrm>
+            <a:off x="4685836" y="2731532"/>
+            <a:ext cx="1219200" cy="1143000"/>
+          </a:xfrm>
+          <a:prstGeom prst="ellipse">
+            <a:avLst/>
+          </a:prstGeom>
+          <a:noFill/>
+          <a:ln>
+            <a:solidFill>
+              <a:schemeClr val="tx1"/>
+            </a:solidFill>
+          </a:ln>
+        </p:spPr>
+        <p:style>
+          <a:lnRef idx="2">
+            <a:schemeClr val="accent1">
+              <a:shade val="50000"/>
+            </a:schemeClr>
+          </a:lnRef>
+          <a:fillRef idx="1">
+            <a:schemeClr val="accent1"/>
+          </a:fillRef>
+          <a:effectRef idx="0">
+            <a:schemeClr val="accent1"/>
+          </a:effectRef>
+          <a:fontRef idx="minor">
+            <a:schemeClr val="lt1"/>
+          </a:fontRef>
+        </p:style>
+        <p:txBody>
+          <a:bodyPr rtlCol="0" anchor="ctr"/>
+          <a:lstStyle/>
+          <a:p>
+            <a:pPr algn="ctr"/>
+            <a:endParaRPr lang="en-GB" dirty="0">
+              <a:solidFill>
+                <a:schemeClr val="tx1"/>
+              </a:solidFill>
+            </a:endParaRPr>
+          </a:p>
+        </p:txBody>
+      </p:sp>
+      <p:sp>
+        <p:nvSpPr>
+          <p:cNvPr id="10" name="TextBox 9"/>
+          <p:cNvSpPr txBox="1"/>
+          <p:nvPr/>
+        </p:nvSpPr>
+        <p:spPr>
+          <a:xfrm>
+            <a:off x="4990636" y="2362200"/>
+            <a:ext cx="1219200" cy="369332"/>
+          </a:xfrm>
+          <a:prstGeom prst="rect">
+            <a:avLst/>
+          </a:prstGeom>
+          <a:noFill/>
+        </p:spPr>
+        <p:txBody>
+          <a:bodyPr wrap="square" rtlCol="0">
+            <a:spAutoFit/>
+          </a:bodyPr>
+          <a:lstStyle/>
+          <a:p>
+            <a:r>
+              <a:rPr lang="en-GB" dirty="0" err="1" smtClean="0"/>
+              <a:t>Succ</a:t>
+            </a:r>
+            <a:endParaRPr lang="en-GB" dirty="0"/>
+          </a:p>
+        </p:txBody>
+      </p:sp>
+      <p:sp>
+        <p:nvSpPr>
+          <p:cNvPr id="11" name="Oval 10"/>
+          <p:cNvSpPr/>
+          <p:nvPr/>
+        </p:nvSpPr>
+        <p:spPr>
+          <a:xfrm>
+            <a:off x="4457236" y="2350532"/>
+            <a:ext cx="1676400" cy="1676400"/>
+          </a:xfrm>
+          <a:prstGeom prst="ellipse">
+            <a:avLst/>
+          </a:prstGeom>
+          <a:noFill/>
+          <a:ln>
+            <a:solidFill>
+              <a:schemeClr val="tx1"/>
+            </a:solidFill>
+          </a:ln>
+        </p:spPr>
+        <p:style>
+          <a:lnRef idx="2">
+            <a:schemeClr val="accent1">
+              <a:shade val="50000"/>
+            </a:schemeClr>
+          </a:lnRef>
+          <a:fillRef idx="1">
+            <a:schemeClr val="accent1"/>
+          </a:fillRef>
+          <a:effectRef idx="0">
+            <a:schemeClr val="accent1"/>
+          </a:effectRef>
+          <a:fontRef idx="minor">
+            <a:schemeClr val="lt1"/>
+          </a:fontRef>
+        </p:style>
+        <p:txBody>
+          <a:bodyPr rtlCol="0" anchor="ctr"/>
+          <a:lstStyle/>
+          <a:p>
+            <a:pPr algn="ctr"/>
+            <a:endParaRPr lang="en-GB" dirty="0">
+              <a:solidFill>
+                <a:schemeClr val="tx1"/>
+              </a:solidFill>
+            </a:endParaRPr>
+          </a:p>
+        </p:txBody>
+      </p:sp>
+      <p:sp>
+        <p:nvSpPr>
+          <p:cNvPr id="12" name="TextBox 11"/>
+          <p:cNvSpPr txBox="1"/>
+          <p:nvPr/>
+        </p:nvSpPr>
+        <p:spPr>
+          <a:xfrm>
+            <a:off x="4990636" y="1981200"/>
+            <a:ext cx="1676400" cy="369332"/>
+          </a:xfrm>
+          <a:prstGeom prst="rect">
+            <a:avLst/>
+          </a:prstGeom>
+          <a:noFill/>
+        </p:spPr>
+        <p:txBody>
+          <a:bodyPr wrap="square" rtlCol="0">
+            <a:spAutoFit/>
+          </a:bodyPr>
+          <a:lstStyle/>
+          <a:p>
+            <a:r>
+              <a:rPr lang="en-GB" dirty="0" err="1" smtClean="0"/>
+              <a:t>Succ</a:t>
+            </a:r>
+            <a:endParaRPr lang="en-GB" dirty="0"/>
           </a:p>
         </p:txBody>
       </p:sp>
@@ -6073,7 +8946,7 @@
       </p:grpSpPr>
       <p:sp>
         <p:nvSpPr>
-          <p:cNvPr id="4" name="Title 3"/>
+          <p:cNvPr id="2" name="Title 1"/>
           <p:cNvSpPr>
             <a:spLocks noGrp="1"/>
           </p:cNvSpPr>
@@ -6088,7 +8961,7 @@
           <a:p>
             <a:r>
               <a:rPr lang="en-GB" dirty="0" smtClean="0"/>
-              <a:t>Records with Fields as Places</a:t>
+              <a:t>Boolean</a:t>
             </a:r>
             <a:endParaRPr lang="en-GB" dirty="0"/>
           </a:p>
@@ -6096,16 +8969,16 @@
       </p:sp>
       <p:sp>
         <p:nvSpPr>
-          <p:cNvPr id="7" name="Rounded Rectangle 6"/>
-          <p:cNvSpPr/>
-          <p:nvPr/>
-        </p:nvSpPr>
-        <p:spPr>
-          <a:xfrm>
-            <a:off x="2514600" y="2743200"/>
-            <a:ext cx="2362200" cy="1828800"/>
-          </a:xfrm>
-          <a:prstGeom prst="roundRect">
+          <p:cNvPr id="3" name="Oval 2"/>
+          <p:cNvSpPr/>
+          <p:nvPr/>
+        </p:nvSpPr>
+        <p:spPr>
+          <a:xfrm>
+            <a:off x="1676400" y="2743200"/>
+            <a:ext cx="914400" cy="838200"/>
+          </a:xfrm>
+          <a:prstGeom prst="ellipse">
             <a:avLst/>
           </a:prstGeom>
           <a:solidFill>
@@ -6138,6 +9011,14 @@
           <a:lstStyle/>
           <a:p>
             <a:pPr algn="ctr"/>
+            <a:r>
+              <a:rPr lang="en-GB" dirty="0" smtClean="0">
+                <a:solidFill>
+                  <a:schemeClr val="tx1"/>
+                </a:solidFill>
+              </a:rPr>
+              <a:t>True</a:t>
+            </a:r>
             <a:endParaRPr lang="en-GB" dirty="0">
               <a:solidFill>
                 <a:schemeClr val="tx1"/>
@@ -6148,46 +9029,16 @@
       </p:sp>
       <p:sp>
         <p:nvSpPr>
-          <p:cNvPr id="13" name="Rectangle 12"/>
-          <p:cNvSpPr/>
-          <p:nvPr/>
-        </p:nvSpPr>
-        <p:spPr>
-          <a:xfrm>
-            <a:off x="2514600" y="2362200"/>
-            <a:ext cx="837602" cy="369332"/>
-          </a:xfrm>
-          <a:prstGeom prst="rect">
-            <a:avLst/>
-          </a:prstGeom>
-        </p:spPr>
-        <p:txBody>
-          <a:bodyPr wrap="none">
-            <a:spAutoFit/>
-          </a:bodyPr>
-          <a:lstStyle/>
-          <a:p>
-            <a:pPr algn="ctr"/>
-            <a:r>
-              <a:rPr lang="en-GB" dirty="0" smtClean="0"/>
-              <a:t>Record</a:t>
-            </a:r>
-            <a:endParaRPr lang="en-GB" dirty="0"/>
-          </a:p>
-        </p:txBody>
-      </p:sp>
-      <p:sp>
-        <p:nvSpPr>
-          <p:cNvPr id="15" name="Rounded Rectangle 14"/>
-          <p:cNvSpPr/>
-          <p:nvPr/>
-        </p:nvSpPr>
-        <p:spPr>
-          <a:xfrm>
-            <a:off x="2971800" y="3124200"/>
-            <a:ext cx="1447800" cy="1295400"/>
-          </a:xfrm>
-          <a:prstGeom prst="roundRect">
+          <p:cNvPr id="4" name="Oval 3"/>
+          <p:cNvSpPr/>
+          <p:nvPr/>
+        </p:nvSpPr>
+        <p:spPr>
+          <a:xfrm>
+            <a:off x="2895600" y="2743200"/>
+            <a:ext cx="990600" cy="838200"/>
+          </a:xfrm>
+          <a:prstGeom prst="ellipse">
             <a:avLst/>
           </a:prstGeom>
           <a:solidFill>
@@ -6220,95 +9071,13 @@
           <a:lstStyle/>
           <a:p>
             <a:pPr algn="ctr"/>
-            <a:endParaRPr lang="en-GB" dirty="0">
-              <a:solidFill>
-                <a:schemeClr val="tx1"/>
-              </a:solidFill>
-            </a:endParaRPr>
-          </a:p>
-        </p:txBody>
-      </p:sp>
-      <p:sp>
-        <p:nvSpPr>
-          <p:cNvPr id="16" name="Rectangle 15"/>
-          <p:cNvSpPr/>
-          <p:nvPr/>
-        </p:nvSpPr>
-        <p:spPr>
-          <a:xfrm>
-            <a:off x="2992548" y="2754868"/>
-            <a:ext cx="284052" cy="369332"/>
-          </a:xfrm>
-          <a:prstGeom prst="rect">
-            <a:avLst/>
-          </a:prstGeom>
-        </p:spPr>
-        <p:txBody>
-          <a:bodyPr wrap="none">
-            <a:spAutoFit/>
-          </a:bodyPr>
-          <a:lstStyle/>
-          <a:p>
-            <a:pPr algn="ctr"/>
-            <a:r>
-              <a:rPr lang="en-GB" dirty="0" smtClean="0"/>
-              <a:t>x</a:t>
-            </a:r>
-            <a:endParaRPr lang="en-GB" dirty="0"/>
-          </a:p>
-        </p:txBody>
-      </p:sp>
-      <p:sp>
-        <p:nvSpPr>
-          <p:cNvPr id="18" name="Oval 17"/>
-          <p:cNvSpPr/>
-          <p:nvPr/>
-        </p:nvSpPr>
-        <p:spPr>
-          <a:xfrm>
-            <a:off x="3276600" y="3352800"/>
-            <a:ext cx="914400" cy="838200"/>
-          </a:xfrm>
-          <a:prstGeom prst="ellipse">
-            <a:avLst/>
-          </a:prstGeom>
-          <a:solidFill>
-            <a:schemeClr val="bg1"/>
-          </a:solidFill>
-          <a:ln>
-            <a:solidFill>
-              <a:schemeClr val="tx1"/>
-            </a:solidFill>
-          </a:ln>
-        </p:spPr>
-        <p:style>
-          <a:lnRef idx="2">
-            <a:schemeClr val="accent1">
-              <a:shade val="50000"/>
-            </a:schemeClr>
-          </a:lnRef>
-          <a:fillRef idx="1">
-            <a:schemeClr val="accent1"/>
-          </a:fillRef>
-          <a:effectRef idx="0">
-            <a:schemeClr val="accent1"/>
-          </a:effectRef>
-          <a:fontRef idx="minor">
-            <a:schemeClr val="lt1"/>
-          </a:fontRef>
-        </p:style>
-        <p:txBody>
-          <a:bodyPr rtlCol="0" anchor="ctr"/>
-          <a:lstStyle/>
-          <a:p>
-            <a:pPr algn="ctr"/>
             <a:r>
               <a:rPr lang="en-GB" dirty="0" smtClean="0">
                 <a:solidFill>
                   <a:schemeClr val="tx1"/>
                 </a:solidFill>
               </a:rPr>
-              <a:t>N_0</a:t>
+              <a:t>False</a:t>
             </a:r>
             <a:endParaRPr lang="en-GB" dirty="0">
               <a:solidFill>
@@ -6355,18 +9124,12 @@
         </p:nvSpPr>
         <p:spPr/>
         <p:txBody>
-          <a:bodyPr>
-            <a:normAutofit/>
-          </a:bodyPr>
-          <a:lstStyle/>
-          <a:p>
-            <a:r>
-              <a:rPr lang="en-GB" dirty="0" err="1" smtClean="0"/>
-              <a:t>Tuples</a:t>
-            </a:r>
+          <a:bodyPr/>
+          <a:lstStyle/>
+          <a:p>
             <a:r>
               <a:rPr lang="en-GB" dirty="0" smtClean="0"/>
-              <a:t> as Records</a:t>
+              <a:t>Records with Fields as Places</a:t>
             </a:r>
             <a:endParaRPr lang="en-GB" dirty="0"/>
           </a:p>
@@ -6381,7 +9144,7 @@
         <p:spPr>
           <a:xfrm>
             <a:off x="2514600" y="2743200"/>
-            <a:ext cx="4495800" cy="1828800"/>
+            <a:ext cx="2362200" cy="1828800"/>
           </a:xfrm>
           <a:prstGeom prst="roundRect">
             <a:avLst/>
@@ -6433,7 +9196,7 @@
         <p:spPr>
           <a:xfrm>
             <a:off x="2514600" y="2362200"/>
-            <a:ext cx="694550" cy="369332"/>
+            <a:ext cx="837602" cy="369332"/>
           </a:xfrm>
           <a:prstGeom prst="rect">
             <a:avLst/>
@@ -6448,7 +9211,7 @@
             <a:pPr algn="ctr"/>
             <a:r>
               <a:rPr lang="en-GB" dirty="0" smtClean="0"/>
-              <a:t>Tuple</a:t>
+              <a:t>Record</a:t>
             </a:r>
             <a:endParaRPr lang="en-GB" dirty="0"/>
           </a:p>
@@ -6515,7 +9278,7 @@
         <p:spPr>
           <a:xfrm>
             <a:off x="2992548" y="2754868"/>
-            <a:ext cx="417102" cy="369332"/>
+            <a:ext cx="284052" cy="369332"/>
           </a:xfrm>
           <a:prstGeom prst="rect">
             <a:avLst/>
@@ -6530,7 +9293,7 @@
             <a:pPr algn="ctr"/>
             <a:r>
               <a:rPr lang="en-GB" dirty="0" smtClean="0"/>
-              <a:t>_1</a:t>
+              <a:t>x</a:t>
             </a:r>
             <a:endParaRPr lang="en-GB" dirty="0"/>
           </a:p>
@@ -6586,185 +9349,13 @@
                   <a:schemeClr val="tx1"/>
                 </a:solidFill>
               </a:rPr>
-              <a:t>N_1</a:t>
+              <a:t>N_0</a:t>
             </a:r>
             <a:endParaRPr lang="en-GB" dirty="0">
               <a:solidFill>
                 <a:schemeClr val="tx1"/>
               </a:solidFill>
             </a:endParaRPr>
-          </a:p>
-        </p:txBody>
-      </p:sp>
-      <p:sp>
-        <p:nvSpPr>
-          <p:cNvPr id="8" name="Rounded Rectangle 7"/>
-          <p:cNvSpPr/>
-          <p:nvPr/>
-        </p:nvSpPr>
-        <p:spPr>
-          <a:xfrm>
-            <a:off x="4724400" y="3112532"/>
-            <a:ext cx="1447800" cy="1295400"/>
-          </a:xfrm>
-          <a:prstGeom prst="roundRect">
-            <a:avLst/>
-          </a:prstGeom>
-          <a:solidFill>
-            <a:schemeClr val="bg1"/>
-          </a:solidFill>
-          <a:ln>
-            <a:solidFill>
-              <a:schemeClr val="tx1"/>
-            </a:solidFill>
-          </a:ln>
-        </p:spPr>
-        <p:style>
-          <a:lnRef idx="2">
-            <a:schemeClr val="accent1">
-              <a:shade val="50000"/>
-            </a:schemeClr>
-          </a:lnRef>
-          <a:fillRef idx="1">
-            <a:schemeClr val="accent1"/>
-          </a:fillRef>
-          <a:effectRef idx="0">
-            <a:schemeClr val="accent1"/>
-          </a:effectRef>
-          <a:fontRef idx="minor">
-            <a:schemeClr val="lt1"/>
-          </a:fontRef>
-        </p:style>
-        <p:txBody>
-          <a:bodyPr rtlCol="0" anchor="ctr"/>
-          <a:lstStyle/>
-          <a:p>
-            <a:pPr algn="ctr"/>
-            <a:endParaRPr lang="en-GB" dirty="0">
-              <a:solidFill>
-                <a:schemeClr val="tx1"/>
-              </a:solidFill>
-            </a:endParaRPr>
-          </a:p>
-        </p:txBody>
-      </p:sp>
-      <p:sp>
-        <p:nvSpPr>
-          <p:cNvPr id="9" name="Rectangle 8"/>
-          <p:cNvSpPr/>
-          <p:nvPr/>
-        </p:nvSpPr>
-        <p:spPr>
-          <a:xfrm>
-            <a:off x="4745148" y="2743200"/>
-            <a:ext cx="417102" cy="369332"/>
-          </a:xfrm>
-          <a:prstGeom prst="rect">
-            <a:avLst/>
-          </a:prstGeom>
-        </p:spPr>
-        <p:txBody>
-          <a:bodyPr wrap="none">
-            <a:spAutoFit/>
-          </a:bodyPr>
-          <a:lstStyle/>
-          <a:p>
-            <a:pPr algn="ctr"/>
-            <a:r>
-              <a:rPr lang="en-GB" dirty="0" smtClean="0"/>
-              <a:t>_2</a:t>
-            </a:r>
-            <a:endParaRPr lang="en-GB" dirty="0"/>
-          </a:p>
-        </p:txBody>
-      </p:sp>
-      <p:sp>
-        <p:nvSpPr>
-          <p:cNvPr id="10" name="Oval 9"/>
-          <p:cNvSpPr/>
-          <p:nvPr/>
-        </p:nvSpPr>
-        <p:spPr>
-          <a:xfrm>
-            <a:off x="5029200" y="3341132"/>
-            <a:ext cx="914400" cy="838200"/>
-          </a:xfrm>
-          <a:prstGeom prst="ellipse">
-            <a:avLst/>
-          </a:prstGeom>
-          <a:solidFill>
-            <a:schemeClr val="bg1"/>
-          </a:solidFill>
-          <a:ln>
-            <a:solidFill>
-              <a:schemeClr val="tx1"/>
-            </a:solidFill>
-          </a:ln>
-        </p:spPr>
-        <p:style>
-          <a:lnRef idx="2">
-            <a:schemeClr val="accent1">
-              <a:shade val="50000"/>
-            </a:schemeClr>
-          </a:lnRef>
-          <a:fillRef idx="1">
-            <a:schemeClr val="accent1"/>
-          </a:fillRef>
-          <a:effectRef idx="0">
-            <a:schemeClr val="accent1"/>
-          </a:effectRef>
-          <a:fontRef idx="minor">
-            <a:schemeClr val="lt1"/>
-          </a:fontRef>
-        </p:style>
-        <p:txBody>
-          <a:bodyPr rtlCol="0" anchor="ctr"/>
-          <a:lstStyle/>
-          <a:p>
-            <a:pPr algn="ctr"/>
-            <a:r>
-              <a:rPr lang="en-GB" dirty="0" smtClean="0">
-                <a:solidFill>
-                  <a:schemeClr val="tx1"/>
-                </a:solidFill>
-              </a:rPr>
-              <a:t>N_2</a:t>
-            </a:r>
-            <a:endParaRPr lang="en-GB" dirty="0">
-              <a:solidFill>
-                <a:schemeClr val="tx1"/>
-              </a:solidFill>
-            </a:endParaRPr>
-          </a:p>
-        </p:txBody>
-      </p:sp>
-      <p:sp>
-        <p:nvSpPr>
-          <p:cNvPr id="11" name="TextBox 10"/>
-          <p:cNvSpPr txBox="1"/>
-          <p:nvPr/>
-        </p:nvSpPr>
-        <p:spPr>
-          <a:xfrm>
-            <a:off x="6400800" y="3581400"/>
-            <a:ext cx="343364" cy="369332"/>
-          </a:xfrm>
-          <a:prstGeom prst="rect">
-            <a:avLst/>
-          </a:prstGeom>
-          <a:noFill/>
-        </p:spPr>
-        <p:txBody>
-          <a:bodyPr wrap="none" rtlCol="0">
-            <a:spAutoFit/>
-          </a:bodyPr>
-          <a:lstStyle/>
-          <a:p>
-            <a:r>
-              <a:rPr lang="en-GB" dirty="0" smtClean="0"/>
-              <a:t>…</a:t>
-            </a:r>
-            <a:endParaRPr lang="en-GB" dirty="0"/>
           </a:p>
         </p:txBody>
       </p:sp>
@@ -6811,13 +9402,13 @@
           <a:lstStyle/>
           <a:p>
             <a:r>
-              <a:rPr lang="en-GB" dirty="0" smtClean="0"/>
-              <a:t>Fixed size </a:t>
-            </a:r>
-            <a:r>
               <a:rPr lang="en-GB" dirty="0" err="1" smtClean="0"/>
               <a:t>Tuples</a:t>
             </a:r>
+            <a:r>
+              <a:rPr lang="en-GB" dirty="0" smtClean="0"/>
+              <a:t> as Records</a:t>
+            </a:r>
             <a:endParaRPr lang="en-GB" dirty="0"/>
           </a:p>
         </p:txBody>
@@ -6831,7 +9422,7 @@
         <p:spPr>
           <a:xfrm>
             <a:off x="2514600" y="2743200"/>
-            <a:ext cx="4191000" cy="1828800"/>
+            <a:ext cx="4495800" cy="1828800"/>
           </a:xfrm>
           <a:prstGeom prst="roundRect">
             <a:avLst/>
@@ -6883,7 +9474,7 @@
         <p:spPr>
           <a:xfrm>
             <a:off x="2514600" y="2362200"/>
-            <a:ext cx="926985" cy="369332"/>
+            <a:ext cx="694550" cy="369332"/>
           </a:xfrm>
           <a:prstGeom prst="rect">
             <a:avLst/>
@@ -6898,7 +9489,7 @@
             <a:pPr algn="ctr"/>
             <a:r>
               <a:rPr lang="en-GB" dirty="0" smtClean="0"/>
-              <a:t>Tuple_2</a:t>
+              <a:t>Tuple</a:t>
             </a:r>
             <a:endParaRPr lang="en-GB" dirty="0"/>
           </a:p>
@@ -7185,6 +9776,36 @@
                 <a:schemeClr val="tx1"/>
               </a:solidFill>
             </a:endParaRPr>
+          </a:p>
+        </p:txBody>
+      </p:sp>
+      <p:sp>
+        <p:nvSpPr>
+          <p:cNvPr id="11" name="TextBox 10"/>
+          <p:cNvSpPr txBox="1"/>
+          <p:nvPr/>
+        </p:nvSpPr>
+        <p:spPr>
+          <a:xfrm>
+            <a:off x="6400800" y="3581400"/>
+            <a:ext cx="343364" cy="369332"/>
+          </a:xfrm>
+          <a:prstGeom prst="rect">
+            <a:avLst/>
+          </a:prstGeom>
+          <a:noFill/>
+        </p:spPr>
+        <p:txBody>
+          <a:bodyPr wrap="none" rtlCol="0">
+            <a:spAutoFit/>
+          </a:bodyPr>
+          <a:lstStyle/>
+          <a:p>
+            <a:r>
+              <a:rPr lang="en-GB" dirty="0" smtClean="0"/>
+              <a:t>…</a:t>
+            </a:r>
+            <a:endParaRPr lang="en-GB" dirty="0"/>
           </a:p>
         </p:txBody>
       </p:sp>
@@ -7197,6 +9818,426 @@
 </file>
 
 <file path=ppt/slides/slide8.xml><?xml version="1.0" encoding="utf-8"?>
+<p:sld xmlns:a="http://schemas.openxmlformats.org/drawingml/2006/main" xmlns:r="http://schemas.openxmlformats.org/officeDocument/2006/relationships" xmlns:p="http://schemas.openxmlformats.org/presentationml/2006/main">
+  <p:cSld>
+    <p:spTree>
+      <p:nvGrpSpPr>
+        <p:cNvPr id="1" name=""/>
+        <p:cNvGrpSpPr/>
+        <p:nvPr/>
+      </p:nvGrpSpPr>
+      <p:grpSpPr>
+        <a:xfrm>
+          <a:off x="0" y="0"/>
+          <a:ext cx="0" cy="0"/>
+          <a:chOff x="0" y="0"/>
+          <a:chExt cx="0" cy="0"/>
+        </a:xfrm>
+      </p:grpSpPr>
+      <p:sp>
+        <p:nvSpPr>
+          <p:cNvPr id="4" name="Title 3"/>
+          <p:cNvSpPr>
+            <a:spLocks noGrp="1"/>
+          </p:cNvSpPr>
+          <p:nvPr>
+            <p:ph type="title"/>
+          </p:nvPr>
+        </p:nvSpPr>
+        <p:spPr/>
+        <p:txBody>
+          <a:bodyPr>
+            <a:normAutofit/>
+          </a:bodyPr>
+          <a:lstStyle/>
+          <a:p>
+            <a:r>
+              <a:rPr lang="en-GB" dirty="0" smtClean="0"/>
+              <a:t>Fixed size </a:t>
+            </a:r>
+            <a:r>
+              <a:rPr lang="en-GB" dirty="0" err="1" smtClean="0"/>
+              <a:t>Tuples</a:t>
+            </a:r>
+            <a:endParaRPr lang="en-GB" dirty="0"/>
+          </a:p>
+        </p:txBody>
+      </p:sp>
+      <p:sp>
+        <p:nvSpPr>
+          <p:cNvPr id="7" name="Rounded Rectangle 6"/>
+          <p:cNvSpPr/>
+          <p:nvPr/>
+        </p:nvSpPr>
+        <p:spPr>
+          <a:xfrm>
+            <a:off x="2514600" y="2743200"/>
+            <a:ext cx="4191000" cy="1828800"/>
+          </a:xfrm>
+          <a:prstGeom prst="roundRect">
+            <a:avLst/>
+          </a:prstGeom>
+          <a:solidFill>
+            <a:schemeClr val="bg1"/>
+          </a:solidFill>
+          <a:ln>
+            <a:solidFill>
+              <a:schemeClr val="tx1"/>
+            </a:solidFill>
+          </a:ln>
+        </p:spPr>
+        <p:style>
+          <a:lnRef idx="2">
+            <a:schemeClr val="accent1">
+              <a:shade val="50000"/>
+            </a:schemeClr>
+          </a:lnRef>
+          <a:fillRef idx="1">
+            <a:schemeClr val="accent1"/>
+          </a:fillRef>
+          <a:effectRef idx="0">
+            <a:schemeClr val="accent1"/>
+          </a:effectRef>
+          <a:fontRef idx="minor">
+            <a:schemeClr val="lt1"/>
+          </a:fontRef>
+        </p:style>
+        <p:txBody>
+          <a:bodyPr rtlCol="0" anchor="ctr"/>
+          <a:lstStyle/>
+          <a:p>
+            <a:pPr algn="ctr"/>
+            <a:endParaRPr lang="en-GB" dirty="0">
+              <a:solidFill>
+                <a:schemeClr val="tx1"/>
+              </a:solidFill>
+            </a:endParaRPr>
+          </a:p>
+        </p:txBody>
+      </p:sp>
+      <p:sp>
+        <p:nvSpPr>
+          <p:cNvPr id="13" name="Rectangle 12"/>
+          <p:cNvSpPr/>
+          <p:nvPr/>
+        </p:nvSpPr>
+        <p:spPr>
+          <a:xfrm>
+            <a:off x="2514600" y="2362200"/>
+            <a:ext cx="926985" cy="369332"/>
+          </a:xfrm>
+          <a:prstGeom prst="rect">
+            <a:avLst/>
+          </a:prstGeom>
+        </p:spPr>
+        <p:txBody>
+          <a:bodyPr wrap="none">
+            <a:spAutoFit/>
+          </a:bodyPr>
+          <a:lstStyle/>
+          <a:p>
+            <a:pPr algn="ctr"/>
+            <a:r>
+              <a:rPr lang="en-GB" dirty="0" smtClean="0"/>
+              <a:t>Tuple_2</a:t>
+            </a:r>
+            <a:endParaRPr lang="en-GB" dirty="0"/>
+          </a:p>
+        </p:txBody>
+      </p:sp>
+      <p:sp>
+        <p:nvSpPr>
+          <p:cNvPr id="15" name="Rounded Rectangle 14"/>
+          <p:cNvSpPr/>
+          <p:nvPr/>
+        </p:nvSpPr>
+        <p:spPr>
+          <a:xfrm>
+            <a:off x="2971800" y="3124200"/>
+            <a:ext cx="1447800" cy="1295400"/>
+          </a:xfrm>
+          <a:prstGeom prst="roundRect">
+            <a:avLst/>
+          </a:prstGeom>
+          <a:solidFill>
+            <a:schemeClr val="bg1"/>
+          </a:solidFill>
+          <a:ln>
+            <a:solidFill>
+              <a:schemeClr val="tx1"/>
+            </a:solidFill>
+          </a:ln>
+        </p:spPr>
+        <p:style>
+          <a:lnRef idx="2">
+            <a:schemeClr val="accent1">
+              <a:shade val="50000"/>
+            </a:schemeClr>
+          </a:lnRef>
+          <a:fillRef idx="1">
+            <a:schemeClr val="accent1"/>
+          </a:fillRef>
+          <a:effectRef idx="0">
+            <a:schemeClr val="accent1"/>
+          </a:effectRef>
+          <a:fontRef idx="minor">
+            <a:schemeClr val="lt1"/>
+          </a:fontRef>
+        </p:style>
+        <p:txBody>
+          <a:bodyPr rtlCol="0" anchor="ctr"/>
+          <a:lstStyle/>
+          <a:p>
+            <a:pPr algn="ctr"/>
+            <a:endParaRPr lang="en-GB" dirty="0">
+              <a:solidFill>
+                <a:schemeClr val="tx1"/>
+              </a:solidFill>
+            </a:endParaRPr>
+          </a:p>
+        </p:txBody>
+      </p:sp>
+      <p:sp>
+        <p:nvSpPr>
+          <p:cNvPr id="16" name="Rectangle 15"/>
+          <p:cNvSpPr/>
+          <p:nvPr/>
+        </p:nvSpPr>
+        <p:spPr>
+          <a:xfrm>
+            <a:off x="2992548" y="2754868"/>
+            <a:ext cx="417102" cy="369332"/>
+          </a:xfrm>
+          <a:prstGeom prst="rect">
+            <a:avLst/>
+          </a:prstGeom>
+        </p:spPr>
+        <p:txBody>
+          <a:bodyPr wrap="none">
+            <a:spAutoFit/>
+          </a:bodyPr>
+          <a:lstStyle/>
+          <a:p>
+            <a:pPr algn="ctr"/>
+            <a:r>
+              <a:rPr lang="en-GB" dirty="0" smtClean="0"/>
+              <a:t>_1</a:t>
+            </a:r>
+            <a:endParaRPr lang="en-GB" dirty="0"/>
+          </a:p>
+        </p:txBody>
+      </p:sp>
+      <p:sp>
+        <p:nvSpPr>
+          <p:cNvPr id="18" name="Oval 17"/>
+          <p:cNvSpPr/>
+          <p:nvPr/>
+        </p:nvSpPr>
+        <p:spPr>
+          <a:xfrm>
+            <a:off x="3276600" y="3352800"/>
+            <a:ext cx="914400" cy="838200"/>
+          </a:xfrm>
+          <a:prstGeom prst="ellipse">
+            <a:avLst/>
+          </a:prstGeom>
+          <a:solidFill>
+            <a:schemeClr val="bg1"/>
+          </a:solidFill>
+          <a:ln>
+            <a:solidFill>
+              <a:schemeClr val="tx1"/>
+            </a:solidFill>
+          </a:ln>
+        </p:spPr>
+        <p:style>
+          <a:lnRef idx="2">
+            <a:schemeClr val="accent1">
+              <a:shade val="50000"/>
+            </a:schemeClr>
+          </a:lnRef>
+          <a:fillRef idx="1">
+            <a:schemeClr val="accent1"/>
+          </a:fillRef>
+          <a:effectRef idx="0">
+            <a:schemeClr val="accent1"/>
+          </a:effectRef>
+          <a:fontRef idx="minor">
+            <a:schemeClr val="lt1"/>
+          </a:fontRef>
+        </p:style>
+        <p:txBody>
+          <a:bodyPr rtlCol="0" anchor="ctr"/>
+          <a:lstStyle/>
+          <a:p>
+            <a:pPr algn="ctr"/>
+            <a:r>
+              <a:rPr lang="en-GB" dirty="0" smtClean="0">
+                <a:solidFill>
+                  <a:schemeClr val="tx1"/>
+                </a:solidFill>
+              </a:rPr>
+              <a:t>N_1</a:t>
+            </a:r>
+            <a:endParaRPr lang="en-GB" dirty="0">
+              <a:solidFill>
+                <a:schemeClr val="tx1"/>
+              </a:solidFill>
+            </a:endParaRPr>
+          </a:p>
+        </p:txBody>
+      </p:sp>
+      <p:sp>
+        <p:nvSpPr>
+          <p:cNvPr id="8" name="Rounded Rectangle 7"/>
+          <p:cNvSpPr/>
+          <p:nvPr/>
+        </p:nvSpPr>
+        <p:spPr>
+          <a:xfrm>
+            <a:off x="4724400" y="3112532"/>
+            <a:ext cx="1447800" cy="1295400"/>
+          </a:xfrm>
+          <a:prstGeom prst="roundRect">
+            <a:avLst/>
+          </a:prstGeom>
+          <a:solidFill>
+            <a:schemeClr val="bg1"/>
+          </a:solidFill>
+          <a:ln>
+            <a:solidFill>
+              <a:schemeClr val="tx1"/>
+            </a:solidFill>
+          </a:ln>
+        </p:spPr>
+        <p:style>
+          <a:lnRef idx="2">
+            <a:schemeClr val="accent1">
+              <a:shade val="50000"/>
+            </a:schemeClr>
+          </a:lnRef>
+          <a:fillRef idx="1">
+            <a:schemeClr val="accent1"/>
+          </a:fillRef>
+          <a:effectRef idx="0">
+            <a:schemeClr val="accent1"/>
+          </a:effectRef>
+          <a:fontRef idx="minor">
+            <a:schemeClr val="lt1"/>
+          </a:fontRef>
+        </p:style>
+        <p:txBody>
+          <a:bodyPr rtlCol="0" anchor="ctr"/>
+          <a:lstStyle/>
+          <a:p>
+            <a:pPr algn="ctr"/>
+            <a:endParaRPr lang="en-GB" dirty="0">
+              <a:solidFill>
+                <a:schemeClr val="tx1"/>
+              </a:solidFill>
+            </a:endParaRPr>
+          </a:p>
+        </p:txBody>
+      </p:sp>
+      <p:sp>
+        <p:nvSpPr>
+          <p:cNvPr id="9" name="Rectangle 8"/>
+          <p:cNvSpPr/>
+          <p:nvPr/>
+        </p:nvSpPr>
+        <p:spPr>
+          <a:xfrm>
+            <a:off x="4745148" y="2743200"/>
+            <a:ext cx="417102" cy="369332"/>
+          </a:xfrm>
+          <a:prstGeom prst="rect">
+            <a:avLst/>
+          </a:prstGeom>
+        </p:spPr>
+        <p:txBody>
+          <a:bodyPr wrap="none">
+            <a:spAutoFit/>
+          </a:bodyPr>
+          <a:lstStyle/>
+          <a:p>
+            <a:pPr algn="ctr"/>
+            <a:r>
+              <a:rPr lang="en-GB" dirty="0" smtClean="0"/>
+              <a:t>_2</a:t>
+            </a:r>
+            <a:endParaRPr lang="en-GB" dirty="0"/>
+          </a:p>
+        </p:txBody>
+      </p:sp>
+      <p:sp>
+        <p:nvSpPr>
+          <p:cNvPr id="10" name="Oval 9"/>
+          <p:cNvSpPr/>
+          <p:nvPr/>
+        </p:nvSpPr>
+        <p:spPr>
+          <a:xfrm>
+            <a:off x="5029200" y="3341132"/>
+            <a:ext cx="914400" cy="838200"/>
+          </a:xfrm>
+          <a:prstGeom prst="ellipse">
+            <a:avLst/>
+          </a:prstGeom>
+          <a:solidFill>
+            <a:schemeClr val="bg1"/>
+          </a:solidFill>
+          <a:ln>
+            <a:solidFill>
+              <a:schemeClr val="tx1"/>
+            </a:solidFill>
+          </a:ln>
+        </p:spPr>
+        <p:style>
+          <a:lnRef idx="2">
+            <a:schemeClr val="accent1">
+              <a:shade val="50000"/>
+            </a:schemeClr>
+          </a:lnRef>
+          <a:fillRef idx="1">
+            <a:schemeClr val="accent1"/>
+          </a:fillRef>
+          <a:effectRef idx="0">
+            <a:schemeClr val="accent1"/>
+          </a:effectRef>
+          <a:fontRef idx="minor">
+            <a:schemeClr val="lt1"/>
+          </a:fontRef>
+        </p:style>
+        <p:txBody>
+          <a:bodyPr rtlCol="0" anchor="ctr"/>
+          <a:lstStyle/>
+          <a:p>
+            <a:pPr algn="ctr"/>
+            <a:r>
+              <a:rPr lang="en-GB" dirty="0" smtClean="0">
+                <a:solidFill>
+                  <a:schemeClr val="tx1"/>
+                </a:solidFill>
+              </a:rPr>
+              <a:t>N_2</a:t>
+            </a:r>
+            <a:endParaRPr lang="en-GB" dirty="0">
+              <a:solidFill>
+                <a:schemeClr val="tx1"/>
+              </a:solidFill>
+            </a:endParaRPr>
+          </a:p>
+        </p:txBody>
+      </p:sp>
+    </p:spTree>
+  </p:cSld>
+  <p:clrMapOvr>
+    <a:masterClrMapping/>
+  </p:clrMapOvr>
+</p:sld>
+</file>
+
+<file path=ppt/slides/slide9.xml><?xml version="1.0" encoding="utf-8"?>
 <p:sld xmlns:a="http://schemas.openxmlformats.org/drawingml/2006/main" xmlns:r="http://schemas.openxmlformats.org/officeDocument/2006/relationships" xmlns:p="http://schemas.openxmlformats.org/presentationml/2006/main">
   <p:cSld>
     <p:spTree>
@@ -7796,297 +10837,6 @@
             <a:r>
               <a:rPr lang="en-GB" dirty="0" smtClean="0"/>
               <a:t>locale</a:t>
-            </a:r>
-            <a:endParaRPr lang="en-GB" dirty="0"/>
-          </a:p>
-        </p:txBody>
-      </p:sp>
-    </p:spTree>
-  </p:cSld>
-  <p:clrMapOvr>
-    <a:masterClrMapping/>
-  </p:clrMapOvr>
-</p:sld>
-</file>
-
-<file path=ppt/slides/slide9.xml><?xml version="1.0" encoding="utf-8"?>
-<p:sld xmlns:a="http://schemas.openxmlformats.org/drawingml/2006/main" xmlns:r="http://schemas.openxmlformats.org/officeDocument/2006/relationships" xmlns:p="http://schemas.openxmlformats.org/presentationml/2006/main">
-  <p:cSld>
-    <p:spTree>
-      <p:nvGrpSpPr>
-        <p:cNvPr id="1" name=""/>
-        <p:cNvGrpSpPr/>
-        <p:nvPr/>
-      </p:nvGrpSpPr>
-      <p:grpSpPr>
-        <a:xfrm>
-          <a:off x="0" y="0"/>
-          <a:ext cx="0" cy="0"/>
-          <a:chOff x="0" y="0"/>
-          <a:chExt cx="0" cy="0"/>
-        </a:xfrm>
-      </p:grpSpPr>
-      <p:sp>
-        <p:nvSpPr>
-          <p:cNvPr id="2" name="Title 1"/>
-          <p:cNvSpPr>
-            <a:spLocks noGrp="1"/>
-          </p:cNvSpPr>
-          <p:nvPr>
-            <p:ph type="title"/>
-          </p:nvPr>
-        </p:nvSpPr>
-        <p:spPr/>
-        <p:txBody>
-          <a:bodyPr/>
-          <a:lstStyle/>
-          <a:p>
-            <a:r>
-              <a:rPr lang="en-GB" dirty="0" smtClean="0"/>
-              <a:t>Object position as linked value</a:t>
-            </a:r>
-            <a:endParaRPr lang="en-GB" dirty="0"/>
-          </a:p>
-        </p:txBody>
-      </p:sp>
-      <p:sp>
-        <p:nvSpPr>
-          <p:cNvPr id="3" name="Oval 2"/>
-          <p:cNvSpPr/>
-          <p:nvPr/>
-        </p:nvSpPr>
-        <p:spPr>
-          <a:xfrm>
-            <a:off x="3959942" y="3250381"/>
-            <a:ext cx="76200" cy="76200"/>
-          </a:xfrm>
-          <a:prstGeom prst="ellipse">
-            <a:avLst/>
-          </a:prstGeom>
-          <a:noFill/>
-          <a:ln>
-            <a:solidFill>
-              <a:schemeClr val="tx1"/>
-            </a:solidFill>
-          </a:ln>
-        </p:spPr>
-        <p:style>
-          <a:lnRef idx="2">
-            <a:schemeClr val="accent1">
-              <a:shade val="50000"/>
-            </a:schemeClr>
-          </a:lnRef>
-          <a:fillRef idx="1">
-            <a:schemeClr val="accent1"/>
-          </a:fillRef>
-          <a:effectRef idx="0">
-            <a:schemeClr val="accent1"/>
-          </a:effectRef>
-          <a:fontRef idx="minor">
-            <a:schemeClr val="lt1"/>
-          </a:fontRef>
-        </p:style>
-        <p:txBody>
-          <a:bodyPr rtlCol="0" anchor="ctr"/>
-          <a:lstStyle/>
-          <a:p>
-            <a:pPr algn="ctr"/>
-            <a:endParaRPr lang="en-GB" dirty="0">
-              <a:solidFill>
-                <a:schemeClr val="tx1"/>
-              </a:solidFill>
-            </a:endParaRPr>
-          </a:p>
-        </p:txBody>
-      </p:sp>
-      <p:sp>
-        <p:nvSpPr>
-          <p:cNvPr id="4" name="TextBox 3"/>
-          <p:cNvSpPr txBox="1"/>
-          <p:nvPr/>
-        </p:nvSpPr>
-        <p:spPr>
-          <a:xfrm>
-            <a:off x="3807542" y="3402781"/>
-            <a:ext cx="851515" cy="369332"/>
-          </a:xfrm>
-          <a:prstGeom prst="rect">
-            <a:avLst/>
-          </a:prstGeom>
-          <a:noFill/>
-        </p:spPr>
-        <p:txBody>
-          <a:bodyPr wrap="none" rtlCol="0">
-            <a:spAutoFit/>
-          </a:bodyPr>
-          <a:lstStyle/>
-          <a:p>
-            <a:r>
-              <a:rPr lang="en-GB" dirty="0" smtClean="0"/>
-              <a:t>[12,10]</a:t>
-            </a:r>
-            <a:endParaRPr lang="en-GB" dirty="0"/>
-          </a:p>
-        </p:txBody>
-      </p:sp>
-      <p:sp>
-        <p:nvSpPr>
-          <p:cNvPr id="7" name="Oval 6"/>
-          <p:cNvSpPr/>
-          <p:nvPr/>
-        </p:nvSpPr>
-        <p:spPr>
-          <a:xfrm>
-            <a:off x="2438400" y="3733800"/>
-            <a:ext cx="1219200" cy="838200"/>
-          </a:xfrm>
-          <a:prstGeom prst="ellipse">
-            <a:avLst/>
-          </a:prstGeom>
-          <a:solidFill>
-            <a:schemeClr val="bg1"/>
-          </a:solidFill>
-          <a:ln>
-            <a:solidFill>
-              <a:schemeClr val="tx1"/>
-            </a:solidFill>
-          </a:ln>
-        </p:spPr>
-        <p:style>
-          <a:lnRef idx="2">
-            <a:schemeClr val="accent1">
-              <a:shade val="50000"/>
-            </a:schemeClr>
-          </a:lnRef>
-          <a:fillRef idx="1">
-            <a:schemeClr val="accent1"/>
-          </a:fillRef>
-          <a:effectRef idx="0">
-            <a:schemeClr val="accent1"/>
-          </a:effectRef>
-          <a:fontRef idx="minor">
-            <a:schemeClr val="lt1"/>
-          </a:fontRef>
-        </p:style>
-        <p:txBody>
-          <a:bodyPr rtlCol="0" anchor="ctr"/>
-          <a:lstStyle/>
-          <a:p>
-            <a:pPr algn="ctr"/>
-            <a:endParaRPr lang="en-GB" dirty="0">
-              <a:solidFill>
-                <a:schemeClr val="tx1"/>
-              </a:solidFill>
-            </a:endParaRPr>
-          </a:p>
-        </p:txBody>
-      </p:sp>
-      <p:sp>
-        <p:nvSpPr>
-          <p:cNvPr id="8" name="Oval 7"/>
-          <p:cNvSpPr/>
-          <p:nvPr/>
-        </p:nvSpPr>
-        <p:spPr>
-          <a:xfrm>
-            <a:off x="2971800" y="3581400"/>
-            <a:ext cx="152400" cy="152400"/>
-          </a:xfrm>
-          <a:prstGeom prst="ellipse">
-            <a:avLst/>
-          </a:prstGeom>
-          <a:solidFill>
-            <a:schemeClr val="tx1"/>
-          </a:solidFill>
-          <a:ln>
-            <a:solidFill>
-              <a:schemeClr val="tx1"/>
-            </a:solidFill>
-          </a:ln>
-        </p:spPr>
-        <p:style>
-          <a:lnRef idx="2">
-            <a:schemeClr val="accent1">
-              <a:shade val="50000"/>
-            </a:schemeClr>
-          </a:lnRef>
-          <a:fillRef idx="1">
-            <a:schemeClr val="accent1"/>
-          </a:fillRef>
-          <a:effectRef idx="0">
-            <a:schemeClr val="accent1"/>
-          </a:effectRef>
-          <a:fontRef idx="minor">
-            <a:schemeClr val="lt1"/>
-          </a:fontRef>
-        </p:style>
-        <p:txBody>
-          <a:bodyPr rtlCol="0" anchor="ctr"/>
-          <a:lstStyle/>
-          <a:p>
-            <a:pPr algn="ctr"/>
-            <a:endParaRPr lang="en-GB"/>
-          </a:p>
-        </p:txBody>
-      </p:sp>
-      <p:cxnSp>
-        <p:nvCxnSpPr>
-          <p:cNvPr id="10" name="Curved Connector 9"/>
-          <p:cNvCxnSpPr>
-            <a:stCxn id="3" idx="2"/>
-            <a:endCxn id="8" idx="0"/>
-          </p:cNvCxnSpPr>
-          <p:nvPr/>
-        </p:nvCxnSpPr>
-        <p:spPr>
-          <a:xfrm rot="10800000" flipV="1">
-            <a:off x="3048000" y="3288480"/>
-            <a:ext cx="911942" cy="292919"/>
-          </a:xfrm>
-          <a:prstGeom prst="curvedConnector2">
-            <a:avLst/>
-          </a:prstGeom>
-        </p:spPr>
-        <p:style>
-          <a:lnRef idx="1">
-            <a:schemeClr val="accent1"/>
-          </a:lnRef>
-          <a:fillRef idx="0">
-            <a:schemeClr val="accent1"/>
-          </a:fillRef>
-          <a:effectRef idx="0">
-            <a:schemeClr val="accent1"/>
-          </a:effectRef>
-          <a:fontRef idx="minor">
-            <a:schemeClr val="tx1"/>
-          </a:fontRef>
-        </p:style>
-      </p:cxnSp>
-      <p:sp>
-        <p:nvSpPr>
-          <p:cNvPr id="12" name="Rectangle 11"/>
-          <p:cNvSpPr/>
-          <p:nvPr/>
-        </p:nvSpPr>
-        <p:spPr>
-          <a:xfrm>
-            <a:off x="2057400" y="3429000"/>
-            <a:ext cx="823687" cy="369332"/>
-          </a:xfrm>
-          <a:prstGeom prst="rect">
-            <a:avLst/>
-          </a:prstGeom>
-        </p:spPr>
-        <p:txBody>
-          <a:bodyPr wrap="none">
-            <a:spAutoFit/>
-          </a:bodyPr>
-          <a:lstStyle/>
-          <a:p>
-            <a:pPr algn="ctr"/>
-            <a:r>
-              <a:rPr lang="en-GB" dirty="0" smtClean="0"/>
-              <a:t>Person</a:t>
             </a:r>
             <a:endParaRPr lang="en-GB" dirty="0"/>
           </a:p>

--- a/bigraphspace/docs/images/Cookbook_diagrams.pptx
+++ b/bigraphspace/docs/images/Cookbook_diagrams.pptx
@@ -23,6 +23,12 @@
     <p:sldId id="271" r:id="rId17"/>
     <p:sldId id="272" r:id="rId18"/>
     <p:sldId id="273" r:id="rId19"/>
+    <p:sldId id="274" r:id="rId20"/>
+    <p:sldId id="275" r:id="rId21"/>
+    <p:sldId id="276" r:id="rId22"/>
+    <p:sldId id="277" r:id="rId23"/>
+    <p:sldId id="278" r:id="rId24"/>
+    <p:sldId id="279" r:id="rId25"/>
   </p:sldIdLst>
   <p:sldSz cx="9144000" cy="6858000" type="screen4x3"/>
   <p:notesSz cx="6858000" cy="9144000"/>
@@ -306,7 +312,7 @@
             <a:fld id="{1D8BD707-D9CF-40AE-B4C6-C98DA3205C09}" type="datetimeFigureOut">
               <a:rPr lang="en-US" smtClean="0"/>
               <a:pPr/>
-              <a:t>7/25/2009</a:t>
+              <a:t>7/27/2009</a:t>
             </a:fld>
             <a:endParaRPr lang="en-US"/>
           </a:p>
@@ -473,7 +479,7 @@
             <a:fld id="{1D8BD707-D9CF-40AE-B4C6-C98DA3205C09}" type="datetimeFigureOut">
               <a:rPr lang="en-US" smtClean="0"/>
               <a:pPr/>
-              <a:t>7/25/2009</a:t>
+              <a:t>7/27/2009</a:t>
             </a:fld>
             <a:endParaRPr lang="en-US"/>
           </a:p>
@@ -650,7 +656,7 @@
             <a:fld id="{1D8BD707-D9CF-40AE-B4C6-C98DA3205C09}" type="datetimeFigureOut">
               <a:rPr lang="en-US" smtClean="0"/>
               <a:pPr/>
-              <a:t>7/25/2009</a:t>
+              <a:t>7/27/2009</a:t>
             </a:fld>
             <a:endParaRPr lang="en-US"/>
           </a:p>
@@ -817,7 +823,7 @@
             <a:fld id="{1D8BD707-D9CF-40AE-B4C6-C98DA3205C09}" type="datetimeFigureOut">
               <a:rPr lang="en-US" smtClean="0"/>
               <a:pPr/>
-              <a:t>7/25/2009</a:t>
+              <a:t>7/27/2009</a:t>
             </a:fld>
             <a:endParaRPr lang="en-US"/>
           </a:p>
@@ -1060,7 +1066,7 @@
             <a:fld id="{1D8BD707-D9CF-40AE-B4C6-C98DA3205C09}" type="datetimeFigureOut">
               <a:rPr lang="en-US" smtClean="0"/>
               <a:pPr/>
-              <a:t>7/25/2009</a:t>
+              <a:t>7/27/2009</a:t>
             </a:fld>
             <a:endParaRPr lang="en-US"/>
           </a:p>
@@ -1345,7 +1351,7 @@
             <a:fld id="{1D8BD707-D9CF-40AE-B4C6-C98DA3205C09}" type="datetimeFigureOut">
               <a:rPr lang="en-US" smtClean="0"/>
               <a:pPr/>
-              <a:t>7/25/2009</a:t>
+              <a:t>7/27/2009</a:t>
             </a:fld>
             <a:endParaRPr lang="en-US"/>
           </a:p>
@@ -1764,7 +1770,7 @@
             <a:fld id="{1D8BD707-D9CF-40AE-B4C6-C98DA3205C09}" type="datetimeFigureOut">
               <a:rPr lang="en-US" smtClean="0"/>
               <a:pPr/>
-              <a:t>7/25/2009</a:t>
+              <a:t>7/27/2009</a:t>
             </a:fld>
             <a:endParaRPr lang="en-US"/>
           </a:p>
@@ -1879,7 +1885,7 @@
             <a:fld id="{1D8BD707-D9CF-40AE-B4C6-C98DA3205C09}" type="datetimeFigureOut">
               <a:rPr lang="en-US" smtClean="0"/>
               <a:pPr/>
-              <a:t>7/25/2009</a:t>
+              <a:t>7/27/2009</a:t>
             </a:fld>
             <a:endParaRPr lang="en-US"/>
           </a:p>
@@ -1971,7 +1977,7 @@
             <a:fld id="{1D8BD707-D9CF-40AE-B4C6-C98DA3205C09}" type="datetimeFigureOut">
               <a:rPr lang="en-US" smtClean="0"/>
               <a:pPr/>
-              <a:t>7/25/2009</a:t>
+              <a:t>7/27/2009</a:t>
             </a:fld>
             <a:endParaRPr lang="en-US"/>
           </a:p>
@@ -2245,7 +2251,7 @@
             <a:fld id="{1D8BD707-D9CF-40AE-B4C6-C98DA3205C09}" type="datetimeFigureOut">
               <a:rPr lang="en-US" smtClean="0"/>
               <a:pPr/>
-              <a:t>7/25/2009</a:t>
+              <a:t>7/27/2009</a:t>
             </a:fld>
             <a:endParaRPr lang="en-US"/>
           </a:p>
@@ -2495,7 +2501,7 @@
             <a:fld id="{1D8BD707-D9CF-40AE-B4C6-C98DA3205C09}" type="datetimeFigureOut">
               <a:rPr lang="en-US" smtClean="0"/>
               <a:pPr/>
-              <a:t>7/25/2009</a:t>
+              <a:t>7/27/2009</a:t>
             </a:fld>
             <a:endParaRPr lang="en-US"/>
           </a:p>
@@ -2705,7 +2711,7 @@
             <a:fld id="{1D8BD707-D9CF-40AE-B4C6-C98DA3205C09}" type="datetimeFigureOut">
               <a:rPr lang="en-US" smtClean="0"/>
               <a:pPr/>
-              <a:t>7/25/2009</a:t>
+              <a:t>7/27/2009</a:t>
             </a:fld>
             <a:endParaRPr lang="en-US"/>
           </a:p>
@@ -7774,6 +7780,612 @@
 </p:sld>
 </file>
 
+<file path=ppt/slides/slide19.xml><?xml version="1.0" encoding="utf-8"?>
+<p:sld xmlns:a="http://schemas.openxmlformats.org/drawingml/2006/main" xmlns:r="http://schemas.openxmlformats.org/officeDocument/2006/relationships" xmlns:p="http://schemas.openxmlformats.org/presentationml/2006/main">
+  <p:cSld>
+    <p:spTree>
+      <p:nvGrpSpPr>
+        <p:cNvPr id="1" name=""/>
+        <p:cNvGrpSpPr/>
+        <p:nvPr/>
+      </p:nvGrpSpPr>
+      <p:grpSpPr>
+        <a:xfrm>
+          <a:off x="0" y="0"/>
+          <a:ext cx="0" cy="0"/>
+          <a:chOff x="0" y="0"/>
+          <a:chExt cx="0" cy="0"/>
+        </a:xfrm>
+      </p:grpSpPr>
+      <p:sp>
+        <p:nvSpPr>
+          <p:cNvPr id="4" name="Title 3"/>
+          <p:cNvSpPr>
+            <a:spLocks noGrp="1"/>
+          </p:cNvSpPr>
+          <p:nvPr>
+            <p:ph type="title"/>
+          </p:nvPr>
+        </p:nvSpPr>
+        <p:spPr/>
+        <p:txBody>
+          <a:bodyPr/>
+          <a:lstStyle/>
+          <a:p>
+            <a:r>
+              <a:rPr lang="en-GB" dirty="0" smtClean="0"/>
+              <a:t>Relational database</a:t>
+            </a:r>
+            <a:endParaRPr lang="en-GB" dirty="0"/>
+          </a:p>
+        </p:txBody>
+      </p:sp>
+      <p:sp>
+        <p:nvSpPr>
+          <p:cNvPr id="7" name="Rounded Rectangle 6"/>
+          <p:cNvSpPr/>
+          <p:nvPr/>
+        </p:nvSpPr>
+        <p:spPr>
+          <a:xfrm>
+            <a:off x="2514600" y="2743200"/>
+            <a:ext cx="4343400" cy="1828800"/>
+          </a:xfrm>
+          <a:prstGeom prst="roundRect">
+            <a:avLst/>
+          </a:prstGeom>
+          <a:solidFill>
+            <a:schemeClr val="bg1"/>
+          </a:solidFill>
+          <a:ln>
+            <a:solidFill>
+              <a:schemeClr val="tx1"/>
+            </a:solidFill>
+          </a:ln>
+        </p:spPr>
+        <p:style>
+          <a:lnRef idx="2">
+            <a:schemeClr val="accent1">
+              <a:shade val="50000"/>
+            </a:schemeClr>
+          </a:lnRef>
+          <a:fillRef idx="1">
+            <a:schemeClr val="accent1"/>
+          </a:fillRef>
+          <a:effectRef idx="0">
+            <a:schemeClr val="accent1"/>
+          </a:effectRef>
+          <a:fontRef idx="minor">
+            <a:schemeClr val="lt1"/>
+          </a:fontRef>
+        </p:style>
+        <p:txBody>
+          <a:bodyPr rtlCol="0" anchor="ctr"/>
+          <a:lstStyle/>
+          <a:p>
+            <a:pPr algn="ctr"/>
+            <a:endParaRPr lang="en-GB" dirty="0">
+              <a:solidFill>
+                <a:schemeClr val="tx1"/>
+              </a:solidFill>
+            </a:endParaRPr>
+          </a:p>
+        </p:txBody>
+      </p:sp>
+      <p:sp>
+        <p:nvSpPr>
+          <p:cNvPr id="13" name="Rectangle 12"/>
+          <p:cNvSpPr/>
+          <p:nvPr/>
+        </p:nvSpPr>
+        <p:spPr>
+          <a:xfrm>
+            <a:off x="2667000" y="2362200"/>
+            <a:ext cx="1230017" cy="369332"/>
+          </a:xfrm>
+          <a:prstGeom prst="rect">
+            <a:avLst/>
+          </a:prstGeom>
+        </p:spPr>
+        <p:txBody>
+          <a:bodyPr wrap="none">
+            <a:spAutoFit/>
+          </a:bodyPr>
+          <a:lstStyle/>
+          <a:p>
+            <a:pPr algn="ctr"/>
+            <a:r>
+              <a:rPr lang="en-GB" dirty="0" smtClean="0"/>
+              <a:t>PersonRow</a:t>
+            </a:r>
+            <a:endParaRPr lang="en-GB" dirty="0"/>
+          </a:p>
+        </p:txBody>
+      </p:sp>
+      <p:sp>
+        <p:nvSpPr>
+          <p:cNvPr id="15" name="Rounded Rectangle 14"/>
+          <p:cNvSpPr/>
+          <p:nvPr/>
+        </p:nvSpPr>
+        <p:spPr>
+          <a:xfrm>
+            <a:off x="2971800" y="3124200"/>
+            <a:ext cx="1447800" cy="1295400"/>
+          </a:xfrm>
+          <a:prstGeom prst="roundRect">
+            <a:avLst/>
+          </a:prstGeom>
+          <a:solidFill>
+            <a:schemeClr val="bg1"/>
+          </a:solidFill>
+          <a:ln>
+            <a:solidFill>
+              <a:schemeClr val="tx1"/>
+            </a:solidFill>
+          </a:ln>
+        </p:spPr>
+        <p:style>
+          <a:lnRef idx="2">
+            <a:schemeClr val="accent1">
+              <a:shade val="50000"/>
+            </a:schemeClr>
+          </a:lnRef>
+          <a:fillRef idx="1">
+            <a:schemeClr val="accent1"/>
+          </a:fillRef>
+          <a:effectRef idx="0">
+            <a:schemeClr val="accent1"/>
+          </a:effectRef>
+          <a:fontRef idx="minor">
+            <a:schemeClr val="lt1"/>
+          </a:fontRef>
+        </p:style>
+        <p:txBody>
+          <a:bodyPr rtlCol="0" anchor="ctr"/>
+          <a:lstStyle/>
+          <a:p>
+            <a:pPr algn="ctr"/>
+            <a:endParaRPr lang="en-GB" dirty="0">
+              <a:solidFill>
+                <a:schemeClr val="tx1"/>
+              </a:solidFill>
+            </a:endParaRPr>
+          </a:p>
+        </p:txBody>
+      </p:sp>
+      <p:sp>
+        <p:nvSpPr>
+          <p:cNvPr id="16" name="Rectangle 15"/>
+          <p:cNvSpPr/>
+          <p:nvPr/>
+        </p:nvSpPr>
+        <p:spPr>
+          <a:xfrm>
+            <a:off x="2917206" y="2754868"/>
+            <a:ext cx="359394" cy="369332"/>
+          </a:xfrm>
+          <a:prstGeom prst="rect">
+            <a:avLst/>
+          </a:prstGeom>
+        </p:spPr>
+        <p:txBody>
+          <a:bodyPr wrap="none">
+            <a:spAutoFit/>
+          </a:bodyPr>
+          <a:lstStyle/>
+          <a:p>
+            <a:pPr algn="ctr"/>
+            <a:r>
+              <a:rPr lang="en-GB" dirty="0" smtClean="0"/>
+              <a:t>id</a:t>
+            </a:r>
+            <a:endParaRPr lang="en-GB" dirty="0"/>
+          </a:p>
+        </p:txBody>
+      </p:sp>
+      <p:sp>
+        <p:nvSpPr>
+          <p:cNvPr id="18" name="Oval 17"/>
+          <p:cNvSpPr/>
+          <p:nvPr/>
+        </p:nvSpPr>
+        <p:spPr>
+          <a:xfrm>
+            <a:off x="3276600" y="3352800"/>
+            <a:ext cx="914400" cy="838200"/>
+          </a:xfrm>
+          <a:prstGeom prst="ellipse">
+            <a:avLst/>
+          </a:prstGeom>
+          <a:solidFill>
+            <a:schemeClr val="bg1"/>
+          </a:solidFill>
+          <a:ln>
+            <a:solidFill>
+              <a:schemeClr val="tx1"/>
+            </a:solidFill>
+          </a:ln>
+        </p:spPr>
+        <p:style>
+          <a:lnRef idx="2">
+            <a:schemeClr val="accent1">
+              <a:shade val="50000"/>
+            </a:schemeClr>
+          </a:lnRef>
+          <a:fillRef idx="1">
+            <a:schemeClr val="accent1"/>
+          </a:fillRef>
+          <a:effectRef idx="0">
+            <a:schemeClr val="accent1"/>
+          </a:effectRef>
+          <a:fontRef idx="minor">
+            <a:schemeClr val="lt1"/>
+          </a:fontRef>
+        </p:style>
+        <p:txBody>
+          <a:bodyPr lIns="0" rIns="0" rtlCol="0" anchor="ctr"/>
+          <a:lstStyle/>
+          <a:p>
+            <a:pPr algn="ctr"/>
+            <a:r>
+              <a:rPr lang="en-GB" dirty="0" smtClean="0">
+                <a:solidFill>
+                  <a:schemeClr val="tx1"/>
+                </a:solidFill>
+              </a:rPr>
+              <a:t>N_143</a:t>
+            </a:r>
+            <a:endParaRPr lang="en-GB" dirty="0">
+              <a:solidFill>
+                <a:schemeClr val="tx1"/>
+              </a:solidFill>
+            </a:endParaRPr>
+          </a:p>
+        </p:txBody>
+      </p:sp>
+      <p:sp>
+        <p:nvSpPr>
+          <p:cNvPr id="8" name="Rounded Rectangle 7"/>
+          <p:cNvSpPr/>
+          <p:nvPr/>
+        </p:nvSpPr>
+        <p:spPr>
+          <a:xfrm>
+            <a:off x="4783687" y="3112532"/>
+            <a:ext cx="1447800" cy="1295400"/>
+          </a:xfrm>
+          <a:prstGeom prst="roundRect">
+            <a:avLst/>
+          </a:prstGeom>
+          <a:solidFill>
+            <a:schemeClr val="bg1"/>
+          </a:solidFill>
+          <a:ln>
+            <a:solidFill>
+              <a:schemeClr val="tx1"/>
+            </a:solidFill>
+          </a:ln>
+        </p:spPr>
+        <p:style>
+          <a:lnRef idx="2">
+            <a:schemeClr val="accent1">
+              <a:shade val="50000"/>
+            </a:schemeClr>
+          </a:lnRef>
+          <a:fillRef idx="1">
+            <a:schemeClr val="accent1"/>
+          </a:fillRef>
+          <a:effectRef idx="0">
+            <a:schemeClr val="accent1"/>
+          </a:effectRef>
+          <a:fontRef idx="minor">
+            <a:schemeClr val="lt1"/>
+          </a:fontRef>
+        </p:style>
+        <p:txBody>
+          <a:bodyPr rtlCol="0" anchor="ctr"/>
+          <a:lstStyle/>
+          <a:p>
+            <a:pPr algn="ctr"/>
+            <a:endParaRPr lang="en-GB" dirty="0">
+              <a:solidFill>
+                <a:schemeClr val="tx1"/>
+              </a:solidFill>
+            </a:endParaRPr>
+          </a:p>
+        </p:txBody>
+      </p:sp>
+      <p:sp>
+        <p:nvSpPr>
+          <p:cNvPr id="9" name="Rectangle 8"/>
+          <p:cNvSpPr/>
+          <p:nvPr/>
+        </p:nvSpPr>
+        <p:spPr>
+          <a:xfrm>
+            <a:off x="4648200" y="2743200"/>
+            <a:ext cx="716863" cy="369332"/>
+          </a:xfrm>
+          <a:prstGeom prst="rect">
+            <a:avLst/>
+          </a:prstGeom>
+        </p:spPr>
+        <p:txBody>
+          <a:bodyPr wrap="none">
+            <a:spAutoFit/>
+          </a:bodyPr>
+          <a:lstStyle/>
+          <a:p>
+            <a:pPr algn="ctr"/>
+            <a:r>
+              <a:rPr lang="en-GB" dirty="0" smtClean="0"/>
+              <a:t>name</a:t>
+            </a:r>
+            <a:endParaRPr lang="en-GB" dirty="0"/>
+          </a:p>
+        </p:txBody>
+      </p:sp>
+      <p:sp>
+        <p:nvSpPr>
+          <p:cNvPr id="10" name="Oval 9"/>
+          <p:cNvSpPr/>
+          <p:nvPr/>
+        </p:nvSpPr>
+        <p:spPr>
+          <a:xfrm>
+            <a:off x="5029200" y="3341132"/>
+            <a:ext cx="1007513" cy="838200"/>
+          </a:xfrm>
+          <a:prstGeom prst="ellipse">
+            <a:avLst/>
+          </a:prstGeom>
+          <a:solidFill>
+            <a:schemeClr val="bg1"/>
+          </a:solidFill>
+          <a:ln>
+            <a:solidFill>
+              <a:schemeClr val="tx1"/>
+            </a:solidFill>
+          </a:ln>
+        </p:spPr>
+        <p:style>
+          <a:lnRef idx="2">
+            <a:schemeClr val="accent1">
+              <a:shade val="50000"/>
+            </a:schemeClr>
+          </a:lnRef>
+          <a:fillRef idx="1">
+            <a:schemeClr val="accent1"/>
+          </a:fillRef>
+          <a:effectRef idx="0">
+            <a:schemeClr val="accent1"/>
+          </a:effectRef>
+          <a:fontRef idx="minor">
+            <a:schemeClr val="lt1"/>
+          </a:fontRef>
+        </p:style>
+        <p:txBody>
+          <a:bodyPr lIns="0" rIns="0" rtlCol="0" anchor="ctr"/>
+          <a:lstStyle/>
+          <a:p>
+            <a:pPr algn="ctr"/>
+            <a:r>
+              <a:rPr lang="en-GB" dirty="0" smtClean="0">
+                <a:solidFill>
+                  <a:schemeClr val="tx1"/>
+                </a:solidFill>
+              </a:rPr>
+              <a:t>S_Chris</a:t>
+            </a:r>
+            <a:endParaRPr lang="en-GB" dirty="0">
+              <a:solidFill>
+                <a:schemeClr val="tx1"/>
+              </a:solidFill>
+            </a:endParaRPr>
+          </a:p>
+        </p:txBody>
+      </p:sp>
+      <p:sp>
+        <p:nvSpPr>
+          <p:cNvPr id="11" name="Rounded Rectangle 10"/>
+          <p:cNvSpPr/>
+          <p:nvPr/>
+        </p:nvSpPr>
+        <p:spPr>
+          <a:xfrm>
+            <a:off x="2057400" y="2209800"/>
+            <a:ext cx="5181600" cy="3124200"/>
+          </a:xfrm>
+          <a:prstGeom prst="roundRect">
+            <a:avLst/>
+          </a:prstGeom>
+          <a:noFill/>
+          <a:ln w="9525">
+            <a:solidFill>
+              <a:schemeClr val="tx1"/>
+            </a:solidFill>
+            <a:prstDash val="solid"/>
+          </a:ln>
+        </p:spPr>
+        <p:style>
+          <a:lnRef idx="2">
+            <a:schemeClr val="accent1">
+              <a:shade val="50000"/>
+            </a:schemeClr>
+          </a:lnRef>
+          <a:fillRef idx="1">
+            <a:schemeClr val="accent1"/>
+          </a:fillRef>
+          <a:effectRef idx="0">
+            <a:schemeClr val="accent1"/>
+          </a:effectRef>
+          <a:fontRef idx="minor">
+            <a:schemeClr val="lt1"/>
+          </a:fontRef>
+        </p:style>
+        <p:txBody>
+          <a:bodyPr rtlCol="0" anchor="ctr"/>
+          <a:lstStyle/>
+          <a:p>
+            <a:pPr algn="ctr"/>
+            <a:endParaRPr lang="en-GB" dirty="0">
+              <a:solidFill>
+                <a:schemeClr val="tx1"/>
+              </a:solidFill>
+            </a:endParaRPr>
+          </a:p>
+        </p:txBody>
+      </p:sp>
+      <p:sp>
+        <p:nvSpPr>
+          <p:cNvPr id="12" name="Rectangle 11"/>
+          <p:cNvSpPr/>
+          <p:nvPr/>
+        </p:nvSpPr>
+        <p:spPr>
+          <a:xfrm>
+            <a:off x="2057400" y="1828800"/>
+            <a:ext cx="2292231" cy="369332"/>
+          </a:xfrm>
+          <a:prstGeom prst="rect">
+            <a:avLst/>
+          </a:prstGeom>
+        </p:spPr>
+        <p:txBody>
+          <a:bodyPr wrap="none">
+            <a:spAutoFit/>
+          </a:bodyPr>
+          <a:lstStyle/>
+          <a:p>
+            <a:pPr algn="ctr"/>
+            <a:r>
+              <a:rPr lang="en-GB" dirty="0" smtClean="0"/>
+              <a:t>PersonTable (optional)</a:t>
+            </a:r>
+            <a:endParaRPr lang="en-GB" dirty="0"/>
+          </a:p>
+        </p:txBody>
+      </p:sp>
+      <p:sp>
+        <p:nvSpPr>
+          <p:cNvPr id="14" name="Rounded Rectangle 13"/>
+          <p:cNvSpPr/>
+          <p:nvPr/>
+        </p:nvSpPr>
+        <p:spPr>
+          <a:xfrm>
+            <a:off x="1676400" y="1752600"/>
+            <a:ext cx="5943600" cy="3810000"/>
+          </a:xfrm>
+          <a:prstGeom prst="roundRect">
+            <a:avLst/>
+          </a:prstGeom>
+          <a:noFill/>
+          <a:ln w="9525">
+            <a:solidFill>
+              <a:schemeClr val="tx1"/>
+            </a:solidFill>
+            <a:prstDash val="solid"/>
+          </a:ln>
+        </p:spPr>
+        <p:style>
+          <a:lnRef idx="2">
+            <a:schemeClr val="accent1">
+              <a:shade val="50000"/>
+            </a:schemeClr>
+          </a:lnRef>
+          <a:fillRef idx="1">
+            <a:schemeClr val="accent1"/>
+          </a:fillRef>
+          <a:effectRef idx="0">
+            <a:schemeClr val="accent1"/>
+          </a:effectRef>
+          <a:fontRef idx="minor">
+            <a:schemeClr val="lt1"/>
+          </a:fontRef>
+        </p:style>
+        <p:txBody>
+          <a:bodyPr rtlCol="0" anchor="ctr"/>
+          <a:lstStyle/>
+          <a:p>
+            <a:pPr algn="ctr"/>
+            <a:endParaRPr lang="en-GB" dirty="0">
+              <a:solidFill>
+                <a:schemeClr val="tx1"/>
+              </a:solidFill>
+            </a:endParaRPr>
+          </a:p>
+        </p:txBody>
+      </p:sp>
+      <p:sp>
+        <p:nvSpPr>
+          <p:cNvPr id="17" name="Rectangle 16"/>
+          <p:cNvSpPr/>
+          <p:nvPr/>
+        </p:nvSpPr>
+        <p:spPr>
+          <a:xfrm>
+            <a:off x="1676400" y="1371600"/>
+            <a:ext cx="2031775" cy="369332"/>
+          </a:xfrm>
+          <a:prstGeom prst="rect">
+            <a:avLst/>
+          </a:prstGeom>
+        </p:spPr>
+        <p:txBody>
+          <a:bodyPr wrap="none">
+            <a:spAutoFit/>
+          </a:bodyPr>
+          <a:lstStyle/>
+          <a:p>
+            <a:pPr algn="ctr"/>
+            <a:r>
+              <a:rPr lang="en-GB" dirty="0" smtClean="0"/>
+              <a:t>Database (optional)</a:t>
+            </a:r>
+            <a:endParaRPr lang="en-GB" dirty="0"/>
+          </a:p>
+        </p:txBody>
+      </p:sp>
+      <p:sp>
+        <p:nvSpPr>
+          <p:cNvPr id="19" name="Rectangle 18"/>
+          <p:cNvSpPr/>
+          <p:nvPr/>
+        </p:nvSpPr>
+        <p:spPr>
+          <a:xfrm>
+            <a:off x="4572000" y="4724400"/>
+            <a:ext cx="343363" cy="369332"/>
+          </a:xfrm>
+          <a:prstGeom prst="rect">
+            <a:avLst/>
+          </a:prstGeom>
+        </p:spPr>
+        <p:txBody>
+          <a:bodyPr wrap="none">
+            <a:spAutoFit/>
+          </a:bodyPr>
+          <a:lstStyle/>
+          <a:p>
+            <a:pPr algn="ctr"/>
+            <a:r>
+              <a:rPr lang="en-GB" dirty="0" smtClean="0"/>
+              <a:t>…</a:t>
+            </a:r>
+            <a:endParaRPr lang="en-GB" dirty="0"/>
+          </a:p>
+        </p:txBody>
+      </p:sp>
+    </p:spTree>
+  </p:cSld>
+  <p:clrMapOvr>
+    <a:masterClrMapping/>
+  </p:clrMapOvr>
+</p:sld>
+</file>
+
 <file path=ppt/slides/slide2.xml><?xml version="1.0" encoding="utf-8"?>
 <p:sld xmlns:a="http://schemas.openxmlformats.org/drawingml/2006/main" xmlns:r="http://schemas.openxmlformats.org/officeDocument/2006/relationships" xmlns:p="http://schemas.openxmlformats.org/presentationml/2006/main">
   <p:cSld>
@@ -7808,11 +8420,7 @@
           <a:p>
             <a:r>
               <a:rPr lang="en-GB" dirty="0" smtClean="0"/>
-              <a:t>Numbers as “constant” </a:t>
-            </a:r>
-            <a:r>
-              <a:rPr lang="en-GB" dirty="0" smtClean="0"/>
-              <a:t>links (2)</a:t>
+              <a:t>Numbers as “constant” links (2)</a:t>
             </a:r>
             <a:endParaRPr lang="en-GB" dirty="0"/>
           </a:p>
@@ -8216,6 +8824,3549 @@
           <a:p>
             <a:pPr algn="ctr"/>
             <a:endParaRPr lang="en-GB"/>
+          </a:p>
+        </p:txBody>
+      </p:sp>
+    </p:spTree>
+  </p:cSld>
+  <p:clrMapOvr>
+    <a:masterClrMapping/>
+  </p:clrMapOvr>
+</p:sld>
+</file>
+
+<file path=ppt/slides/slide20.xml><?xml version="1.0" encoding="utf-8"?>
+<p:sld xmlns:a="http://schemas.openxmlformats.org/drawingml/2006/main" xmlns:r="http://schemas.openxmlformats.org/officeDocument/2006/relationships" xmlns:p="http://schemas.openxmlformats.org/presentationml/2006/main">
+  <p:cSld>
+    <p:spTree>
+      <p:nvGrpSpPr>
+        <p:cNvPr id="1" name=""/>
+        <p:cNvGrpSpPr/>
+        <p:nvPr/>
+      </p:nvGrpSpPr>
+      <p:grpSpPr>
+        <a:xfrm>
+          <a:off x="0" y="0"/>
+          <a:ext cx="0" cy="0"/>
+          <a:chOff x="0" y="0"/>
+          <a:chExt cx="0" cy="0"/>
+        </a:xfrm>
+      </p:grpSpPr>
+      <p:sp>
+        <p:nvSpPr>
+          <p:cNvPr id="4" name="Title 3"/>
+          <p:cNvSpPr>
+            <a:spLocks noGrp="1"/>
+          </p:cNvSpPr>
+          <p:nvPr>
+            <p:ph type="title"/>
+          </p:nvPr>
+        </p:nvSpPr>
+        <p:spPr/>
+        <p:txBody>
+          <a:bodyPr>
+            <a:normAutofit fontScale="90000"/>
+          </a:bodyPr>
+          <a:lstStyle/>
+          <a:p>
+            <a:r>
+              <a:rPr lang="en-GB" dirty="0" smtClean="0"/>
+              <a:t>Relational database – join constant link</a:t>
+            </a:r>
+            <a:endParaRPr lang="en-GB" dirty="0"/>
+          </a:p>
+        </p:txBody>
+      </p:sp>
+      <p:sp>
+        <p:nvSpPr>
+          <p:cNvPr id="7" name="Rounded Rectangle 6"/>
+          <p:cNvSpPr/>
+          <p:nvPr/>
+        </p:nvSpPr>
+        <p:spPr>
+          <a:xfrm>
+            <a:off x="1295400" y="3124200"/>
+            <a:ext cx="2743200" cy="1066800"/>
+          </a:xfrm>
+          <a:prstGeom prst="roundRect">
+            <a:avLst/>
+          </a:prstGeom>
+          <a:solidFill>
+            <a:schemeClr val="bg1"/>
+          </a:solidFill>
+          <a:ln>
+            <a:solidFill>
+              <a:schemeClr val="tx1"/>
+            </a:solidFill>
+          </a:ln>
+        </p:spPr>
+        <p:style>
+          <a:lnRef idx="2">
+            <a:schemeClr val="accent1">
+              <a:shade val="50000"/>
+            </a:schemeClr>
+          </a:lnRef>
+          <a:fillRef idx="1">
+            <a:schemeClr val="accent1"/>
+          </a:fillRef>
+          <a:effectRef idx="0">
+            <a:schemeClr val="accent1"/>
+          </a:effectRef>
+          <a:fontRef idx="minor">
+            <a:schemeClr val="lt1"/>
+          </a:fontRef>
+        </p:style>
+        <p:txBody>
+          <a:bodyPr rtlCol="0" anchor="ctr"/>
+          <a:lstStyle/>
+          <a:p>
+            <a:pPr algn="ctr"/>
+            <a:endParaRPr lang="en-GB" dirty="0">
+              <a:solidFill>
+                <a:schemeClr val="tx1"/>
+              </a:solidFill>
+            </a:endParaRPr>
+          </a:p>
+        </p:txBody>
+      </p:sp>
+      <p:sp>
+        <p:nvSpPr>
+          <p:cNvPr id="13" name="Rectangle 12"/>
+          <p:cNvSpPr/>
+          <p:nvPr/>
+        </p:nvSpPr>
+        <p:spPr>
+          <a:xfrm>
+            <a:off x="1295400" y="2743200"/>
+            <a:ext cx="1230017" cy="369332"/>
+          </a:xfrm>
+          <a:prstGeom prst="rect">
+            <a:avLst/>
+          </a:prstGeom>
+        </p:spPr>
+        <p:txBody>
+          <a:bodyPr wrap="none">
+            <a:spAutoFit/>
+          </a:bodyPr>
+          <a:lstStyle/>
+          <a:p>
+            <a:pPr algn="ctr"/>
+            <a:r>
+              <a:rPr lang="en-GB" dirty="0" smtClean="0"/>
+              <a:t>PersonRow</a:t>
+            </a:r>
+            <a:endParaRPr lang="en-GB" dirty="0"/>
+          </a:p>
+        </p:txBody>
+      </p:sp>
+      <p:sp>
+        <p:nvSpPr>
+          <p:cNvPr id="15" name="Rounded Rectangle 14"/>
+          <p:cNvSpPr/>
+          <p:nvPr/>
+        </p:nvSpPr>
+        <p:spPr>
+          <a:xfrm>
+            <a:off x="1752600" y="3505200"/>
+            <a:ext cx="1447800" cy="457200"/>
+          </a:xfrm>
+          <a:prstGeom prst="roundRect">
+            <a:avLst/>
+          </a:prstGeom>
+          <a:solidFill>
+            <a:schemeClr val="bg1"/>
+          </a:solidFill>
+          <a:ln>
+            <a:solidFill>
+              <a:schemeClr val="tx1"/>
+            </a:solidFill>
+          </a:ln>
+        </p:spPr>
+        <p:style>
+          <a:lnRef idx="2">
+            <a:schemeClr val="accent1">
+              <a:shade val="50000"/>
+            </a:schemeClr>
+          </a:lnRef>
+          <a:fillRef idx="1">
+            <a:schemeClr val="accent1"/>
+          </a:fillRef>
+          <a:effectRef idx="0">
+            <a:schemeClr val="accent1"/>
+          </a:effectRef>
+          <a:fontRef idx="minor">
+            <a:schemeClr val="lt1"/>
+          </a:fontRef>
+        </p:style>
+        <p:txBody>
+          <a:bodyPr rtlCol="0" anchor="ctr"/>
+          <a:lstStyle/>
+          <a:p>
+            <a:pPr algn="ctr"/>
+            <a:endParaRPr lang="en-GB" dirty="0">
+              <a:solidFill>
+                <a:schemeClr val="tx1"/>
+              </a:solidFill>
+            </a:endParaRPr>
+          </a:p>
+        </p:txBody>
+      </p:sp>
+      <p:sp>
+        <p:nvSpPr>
+          <p:cNvPr id="16" name="Rectangle 15"/>
+          <p:cNvSpPr/>
+          <p:nvPr/>
+        </p:nvSpPr>
+        <p:spPr>
+          <a:xfrm>
+            <a:off x="1698006" y="3135868"/>
+            <a:ext cx="359394" cy="369332"/>
+          </a:xfrm>
+          <a:prstGeom prst="rect">
+            <a:avLst/>
+          </a:prstGeom>
+        </p:spPr>
+        <p:txBody>
+          <a:bodyPr wrap="none">
+            <a:spAutoFit/>
+          </a:bodyPr>
+          <a:lstStyle/>
+          <a:p>
+            <a:pPr algn="ctr"/>
+            <a:r>
+              <a:rPr lang="en-GB" dirty="0" smtClean="0"/>
+              <a:t>id</a:t>
+            </a:r>
+            <a:endParaRPr lang="en-GB" dirty="0"/>
+          </a:p>
+        </p:txBody>
+      </p:sp>
+      <p:sp>
+        <p:nvSpPr>
+          <p:cNvPr id="9" name="Rectangle 8"/>
+          <p:cNvSpPr/>
+          <p:nvPr/>
+        </p:nvSpPr>
+        <p:spPr>
+          <a:xfrm>
+            <a:off x="3429000" y="3581400"/>
+            <a:ext cx="343363" cy="369332"/>
+          </a:xfrm>
+          <a:prstGeom prst="rect">
+            <a:avLst/>
+          </a:prstGeom>
+        </p:spPr>
+        <p:txBody>
+          <a:bodyPr wrap="none">
+            <a:spAutoFit/>
+          </a:bodyPr>
+          <a:lstStyle/>
+          <a:p>
+            <a:pPr algn="ctr"/>
+            <a:r>
+              <a:rPr lang="en-GB" dirty="0" smtClean="0"/>
+              <a:t>…</a:t>
+            </a:r>
+            <a:endParaRPr lang="en-GB" dirty="0"/>
+          </a:p>
+        </p:txBody>
+      </p:sp>
+      <p:sp>
+        <p:nvSpPr>
+          <p:cNvPr id="14" name="Rounded Rectangle 13"/>
+          <p:cNvSpPr/>
+          <p:nvPr/>
+        </p:nvSpPr>
+        <p:spPr>
+          <a:xfrm>
+            <a:off x="990600" y="2590800"/>
+            <a:ext cx="6553200" cy="2133600"/>
+          </a:xfrm>
+          <a:prstGeom prst="roundRect">
+            <a:avLst/>
+          </a:prstGeom>
+          <a:noFill/>
+          <a:ln w="9525">
+            <a:solidFill>
+              <a:schemeClr val="tx1"/>
+            </a:solidFill>
+            <a:prstDash val="solid"/>
+          </a:ln>
+        </p:spPr>
+        <p:style>
+          <a:lnRef idx="2">
+            <a:schemeClr val="accent1">
+              <a:shade val="50000"/>
+            </a:schemeClr>
+          </a:lnRef>
+          <a:fillRef idx="1">
+            <a:schemeClr val="accent1"/>
+          </a:fillRef>
+          <a:effectRef idx="0">
+            <a:schemeClr val="accent1"/>
+          </a:effectRef>
+          <a:fontRef idx="minor">
+            <a:schemeClr val="lt1"/>
+          </a:fontRef>
+        </p:style>
+        <p:txBody>
+          <a:bodyPr rtlCol="0" anchor="ctr"/>
+          <a:lstStyle/>
+          <a:p>
+            <a:pPr algn="ctr"/>
+            <a:endParaRPr lang="en-GB" dirty="0">
+              <a:solidFill>
+                <a:schemeClr val="tx1"/>
+              </a:solidFill>
+            </a:endParaRPr>
+          </a:p>
+        </p:txBody>
+      </p:sp>
+      <p:sp>
+        <p:nvSpPr>
+          <p:cNvPr id="17" name="Rectangle 16"/>
+          <p:cNvSpPr/>
+          <p:nvPr/>
+        </p:nvSpPr>
+        <p:spPr>
+          <a:xfrm>
+            <a:off x="1219200" y="2209800"/>
+            <a:ext cx="2031775" cy="369332"/>
+          </a:xfrm>
+          <a:prstGeom prst="rect">
+            <a:avLst/>
+          </a:prstGeom>
+        </p:spPr>
+        <p:txBody>
+          <a:bodyPr wrap="none">
+            <a:spAutoFit/>
+          </a:bodyPr>
+          <a:lstStyle/>
+          <a:p>
+            <a:pPr algn="ctr"/>
+            <a:r>
+              <a:rPr lang="en-GB" dirty="0" smtClean="0"/>
+              <a:t>Database (optional)</a:t>
+            </a:r>
+            <a:endParaRPr lang="en-GB" dirty="0"/>
+          </a:p>
+        </p:txBody>
+      </p:sp>
+      <p:sp>
+        <p:nvSpPr>
+          <p:cNvPr id="19" name="Rectangle 18"/>
+          <p:cNvSpPr/>
+          <p:nvPr/>
+        </p:nvSpPr>
+        <p:spPr>
+          <a:xfrm>
+            <a:off x="2514600" y="4343400"/>
+            <a:ext cx="343363" cy="369332"/>
+          </a:xfrm>
+          <a:prstGeom prst="rect">
+            <a:avLst/>
+          </a:prstGeom>
+        </p:spPr>
+        <p:txBody>
+          <a:bodyPr wrap="none">
+            <a:spAutoFit/>
+          </a:bodyPr>
+          <a:lstStyle/>
+          <a:p>
+            <a:pPr algn="ctr"/>
+            <a:r>
+              <a:rPr lang="en-GB" dirty="0" smtClean="0"/>
+              <a:t>…</a:t>
+            </a:r>
+            <a:endParaRPr lang="en-GB" dirty="0"/>
+          </a:p>
+        </p:txBody>
+      </p:sp>
+      <p:sp>
+        <p:nvSpPr>
+          <p:cNvPr id="20" name="Rounded Rectangle 19"/>
+          <p:cNvSpPr/>
+          <p:nvPr/>
+        </p:nvSpPr>
+        <p:spPr>
+          <a:xfrm>
+            <a:off x="4495800" y="3124200"/>
+            <a:ext cx="2743200" cy="1143000"/>
+          </a:xfrm>
+          <a:prstGeom prst="roundRect">
+            <a:avLst/>
+          </a:prstGeom>
+          <a:solidFill>
+            <a:schemeClr val="bg1"/>
+          </a:solidFill>
+          <a:ln>
+            <a:solidFill>
+              <a:schemeClr val="tx1"/>
+            </a:solidFill>
+          </a:ln>
+        </p:spPr>
+        <p:style>
+          <a:lnRef idx="2">
+            <a:schemeClr val="accent1">
+              <a:shade val="50000"/>
+            </a:schemeClr>
+          </a:lnRef>
+          <a:fillRef idx="1">
+            <a:schemeClr val="accent1"/>
+          </a:fillRef>
+          <a:effectRef idx="0">
+            <a:schemeClr val="accent1"/>
+          </a:effectRef>
+          <a:fontRef idx="minor">
+            <a:schemeClr val="lt1"/>
+          </a:fontRef>
+        </p:style>
+        <p:txBody>
+          <a:bodyPr rtlCol="0" anchor="ctr"/>
+          <a:lstStyle/>
+          <a:p>
+            <a:pPr algn="ctr"/>
+            <a:endParaRPr lang="en-GB" dirty="0">
+              <a:solidFill>
+                <a:schemeClr val="tx1"/>
+              </a:solidFill>
+            </a:endParaRPr>
+          </a:p>
+        </p:txBody>
+      </p:sp>
+      <p:sp>
+        <p:nvSpPr>
+          <p:cNvPr id="21" name="Rectangle 20"/>
+          <p:cNvSpPr/>
+          <p:nvPr/>
+        </p:nvSpPr>
+        <p:spPr>
+          <a:xfrm>
+            <a:off x="4495800" y="2743200"/>
+            <a:ext cx="989759" cy="369332"/>
+          </a:xfrm>
+          <a:prstGeom prst="rect">
+            <a:avLst/>
+          </a:prstGeom>
+        </p:spPr>
+        <p:txBody>
+          <a:bodyPr wrap="none">
+            <a:spAutoFit/>
+          </a:bodyPr>
+          <a:lstStyle/>
+          <a:p>
+            <a:pPr algn="ctr"/>
+            <a:r>
+              <a:rPr lang="en-GB" dirty="0" smtClean="0"/>
+              <a:t>TaskRow</a:t>
+            </a:r>
+            <a:endParaRPr lang="en-GB" dirty="0"/>
+          </a:p>
+        </p:txBody>
+      </p:sp>
+      <p:sp>
+        <p:nvSpPr>
+          <p:cNvPr id="22" name="Rounded Rectangle 21"/>
+          <p:cNvSpPr/>
+          <p:nvPr/>
+        </p:nvSpPr>
+        <p:spPr>
+          <a:xfrm>
+            <a:off x="4953000" y="3505200"/>
+            <a:ext cx="1447800" cy="457200"/>
+          </a:xfrm>
+          <a:prstGeom prst="roundRect">
+            <a:avLst/>
+          </a:prstGeom>
+          <a:solidFill>
+            <a:schemeClr val="bg1"/>
+          </a:solidFill>
+          <a:ln>
+            <a:solidFill>
+              <a:schemeClr val="tx1"/>
+            </a:solidFill>
+          </a:ln>
+        </p:spPr>
+        <p:style>
+          <a:lnRef idx="2">
+            <a:schemeClr val="accent1">
+              <a:shade val="50000"/>
+            </a:schemeClr>
+          </a:lnRef>
+          <a:fillRef idx="1">
+            <a:schemeClr val="accent1"/>
+          </a:fillRef>
+          <a:effectRef idx="0">
+            <a:schemeClr val="accent1"/>
+          </a:effectRef>
+          <a:fontRef idx="minor">
+            <a:schemeClr val="lt1"/>
+          </a:fontRef>
+        </p:style>
+        <p:txBody>
+          <a:bodyPr rtlCol="0" anchor="ctr"/>
+          <a:lstStyle/>
+          <a:p>
+            <a:pPr algn="ctr"/>
+            <a:endParaRPr lang="en-GB" dirty="0">
+              <a:solidFill>
+                <a:schemeClr val="tx1"/>
+              </a:solidFill>
+            </a:endParaRPr>
+          </a:p>
+        </p:txBody>
+      </p:sp>
+      <p:sp>
+        <p:nvSpPr>
+          <p:cNvPr id="23" name="Rectangle 22"/>
+          <p:cNvSpPr/>
+          <p:nvPr/>
+        </p:nvSpPr>
+        <p:spPr>
+          <a:xfrm>
+            <a:off x="4898406" y="3135868"/>
+            <a:ext cx="1006238" cy="369332"/>
+          </a:xfrm>
+          <a:prstGeom prst="rect">
+            <a:avLst/>
+          </a:prstGeom>
+        </p:spPr>
+        <p:txBody>
+          <a:bodyPr wrap="none">
+            <a:spAutoFit/>
+          </a:bodyPr>
+          <a:lstStyle/>
+          <a:p>
+            <a:pPr algn="ctr"/>
+            <a:r>
+              <a:rPr lang="en-GB" dirty="0" smtClean="0"/>
+              <a:t>personid</a:t>
+            </a:r>
+            <a:endParaRPr lang="en-GB" dirty="0"/>
+          </a:p>
+        </p:txBody>
+      </p:sp>
+      <p:sp>
+        <p:nvSpPr>
+          <p:cNvPr id="25" name="Rectangle 24"/>
+          <p:cNvSpPr/>
+          <p:nvPr/>
+        </p:nvSpPr>
+        <p:spPr>
+          <a:xfrm>
+            <a:off x="6629400" y="3581400"/>
+            <a:ext cx="343363" cy="369332"/>
+          </a:xfrm>
+          <a:prstGeom prst="rect">
+            <a:avLst/>
+          </a:prstGeom>
+        </p:spPr>
+        <p:txBody>
+          <a:bodyPr wrap="none">
+            <a:spAutoFit/>
+          </a:bodyPr>
+          <a:lstStyle/>
+          <a:p>
+            <a:pPr algn="ctr"/>
+            <a:r>
+              <a:rPr lang="en-GB" dirty="0" smtClean="0"/>
+              <a:t>…</a:t>
+            </a:r>
+            <a:endParaRPr lang="en-GB" dirty="0"/>
+          </a:p>
+        </p:txBody>
+      </p:sp>
+      <p:sp>
+        <p:nvSpPr>
+          <p:cNvPr id="28" name="Rectangle 27"/>
+          <p:cNvSpPr/>
+          <p:nvPr/>
+        </p:nvSpPr>
+        <p:spPr>
+          <a:xfrm>
+            <a:off x="5715000" y="4343400"/>
+            <a:ext cx="343363" cy="369332"/>
+          </a:xfrm>
+          <a:prstGeom prst="rect">
+            <a:avLst/>
+          </a:prstGeom>
+        </p:spPr>
+        <p:txBody>
+          <a:bodyPr wrap="none">
+            <a:spAutoFit/>
+          </a:bodyPr>
+          <a:lstStyle/>
+          <a:p>
+            <a:pPr algn="ctr"/>
+            <a:r>
+              <a:rPr lang="en-GB" dirty="0" smtClean="0"/>
+              <a:t>…</a:t>
+            </a:r>
+            <a:endParaRPr lang="en-GB" dirty="0"/>
+          </a:p>
+        </p:txBody>
+      </p:sp>
+      <p:sp>
+        <p:nvSpPr>
+          <p:cNvPr id="29" name="Rectangle 28"/>
+          <p:cNvSpPr/>
+          <p:nvPr/>
+        </p:nvSpPr>
+        <p:spPr>
+          <a:xfrm>
+            <a:off x="4762381" y="1840468"/>
+            <a:ext cx="800219" cy="369332"/>
+          </a:xfrm>
+          <a:prstGeom prst="rect">
+            <a:avLst/>
+          </a:prstGeom>
+        </p:spPr>
+        <p:txBody>
+          <a:bodyPr wrap="none">
+            <a:spAutoFit/>
+          </a:bodyPr>
+          <a:lstStyle/>
+          <a:p>
+            <a:pPr algn="ctr"/>
+            <a:r>
+              <a:rPr lang="en-GB" dirty="0" smtClean="0"/>
+              <a:t>N_143</a:t>
+            </a:r>
+            <a:endParaRPr lang="en-GB" dirty="0"/>
+          </a:p>
+        </p:txBody>
+      </p:sp>
+      <p:sp>
+        <p:nvSpPr>
+          <p:cNvPr id="30" name="Oval 29"/>
+          <p:cNvSpPr/>
+          <p:nvPr/>
+        </p:nvSpPr>
+        <p:spPr>
+          <a:xfrm>
+            <a:off x="2419290" y="3352800"/>
+            <a:ext cx="152400" cy="152400"/>
+          </a:xfrm>
+          <a:prstGeom prst="ellipse">
+            <a:avLst/>
+          </a:prstGeom>
+          <a:solidFill>
+            <a:schemeClr val="tx1"/>
+          </a:solidFill>
+          <a:ln>
+            <a:solidFill>
+              <a:schemeClr val="tx1"/>
+            </a:solidFill>
+          </a:ln>
+        </p:spPr>
+        <p:style>
+          <a:lnRef idx="2">
+            <a:schemeClr val="accent1">
+              <a:shade val="50000"/>
+            </a:schemeClr>
+          </a:lnRef>
+          <a:fillRef idx="1">
+            <a:schemeClr val="accent1"/>
+          </a:fillRef>
+          <a:effectRef idx="0">
+            <a:schemeClr val="accent1"/>
+          </a:effectRef>
+          <a:fontRef idx="minor">
+            <a:schemeClr val="lt1"/>
+          </a:fontRef>
+        </p:style>
+        <p:txBody>
+          <a:bodyPr rtlCol="0" anchor="ctr"/>
+          <a:lstStyle/>
+          <a:p>
+            <a:pPr algn="ctr"/>
+            <a:endParaRPr lang="en-GB"/>
+          </a:p>
+        </p:txBody>
+      </p:sp>
+      <p:cxnSp>
+        <p:nvCxnSpPr>
+          <p:cNvPr id="31" name="Curved Connector 30"/>
+          <p:cNvCxnSpPr>
+            <a:stCxn id="30" idx="0"/>
+            <a:endCxn id="29" idx="2"/>
+          </p:cNvCxnSpPr>
+          <p:nvPr/>
+        </p:nvCxnSpPr>
+        <p:spPr>
+          <a:xfrm rot="5400000" flipH="1" flipV="1">
+            <a:off x="3257490" y="1447800"/>
+            <a:ext cx="1143000" cy="2667001"/>
+          </a:xfrm>
+          <a:prstGeom prst="curvedConnector3">
+            <a:avLst>
+              <a:gd name="adj1" fmla="val 50000"/>
+            </a:avLst>
+          </a:prstGeom>
+          <a:ln>
+            <a:solidFill>
+              <a:schemeClr val="tx1"/>
+            </a:solidFill>
+          </a:ln>
+        </p:spPr>
+        <p:style>
+          <a:lnRef idx="1">
+            <a:schemeClr val="accent1"/>
+          </a:lnRef>
+          <a:fillRef idx="0">
+            <a:schemeClr val="accent1"/>
+          </a:fillRef>
+          <a:effectRef idx="0">
+            <a:schemeClr val="accent1"/>
+          </a:effectRef>
+          <a:fontRef idx="minor">
+            <a:schemeClr val="tx1"/>
+          </a:fontRef>
+        </p:style>
+      </p:cxnSp>
+      <p:sp>
+        <p:nvSpPr>
+          <p:cNvPr id="34" name="Oval 33"/>
+          <p:cNvSpPr/>
+          <p:nvPr/>
+        </p:nvSpPr>
+        <p:spPr>
+          <a:xfrm>
+            <a:off x="6019800" y="3364468"/>
+            <a:ext cx="152400" cy="152400"/>
+          </a:xfrm>
+          <a:prstGeom prst="ellipse">
+            <a:avLst/>
+          </a:prstGeom>
+          <a:solidFill>
+            <a:schemeClr val="tx1"/>
+          </a:solidFill>
+          <a:ln>
+            <a:solidFill>
+              <a:schemeClr val="tx1"/>
+            </a:solidFill>
+          </a:ln>
+        </p:spPr>
+        <p:style>
+          <a:lnRef idx="2">
+            <a:schemeClr val="accent1">
+              <a:shade val="50000"/>
+            </a:schemeClr>
+          </a:lnRef>
+          <a:fillRef idx="1">
+            <a:schemeClr val="accent1"/>
+          </a:fillRef>
+          <a:effectRef idx="0">
+            <a:schemeClr val="accent1"/>
+          </a:effectRef>
+          <a:fontRef idx="minor">
+            <a:schemeClr val="lt1"/>
+          </a:fontRef>
+        </p:style>
+        <p:txBody>
+          <a:bodyPr rtlCol="0" anchor="ctr"/>
+          <a:lstStyle/>
+          <a:p>
+            <a:pPr algn="ctr"/>
+            <a:endParaRPr lang="en-GB"/>
+          </a:p>
+        </p:txBody>
+      </p:sp>
+      <p:cxnSp>
+        <p:nvCxnSpPr>
+          <p:cNvPr id="35" name="Curved Connector 34"/>
+          <p:cNvCxnSpPr>
+            <a:stCxn id="34" idx="0"/>
+            <a:endCxn id="29" idx="2"/>
+          </p:cNvCxnSpPr>
+          <p:nvPr/>
+        </p:nvCxnSpPr>
+        <p:spPr>
+          <a:xfrm rot="16200000" flipV="1">
+            <a:off x="5051912" y="2320379"/>
+            <a:ext cx="1154668" cy="933509"/>
+          </a:xfrm>
+          <a:prstGeom prst="curvedConnector3">
+            <a:avLst>
+              <a:gd name="adj1" fmla="val 50000"/>
+            </a:avLst>
+          </a:prstGeom>
+          <a:ln>
+            <a:solidFill>
+              <a:schemeClr val="tx1"/>
+            </a:solidFill>
+          </a:ln>
+        </p:spPr>
+        <p:style>
+          <a:lnRef idx="1">
+            <a:schemeClr val="accent1"/>
+          </a:lnRef>
+          <a:fillRef idx="0">
+            <a:schemeClr val="accent1"/>
+          </a:fillRef>
+          <a:effectRef idx="0">
+            <a:schemeClr val="accent1"/>
+          </a:effectRef>
+          <a:fontRef idx="minor">
+            <a:schemeClr val="tx1"/>
+          </a:fontRef>
+        </p:style>
+      </p:cxnSp>
+    </p:spTree>
+  </p:cSld>
+  <p:clrMapOvr>
+    <a:masterClrMapping/>
+  </p:clrMapOvr>
+</p:sld>
+</file>
+
+<file path=ppt/slides/slide21.xml><?xml version="1.0" encoding="utf-8"?>
+<p:sld xmlns:a="http://schemas.openxmlformats.org/drawingml/2006/main" xmlns:r="http://schemas.openxmlformats.org/officeDocument/2006/relationships" xmlns:p="http://schemas.openxmlformats.org/presentationml/2006/main">
+  <p:cSld>
+    <p:spTree>
+      <p:nvGrpSpPr>
+        <p:cNvPr id="1" name=""/>
+        <p:cNvGrpSpPr/>
+        <p:nvPr/>
+      </p:nvGrpSpPr>
+      <p:grpSpPr>
+        <a:xfrm>
+          <a:off x="0" y="0"/>
+          <a:ext cx="0" cy="0"/>
+          <a:chOff x="0" y="0"/>
+          <a:chExt cx="0" cy="0"/>
+        </a:xfrm>
+      </p:grpSpPr>
+      <p:sp>
+        <p:nvSpPr>
+          <p:cNvPr id="4" name="Title 3"/>
+          <p:cNvSpPr>
+            <a:spLocks noGrp="1"/>
+          </p:cNvSpPr>
+          <p:nvPr>
+            <p:ph type="title"/>
+          </p:nvPr>
+        </p:nvSpPr>
+        <p:spPr/>
+        <p:txBody>
+          <a:bodyPr>
+            <a:normAutofit/>
+          </a:bodyPr>
+          <a:lstStyle/>
+          <a:p>
+            <a:r>
+              <a:rPr lang="en-GB" dirty="0" smtClean="0"/>
+              <a:t>Relational database – join link</a:t>
+            </a:r>
+            <a:endParaRPr lang="en-GB" dirty="0"/>
+          </a:p>
+        </p:txBody>
+      </p:sp>
+      <p:sp>
+        <p:nvSpPr>
+          <p:cNvPr id="7" name="Rounded Rectangle 6"/>
+          <p:cNvSpPr/>
+          <p:nvPr/>
+        </p:nvSpPr>
+        <p:spPr>
+          <a:xfrm>
+            <a:off x="1295400" y="3124200"/>
+            <a:ext cx="2743200" cy="1828800"/>
+          </a:xfrm>
+          <a:prstGeom prst="roundRect">
+            <a:avLst/>
+          </a:prstGeom>
+          <a:solidFill>
+            <a:schemeClr val="bg1"/>
+          </a:solidFill>
+          <a:ln>
+            <a:solidFill>
+              <a:schemeClr val="tx1"/>
+            </a:solidFill>
+          </a:ln>
+        </p:spPr>
+        <p:style>
+          <a:lnRef idx="2">
+            <a:schemeClr val="accent1">
+              <a:shade val="50000"/>
+            </a:schemeClr>
+          </a:lnRef>
+          <a:fillRef idx="1">
+            <a:schemeClr val="accent1"/>
+          </a:fillRef>
+          <a:effectRef idx="0">
+            <a:schemeClr val="accent1"/>
+          </a:effectRef>
+          <a:fontRef idx="minor">
+            <a:schemeClr val="lt1"/>
+          </a:fontRef>
+        </p:style>
+        <p:txBody>
+          <a:bodyPr rtlCol="0" anchor="ctr"/>
+          <a:lstStyle/>
+          <a:p>
+            <a:pPr algn="ctr"/>
+            <a:endParaRPr lang="en-GB" dirty="0">
+              <a:solidFill>
+                <a:schemeClr val="tx1"/>
+              </a:solidFill>
+            </a:endParaRPr>
+          </a:p>
+        </p:txBody>
+      </p:sp>
+      <p:sp>
+        <p:nvSpPr>
+          <p:cNvPr id="13" name="Rectangle 12"/>
+          <p:cNvSpPr/>
+          <p:nvPr/>
+        </p:nvSpPr>
+        <p:spPr>
+          <a:xfrm>
+            <a:off x="1295400" y="2743200"/>
+            <a:ext cx="1230017" cy="369332"/>
+          </a:xfrm>
+          <a:prstGeom prst="rect">
+            <a:avLst/>
+          </a:prstGeom>
+        </p:spPr>
+        <p:txBody>
+          <a:bodyPr wrap="none">
+            <a:spAutoFit/>
+          </a:bodyPr>
+          <a:lstStyle/>
+          <a:p>
+            <a:pPr algn="ctr"/>
+            <a:r>
+              <a:rPr lang="en-GB" dirty="0" smtClean="0"/>
+              <a:t>PersonRow</a:t>
+            </a:r>
+            <a:endParaRPr lang="en-GB" dirty="0"/>
+          </a:p>
+        </p:txBody>
+      </p:sp>
+      <p:sp>
+        <p:nvSpPr>
+          <p:cNvPr id="15" name="Rounded Rectangle 14"/>
+          <p:cNvSpPr/>
+          <p:nvPr/>
+        </p:nvSpPr>
+        <p:spPr>
+          <a:xfrm>
+            <a:off x="1752600" y="3505200"/>
+            <a:ext cx="1447800" cy="1295400"/>
+          </a:xfrm>
+          <a:prstGeom prst="roundRect">
+            <a:avLst/>
+          </a:prstGeom>
+          <a:solidFill>
+            <a:schemeClr val="bg1"/>
+          </a:solidFill>
+          <a:ln>
+            <a:solidFill>
+              <a:schemeClr val="tx1"/>
+            </a:solidFill>
+          </a:ln>
+        </p:spPr>
+        <p:style>
+          <a:lnRef idx="2">
+            <a:schemeClr val="accent1">
+              <a:shade val="50000"/>
+            </a:schemeClr>
+          </a:lnRef>
+          <a:fillRef idx="1">
+            <a:schemeClr val="accent1"/>
+          </a:fillRef>
+          <a:effectRef idx="0">
+            <a:schemeClr val="accent1"/>
+          </a:effectRef>
+          <a:fontRef idx="minor">
+            <a:schemeClr val="lt1"/>
+          </a:fontRef>
+        </p:style>
+        <p:txBody>
+          <a:bodyPr rtlCol="0" anchor="ctr"/>
+          <a:lstStyle/>
+          <a:p>
+            <a:pPr algn="ctr"/>
+            <a:endParaRPr lang="en-GB" dirty="0">
+              <a:solidFill>
+                <a:schemeClr val="tx1"/>
+              </a:solidFill>
+            </a:endParaRPr>
+          </a:p>
+        </p:txBody>
+      </p:sp>
+      <p:sp>
+        <p:nvSpPr>
+          <p:cNvPr id="16" name="Rectangle 15"/>
+          <p:cNvSpPr/>
+          <p:nvPr/>
+        </p:nvSpPr>
+        <p:spPr>
+          <a:xfrm>
+            <a:off x="1698006" y="3135868"/>
+            <a:ext cx="359394" cy="369332"/>
+          </a:xfrm>
+          <a:prstGeom prst="rect">
+            <a:avLst/>
+          </a:prstGeom>
+        </p:spPr>
+        <p:txBody>
+          <a:bodyPr wrap="none">
+            <a:spAutoFit/>
+          </a:bodyPr>
+          <a:lstStyle/>
+          <a:p>
+            <a:pPr algn="ctr"/>
+            <a:r>
+              <a:rPr lang="en-GB" dirty="0" smtClean="0"/>
+              <a:t>id</a:t>
+            </a:r>
+            <a:endParaRPr lang="en-GB" dirty="0"/>
+          </a:p>
+        </p:txBody>
+      </p:sp>
+      <p:sp>
+        <p:nvSpPr>
+          <p:cNvPr id="18" name="Oval 17"/>
+          <p:cNvSpPr/>
+          <p:nvPr/>
+        </p:nvSpPr>
+        <p:spPr>
+          <a:xfrm>
+            <a:off x="2057400" y="3733800"/>
+            <a:ext cx="914400" cy="838200"/>
+          </a:xfrm>
+          <a:prstGeom prst="ellipse">
+            <a:avLst/>
+          </a:prstGeom>
+          <a:solidFill>
+            <a:schemeClr val="bg1"/>
+          </a:solidFill>
+          <a:ln>
+            <a:solidFill>
+              <a:schemeClr val="tx1"/>
+            </a:solidFill>
+          </a:ln>
+        </p:spPr>
+        <p:style>
+          <a:lnRef idx="2">
+            <a:schemeClr val="accent1">
+              <a:shade val="50000"/>
+            </a:schemeClr>
+          </a:lnRef>
+          <a:fillRef idx="1">
+            <a:schemeClr val="accent1"/>
+          </a:fillRef>
+          <a:effectRef idx="0">
+            <a:schemeClr val="accent1"/>
+          </a:effectRef>
+          <a:fontRef idx="minor">
+            <a:schemeClr val="lt1"/>
+          </a:fontRef>
+        </p:style>
+        <p:txBody>
+          <a:bodyPr lIns="0" rIns="0" rtlCol="0" anchor="ctr"/>
+          <a:lstStyle/>
+          <a:p>
+            <a:pPr algn="ctr"/>
+            <a:r>
+              <a:rPr lang="en-GB" dirty="0" smtClean="0">
+                <a:solidFill>
+                  <a:schemeClr val="tx1"/>
+                </a:solidFill>
+              </a:rPr>
+              <a:t>N_143</a:t>
+            </a:r>
+            <a:endParaRPr lang="en-GB" dirty="0">
+              <a:solidFill>
+                <a:schemeClr val="tx1"/>
+              </a:solidFill>
+            </a:endParaRPr>
+          </a:p>
+        </p:txBody>
+      </p:sp>
+      <p:sp>
+        <p:nvSpPr>
+          <p:cNvPr id="9" name="Rectangle 8"/>
+          <p:cNvSpPr/>
+          <p:nvPr/>
+        </p:nvSpPr>
+        <p:spPr>
+          <a:xfrm>
+            <a:off x="3429000" y="3810000"/>
+            <a:ext cx="343363" cy="369332"/>
+          </a:xfrm>
+          <a:prstGeom prst="rect">
+            <a:avLst/>
+          </a:prstGeom>
+        </p:spPr>
+        <p:txBody>
+          <a:bodyPr wrap="none">
+            <a:spAutoFit/>
+          </a:bodyPr>
+          <a:lstStyle/>
+          <a:p>
+            <a:pPr algn="ctr"/>
+            <a:r>
+              <a:rPr lang="en-GB" dirty="0" smtClean="0"/>
+              <a:t>…</a:t>
+            </a:r>
+            <a:endParaRPr lang="en-GB" dirty="0"/>
+          </a:p>
+        </p:txBody>
+      </p:sp>
+      <p:sp>
+        <p:nvSpPr>
+          <p:cNvPr id="14" name="Rounded Rectangle 13"/>
+          <p:cNvSpPr/>
+          <p:nvPr/>
+        </p:nvSpPr>
+        <p:spPr>
+          <a:xfrm>
+            <a:off x="990600" y="2362200"/>
+            <a:ext cx="6553200" cy="3124200"/>
+          </a:xfrm>
+          <a:prstGeom prst="roundRect">
+            <a:avLst/>
+          </a:prstGeom>
+          <a:noFill/>
+          <a:ln w="9525">
+            <a:solidFill>
+              <a:schemeClr val="tx1"/>
+            </a:solidFill>
+            <a:prstDash val="solid"/>
+          </a:ln>
+        </p:spPr>
+        <p:style>
+          <a:lnRef idx="2">
+            <a:schemeClr val="accent1">
+              <a:shade val="50000"/>
+            </a:schemeClr>
+          </a:lnRef>
+          <a:fillRef idx="1">
+            <a:schemeClr val="accent1"/>
+          </a:fillRef>
+          <a:effectRef idx="0">
+            <a:schemeClr val="accent1"/>
+          </a:effectRef>
+          <a:fontRef idx="minor">
+            <a:schemeClr val="lt1"/>
+          </a:fontRef>
+        </p:style>
+        <p:txBody>
+          <a:bodyPr rtlCol="0" anchor="ctr"/>
+          <a:lstStyle/>
+          <a:p>
+            <a:pPr algn="ctr"/>
+            <a:endParaRPr lang="en-GB" dirty="0">
+              <a:solidFill>
+                <a:schemeClr val="tx1"/>
+              </a:solidFill>
+            </a:endParaRPr>
+          </a:p>
+        </p:txBody>
+      </p:sp>
+      <p:sp>
+        <p:nvSpPr>
+          <p:cNvPr id="17" name="Rectangle 16"/>
+          <p:cNvSpPr/>
+          <p:nvPr/>
+        </p:nvSpPr>
+        <p:spPr>
+          <a:xfrm>
+            <a:off x="1295400" y="1992868"/>
+            <a:ext cx="2031775" cy="369332"/>
+          </a:xfrm>
+          <a:prstGeom prst="rect">
+            <a:avLst/>
+          </a:prstGeom>
+        </p:spPr>
+        <p:txBody>
+          <a:bodyPr wrap="none">
+            <a:spAutoFit/>
+          </a:bodyPr>
+          <a:lstStyle/>
+          <a:p>
+            <a:pPr algn="ctr"/>
+            <a:r>
+              <a:rPr lang="en-GB" dirty="0" smtClean="0"/>
+              <a:t>Database (optional)</a:t>
+            </a:r>
+            <a:endParaRPr lang="en-GB" dirty="0"/>
+          </a:p>
+        </p:txBody>
+      </p:sp>
+      <p:sp>
+        <p:nvSpPr>
+          <p:cNvPr id="19" name="Rectangle 18"/>
+          <p:cNvSpPr/>
+          <p:nvPr/>
+        </p:nvSpPr>
+        <p:spPr>
+          <a:xfrm>
+            <a:off x="2514600" y="5105400"/>
+            <a:ext cx="343363" cy="369332"/>
+          </a:xfrm>
+          <a:prstGeom prst="rect">
+            <a:avLst/>
+          </a:prstGeom>
+        </p:spPr>
+        <p:txBody>
+          <a:bodyPr wrap="none">
+            <a:spAutoFit/>
+          </a:bodyPr>
+          <a:lstStyle/>
+          <a:p>
+            <a:pPr algn="ctr"/>
+            <a:r>
+              <a:rPr lang="en-GB" dirty="0" smtClean="0"/>
+              <a:t>…</a:t>
+            </a:r>
+            <a:endParaRPr lang="en-GB" dirty="0"/>
+          </a:p>
+        </p:txBody>
+      </p:sp>
+      <p:sp>
+        <p:nvSpPr>
+          <p:cNvPr id="20" name="Rounded Rectangle 19"/>
+          <p:cNvSpPr/>
+          <p:nvPr/>
+        </p:nvSpPr>
+        <p:spPr>
+          <a:xfrm>
+            <a:off x="4495800" y="3124200"/>
+            <a:ext cx="2743200" cy="1828800"/>
+          </a:xfrm>
+          <a:prstGeom prst="roundRect">
+            <a:avLst/>
+          </a:prstGeom>
+          <a:solidFill>
+            <a:schemeClr val="bg1"/>
+          </a:solidFill>
+          <a:ln>
+            <a:solidFill>
+              <a:schemeClr val="tx1"/>
+            </a:solidFill>
+          </a:ln>
+        </p:spPr>
+        <p:style>
+          <a:lnRef idx="2">
+            <a:schemeClr val="accent1">
+              <a:shade val="50000"/>
+            </a:schemeClr>
+          </a:lnRef>
+          <a:fillRef idx="1">
+            <a:schemeClr val="accent1"/>
+          </a:fillRef>
+          <a:effectRef idx="0">
+            <a:schemeClr val="accent1"/>
+          </a:effectRef>
+          <a:fontRef idx="minor">
+            <a:schemeClr val="lt1"/>
+          </a:fontRef>
+        </p:style>
+        <p:txBody>
+          <a:bodyPr rtlCol="0" anchor="ctr"/>
+          <a:lstStyle/>
+          <a:p>
+            <a:pPr algn="ctr"/>
+            <a:endParaRPr lang="en-GB" dirty="0">
+              <a:solidFill>
+                <a:schemeClr val="tx1"/>
+              </a:solidFill>
+            </a:endParaRPr>
+          </a:p>
+        </p:txBody>
+      </p:sp>
+      <p:sp>
+        <p:nvSpPr>
+          <p:cNvPr id="21" name="Rectangle 20"/>
+          <p:cNvSpPr/>
+          <p:nvPr/>
+        </p:nvSpPr>
+        <p:spPr>
+          <a:xfrm>
+            <a:off x="4495800" y="2743200"/>
+            <a:ext cx="989759" cy="369332"/>
+          </a:xfrm>
+          <a:prstGeom prst="rect">
+            <a:avLst/>
+          </a:prstGeom>
+        </p:spPr>
+        <p:txBody>
+          <a:bodyPr wrap="none">
+            <a:spAutoFit/>
+          </a:bodyPr>
+          <a:lstStyle/>
+          <a:p>
+            <a:pPr algn="ctr"/>
+            <a:r>
+              <a:rPr lang="en-GB" dirty="0" smtClean="0"/>
+              <a:t>TaskRow</a:t>
+            </a:r>
+            <a:endParaRPr lang="en-GB" dirty="0"/>
+          </a:p>
+        </p:txBody>
+      </p:sp>
+      <p:sp>
+        <p:nvSpPr>
+          <p:cNvPr id="22" name="Rounded Rectangle 21"/>
+          <p:cNvSpPr/>
+          <p:nvPr/>
+        </p:nvSpPr>
+        <p:spPr>
+          <a:xfrm>
+            <a:off x="4953000" y="3505200"/>
+            <a:ext cx="1447800" cy="1295400"/>
+          </a:xfrm>
+          <a:prstGeom prst="roundRect">
+            <a:avLst/>
+          </a:prstGeom>
+          <a:solidFill>
+            <a:schemeClr val="bg1"/>
+          </a:solidFill>
+          <a:ln>
+            <a:solidFill>
+              <a:schemeClr val="tx1"/>
+            </a:solidFill>
+          </a:ln>
+        </p:spPr>
+        <p:style>
+          <a:lnRef idx="2">
+            <a:schemeClr val="accent1">
+              <a:shade val="50000"/>
+            </a:schemeClr>
+          </a:lnRef>
+          <a:fillRef idx="1">
+            <a:schemeClr val="accent1"/>
+          </a:fillRef>
+          <a:effectRef idx="0">
+            <a:schemeClr val="accent1"/>
+          </a:effectRef>
+          <a:fontRef idx="minor">
+            <a:schemeClr val="lt1"/>
+          </a:fontRef>
+        </p:style>
+        <p:txBody>
+          <a:bodyPr rtlCol="0" anchor="ctr"/>
+          <a:lstStyle/>
+          <a:p>
+            <a:pPr algn="ctr"/>
+            <a:endParaRPr lang="en-GB" dirty="0">
+              <a:solidFill>
+                <a:schemeClr val="tx1"/>
+              </a:solidFill>
+            </a:endParaRPr>
+          </a:p>
+        </p:txBody>
+      </p:sp>
+      <p:sp>
+        <p:nvSpPr>
+          <p:cNvPr id="23" name="Rectangle 22"/>
+          <p:cNvSpPr/>
+          <p:nvPr/>
+        </p:nvSpPr>
+        <p:spPr>
+          <a:xfrm>
+            <a:off x="4898406" y="3135868"/>
+            <a:ext cx="1006238" cy="369332"/>
+          </a:xfrm>
+          <a:prstGeom prst="rect">
+            <a:avLst/>
+          </a:prstGeom>
+        </p:spPr>
+        <p:txBody>
+          <a:bodyPr wrap="none">
+            <a:spAutoFit/>
+          </a:bodyPr>
+          <a:lstStyle/>
+          <a:p>
+            <a:pPr algn="ctr"/>
+            <a:r>
+              <a:rPr lang="en-GB" dirty="0" smtClean="0"/>
+              <a:t>personid</a:t>
+            </a:r>
+            <a:endParaRPr lang="en-GB" dirty="0"/>
+          </a:p>
+        </p:txBody>
+      </p:sp>
+      <p:sp>
+        <p:nvSpPr>
+          <p:cNvPr id="24" name="Oval 23"/>
+          <p:cNvSpPr/>
+          <p:nvPr/>
+        </p:nvSpPr>
+        <p:spPr>
+          <a:xfrm>
+            <a:off x="5257800" y="3733800"/>
+            <a:ext cx="914400" cy="838200"/>
+          </a:xfrm>
+          <a:prstGeom prst="ellipse">
+            <a:avLst/>
+          </a:prstGeom>
+          <a:solidFill>
+            <a:schemeClr val="bg1"/>
+          </a:solidFill>
+          <a:ln>
+            <a:solidFill>
+              <a:schemeClr val="tx1"/>
+            </a:solidFill>
+          </a:ln>
+        </p:spPr>
+        <p:style>
+          <a:lnRef idx="2">
+            <a:schemeClr val="accent1">
+              <a:shade val="50000"/>
+            </a:schemeClr>
+          </a:lnRef>
+          <a:fillRef idx="1">
+            <a:schemeClr val="accent1"/>
+          </a:fillRef>
+          <a:effectRef idx="0">
+            <a:schemeClr val="accent1"/>
+          </a:effectRef>
+          <a:fontRef idx="minor">
+            <a:schemeClr val="lt1"/>
+          </a:fontRef>
+        </p:style>
+        <p:txBody>
+          <a:bodyPr lIns="0" rIns="0" rtlCol="0" anchor="ctr"/>
+          <a:lstStyle/>
+          <a:p>
+            <a:pPr algn="ctr"/>
+            <a:r>
+              <a:rPr lang="en-GB" dirty="0" smtClean="0">
+                <a:solidFill>
+                  <a:schemeClr val="tx1"/>
+                </a:solidFill>
+              </a:rPr>
+              <a:t>N_143</a:t>
+            </a:r>
+            <a:endParaRPr lang="en-GB" dirty="0">
+              <a:solidFill>
+                <a:schemeClr val="tx1"/>
+              </a:solidFill>
+            </a:endParaRPr>
+          </a:p>
+        </p:txBody>
+      </p:sp>
+      <p:sp>
+        <p:nvSpPr>
+          <p:cNvPr id="25" name="Rectangle 24"/>
+          <p:cNvSpPr/>
+          <p:nvPr/>
+        </p:nvSpPr>
+        <p:spPr>
+          <a:xfrm>
+            <a:off x="6629400" y="3810000"/>
+            <a:ext cx="343363" cy="369332"/>
+          </a:xfrm>
+          <a:prstGeom prst="rect">
+            <a:avLst/>
+          </a:prstGeom>
+        </p:spPr>
+        <p:txBody>
+          <a:bodyPr wrap="none">
+            <a:spAutoFit/>
+          </a:bodyPr>
+          <a:lstStyle/>
+          <a:p>
+            <a:pPr algn="ctr"/>
+            <a:r>
+              <a:rPr lang="en-GB" dirty="0" smtClean="0"/>
+              <a:t>…</a:t>
+            </a:r>
+            <a:endParaRPr lang="en-GB" dirty="0"/>
+          </a:p>
+        </p:txBody>
+      </p:sp>
+      <p:sp>
+        <p:nvSpPr>
+          <p:cNvPr id="28" name="Rectangle 27"/>
+          <p:cNvSpPr/>
+          <p:nvPr/>
+        </p:nvSpPr>
+        <p:spPr>
+          <a:xfrm>
+            <a:off x="5715000" y="5105400"/>
+            <a:ext cx="343363" cy="369332"/>
+          </a:xfrm>
+          <a:prstGeom prst="rect">
+            <a:avLst/>
+          </a:prstGeom>
+        </p:spPr>
+        <p:txBody>
+          <a:bodyPr wrap="none">
+            <a:spAutoFit/>
+          </a:bodyPr>
+          <a:lstStyle/>
+          <a:p>
+            <a:pPr algn="ctr"/>
+            <a:r>
+              <a:rPr lang="en-GB" dirty="0" smtClean="0"/>
+              <a:t>…</a:t>
+            </a:r>
+            <a:endParaRPr lang="en-GB" dirty="0"/>
+          </a:p>
+        </p:txBody>
+      </p:sp>
+      <p:sp>
+        <p:nvSpPr>
+          <p:cNvPr id="30" name="Oval 29"/>
+          <p:cNvSpPr/>
+          <p:nvPr/>
+        </p:nvSpPr>
+        <p:spPr>
+          <a:xfrm>
+            <a:off x="2419290" y="3352800"/>
+            <a:ext cx="152400" cy="152400"/>
+          </a:xfrm>
+          <a:prstGeom prst="ellipse">
+            <a:avLst/>
+          </a:prstGeom>
+          <a:solidFill>
+            <a:schemeClr val="tx1"/>
+          </a:solidFill>
+          <a:ln>
+            <a:solidFill>
+              <a:schemeClr val="tx1"/>
+            </a:solidFill>
+          </a:ln>
+        </p:spPr>
+        <p:style>
+          <a:lnRef idx="2">
+            <a:schemeClr val="accent1">
+              <a:shade val="50000"/>
+            </a:schemeClr>
+          </a:lnRef>
+          <a:fillRef idx="1">
+            <a:schemeClr val="accent1"/>
+          </a:fillRef>
+          <a:effectRef idx="0">
+            <a:schemeClr val="accent1"/>
+          </a:effectRef>
+          <a:fontRef idx="minor">
+            <a:schemeClr val="lt1"/>
+          </a:fontRef>
+        </p:style>
+        <p:txBody>
+          <a:bodyPr rtlCol="0" anchor="ctr"/>
+          <a:lstStyle/>
+          <a:p>
+            <a:pPr algn="ctr"/>
+            <a:endParaRPr lang="en-GB"/>
+          </a:p>
+        </p:txBody>
+      </p:sp>
+      <p:cxnSp>
+        <p:nvCxnSpPr>
+          <p:cNvPr id="31" name="Curved Connector 30"/>
+          <p:cNvCxnSpPr>
+            <a:stCxn id="30" idx="0"/>
+            <a:endCxn id="34" idx="7"/>
+          </p:cNvCxnSpPr>
+          <p:nvPr/>
+        </p:nvCxnSpPr>
+        <p:spPr>
+          <a:xfrm rot="16200000" flipH="1">
+            <a:off x="4267593" y="1580697"/>
+            <a:ext cx="33986" cy="3578192"/>
+          </a:xfrm>
+          <a:prstGeom prst="curvedConnector3">
+            <a:avLst>
+              <a:gd name="adj1" fmla="val -2438284"/>
+            </a:avLst>
+          </a:prstGeom>
+          <a:ln>
+            <a:solidFill>
+              <a:schemeClr val="tx1"/>
+            </a:solidFill>
+          </a:ln>
+        </p:spPr>
+        <p:style>
+          <a:lnRef idx="1">
+            <a:schemeClr val="accent1"/>
+          </a:lnRef>
+          <a:fillRef idx="0">
+            <a:schemeClr val="accent1"/>
+          </a:fillRef>
+          <a:effectRef idx="0">
+            <a:schemeClr val="accent1"/>
+          </a:effectRef>
+          <a:fontRef idx="minor">
+            <a:schemeClr val="tx1"/>
+          </a:fontRef>
+        </p:style>
+      </p:cxnSp>
+      <p:sp>
+        <p:nvSpPr>
+          <p:cNvPr id="34" name="Oval 33"/>
+          <p:cNvSpPr/>
+          <p:nvPr/>
+        </p:nvSpPr>
+        <p:spPr>
+          <a:xfrm>
+            <a:off x="5943600" y="3364468"/>
+            <a:ext cx="152400" cy="152400"/>
+          </a:xfrm>
+          <a:prstGeom prst="ellipse">
+            <a:avLst/>
+          </a:prstGeom>
+          <a:solidFill>
+            <a:schemeClr val="tx1"/>
+          </a:solidFill>
+          <a:ln>
+            <a:solidFill>
+              <a:schemeClr val="tx1"/>
+            </a:solidFill>
+          </a:ln>
+        </p:spPr>
+        <p:style>
+          <a:lnRef idx="2">
+            <a:schemeClr val="accent1">
+              <a:shade val="50000"/>
+            </a:schemeClr>
+          </a:lnRef>
+          <a:fillRef idx="1">
+            <a:schemeClr val="accent1"/>
+          </a:fillRef>
+          <a:effectRef idx="0">
+            <a:schemeClr val="accent1"/>
+          </a:effectRef>
+          <a:fontRef idx="minor">
+            <a:schemeClr val="lt1"/>
+          </a:fontRef>
+        </p:style>
+        <p:txBody>
+          <a:bodyPr rtlCol="0" anchor="ctr"/>
+          <a:lstStyle/>
+          <a:p>
+            <a:pPr algn="ctr"/>
+            <a:endParaRPr lang="en-GB"/>
+          </a:p>
+        </p:txBody>
+      </p:sp>
+    </p:spTree>
+  </p:cSld>
+  <p:clrMapOvr>
+    <a:masterClrMapping/>
+  </p:clrMapOvr>
+</p:sld>
+</file>
+
+<file path=ppt/slides/slide22.xml><?xml version="1.0" encoding="utf-8"?>
+<p:sld xmlns:a="http://schemas.openxmlformats.org/drawingml/2006/main" xmlns:r="http://schemas.openxmlformats.org/officeDocument/2006/relationships" xmlns:p="http://schemas.openxmlformats.org/presentationml/2006/main">
+  <p:cSld>
+    <p:spTree>
+      <p:nvGrpSpPr>
+        <p:cNvPr id="1" name=""/>
+        <p:cNvGrpSpPr/>
+        <p:nvPr/>
+      </p:nvGrpSpPr>
+      <p:grpSpPr>
+        <a:xfrm>
+          <a:off x="0" y="0"/>
+          <a:ext cx="0" cy="0"/>
+          <a:chOff x="0" y="0"/>
+          <a:chExt cx="0" cy="0"/>
+        </a:xfrm>
+      </p:grpSpPr>
+      <p:sp>
+        <p:nvSpPr>
+          <p:cNvPr id="4" name="Title 3"/>
+          <p:cNvSpPr>
+            <a:spLocks noGrp="1"/>
+          </p:cNvSpPr>
+          <p:nvPr>
+            <p:ph type="title"/>
+          </p:nvPr>
+        </p:nvSpPr>
+        <p:spPr/>
+        <p:txBody>
+          <a:bodyPr>
+            <a:normAutofit/>
+          </a:bodyPr>
+          <a:lstStyle/>
+          <a:p>
+            <a:r>
+              <a:rPr lang="en-GB" dirty="0" smtClean="0"/>
+              <a:t>Relational database – no link</a:t>
+            </a:r>
+            <a:endParaRPr lang="en-GB" dirty="0"/>
+          </a:p>
+        </p:txBody>
+      </p:sp>
+      <p:sp>
+        <p:nvSpPr>
+          <p:cNvPr id="7" name="Rounded Rectangle 6"/>
+          <p:cNvSpPr/>
+          <p:nvPr/>
+        </p:nvSpPr>
+        <p:spPr>
+          <a:xfrm>
+            <a:off x="1295400" y="3124200"/>
+            <a:ext cx="2743200" cy="1828800"/>
+          </a:xfrm>
+          <a:prstGeom prst="roundRect">
+            <a:avLst/>
+          </a:prstGeom>
+          <a:solidFill>
+            <a:schemeClr val="bg1"/>
+          </a:solidFill>
+          <a:ln>
+            <a:solidFill>
+              <a:schemeClr val="tx1"/>
+            </a:solidFill>
+          </a:ln>
+        </p:spPr>
+        <p:style>
+          <a:lnRef idx="2">
+            <a:schemeClr val="accent1">
+              <a:shade val="50000"/>
+            </a:schemeClr>
+          </a:lnRef>
+          <a:fillRef idx="1">
+            <a:schemeClr val="accent1"/>
+          </a:fillRef>
+          <a:effectRef idx="0">
+            <a:schemeClr val="accent1"/>
+          </a:effectRef>
+          <a:fontRef idx="minor">
+            <a:schemeClr val="lt1"/>
+          </a:fontRef>
+        </p:style>
+        <p:txBody>
+          <a:bodyPr rtlCol="0" anchor="ctr"/>
+          <a:lstStyle/>
+          <a:p>
+            <a:pPr algn="ctr"/>
+            <a:endParaRPr lang="en-GB" dirty="0">
+              <a:solidFill>
+                <a:schemeClr val="tx1"/>
+              </a:solidFill>
+            </a:endParaRPr>
+          </a:p>
+        </p:txBody>
+      </p:sp>
+      <p:sp>
+        <p:nvSpPr>
+          <p:cNvPr id="13" name="Rectangle 12"/>
+          <p:cNvSpPr/>
+          <p:nvPr/>
+        </p:nvSpPr>
+        <p:spPr>
+          <a:xfrm>
+            <a:off x="1295400" y="2743200"/>
+            <a:ext cx="1230017" cy="369332"/>
+          </a:xfrm>
+          <a:prstGeom prst="rect">
+            <a:avLst/>
+          </a:prstGeom>
+        </p:spPr>
+        <p:txBody>
+          <a:bodyPr wrap="none">
+            <a:spAutoFit/>
+          </a:bodyPr>
+          <a:lstStyle/>
+          <a:p>
+            <a:pPr algn="ctr"/>
+            <a:r>
+              <a:rPr lang="en-GB" dirty="0" smtClean="0"/>
+              <a:t>PersonRow</a:t>
+            </a:r>
+            <a:endParaRPr lang="en-GB" dirty="0"/>
+          </a:p>
+        </p:txBody>
+      </p:sp>
+      <p:sp>
+        <p:nvSpPr>
+          <p:cNvPr id="15" name="Rounded Rectangle 14"/>
+          <p:cNvSpPr/>
+          <p:nvPr/>
+        </p:nvSpPr>
+        <p:spPr>
+          <a:xfrm>
+            <a:off x="1752600" y="3505200"/>
+            <a:ext cx="1447800" cy="1295400"/>
+          </a:xfrm>
+          <a:prstGeom prst="roundRect">
+            <a:avLst/>
+          </a:prstGeom>
+          <a:solidFill>
+            <a:schemeClr val="bg1"/>
+          </a:solidFill>
+          <a:ln>
+            <a:solidFill>
+              <a:schemeClr val="tx1"/>
+            </a:solidFill>
+          </a:ln>
+        </p:spPr>
+        <p:style>
+          <a:lnRef idx="2">
+            <a:schemeClr val="accent1">
+              <a:shade val="50000"/>
+            </a:schemeClr>
+          </a:lnRef>
+          <a:fillRef idx="1">
+            <a:schemeClr val="accent1"/>
+          </a:fillRef>
+          <a:effectRef idx="0">
+            <a:schemeClr val="accent1"/>
+          </a:effectRef>
+          <a:fontRef idx="minor">
+            <a:schemeClr val="lt1"/>
+          </a:fontRef>
+        </p:style>
+        <p:txBody>
+          <a:bodyPr rtlCol="0" anchor="ctr"/>
+          <a:lstStyle/>
+          <a:p>
+            <a:pPr algn="ctr"/>
+            <a:endParaRPr lang="en-GB" dirty="0">
+              <a:solidFill>
+                <a:schemeClr val="tx1"/>
+              </a:solidFill>
+            </a:endParaRPr>
+          </a:p>
+        </p:txBody>
+      </p:sp>
+      <p:sp>
+        <p:nvSpPr>
+          <p:cNvPr id="16" name="Rectangle 15"/>
+          <p:cNvSpPr/>
+          <p:nvPr/>
+        </p:nvSpPr>
+        <p:spPr>
+          <a:xfrm>
+            <a:off x="1698006" y="3135868"/>
+            <a:ext cx="359394" cy="369332"/>
+          </a:xfrm>
+          <a:prstGeom prst="rect">
+            <a:avLst/>
+          </a:prstGeom>
+        </p:spPr>
+        <p:txBody>
+          <a:bodyPr wrap="none">
+            <a:spAutoFit/>
+          </a:bodyPr>
+          <a:lstStyle/>
+          <a:p>
+            <a:pPr algn="ctr"/>
+            <a:r>
+              <a:rPr lang="en-GB" dirty="0" smtClean="0"/>
+              <a:t>id</a:t>
+            </a:r>
+            <a:endParaRPr lang="en-GB" dirty="0"/>
+          </a:p>
+        </p:txBody>
+      </p:sp>
+      <p:sp>
+        <p:nvSpPr>
+          <p:cNvPr id="18" name="Oval 17"/>
+          <p:cNvSpPr/>
+          <p:nvPr/>
+        </p:nvSpPr>
+        <p:spPr>
+          <a:xfrm>
+            <a:off x="2057400" y="3733800"/>
+            <a:ext cx="914400" cy="838200"/>
+          </a:xfrm>
+          <a:prstGeom prst="ellipse">
+            <a:avLst/>
+          </a:prstGeom>
+          <a:solidFill>
+            <a:schemeClr val="bg1"/>
+          </a:solidFill>
+          <a:ln>
+            <a:solidFill>
+              <a:schemeClr val="tx1"/>
+            </a:solidFill>
+          </a:ln>
+        </p:spPr>
+        <p:style>
+          <a:lnRef idx="2">
+            <a:schemeClr val="accent1">
+              <a:shade val="50000"/>
+            </a:schemeClr>
+          </a:lnRef>
+          <a:fillRef idx="1">
+            <a:schemeClr val="accent1"/>
+          </a:fillRef>
+          <a:effectRef idx="0">
+            <a:schemeClr val="accent1"/>
+          </a:effectRef>
+          <a:fontRef idx="minor">
+            <a:schemeClr val="lt1"/>
+          </a:fontRef>
+        </p:style>
+        <p:txBody>
+          <a:bodyPr lIns="0" rIns="0" rtlCol="0" anchor="ctr"/>
+          <a:lstStyle/>
+          <a:p>
+            <a:pPr algn="ctr"/>
+            <a:r>
+              <a:rPr lang="en-GB" dirty="0" smtClean="0">
+                <a:solidFill>
+                  <a:schemeClr val="tx1"/>
+                </a:solidFill>
+              </a:rPr>
+              <a:t>N_143</a:t>
+            </a:r>
+            <a:endParaRPr lang="en-GB" dirty="0">
+              <a:solidFill>
+                <a:schemeClr val="tx1"/>
+              </a:solidFill>
+            </a:endParaRPr>
+          </a:p>
+        </p:txBody>
+      </p:sp>
+      <p:sp>
+        <p:nvSpPr>
+          <p:cNvPr id="9" name="Rectangle 8"/>
+          <p:cNvSpPr/>
+          <p:nvPr/>
+        </p:nvSpPr>
+        <p:spPr>
+          <a:xfrm>
+            <a:off x="3429000" y="3810000"/>
+            <a:ext cx="343363" cy="369332"/>
+          </a:xfrm>
+          <a:prstGeom prst="rect">
+            <a:avLst/>
+          </a:prstGeom>
+        </p:spPr>
+        <p:txBody>
+          <a:bodyPr wrap="none">
+            <a:spAutoFit/>
+          </a:bodyPr>
+          <a:lstStyle/>
+          <a:p>
+            <a:pPr algn="ctr"/>
+            <a:r>
+              <a:rPr lang="en-GB" dirty="0" smtClean="0"/>
+              <a:t>…</a:t>
+            </a:r>
+            <a:endParaRPr lang="en-GB" dirty="0"/>
+          </a:p>
+        </p:txBody>
+      </p:sp>
+      <p:sp>
+        <p:nvSpPr>
+          <p:cNvPr id="14" name="Rounded Rectangle 13"/>
+          <p:cNvSpPr/>
+          <p:nvPr/>
+        </p:nvSpPr>
+        <p:spPr>
+          <a:xfrm>
+            <a:off x="990600" y="2362200"/>
+            <a:ext cx="6553200" cy="3124200"/>
+          </a:xfrm>
+          <a:prstGeom prst="roundRect">
+            <a:avLst/>
+          </a:prstGeom>
+          <a:noFill/>
+          <a:ln w="9525">
+            <a:solidFill>
+              <a:schemeClr val="tx1"/>
+            </a:solidFill>
+            <a:prstDash val="solid"/>
+          </a:ln>
+        </p:spPr>
+        <p:style>
+          <a:lnRef idx="2">
+            <a:schemeClr val="accent1">
+              <a:shade val="50000"/>
+            </a:schemeClr>
+          </a:lnRef>
+          <a:fillRef idx="1">
+            <a:schemeClr val="accent1"/>
+          </a:fillRef>
+          <a:effectRef idx="0">
+            <a:schemeClr val="accent1"/>
+          </a:effectRef>
+          <a:fontRef idx="minor">
+            <a:schemeClr val="lt1"/>
+          </a:fontRef>
+        </p:style>
+        <p:txBody>
+          <a:bodyPr rtlCol="0" anchor="ctr"/>
+          <a:lstStyle/>
+          <a:p>
+            <a:pPr algn="ctr"/>
+            <a:endParaRPr lang="en-GB" dirty="0">
+              <a:solidFill>
+                <a:schemeClr val="tx1"/>
+              </a:solidFill>
+            </a:endParaRPr>
+          </a:p>
+        </p:txBody>
+      </p:sp>
+      <p:sp>
+        <p:nvSpPr>
+          <p:cNvPr id="17" name="Rectangle 16"/>
+          <p:cNvSpPr/>
+          <p:nvPr/>
+        </p:nvSpPr>
+        <p:spPr>
+          <a:xfrm>
+            <a:off x="1295400" y="1992868"/>
+            <a:ext cx="2031775" cy="369332"/>
+          </a:xfrm>
+          <a:prstGeom prst="rect">
+            <a:avLst/>
+          </a:prstGeom>
+        </p:spPr>
+        <p:txBody>
+          <a:bodyPr wrap="none">
+            <a:spAutoFit/>
+          </a:bodyPr>
+          <a:lstStyle/>
+          <a:p>
+            <a:pPr algn="ctr"/>
+            <a:r>
+              <a:rPr lang="en-GB" dirty="0" smtClean="0"/>
+              <a:t>Database (optional)</a:t>
+            </a:r>
+            <a:endParaRPr lang="en-GB" dirty="0"/>
+          </a:p>
+        </p:txBody>
+      </p:sp>
+      <p:sp>
+        <p:nvSpPr>
+          <p:cNvPr id="19" name="Rectangle 18"/>
+          <p:cNvSpPr/>
+          <p:nvPr/>
+        </p:nvSpPr>
+        <p:spPr>
+          <a:xfrm>
+            <a:off x="2514600" y="5105400"/>
+            <a:ext cx="343363" cy="369332"/>
+          </a:xfrm>
+          <a:prstGeom prst="rect">
+            <a:avLst/>
+          </a:prstGeom>
+        </p:spPr>
+        <p:txBody>
+          <a:bodyPr wrap="none">
+            <a:spAutoFit/>
+          </a:bodyPr>
+          <a:lstStyle/>
+          <a:p>
+            <a:pPr algn="ctr"/>
+            <a:r>
+              <a:rPr lang="en-GB" dirty="0" smtClean="0"/>
+              <a:t>…</a:t>
+            </a:r>
+            <a:endParaRPr lang="en-GB" dirty="0"/>
+          </a:p>
+        </p:txBody>
+      </p:sp>
+      <p:sp>
+        <p:nvSpPr>
+          <p:cNvPr id="20" name="Rounded Rectangle 19"/>
+          <p:cNvSpPr/>
+          <p:nvPr/>
+        </p:nvSpPr>
+        <p:spPr>
+          <a:xfrm>
+            <a:off x="4495800" y="3124200"/>
+            <a:ext cx="2743200" cy="1828800"/>
+          </a:xfrm>
+          <a:prstGeom prst="roundRect">
+            <a:avLst/>
+          </a:prstGeom>
+          <a:solidFill>
+            <a:schemeClr val="bg1"/>
+          </a:solidFill>
+          <a:ln>
+            <a:solidFill>
+              <a:schemeClr val="tx1"/>
+            </a:solidFill>
+          </a:ln>
+        </p:spPr>
+        <p:style>
+          <a:lnRef idx="2">
+            <a:schemeClr val="accent1">
+              <a:shade val="50000"/>
+            </a:schemeClr>
+          </a:lnRef>
+          <a:fillRef idx="1">
+            <a:schemeClr val="accent1"/>
+          </a:fillRef>
+          <a:effectRef idx="0">
+            <a:schemeClr val="accent1"/>
+          </a:effectRef>
+          <a:fontRef idx="minor">
+            <a:schemeClr val="lt1"/>
+          </a:fontRef>
+        </p:style>
+        <p:txBody>
+          <a:bodyPr rtlCol="0" anchor="ctr"/>
+          <a:lstStyle/>
+          <a:p>
+            <a:pPr algn="ctr"/>
+            <a:endParaRPr lang="en-GB" dirty="0">
+              <a:solidFill>
+                <a:schemeClr val="tx1"/>
+              </a:solidFill>
+            </a:endParaRPr>
+          </a:p>
+        </p:txBody>
+      </p:sp>
+      <p:sp>
+        <p:nvSpPr>
+          <p:cNvPr id="21" name="Rectangle 20"/>
+          <p:cNvSpPr/>
+          <p:nvPr/>
+        </p:nvSpPr>
+        <p:spPr>
+          <a:xfrm>
+            <a:off x="4495800" y="2743200"/>
+            <a:ext cx="989759" cy="369332"/>
+          </a:xfrm>
+          <a:prstGeom prst="rect">
+            <a:avLst/>
+          </a:prstGeom>
+        </p:spPr>
+        <p:txBody>
+          <a:bodyPr wrap="none">
+            <a:spAutoFit/>
+          </a:bodyPr>
+          <a:lstStyle/>
+          <a:p>
+            <a:pPr algn="ctr"/>
+            <a:r>
+              <a:rPr lang="en-GB" dirty="0" smtClean="0"/>
+              <a:t>TaskRow</a:t>
+            </a:r>
+            <a:endParaRPr lang="en-GB" dirty="0"/>
+          </a:p>
+        </p:txBody>
+      </p:sp>
+      <p:sp>
+        <p:nvSpPr>
+          <p:cNvPr id="22" name="Rounded Rectangle 21"/>
+          <p:cNvSpPr/>
+          <p:nvPr/>
+        </p:nvSpPr>
+        <p:spPr>
+          <a:xfrm>
+            <a:off x="4953000" y="3505200"/>
+            <a:ext cx="1447800" cy="1295400"/>
+          </a:xfrm>
+          <a:prstGeom prst="roundRect">
+            <a:avLst/>
+          </a:prstGeom>
+          <a:solidFill>
+            <a:schemeClr val="bg1"/>
+          </a:solidFill>
+          <a:ln>
+            <a:solidFill>
+              <a:schemeClr val="tx1"/>
+            </a:solidFill>
+          </a:ln>
+        </p:spPr>
+        <p:style>
+          <a:lnRef idx="2">
+            <a:schemeClr val="accent1">
+              <a:shade val="50000"/>
+            </a:schemeClr>
+          </a:lnRef>
+          <a:fillRef idx="1">
+            <a:schemeClr val="accent1"/>
+          </a:fillRef>
+          <a:effectRef idx="0">
+            <a:schemeClr val="accent1"/>
+          </a:effectRef>
+          <a:fontRef idx="minor">
+            <a:schemeClr val="lt1"/>
+          </a:fontRef>
+        </p:style>
+        <p:txBody>
+          <a:bodyPr rtlCol="0" anchor="ctr"/>
+          <a:lstStyle/>
+          <a:p>
+            <a:pPr algn="ctr"/>
+            <a:endParaRPr lang="en-GB" dirty="0">
+              <a:solidFill>
+                <a:schemeClr val="tx1"/>
+              </a:solidFill>
+            </a:endParaRPr>
+          </a:p>
+        </p:txBody>
+      </p:sp>
+      <p:sp>
+        <p:nvSpPr>
+          <p:cNvPr id="23" name="Rectangle 22"/>
+          <p:cNvSpPr/>
+          <p:nvPr/>
+        </p:nvSpPr>
+        <p:spPr>
+          <a:xfrm>
+            <a:off x="4898406" y="3135868"/>
+            <a:ext cx="1006238" cy="369332"/>
+          </a:xfrm>
+          <a:prstGeom prst="rect">
+            <a:avLst/>
+          </a:prstGeom>
+        </p:spPr>
+        <p:txBody>
+          <a:bodyPr wrap="none">
+            <a:spAutoFit/>
+          </a:bodyPr>
+          <a:lstStyle/>
+          <a:p>
+            <a:pPr algn="ctr"/>
+            <a:r>
+              <a:rPr lang="en-GB" dirty="0" smtClean="0"/>
+              <a:t>personid</a:t>
+            </a:r>
+            <a:endParaRPr lang="en-GB" dirty="0"/>
+          </a:p>
+        </p:txBody>
+      </p:sp>
+      <p:sp>
+        <p:nvSpPr>
+          <p:cNvPr id="24" name="Oval 23"/>
+          <p:cNvSpPr/>
+          <p:nvPr/>
+        </p:nvSpPr>
+        <p:spPr>
+          <a:xfrm>
+            <a:off x="5257800" y="3733800"/>
+            <a:ext cx="914400" cy="838200"/>
+          </a:xfrm>
+          <a:prstGeom prst="ellipse">
+            <a:avLst/>
+          </a:prstGeom>
+          <a:solidFill>
+            <a:schemeClr val="bg1"/>
+          </a:solidFill>
+          <a:ln>
+            <a:solidFill>
+              <a:schemeClr val="tx1"/>
+            </a:solidFill>
+          </a:ln>
+        </p:spPr>
+        <p:style>
+          <a:lnRef idx="2">
+            <a:schemeClr val="accent1">
+              <a:shade val="50000"/>
+            </a:schemeClr>
+          </a:lnRef>
+          <a:fillRef idx="1">
+            <a:schemeClr val="accent1"/>
+          </a:fillRef>
+          <a:effectRef idx="0">
+            <a:schemeClr val="accent1"/>
+          </a:effectRef>
+          <a:fontRef idx="minor">
+            <a:schemeClr val="lt1"/>
+          </a:fontRef>
+        </p:style>
+        <p:txBody>
+          <a:bodyPr lIns="0" rIns="0" rtlCol="0" anchor="ctr"/>
+          <a:lstStyle/>
+          <a:p>
+            <a:pPr algn="ctr"/>
+            <a:r>
+              <a:rPr lang="en-GB" dirty="0" smtClean="0">
+                <a:solidFill>
+                  <a:schemeClr val="tx1"/>
+                </a:solidFill>
+              </a:rPr>
+              <a:t>N_143</a:t>
+            </a:r>
+            <a:endParaRPr lang="en-GB" dirty="0">
+              <a:solidFill>
+                <a:schemeClr val="tx1"/>
+              </a:solidFill>
+            </a:endParaRPr>
+          </a:p>
+        </p:txBody>
+      </p:sp>
+      <p:sp>
+        <p:nvSpPr>
+          <p:cNvPr id="25" name="Rectangle 24"/>
+          <p:cNvSpPr/>
+          <p:nvPr/>
+        </p:nvSpPr>
+        <p:spPr>
+          <a:xfrm>
+            <a:off x="6629400" y="3810000"/>
+            <a:ext cx="343363" cy="369332"/>
+          </a:xfrm>
+          <a:prstGeom prst="rect">
+            <a:avLst/>
+          </a:prstGeom>
+        </p:spPr>
+        <p:txBody>
+          <a:bodyPr wrap="none">
+            <a:spAutoFit/>
+          </a:bodyPr>
+          <a:lstStyle/>
+          <a:p>
+            <a:pPr algn="ctr"/>
+            <a:r>
+              <a:rPr lang="en-GB" dirty="0" smtClean="0"/>
+              <a:t>…</a:t>
+            </a:r>
+            <a:endParaRPr lang="en-GB" dirty="0"/>
+          </a:p>
+        </p:txBody>
+      </p:sp>
+      <p:sp>
+        <p:nvSpPr>
+          <p:cNvPr id="28" name="Rectangle 27"/>
+          <p:cNvSpPr/>
+          <p:nvPr/>
+        </p:nvSpPr>
+        <p:spPr>
+          <a:xfrm>
+            <a:off x="5715000" y="5105400"/>
+            <a:ext cx="343363" cy="369332"/>
+          </a:xfrm>
+          <a:prstGeom prst="rect">
+            <a:avLst/>
+          </a:prstGeom>
+        </p:spPr>
+        <p:txBody>
+          <a:bodyPr wrap="none">
+            <a:spAutoFit/>
+          </a:bodyPr>
+          <a:lstStyle/>
+          <a:p>
+            <a:pPr algn="ctr"/>
+            <a:r>
+              <a:rPr lang="en-GB" dirty="0" smtClean="0"/>
+              <a:t>…</a:t>
+            </a:r>
+            <a:endParaRPr lang="en-GB" dirty="0"/>
+          </a:p>
+        </p:txBody>
+      </p:sp>
+    </p:spTree>
+  </p:cSld>
+  <p:clrMapOvr>
+    <a:masterClrMapping/>
+  </p:clrMapOvr>
+</p:sld>
+</file>
+
+<file path=ppt/slides/slide23.xml><?xml version="1.0" encoding="utf-8"?>
+<p:sld xmlns:a="http://schemas.openxmlformats.org/drawingml/2006/main" xmlns:r="http://schemas.openxmlformats.org/officeDocument/2006/relationships" xmlns:p="http://schemas.openxmlformats.org/presentationml/2006/main">
+  <p:cSld>
+    <p:spTree>
+      <p:nvGrpSpPr>
+        <p:cNvPr id="1" name=""/>
+        <p:cNvGrpSpPr/>
+        <p:nvPr/>
+      </p:nvGrpSpPr>
+      <p:grpSpPr>
+        <a:xfrm>
+          <a:off x="0" y="0"/>
+          <a:ext cx="0" cy="0"/>
+          <a:chOff x="0" y="0"/>
+          <a:chExt cx="0" cy="0"/>
+        </a:xfrm>
+      </p:grpSpPr>
+      <p:sp>
+        <p:nvSpPr>
+          <p:cNvPr id="4" name="Title 3"/>
+          <p:cNvSpPr>
+            <a:spLocks noGrp="1"/>
+          </p:cNvSpPr>
+          <p:nvPr>
+            <p:ph type="title"/>
+          </p:nvPr>
+        </p:nvSpPr>
+        <p:spPr/>
+        <p:txBody>
+          <a:bodyPr>
+            <a:normAutofit fontScale="90000"/>
+          </a:bodyPr>
+          <a:lstStyle/>
+          <a:p>
+            <a:r>
+              <a:rPr lang="en-GB" dirty="0" smtClean="0"/>
+              <a:t>Relational database – no link expression</a:t>
+            </a:r>
+            <a:endParaRPr lang="en-GB" dirty="0"/>
+          </a:p>
+        </p:txBody>
+      </p:sp>
+      <p:sp>
+        <p:nvSpPr>
+          <p:cNvPr id="7" name="Rounded Rectangle 6"/>
+          <p:cNvSpPr/>
+          <p:nvPr/>
+        </p:nvSpPr>
+        <p:spPr>
+          <a:xfrm>
+            <a:off x="1295400" y="3124200"/>
+            <a:ext cx="2743200" cy="1828800"/>
+          </a:xfrm>
+          <a:prstGeom prst="roundRect">
+            <a:avLst/>
+          </a:prstGeom>
+          <a:solidFill>
+            <a:schemeClr val="bg1"/>
+          </a:solidFill>
+          <a:ln>
+            <a:solidFill>
+              <a:schemeClr val="tx1"/>
+            </a:solidFill>
+          </a:ln>
+        </p:spPr>
+        <p:style>
+          <a:lnRef idx="2">
+            <a:schemeClr val="accent1">
+              <a:shade val="50000"/>
+            </a:schemeClr>
+          </a:lnRef>
+          <a:fillRef idx="1">
+            <a:schemeClr val="accent1"/>
+          </a:fillRef>
+          <a:effectRef idx="0">
+            <a:schemeClr val="accent1"/>
+          </a:effectRef>
+          <a:fontRef idx="minor">
+            <a:schemeClr val="lt1"/>
+          </a:fontRef>
+        </p:style>
+        <p:txBody>
+          <a:bodyPr rtlCol="0" anchor="ctr"/>
+          <a:lstStyle/>
+          <a:p>
+            <a:pPr algn="ctr"/>
+            <a:endParaRPr lang="en-GB" dirty="0">
+              <a:solidFill>
+                <a:schemeClr val="tx1"/>
+              </a:solidFill>
+            </a:endParaRPr>
+          </a:p>
+        </p:txBody>
+      </p:sp>
+      <p:sp>
+        <p:nvSpPr>
+          <p:cNvPr id="13" name="Rectangle 12"/>
+          <p:cNvSpPr/>
+          <p:nvPr/>
+        </p:nvSpPr>
+        <p:spPr>
+          <a:xfrm>
+            <a:off x="1295400" y="2743200"/>
+            <a:ext cx="1230017" cy="369332"/>
+          </a:xfrm>
+          <a:prstGeom prst="rect">
+            <a:avLst/>
+          </a:prstGeom>
+        </p:spPr>
+        <p:txBody>
+          <a:bodyPr wrap="none">
+            <a:spAutoFit/>
+          </a:bodyPr>
+          <a:lstStyle/>
+          <a:p>
+            <a:pPr algn="ctr"/>
+            <a:r>
+              <a:rPr lang="en-GB" dirty="0" smtClean="0"/>
+              <a:t>PersonRow</a:t>
+            </a:r>
+            <a:endParaRPr lang="en-GB" dirty="0"/>
+          </a:p>
+        </p:txBody>
+      </p:sp>
+      <p:sp>
+        <p:nvSpPr>
+          <p:cNvPr id="15" name="Rounded Rectangle 14"/>
+          <p:cNvSpPr/>
+          <p:nvPr/>
+        </p:nvSpPr>
+        <p:spPr>
+          <a:xfrm>
+            <a:off x="1752600" y="3505200"/>
+            <a:ext cx="1447800" cy="1295400"/>
+          </a:xfrm>
+          <a:prstGeom prst="roundRect">
+            <a:avLst/>
+          </a:prstGeom>
+          <a:solidFill>
+            <a:schemeClr val="bg1"/>
+          </a:solidFill>
+          <a:ln>
+            <a:solidFill>
+              <a:schemeClr val="tx1"/>
+            </a:solidFill>
+          </a:ln>
+        </p:spPr>
+        <p:style>
+          <a:lnRef idx="2">
+            <a:schemeClr val="accent1">
+              <a:shade val="50000"/>
+            </a:schemeClr>
+          </a:lnRef>
+          <a:fillRef idx="1">
+            <a:schemeClr val="accent1"/>
+          </a:fillRef>
+          <a:effectRef idx="0">
+            <a:schemeClr val="accent1"/>
+          </a:effectRef>
+          <a:fontRef idx="minor">
+            <a:schemeClr val="lt1"/>
+          </a:fontRef>
+        </p:style>
+        <p:txBody>
+          <a:bodyPr rtlCol="0" anchor="ctr"/>
+          <a:lstStyle/>
+          <a:p>
+            <a:pPr algn="ctr"/>
+            <a:endParaRPr lang="en-GB" dirty="0">
+              <a:solidFill>
+                <a:schemeClr val="tx1"/>
+              </a:solidFill>
+            </a:endParaRPr>
+          </a:p>
+        </p:txBody>
+      </p:sp>
+      <p:sp>
+        <p:nvSpPr>
+          <p:cNvPr id="16" name="Rectangle 15"/>
+          <p:cNvSpPr/>
+          <p:nvPr/>
+        </p:nvSpPr>
+        <p:spPr>
+          <a:xfrm>
+            <a:off x="1698006" y="3135868"/>
+            <a:ext cx="359394" cy="369332"/>
+          </a:xfrm>
+          <a:prstGeom prst="rect">
+            <a:avLst/>
+          </a:prstGeom>
+        </p:spPr>
+        <p:txBody>
+          <a:bodyPr wrap="none">
+            <a:spAutoFit/>
+          </a:bodyPr>
+          <a:lstStyle/>
+          <a:p>
+            <a:pPr algn="ctr"/>
+            <a:r>
+              <a:rPr lang="en-GB" dirty="0" smtClean="0"/>
+              <a:t>id</a:t>
+            </a:r>
+            <a:endParaRPr lang="en-GB" dirty="0"/>
+          </a:p>
+        </p:txBody>
+      </p:sp>
+      <p:sp>
+        <p:nvSpPr>
+          <p:cNvPr id="18" name="Oval 17"/>
+          <p:cNvSpPr/>
+          <p:nvPr/>
+        </p:nvSpPr>
+        <p:spPr>
+          <a:xfrm>
+            <a:off x="2057400" y="3733800"/>
+            <a:ext cx="914400" cy="838200"/>
+          </a:xfrm>
+          <a:prstGeom prst="ellipse">
+            <a:avLst/>
+          </a:prstGeom>
+          <a:solidFill>
+            <a:schemeClr val="bg1"/>
+          </a:solidFill>
+          <a:ln>
+            <a:solidFill>
+              <a:schemeClr val="tx1"/>
+            </a:solidFill>
+          </a:ln>
+        </p:spPr>
+        <p:style>
+          <a:lnRef idx="2">
+            <a:schemeClr val="accent1">
+              <a:shade val="50000"/>
+            </a:schemeClr>
+          </a:lnRef>
+          <a:fillRef idx="1">
+            <a:schemeClr val="accent1"/>
+          </a:fillRef>
+          <a:effectRef idx="0">
+            <a:schemeClr val="accent1"/>
+          </a:effectRef>
+          <a:fontRef idx="minor">
+            <a:schemeClr val="lt1"/>
+          </a:fontRef>
+        </p:style>
+        <p:txBody>
+          <a:bodyPr lIns="0" rIns="0" rtlCol="0" anchor="ctr"/>
+          <a:lstStyle/>
+          <a:p>
+            <a:pPr algn="ctr"/>
+            <a:r>
+              <a:rPr lang="en-GB" dirty="0" smtClean="0">
+                <a:solidFill>
+                  <a:schemeClr val="tx1"/>
+                </a:solidFill>
+              </a:rPr>
+              <a:t>N(id)</a:t>
+            </a:r>
+            <a:endParaRPr lang="en-GB" dirty="0">
+              <a:solidFill>
+                <a:schemeClr val="tx1"/>
+              </a:solidFill>
+            </a:endParaRPr>
+          </a:p>
+        </p:txBody>
+      </p:sp>
+      <p:sp>
+        <p:nvSpPr>
+          <p:cNvPr id="9" name="Rectangle 8"/>
+          <p:cNvSpPr/>
+          <p:nvPr/>
+        </p:nvSpPr>
+        <p:spPr>
+          <a:xfrm>
+            <a:off x="3429000" y="3810000"/>
+            <a:ext cx="343363" cy="369332"/>
+          </a:xfrm>
+          <a:prstGeom prst="rect">
+            <a:avLst/>
+          </a:prstGeom>
+        </p:spPr>
+        <p:txBody>
+          <a:bodyPr wrap="none">
+            <a:spAutoFit/>
+          </a:bodyPr>
+          <a:lstStyle/>
+          <a:p>
+            <a:pPr algn="ctr"/>
+            <a:r>
+              <a:rPr lang="en-GB" dirty="0" smtClean="0"/>
+              <a:t>…</a:t>
+            </a:r>
+            <a:endParaRPr lang="en-GB" dirty="0"/>
+          </a:p>
+        </p:txBody>
+      </p:sp>
+      <p:sp>
+        <p:nvSpPr>
+          <p:cNvPr id="14" name="Rounded Rectangle 13"/>
+          <p:cNvSpPr/>
+          <p:nvPr/>
+        </p:nvSpPr>
+        <p:spPr>
+          <a:xfrm>
+            <a:off x="990600" y="2667000"/>
+            <a:ext cx="6553200" cy="2819400"/>
+          </a:xfrm>
+          <a:prstGeom prst="roundRect">
+            <a:avLst/>
+          </a:prstGeom>
+          <a:noFill/>
+          <a:ln w="9525">
+            <a:solidFill>
+              <a:schemeClr val="tx1"/>
+            </a:solidFill>
+            <a:prstDash val="solid"/>
+          </a:ln>
+        </p:spPr>
+        <p:style>
+          <a:lnRef idx="2">
+            <a:schemeClr val="accent1">
+              <a:shade val="50000"/>
+            </a:schemeClr>
+          </a:lnRef>
+          <a:fillRef idx="1">
+            <a:schemeClr val="accent1"/>
+          </a:fillRef>
+          <a:effectRef idx="0">
+            <a:schemeClr val="accent1"/>
+          </a:effectRef>
+          <a:fontRef idx="minor">
+            <a:schemeClr val="lt1"/>
+          </a:fontRef>
+        </p:style>
+        <p:txBody>
+          <a:bodyPr rtlCol="0" anchor="ctr"/>
+          <a:lstStyle/>
+          <a:p>
+            <a:pPr algn="ctr"/>
+            <a:endParaRPr lang="en-GB" dirty="0">
+              <a:solidFill>
+                <a:schemeClr val="tx1"/>
+              </a:solidFill>
+            </a:endParaRPr>
+          </a:p>
+        </p:txBody>
+      </p:sp>
+      <p:sp>
+        <p:nvSpPr>
+          <p:cNvPr id="17" name="Rectangle 16"/>
+          <p:cNvSpPr/>
+          <p:nvPr/>
+        </p:nvSpPr>
+        <p:spPr>
+          <a:xfrm>
+            <a:off x="1295400" y="2286000"/>
+            <a:ext cx="2031775" cy="369332"/>
+          </a:xfrm>
+          <a:prstGeom prst="rect">
+            <a:avLst/>
+          </a:prstGeom>
+        </p:spPr>
+        <p:txBody>
+          <a:bodyPr wrap="none">
+            <a:spAutoFit/>
+          </a:bodyPr>
+          <a:lstStyle/>
+          <a:p>
+            <a:pPr algn="ctr"/>
+            <a:r>
+              <a:rPr lang="en-GB" dirty="0" smtClean="0"/>
+              <a:t>Database (optional)</a:t>
+            </a:r>
+            <a:endParaRPr lang="en-GB" dirty="0"/>
+          </a:p>
+        </p:txBody>
+      </p:sp>
+      <p:sp>
+        <p:nvSpPr>
+          <p:cNvPr id="19" name="Rectangle 18"/>
+          <p:cNvSpPr/>
+          <p:nvPr/>
+        </p:nvSpPr>
+        <p:spPr>
+          <a:xfrm>
+            <a:off x="2514600" y="5105400"/>
+            <a:ext cx="343363" cy="369332"/>
+          </a:xfrm>
+          <a:prstGeom prst="rect">
+            <a:avLst/>
+          </a:prstGeom>
+        </p:spPr>
+        <p:txBody>
+          <a:bodyPr wrap="none">
+            <a:spAutoFit/>
+          </a:bodyPr>
+          <a:lstStyle/>
+          <a:p>
+            <a:pPr algn="ctr"/>
+            <a:r>
+              <a:rPr lang="en-GB" dirty="0" smtClean="0"/>
+              <a:t>…</a:t>
+            </a:r>
+            <a:endParaRPr lang="en-GB" dirty="0"/>
+          </a:p>
+        </p:txBody>
+      </p:sp>
+      <p:sp>
+        <p:nvSpPr>
+          <p:cNvPr id="20" name="Rounded Rectangle 19"/>
+          <p:cNvSpPr/>
+          <p:nvPr/>
+        </p:nvSpPr>
+        <p:spPr>
+          <a:xfrm>
+            <a:off x="4495800" y="3124200"/>
+            <a:ext cx="2743200" cy="1828800"/>
+          </a:xfrm>
+          <a:prstGeom prst="roundRect">
+            <a:avLst/>
+          </a:prstGeom>
+          <a:solidFill>
+            <a:schemeClr val="bg1"/>
+          </a:solidFill>
+          <a:ln>
+            <a:solidFill>
+              <a:schemeClr val="tx1"/>
+            </a:solidFill>
+          </a:ln>
+        </p:spPr>
+        <p:style>
+          <a:lnRef idx="2">
+            <a:schemeClr val="accent1">
+              <a:shade val="50000"/>
+            </a:schemeClr>
+          </a:lnRef>
+          <a:fillRef idx="1">
+            <a:schemeClr val="accent1"/>
+          </a:fillRef>
+          <a:effectRef idx="0">
+            <a:schemeClr val="accent1"/>
+          </a:effectRef>
+          <a:fontRef idx="minor">
+            <a:schemeClr val="lt1"/>
+          </a:fontRef>
+        </p:style>
+        <p:txBody>
+          <a:bodyPr rtlCol="0" anchor="ctr"/>
+          <a:lstStyle/>
+          <a:p>
+            <a:pPr algn="ctr"/>
+            <a:endParaRPr lang="en-GB" dirty="0">
+              <a:solidFill>
+                <a:schemeClr val="tx1"/>
+              </a:solidFill>
+            </a:endParaRPr>
+          </a:p>
+        </p:txBody>
+      </p:sp>
+      <p:sp>
+        <p:nvSpPr>
+          <p:cNvPr id="21" name="Rectangle 20"/>
+          <p:cNvSpPr/>
+          <p:nvPr/>
+        </p:nvSpPr>
+        <p:spPr>
+          <a:xfrm>
+            <a:off x="4495800" y="2743200"/>
+            <a:ext cx="989759" cy="369332"/>
+          </a:xfrm>
+          <a:prstGeom prst="rect">
+            <a:avLst/>
+          </a:prstGeom>
+        </p:spPr>
+        <p:txBody>
+          <a:bodyPr wrap="none">
+            <a:spAutoFit/>
+          </a:bodyPr>
+          <a:lstStyle/>
+          <a:p>
+            <a:pPr algn="ctr"/>
+            <a:r>
+              <a:rPr lang="en-GB" dirty="0" smtClean="0"/>
+              <a:t>TaskRow</a:t>
+            </a:r>
+            <a:endParaRPr lang="en-GB" dirty="0"/>
+          </a:p>
+        </p:txBody>
+      </p:sp>
+      <p:sp>
+        <p:nvSpPr>
+          <p:cNvPr id="22" name="Rounded Rectangle 21"/>
+          <p:cNvSpPr/>
+          <p:nvPr/>
+        </p:nvSpPr>
+        <p:spPr>
+          <a:xfrm>
+            <a:off x="4953000" y="3505200"/>
+            <a:ext cx="1447800" cy="1295400"/>
+          </a:xfrm>
+          <a:prstGeom prst="roundRect">
+            <a:avLst/>
+          </a:prstGeom>
+          <a:solidFill>
+            <a:schemeClr val="bg1"/>
+          </a:solidFill>
+          <a:ln>
+            <a:solidFill>
+              <a:schemeClr val="tx1"/>
+            </a:solidFill>
+          </a:ln>
+        </p:spPr>
+        <p:style>
+          <a:lnRef idx="2">
+            <a:schemeClr val="accent1">
+              <a:shade val="50000"/>
+            </a:schemeClr>
+          </a:lnRef>
+          <a:fillRef idx="1">
+            <a:schemeClr val="accent1"/>
+          </a:fillRef>
+          <a:effectRef idx="0">
+            <a:schemeClr val="accent1"/>
+          </a:effectRef>
+          <a:fontRef idx="minor">
+            <a:schemeClr val="lt1"/>
+          </a:fontRef>
+        </p:style>
+        <p:txBody>
+          <a:bodyPr rtlCol="0" anchor="ctr"/>
+          <a:lstStyle/>
+          <a:p>
+            <a:pPr algn="ctr"/>
+            <a:endParaRPr lang="en-GB" dirty="0">
+              <a:solidFill>
+                <a:schemeClr val="tx1"/>
+              </a:solidFill>
+            </a:endParaRPr>
+          </a:p>
+        </p:txBody>
+      </p:sp>
+      <p:sp>
+        <p:nvSpPr>
+          <p:cNvPr id="23" name="Rectangle 22"/>
+          <p:cNvSpPr/>
+          <p:nvPr/>
+        </p:nvSpPr>
+        <p:spPr>
+          <a:xfrm>
+            <a:off x="4898406" y="3135868"/>
+            <a:ext cx="1006238" cy="369332"/>
+          </a:xfrm>
+          <a:prstGeom prst="rect">
+            <a:avLst/>
+          </a:prstGeom>
+        </p:spPr>
+        <p:txBody>
+          <a:bodyPr wrap="none">
+            <a:spAutoFit/>
+          </a:bodyPr>
+          <a:lstStyle/>
+          <a:p>
+            <a:pPr algn="ctr"/>
+            <a:r>
+              <a:rPr lang="en-GB" dirty="0" smtClean="0"/>
+              <a:t>personid</a:t>
+            </a:r>
+            <a:endParaRPr lang="en-GB" dirty="0"/>
+          </a:p>
+        </p:txBody>
+      </p:sp>
+      <p:sp>
+        <p:nvSpPr>
+          <p:cNvPr id="24" name="Oval 23"/>
+          <p:cNvSpPr/>
+          <p:nvPr/>
+        </p:nvSpPr>
+        <p:spPr>
+          <a:xfrm>
+            <a:off x="5257800" y="3733800"/>
+            <a:ext cx="914400" cy="838200"/>
+          </a:xfrm>
+          <a:prstGeom prst="ellipse">
+            <a:avLst/>
+          </a:prstGeom>
+          <a:solidFill>
+            <a:schemeClr val="bg1"/>
+          </a:solidFill>
+          <a:ln>
+            <a:solidFill>
+              <a:schemeClr val="tx1"/>
+            </a:solidFill>
+          </a:ln>
+        </p:spPr>
+        <p:style>
+          <a:lnRef idx="2">
+            <a:schemeClr val="accent1">
+              <a:shade val="50000"/>
+            </a:schemeClr>
+          </a:lnRef>
+          <a:fillRef idx="1">
+            <a:schemeClr val="accent1"/>
+          </a:fillRef>
+          <a:effectRef idx="0">
+            <a:schemeClr val="accent1"/>
+          </a:effectRef>
+          <a:fontRef idx="minor">
+            <a:schemeClr val="lt1"/>
+          </a:fontRef>
+        </p:style>
+        <p:txBody>
+          <a:bodyPr lIns="0" rIns="0" rtlCol="0" anchor="ctr"/>
+          <a:lstStyle/>
+          <a:p>
+            <a:pPr algn="ctr"/>
+            <a:r>
+              <a:rPr lang="en-GB" dirty="0" smtClean="0">
+                <a:solidFill>
+                  <a:schemeClr val="tx1"/>
+                </a:solidFill>
+              </a:rPr>
+              <a:t>N(id)</a:t>
+            </a:r>
+            <a:endParaRPr lang="en-GB" dirty="0">
+              <a:solidFill>
+                <a:schemeClr val="tx1"/>
+              </a:solidFill>
+            </a:endParaRPr>
+          </a:p>
+        </p:txBody>
+      </p:sp>
+      <p:sp>
+        <p:nvSpPr>
+          <p:cNvPr id="25" name="Rectangle 24"/>
+          <p:cNvSpPr/>
+          <p:nvPr/>
+        </p:nvSpPr>
+        <p:spPr>
+          <a:xfrm>
+            <a:off x="6629400" y="3810000"/>
+            <a:ext cx="343363" cy="369332"/>
+          </a:xfrm>
+          <a:prstGeom prst="rect">
+            <a:avLst/>
+          </a:prstGeom>
+        </p:spPr>
+        <p:txBody>
+          <a:bodyPr wrap="none">
+            <a:spAutoFit/>
+          </a:bodyPr>
+          <a:lstStyle/>
+          <a:p>
+            <a:pPr algn="ctr"/>
+            <a:r>
+              <a:rPr lang="en-GB" dirty="0" smtClean="0"/>
+              <a:t>…</a:t>
+            </a:r>
+            <a:endParaRPr lang="en-GB" dirty="0"/>
+          </a:p>
+        </p:txBody>
+      </p:sp>
+      <p:sp>
+        <p:nvSpPr>
+          <p:cNvPr id="28" name="Rectangle 27"/>
+          <p:cNvSpPr/>
+          <p:nvPr/>
+        </p:nvSpPr>
+        <p:spPr>
+          <a:xfrm>
+            <a:off x="5715000" y="5105400"/>
+            <a:ext cx="343363" cy="369332"/>
+          </a:xfrm>
+          <a:prstGeom prst="rect">
+            <a:avLst/>
+          </a:prstGeom>
+        </p:spPr>
+        <p:txBody>
+          <a:bodyPr wrap="none">
+            <a:spAutoFit/>
+          </a:bodyPr>
+          <a:lstStyle/>
+          <a:p>
+            <a:pPr algn="ctr"/>
+            <a:r>
+              <a:rPr lang="en-GB" dirty="0" smtClean="0"/>
+              <a:t>…</a:t>
+            </a:r>
+            <a:endParaRPr lang="en-GB" dirty="0"/>
+          </a:p>
+        </p:txBody>
+      </p:sp>
+    </p:spTree>
+  </p:cSld>
+  <p:clrMapOvr>
+    <a:masterClrMapping/>
+  </p:clrMapOvr>
+</p:sld>
+</file>
+
+<file path=ppt/slides/slide24.xml><?xml version="1.0" encoding="utf-8"?>
+<p:sld xmlns:a="http://schemas.openxmlformats.org/drawingml/2006/main" xmlns:r="http://schemas.openxmlformats.org/officeDocument/2006/relationships" xmlns:p="http://schemas.openxmlformats.org/presentationml/2006/main">
+  <p:cSld>
+    <p:spTree>
+      <p:nvGrpSpPr>
+        <p:cNvPr id="1" name=""/>
+        <p:cNvGrpSpPr/>
+        <p:nvPr/>
+      </p:nvGrpSpPr>
+      <p:grpSpPr>
+        <a:xfrm>
+          <a:off x="0" y="0"/>
+          <a:ext cx="0" cy="0"/>
+          <a:chOff x="0" y="0"/>
+          <a:chExt cx="0" cy="0"/>
+        </a:xfrm>
+      </p:grpSpPr>
+      <p:sp>
+        <p:nvSpPr>
+          <p:cNvPr id="4" name="Title 3"/>
+          <p:cNvSpPr>
+            <a:spLocks noGrp="1"/>
+          </p:cNvSpPr>
+          <p:nvPr>
+            <p:ph type="title"/>
+          </p:nvPr>
+        </p:nvSpPr>
+        <p:spPr/>
+        <p:txBody>
+          <a:bodyPr/>
+          <a:lstStyle/>
+          <a:p>
+            <a:r>
+              <a:rPr lang="en-GB" dirty="0" smtClean="0"/>
+              <a:t>Tuplespace</a:t>
+            </a:r>
+            <a:endParaRPr lang="en-GB" dirty="0"/>
+          </a:p>
+        </p:txBody>
+      </p:sp>
+      <p:sp>
+        <p:nvSpPr>
+          <p:cNvPr id="7" name="Rounded Rectangle 6"/>
+          <p:cNvSpPr/>
+          <p:nvPr/>
+        </p:nvSpPr>
+        <p:spPr>
+          <a:xfrm>
+            <a:off x="2514600" y="2743200"/>
+            <a:ext cx="4343400" cy="1828800"/>
+          </a:xfrm>
+          <a:prstGeom prst="roundRect">
+            <a:avLst/>
+          </a:prstGeom>
+          <a:solidFill>
+            <a:schemeClr val="bg1"/>
+          </a:solidFill>
+          <a:ln>
+            <a:solidFill>
+              <a:schemeClr val="tx1"/>
+            </a:solidFill>
+          </a:ln>
+        </p:spPr>
+        <p:style>
+          <a:lnRef idx="2">
+            <a:schemeClr val="accent1">
+              <a:shade val="50000"/>
+            </a:schemeClr>
+          </a:lnRef>
+          <a:fillRef idx="1">
+            <a:schemeClr val="accent1"/>
+          </a:fillRef>
+          <a:effectRef idx="0">
+            <a:schemeClr val="accent1"/>
+          </a:effectRef>
+          <a:fontRef idx="minor">
+            <a:schemeClr val="lt1"/>
+          </a:fontRef>
+        </p:style>
+        <p:txBody>
+          <a:bodyPr rtlCol="0" anchor="ctr"/>
+          <a:lstStyle/>
+          <a:p>
+            <a:pPr algn="ctr"/>
+            <a:endParaRPr lang="en-GB" dirty="0">
+              <a:solidFill>
+                <a:schemeClr val="tx1"/>
+              </a:solidFill>
+            </a:endParaRPr>
+          </a:p>
+        </p:txBody>
+      </p:sp>
+      <p:sp>
+        <p:nvSpPr>
+          <p:cNvPr id="13" name="Rectangle 12"/>
+          <p:cNvSpPr/>
+          <p:nvPr/>
+        </p:nvSpPr>
+        <p:spPr>
+          <a:xfrm>
+            <a:off x="2667000" y="2362200"/>
+            <a:ext cx="694550" cy="369332"/>
+          </a:xfrm>
+          <a:prstGeom prst="rect">
+            <a:avLst/>
+          </a:prstGeom>
+        </p:spPr>
+        <p:txBody>
+          <a:bodyPr wrap="none">
+            <a:spAutoFit/>
+          </a:bodyPr>
+          <a:lstStyle/>
+          <a:p>
+            <a:pPr algn="ctr"/>
+            <a:r>
+              <a:rPr lang="en-GB" dirty="0" smtClean="0"/>
+              <a:t>Tuple</a:t>
+            </a:r>
+            <a:endParaRPr lang="en-GB" dirty="0"/>
+          </a:p>
+        </p:txBody>
+      </p:sp>
+      <p:sp>
+        <p:nvSpPr>
+          <p:cNvPr id="15" name="Rounded Rectangle 14"/>
+          <p:cNvSpPr/>
+          <p:nvPr/>
+        </p:nvSpPr>
+        <p:spPr>
+          <a:xfrm>
+            <a:off x="2971800" y="3124200"/>
+            <a:ext cx="1447800" cy="1295400"/>
+          </a:xfrm>
+          <a:prstGeom prst="roundRect">
+            <a:avLst/>
+          </a:prstGeom>
+          <a:solidFill>
+            <a:schemeClr val="bg1"/>
+          </a:solidFill>
+          <a:ln>
+            <a:solidFill>
+              <a:schemeClr val="tx1"/>
+            </a:solidFill>
+          </a:ln>
+        </p:spPr>
+        <p:style>
+          <a:lnRef idx="2">
+            <a:schemeClr val="accent1">
+              <a:shade val="50000"/>
+            </a:schemeClr>
+          </a:lnRef>
+          <a:fillRef idx="1">
+            <a:schemeClr val="accent1"/>
+          </a:fillRef>
+          <a:effectRef idx="0">
+            <a:schemeClr val="accent1"/>
+          </a:effectRef>
+          <a:fontRef idx="minor">
+            <a:schemeClr val="lt1"/>
+          </a:fontRef>
+        </p:style>
+        <p:txBody>
+          <a:bodyPr rtlCol="0" anchor="ctr"/>
+          <a:lstStyle/>
+          <a:p>
+            <a:pPr algn="ctr"/>
+            <a:endParaRPr lang="en-GB" dirty="0">
+              <a:solidFill>
+                <a:schemeClr val="tx1"/>
+              </a:solidFill>
+            </a:endParaRPr>
+          </a:p>
+        </p:txBody>
+      </p:sp>
+      <p:sp>
+        <p:nvSpPr>
+          <p:cNvPr id="16" name="Rectangle 15"/>
+          <p:cNvSpPr/>
+          <p:nvPr/>
+        </p:nvSpPr>
+        <p:spPr>
+          <a:xfrm>
+            <a:off x="2917206" y="2754868"/>
+            <a:ext cx="417102" cy="369332"/>
+          </a:xfrm>
+          <a:prstGeom prst="rect">
+            <a:avLst/>
+          </a:prstGeom>
+        </p:spPr>
+        <p:txBody>
+          <a:bodyPr wrap="none">
+            <a:spAutoFit/>
+          </a:bodyPr>
+          <a:lstStyle/>
+          <a:p>
+            <a:pPr algn="ctr"/>
+            <a:r>
+              <a:rPr lang="en-GB" dirty="0" smtClean="0"/>
+              <a:t>_1</a:t>
+            </a:r>
+            <a:endParaRPr lang="en-GB" dirty="0"/>
+          </a:p>
+        </p:txBody>
+      </p:sp>
+      <p:sp>
+        <p:nvSpPr>
+          <p:cNvPr id="18" name="Oval 17"/>
+          <p:cNvSpPr/>
+          <p:nvPr/>
+        </p:nvSpPr>
+        <p:spPr>
+          <a:xfrm>
+            <a:off x="3276600" y="3352800"/>
+            <a:ext cx="914400" cy="838200"/>
+          </a:xfrm>
+          <a:prstGeom prst="ellipse">
+            <a:avLst/>
+          </a:prstGeom>
+          <a:solidFill>
+            <a:schemeClr val="bg1"/>
+          </a:solidFill>
+          <a:ln>
+            <a:solidFill>
+              <a:schemeClr val="tx1"/>
+            </a:solidFill>
+          </a:ln>
+        </p:spPr>
+        <p:style>
+          <a:lnRef idx="2">
+            <a:schemeClr val="accent1">
+              <a:shade val="50000"/>
+            </a:schemeClr>
+          </a:lnRef>
+          <a:fillRef idx="1">
+            <a:schemeClr val="accent1"/>
+          </a:fillRef>
+          <a:effectRef idx="0">
+            <a:schemeClr val="accent1"/>
+          </a:effectRef>
+          <a:fontRef idx="minor">
+            <a:schemeClr val="lt1"/>
+          </a:fontRef>
+        </p:style>
+        <p:txBody>
+          <a:bodyPr lIns="0" rIns="0" rtlCol="0" anchor="ctr"/>
+          <a:lstStyle/>
+          <a:p>
+            <a:pPr algn="ctr"/>
+            <a:r>
+              <a:rPr lang="en-GB" dirty="0" smtClean="0">
+                <a:solidFill>
+                  <a:schemeClr val="tx1"/>
+                </a:solidFill>
+              </a:rPr>
+              <a:t>N_143</a:t>
+            </a:r>
+            <a:endParaRPr lang="en-GB" dirty="0">
+              <a:solidFill>
+                <a:schemeClr val="tx1"/>
+              </a:solidFill>
+            </a:endParaRPr>
+          </a:p>
+        </p:txBody>
+      </p:sp>
+      <p:sp>
+        <p:nvSpPr>
+          <p:cNvPr id="8" name="Rounded Rectangle 7"/>
+          <p:cNvSpPr/>
+          <p:nvPr/>
+        </p:nvSpPr>
+        <p:spPr>
+          <a:xfrm>
+            <a:off x="4783687" y="3112532"/>
+            <a:ext cx="1447800" cy="1295400"/>
+          </a:xfrm>
+          <a:prstGeom prst="roundRect">
+            <a:avLst/>
+          </a:prstGeom>
+          <a:solidFill>
+            <a:schemeClr val="bg1"/>
+          </a:solidFill>
+          <a:ln>
+            <a:solidFill>
+              <a:schemeClr val="tx1"/>
+            </a:solidFill>
+          </a:ln>
+        </p:spPr>
+        <p:style>
+          <a:lnRef idx="2">
+            <a:schemeClr val="accent1">
+              <a:shade val="50000"/>
+            </a:schemeClr>
+          </a:lnRef>
+          <a:fillRef idx="1">
+            <a:schemeClr val="accent1"/>
+          </a:fillRef>
+          <a:effectRef idx="0">
+            <a:schemeClr val="accent1"/>
+          </a:effectRef>
+          <a:fontRef idx="minor">
+            <a:schemeClr val="lt1"/>
+          </a:fontRef>
+        </p:style>
+        <p:txBody>
+          <a:bodyPr rtlCol="0" anchor="ctr"/>
+          <a:lstStyle/>
+          <a:p>
+            <a:pPr algn="ctr"/>
+            <a:endParaRPr lang="en-GB" dirty="0">
+              <a:solidFill>
+                <a:schemeClr val="tx1"/>
+              </a:solidFill>
+            </a:endParaRPr>
+          </a:p>
+        </p:txBody>
+      </p:sp>
+      <p:sp>
+        <p:nvSpPr>
+          <p:cNvPr id="9" name="Rectangle 8"/>
+          <p:cNvSpPr/>
+          <p:nvPr/>
+        </p:nvSpPr>
+        <p:spPr>
+          <a:xfrm>
+            <a:off x="4648200" y="2743200"/>
+            <a:ext cx="417102" cy="369332"/>
+          </a:xfrm>
+          <a:prstGeom prst="rect">
+            <a:avLst/>
+          </a:prstGeom>
+        </p:spPr>
+        <p:txBody>
+          <a:bodyPr wrap="none">
+            <a:spAutoFit/>
+          </a:bodyPr>
+          <a:lstStyle/>
+          <a:p>
+            <a:pPr algn="ctr"/>
+            <a:r>
+              <a:rPr lang="en-GB" dirty="0" smtClean="0"/>
+              <a:t>_2</a:t>
+            </a:r>
+            <a:endParaRPr lang="en-GB" dirty="0"/>
+          </a:p>
+        </p:txBody>
+      </p:sp>
+      <p:sp>
+        <p:nvSpPr>
+          <p:cNvPr id="10" name="Oval 9"/>
+          <p:cNvSpPr/>
+          <p:nvPr/>
+        </p:nvSpPr>
+        <p:spPr>
+          <a:xfrm>
+            <a:off x="5029200" y="3341132"/>
+            <a:ext cx="1007513" cy="838200"/>
+          </a:xfrm>
+          <a:prstGeom prst="ellipse">
+            <a:avLst/>
+          </a:prstGeom>
+          <a:solidFill>
+            <a:schemeClr val="bg1"/>
+          </a:solidFill>
+          <a:ln>
+            <a:solidFill>
+              <a:schemeClr val="tx1"/>
+            </a:solidFill>
+          </a:ln>
+        </p:spPr>
+        <p:style>
+          <a:lnRef idx="2">
+            <a:schemeClr val="accent1">
+              <a:shade val="50000"/>
+            </a:schemeClr>
+          </a:lnRef>
+          <a:fillRef idx="1">
+            <a:schemeClr val="accent1"/>
+          </a:fillRef>
+          <a:effectRef idx="0">
+            <a:schemeClr val="accent1"/>
+          </a:effectRef>
+          <a:fontRef idx="minor">
+            <a:schemeClr val="lt1"/>
+          </a:fontRef>
+        </p:style>
+        <p:txBody>
+          <a:bodyPr lIns="0" rIns="0" rtlCol="0" anchor="ctr"/>
+          <a:lstStyle/>
+          <a:p>
+            <a:pPr algn="ctr"/>
+            <a:r>
+              <a:rPr lang="en-GB" dirty="0" smtClean="0">
+                <a:solidFill>
+                  <a:schemeClr val="tx1"/>
+                </a:solidFill>
+              </a:rPr>
+              <a:t>S_Chris</a:t>
+            </a:r>
+            <a:endParaRPr lang="en-GB" dirty="0">
+              <a:solidFill>
+                <a:schemeClr val="tx1"/>
+              </a:solidFill>
+            </a:endParaRPr>
+          </a:p>
+        </p:txBody>
+      </p:sp>
+      <p:sp>
+        <p:nvSpPr>
+          <p:cNvPr id="14" name="Rounded Rectangle 13"/>
+          <p:cNvSpPr/>
+          <p:nvPr/>
+        </p:nvSpPr>
+        <p:spPr>
+          <a:xfrm>
+            <a:off x="2286000" y="2133600"/>
+            <a:ext cx="4800600" cy="3124200"/>
+          </a:xfrm>
+          <a:prstGeom prst="roundRect">
+            <a:avLst/>
+          </a:prstGeom>
+          <a:noFill/>
+          <a:ln w="9525">
+            <a:solidFill>
+              <a:schemeClr val="tx1"/>
+            </a:solidFill>
+            <a:prstDash val="solid"/>
+          </a:ln>
+        </p:spPr>
+        <p:style>
+          <a:lnRef idx="2">
+            <a:schemeClr val="accent1">
+              <a:shade val="50000"/>
+            </a:schemeClr>
+          </a:lnRef>
+          <a:fillRef idx="1">
+            <a:schemeClr val="accent1"/>
+          </a:fillRef>
+          <a:effectRef idx="0">
+            <a:schemeClr val="accent1"/>
+          </a:effectRef>
+          <a:fontRef idx="minor">
+            <a:schemeClr val="lt1"/>
+          </a:fontRef>
+        </p:style>
+        <p:txBody>
+          <a:bodyPr rtlCol="0" anchor="ctr"/>
+          <a:lstStyle/>
+          <a:p>
+            <a:pPr algn="ctr"/>
+            <a:endParaRPr lang="en-GB" dirty="0">
+              <a:solidFill>
+                <a:schemeClr val="tx1"/>
+              </a:solidFill>
+            </a:endParaRPr>
+          </a:p>
+        </p:txBody>
+      </p:sp>
+      <p:sp>
+        <p:nvSpPr>
+          <p:cNvPr id="17" name="Rectangle 16"/>
+          <p:cNvSpPr/>
+          <p:nvPr/>
+        </p:nvSpPr>
+        <p:spPr>
+          <a:xfrm>
+            <a:off x="2656248" y="1752600"/>
+            <a:ext cx="1229952" cy="369332"/>
+          </a:xfrm>
+          <a:prstGeom prst="rect">
+            <a:avLst/>
+          </a:prstGeom>
+        </p:spPr>
+        <p:txBody>
+          <a:bodyPr wrap="none">
+            <a:spAutoFit/>
+          </a:bodyPr>
+          <a:lstStyle/>
+          <a:p>
+            <a:pPr algn="ctr"/>
+            <a:r>
+              <a:rPr lang="en-GB" dirty="0" smtClean="0"/>
+              <a:t>Tuplespace</a:t>
+            </a:r>
+            <a:endParaRPr lang="en-GB" dirty="0"/>
+          </a:p>
+        </p:txBody>
+      </p:sp>
+      <p:sp>
+        <p:nvSpPr>
+          <p:cNvPr id="19" name="Rectangle 18"/>
+          <p:cNvSpPr/>
+          <p:nvPr/>
+        </p:nvSpPr>
+        <p:spPr>
+          <a:xfrm>
+            <a:off x="4572000" y="4724400"/>
+            <a:ext cx="343363" cy="369332"/>
+          </a:xfrm>
+          <a:prstGeom prst="rect">
+            <a:avLst/>
+          </a:prstGeom>
+        </p:spPr>
+        <p:txBody>
+          <a:bodyPr wrap="none">
+            <a:spAutoFit/>
+          </a:bodyPr>
+          <a:lstStyle/>
+          <a:p>
+            <a:pPr algn="ctr"/>
+            <a:r>
+              <a:rPr lang="en-GB" dirty="0" smtClean="0"/>
+              <a:t>…</a:t>
+            </a:r>
+            <a:endParaRPr lang="en-GB" dirty="0"/>
           </a:p>
         </p:txBody>
       </p:sp>

--- a/bigraphspace/docs/images/Cookbook_diagrams.pptx
+++ b/bigraphspace/docs/images/Cookbook_diagrams.pptx
@@ -29,6 +29,12 @@
     <p:sldId id="277" r:id="rId23"/>
     <p:sldId id="278" r:id="rId24"/>
     <p:sldId id="279" r:id="rId25"/>
+    <p:sldId id="281" r:id="rId26"/>
+    <p:sldId id="283" r:id="rId27"/>
+    <p:sldId id="284" r:id="rId28"/>
+    <p:sldId id="280" r:id="rId29"/>
+    <p:sldId id="282" r:id="rId30"/>
+    <p:sldId id="285" r:id="rId31"/>
   </p:sldIdLst>
   <p:sldSz cx="9144000" cy="6858000" type="screen4x3"/>
   <p:notesSz cx="6858000" cy="9144000"/>
@@ -12378,6 +12384,4521 @@
 </p:sld>
 </file>
 
+<file path=ppt/slides/slide25.xml><?xml version="1.0" encoding="utf-8"?>
+<p:sld xmlns:a="http://schemas.openxmlformats.org/drawingml/2006/main" xmlns:r="http://schemas.openxmlformats.org/officeDocument/2006/relationships" xmlns:p="http://schemas.openxmlformats.org/presentationml/2006/main">
+  <p:cSld>
+    <p:spTree>
+      <p:nvGrpSpPr>
+        <p:cNvPr id="1" name=""/>
+        <p:cNvGrpSpPr/>
+        <p:nvPr/>
+      </p:nvGrpSpPr>
+      <p:grpSpPr>
+        <a:xfrm>
+          <a:off x="0" y="0"/>
+          <a:ext cx="0" cy="0"/>
+          <a:chOff x="0" y="0"/>
+          <a:chExt cx="0" cy="0"/>
+        </a:xfrm>
+      </p:grpSpPr>
+      <p:sp>
+        <p:nvSpPr>
+          <p:cNvPr id="2" name="Title 1"/>
+          <p:cNvSpPr>
+            <a:spLocks noGrp="1"/>
+          </p:cNvSpPr>
+          <p:nvPr>
+            <p:ph type="title"/>
+          </p:nvPr>
+        </p:nvSpPr>
+        <p:spPr/>
+        <p:txBody>
+          <a:bodyPr/>
+          <a:lstStyle/>
+          <a:p>
+            <a:r>
+              <a:rPr lang="en-GB" dirty="0" smtClean="0"/>
+              <a:t>Modelling hierarchy</a:t>
+            </a:r>
+            <a:endParaRPr lang="en-GB" dirty="0"/>
+          </a:p>
+        </p:txBody>
+      </p:sp>
+      <p:sp>
+        <p:nvSpPr>
+          <p:cNvPr id="3" name="Rounded Rectangle 2"/>
+          <p:cNvSpPr/>
+          <p:nvPr/>
+        </p:nvSpPr>
+        <p:spPr>
+          <a:xfrm>
+            <a:off x="1752600" y="3505200"/>
+            <a:ext cx="533400" cy="457200"/>
+          </a:xfrm>
+          <a:prstGeom prst="roundRect">
+            <a:avLst/>
+          </a:prstGeom>
+          <a:solidFill>
+            <a:schemeClr val="bg1"/>
+          </a:solidFill>
+          <a:ln>
+            <a:solidFill>
+              <a:schemeClr val="tx1"/>
+            </a:solidFill>
+          </a:ln>
+        </p:spPr>
+        <p:style>
+          <a:lnRef idx="2">
+            <a:schemeClr val="accent1">
+              <a:shade val="50000"/>
+            </a:schemeClr>
+          </a:lnRef>
+          <a:fillRef idx="1">
+            <a:schemeClr val="accent1"/>
+          </a:fillRef>
+          <a:effectRef idx="0">
+            <a:schemeClr val="accent1"/>
+          </a:effectRef>
+          <a:fontRef idx="minor">
+            <a:schemeClr val="lt1"/>
+          </a:fontRef>
+        </p:style>
+        <p:txBody>
+          <a:bodyPr rtlCol="0" anchor="ctr"/>
+          <a:lstStyle/>
+          <a:p>
+            <a:pPr algn="ctr"/>
+            <a:r>
+              <a:rPr lang="en-GB" dirty="0" smtClean="0">
+                <a:solidFill>
+                  <a:schemeClr val="tx1"/>
+                </a:solidFill>
+              </a:rPr>
+              <a:t>B</a:t>
+            </a:r>
+            <a:endParaRPr lang="en-GB" dirty="0">
+              <a:solidFill>
+                <a:schemeClr val="tx1"/>
+              </a:solidFill>
+            </a:endParaRPr>
+          </a:p>
+        </p:txBody>
+      </p:sp>
+      <p:sp>
+        <p:nvSpPr>
+          <p:cNvPr id="5" name="Oval 4"/>
+          <p:cNvSpPr/>
+          <p:nvPr/>
+        </p:nvSpPr>
+        <p:spPr>
+          <a:xfrm>
+            <a:off x="1905000" y="3352800"/>
+            <a:ext cx="152400" cy="152400"/>
+          </a:xfrm>
+          <a:prstGeom prst="ellipse">
+            <a:avLst/>
+          </a:prstGeom>
+          <a:solidFill>
+            <a:schemeClr val="tx1"/>
+          </a:solidFill>
+          <a:ln>
+            <a:solidFill>
+              <a:schemeClr val="tx1"/>
+            </a:solidFill>
+          </a:ln>
+        </p:spPr>
+        <p:style>
+          <a:lnRef idx="2">
+            <a:schemeClr val="accent1">
+              <a:shade val="50000"/>
+            </a:schemeClr>
+          </a:lnRef>
+          <a:fillRef idx="1">
+            <a:schemeClr val="accent1"/>
+          </a:fillRef>
+          <a:effectRef idx="0">
+            <a:schemeClr val="accent1"/>
+          </a:effectRef>
+          <a:fontRef idx="minor">
+            <a:schemeClr val="lt1"/>
+          </a:fontRef>
+        </p:style>
+        <p:txBody>
+          <a:bodyPr rtlCol="0" anchor="ctr"/>
+          <a:lstStyle/>
+          <a:p>
+            <a:pPr algn="ctr"/>
+            <a:endParaRPr lang="en-GB"/>
+          </a:p>
+        </p:txBody>
+      </p:sp>
+      <p:cxnSp>
+        <p:nvCxnSpPr>
+          <p:cNvPr id="6" name="Curved Connector 5"/>
+          <p:cNvCxnSpPr>
+            <a:stCxn id="5" idx="0"/>
+            <a:endCxn id="21" idx="4"/>
+          </p:cNvCxnSpPr>
+          <p:nvPr/>
+        </p:nvCxnSpPr>
+        <p:spPr>
+          <a:xfrm rot="5400000" flipH="1" flipV="1">
+            <a:off x="2019300" y="2933700"/>
+            <a:ext cx="381000" cy="457200"/>
+          </a:xfrm>
+          <a:prstGeom prst="curvedConnector3">
+            <a:avLst>
+              <a:gd name="adj1" fmla="val 50000"/>
+            </a:avLst>
+          </a:prstGeom>
+          <a:ln>
+            <a:solidFill>
+              <a:schemeClr val="tx1"/>
+            </a:solidFill>
+          </a:ln>
+        </p:spPr>
+        <p:style>
+          <a:lnRef idx="1">
+            <a:schemeClr val="accent1"/>
+          </a:lnRef>
+          <a:fillRef idx="0">
+            <a:schemeClr val="accent1"/>
+          </a:fillRef>
+          <a:effectRef idx="0">
+            <a:schemeClr val="accent1"/>
+          </a:effectRef>
+          <a:fontRef idx="minor">
+            <a:schemeClr val="tx1"/>
+          </a:fontRef>
+        </p:style>
+      </p:cxnSp>
+      <p:sp>
+        <p:nvSpPr>
+          <p:cNvPr id="9" name="Oval 8"/>
+          <p:cNvSpPr/>
+          <p:nvPr/>
+        </p:nvSpPr>
+        <p:spPr>
+          <a:xfrm>
+            <a:off x="1905000" y="3962400"/>
+            <a:ext cx="152400" cy="152400"/>
+          </a:xfrm>
+          <a:prstGeom prst="ellipse">
+            <a:avLst/>
+          </a:prstGeom>
+          <a:solidFill>
+            <a:schemeClr val="tx1"/>
+          </a:solidFill>
+          <a:ln>
+            <a:solidFill>
+              <a:schemeClr val="tx1"/>
+            </a:solidFill>
+          </a:ln>
+        </p:spPr>
+        <p:style>
+          <a:lnRef idx="2">
+            <a:schemeClr val="accent1">
+              <a:shade val="50000"/>
+            </a:schemeClr>
+          </a:lnRef>
+          <a:fillRef idx="1">
+            <a:schemeClr val="accent1"/>
+          </a:fillRef>
+          <a:effectRef idx="0">
+            <a:schemeClr val="accent1"/>
+          </a:effectRef>
+          <a:fontRef idx="minor">
+            <a:schemeClr val="lt1"/>
+          </a:fontRef>
+        </p:style>
+        <p:txBody>
+          <a:bodyPr rtlCol="0" anchor="ctr"/>
+          <a:lstStyle/>
+          <a:p>
+            <a:pPr algn="ctr"/>
+            <a:endParaRPr lang="en-GB"/>
+          </a:p>
+        </p:txBody>
+      </p:sp>
+      <p:cxnSp>
+        <p:nvCxnSpPr>
+          <p:cNvPr id="10" name="Curved Connector 9"/>
+          <p:cNvCxnSpPr>
+            <a:stCxn id="9" idx="4"/>
+          </p:cNvCxnSpPr>
+          <p:nvPr/>
+        </p:nvCxnSpPr>
+        <p:spPr>
+          <a:xfrm rot="5400000">
+            <a:off x="1562100" y="4152900"/>
+            <a:ext cx="457200" cy="381000"/>
+          </a:xfrm>
+          <a:prstGeom prst="curvedConnector3">
+            <a:avLst>
+              <a:gd name="adj1" fmla="val 50000"/>
+            </a:avLst>
+          </a:prstGeom>
+          <a:ln>
+            <a:solidFill>
+              <a:schemeClr val="tx1"/>
+            </a:solidFill>
+          </a:ln>
+        </p:spPr>
+        <p:style>
+          <a:lnRef idx="1">
+            <a:schemeClr val="accent1"/>
+          </a:lnRef>
+          <a:fillRef idx="0">
+            <a:schemeClr val="accent1"/>
+          </a:fillRef>
+          <a:effectRef idx="0">
+            <a:schemeClr val="accent1"/>
+          </a:effectRef>
+          <a:fontRef idx="minor">
+            <a:schemeClr val="tx1"/>
+          </a:fontRef>
+        </p:style>
+      </p:cxnSp>
+      <p:sp>
+        <p:nvSpPr>
+          <p:cNvPr id="13" name="Rounded Rectangle 12"/>
+          <p:cNvSpPr/>
+          <p:nvPr/>
+        </p:nvSpPr>
+        <p:spPr>
+          <a:xfrm>
+            <a:off x="1371600" y="4724400"/>
+            <a:ext cx="533400" cy="457200"/>
+          </a:xfrm>
+          <a:prstGeom prst="roundRect">
+            <a:avLst/>
+          </a:prstGeom>
+          <a:solidFill>
+            <a:schemeClr val="bg1"/>
+          </a:solidFill>
+          <a:ln>
+            <a:solidFill>
+              <a:schemeClr val="tx1"/>
+            </a:solidFill>
+          </a:ln>
+        </p:spPr>
+        <p:style>
+          <a:lnRef idx="2">
+            <a:schemeClr val="accent1">
+              <a:shade val="50000"/>
+            </a:schemeClr>
+          </a:lnRef>
+          <a:fillRef idx="1">
+            <a:schemeClr val="accent1"/>
+          </a:fillRef>
+          <a:effectRef idx="0">
+            <a:schemeClr val="accent1"/>
+          </a:effectRef>
+          <a:fontRef idx="minor">
+            <a:schemeClr val="lt1"/>
+          </a:fontRef>
+        </p:style>
+        <p:txBody>
+          <a:bodyPr rtlCol="0" anchor="ctr"/>
+          <a:lstStyle/>
+          <a:p>
+            <a:pPr algn="ctr"/>
+            <a:r>
+              <a:rPr lang="en-GB" dirty="0" smtClean="0">
+                <a:solidFill>
+                  <a:schemeClr val="tx1"/>
+                </a:solidFill>
+              </a:rPr>
+              <a:t>D</a:t>
+            </a:r>
+            <a:endParaRPr lang="en-GB" dirty="0">
+              <a:solidFill>
+                <a:schemeClr val="tx1"/>
+              </a:solidFill>
+            </a:endParaRPr>
+          </a:p>
+        </p:txBody>
+      </p:sp>
+      <p:sp>
+        <p:nvSpPr>
+          <p:cNvPr id="14" name="Oval 13"/>
+          <p:cNvSpPr/>
+          <p:nvPr/>
+        </p:nvSpPr>
+        <p:spPr>
+          <a:xfrm>
+            <a:off x="1524000" y="4572000"/>
+            <a:ext cx="152400" cy="152400"/>
+          </a:xfrm>
+          <a:prstGeom prst="ellipse">
+            <a:avLst/>
+          </a:prstGeom>
+          <a:solidFill>
+            <a:schemeClr val="tx1"/>
+          </a:solidFill>
+          <a:ln>
+            <a:solidFill>
+              <a:schemeClr val="tx1"/>
+            </a:solidFill>
+          </a:ln>
+        </p:spPr>
+        <p:style>
+          <a:lnRef idx="2">
+            <a:schemeClr val="accent1">
+              <a:shade val="50000"/>
+            </a:schemeClr>
+          </a:lnRef>
+          <a:fillRef idx="1">
+            <a:schemeClr val="accent1"/>
+          </a:fillRef>
+          <a:effectRef idx="0">
+            <a:schemeClr val="accent1"/>
+          </a:effectRef>
+          <a:fontRef idx="minor">
+            <a:schemeClr val="lt1"/>
+          </a:fontRef>
+        </p:style>
+        <p:txBody>
+          <a:bodyPr rtlCol="0" anchor="ctr"/>
+          <a:lstStyle/>
+          <a:p>
+            <a:pPr algn="ctr"/>
+            <a:endParaRPr lang="en-GB"/>
+          </a:p>
+        </p:txBody>
+      </p:sp>
+      <p:sp>
+        <p:nvSpPr>
+          <p:cNvPr id="15" name="Rounded Rectangle 14"/>
+          <p:cNvSpPr/>
+          <p:nvPr/>
+        </p:nvSpPr>
+        <p:spPr>
+          <a:xfrm>
+            <a:off x="2133600" y="4724400"/>
+            <a:ext cx="533400" cy="457200"/>
+          </a:xfrm>
+          <a:prstGeom prst="roundRect">
+            <a:avLst/>
+          </a:prstGeom>
+          <a:solidFill>
+            <a:schemeClr val="bg1"/>
+          </a:solidFill>
+          <a:ln>
+            <a:solidFill>
+              <a:schemeClr val="tx1"/>
+            </a:solidFill>
+          </a:ln>
+        </p:spPr>
+        <p:style>
+          <a:lnRef idx="2">
+            <a:schemeClr val="accent1">
+              <a:shade val="50000"/>
+            </a:schemeClr>
+          </a:lnRef>
+          <a:fillRef idx="1">
+            <a:schemeClr val="accent1"/>
+          </a:fillRef>
+          <a:effectRef idx="0">
+            <a:schemeClr val="accent1"/>
+          </a:effectRef>
+          <a:fontRef idx="minor">
+            <a:schemeClr val="lt1"/>
+          </a:fontRef>
+        </p:style>
+        <p:txBody>
+          <a:bodyPr rtlCol="0" anchor="ctr"/>
+          <a:lstStyle/>
+          <a:p>
+            <a:pPr algn="ctr"/>
+            <a:r>
+              <a:rPr lang="en-GB" dirty="0" smtClean="0">
+                <a:solidFill>
+                  <a:schemeClr val="tx1"/>
+                </a:solidFill>
+              </a:rPr>
+              <a:t>E</a:t>
+            </a:r>
+            <a:endParaRPr lang="en-GB" dirty="0">
+              <a:solidFill>
+                <a:schemeClr val="tx1"/>
+              </a:solidFill>
+            </a:endParaRPr>
+          </a:p>
+        </p:txBody>
+      </p:sp>
+      <p:sp>
+        <p:nvSpPr>
+          <p:cNvPr id="16" name="Oval 15"/>
+          <p:cNvSpPr/>
+          <p:nvPr/>
+        </p:nvSpPr>
+        <p:spPr>
+          <a:xfrm>
+            <a:off x="2286000" y="4572000"/>
+            <a:ext cx="152400" cy="152400"/>
+          </a:xfrm>
+          <a:prstGeom prst="ellipse">
+            <a:avLst/>
+          </a:prstGeom>
+          <a:solidFill>
+            <a:schemeClr val="tx1"/>
+          </a:solidFill>
+          <a:ln>
+            <a:solidFill>
+              <a:schemeClr val="tx1"/>
+            </a:solidFill>
+          </a:ln>
+        </p:spPr>
+        <p:style>
+          <a:lnRef idx="2">
+            <a:schemeClr val="accent1">
+              <a:shade val="50000"/>
+            </a:schemeClr>
+          </a:lnRef>
+          <a:fillRef idx="1">
+            <a:schemeClr val="accent1"/>
+          </a:fillRef>
+          <a:effectRef idx="0">
+            <a:schemeClr val="accent1"/>
+          </a:effectRef>
+          <a:fontRef idx="minor">
+            <a:schemeClr val="lt1"/>
+          </a:fontRef>
+        </p:style>
+        <p:txBody>
+          <a:bodyPr rtlCol="0" anchor="ctr"/>
+          <a:lstStyle/>
+          <a:p>
+            <a:pPr algn="ctr"/>
+            <a:endParaRPr lang="en-GB"/>
+          </a:p>
+        </p:txBody>
+      </p:sp>
+      <p:sp>
+        <p:nvSpPr>
+          <p:cNvPr id="17" name="Rounded Rectangle 16"/>
+          <p:cNvSpPr/>
+          <p:nvPr/>
+        </p:nvSpPr>
+        <p:spPr>
+          <a:xfrm>
+            <a:off x="2667000" y="3505200"/>
+            <a:ext cx="533400" cy="457200"/>
+          </a:xfrm>
+          <a:prstGeom prst="roundRect">
+            <a:avLst/>
+          </a:prstGeom>
+          <a:solidFill>
+            <a:schemeClr val="bg1"/>
+          </a:solidFill>
+          <a:ln>
+            <a:solidFill>
+              <a:schemeClr val="tx1"/>
+            </a:solidFill>
+          </a:ln>
+        </p:spPr>
+        <p:style>
+          <a:lnRef idx="2">
+            <a:schemeClr val="accent1">
+              <a:shade val="50000"/>
+            </a:schemeClr>
+          </a:lnRef>
+          <a:fillRef idx="1">
+            <a:schemeClr val="accent1"/>
+          </a:fillRef>
+          <a:effectRef idx="0">
+            <a:schemeClr val="accent1"/>
+          </a:effectRef>
+          <a:fontRef idx="minor">
+            <a:schemeClr val="lt1"/>
+          </a:fontRef>
+        </p:style>
+        <p:txBody>
+          <a:bodyPr rtlCol="0" anchor="ctr"/>
+          <a:lstStyle/>
+          <a:p>
+            <a:pPr algn="ctr"/>
+            <a:r>
+              <a:rPr lang="en-GB" dirty="0" smtClean="0">
+                <a:solidFill>
+                  <a:schemeClr val="tx1"/>
+                </a:solidFill>
+              </a:rPr>
+              <a:t>C</a:t>
+            </a:r>
+            <a:endParaRPr lang="en-GB" dirty="0">
+              <a:solidFill>
+                <a:schemeClr val="tx1"/>
+              </a:solidFill>
+            </a:endParaRPr>
+          </a:p>
+        </p:txBody>
+      </p:sp>
+      <p:sp>
+        <p:nvSpPr>
+          <p:cNvPr id="18" name="Oval 17"/>
+          <p:cNvSpPr/>
+          <p:nvPr/>
+        </p:nvSpPr>
+        <p:spPr>
+          <a:xfrm>
+            <a:off x="2819400" y="3352800"/>
+            <a:ext cx="152400" cy="152400"/>
+          </a:xfrm>
+          <a:prstGeom prst="ellipse">
+            <a:avLst/>
+          </a:prstGeom>
+          <a:solidFill>
+            <a:schemeClr val="tx1"/>
+          </a:solidFill>
+          <a:ln>
+            <a:solidFill>
+              <a:schemeClr val="tx1"/>
+            </a:solidFill>
+          </a:ln>
+        </p:spPr>
+        <p:style>
+          <a:lnRef idx="2">
+            <a:schemeClr val="accent1">
+              <a:shade val="50000"/>
+            </a:schemeClr>
+          </a:lnRef>
+          <a:fillRef idx="1">
+            <a:schemeClr val="accent1"/>
+          </a:fillRef>
+          <a:effectRef idx="0">
+            <a:schemeClr val="accent1"/>
+          </a:effectRef>
+          <a:fontRef idx="minor">
+            <a:schemeClr val="lt1"/>
+          </a:fontRef>
+        </p:style>
+        <p:txBody>
+          <a:bodyPr rtlCol="0" anchor="ctr"/>
+          <a:lstStyle/>
+          <a:p>
+            <a:pPr algn="ctr"/>
+            <a:endParaRPr lang="en-GB"/>
+          </a:p>
+        </p:txBody>
+      </p:sp>
+      <p:sp>
+        <p:nvSpPr>
+          <p:cNvPr id="19" name="Rounded Rectangle 18"/>
+          <p:cNvSpPr/>
+          <p:nvPr/>
+        </p:nvSpPr>
+        <p:spPr>
+          <a:xfrm>
+            <a:off x="2209800" y="2362200"/>
+            <a:ext cx="533400" cy="457200"/>
+          </a:xfrm>
+          <a:prstGeom prst="roundRect">
+            <a:avLst/>
+          </a:prstGeom>
+          <a:solidFill>
+            <a:schemeClr val="bg1"/>
+          </a:solidFill>
+          <a:ln>
+            <a:solidFill>
+              <a:schemeClr val="tx1"/>
+            </a:solidFill>
+          </a:ln>
+        </p:spPr>
+        <p:style>
+          <a:lnRef idx="2">
+            <a:schemeClr val="accent1">
+              <a:shade val="50000"/>
+            </a:schemeClr>
+          </a:lnRef>
+          <a:fillRef idx="1">
+            <a:schemeClr val="accent1"/>
+          </a:fillRef>
+          <a:effectRef idx="0">
+            <a:schemeClr val="accent1"/>
+          </a:effectRef>
+          <a:fontRef idx="minor">
+            <a:schemeClr val="lt1"/>
+          </a:fontRef>
+        </p:style>
+        <p:txBody>
+          <a:bodyPr rtlCol="0" anchor="ctr"/>
+          <a:lstStyle/>
+          <a:p>
+            <a:pPr algn="ctr"/>
+            <a:r>
+              <a:rPr lang="en-GB" dirty="0" smtClean="0">
+                <a:solidFill>
+                  <a:schemeClr val="tx1"/>
+                </a:solidFill>
+              </a:rPr>
+              <a:t>A</a:t>
+            </a:r>
+            <a:endParaRPr lang="en-GB" dirty="0">
+              <a:solidFill>
+                <a:schemeClr val="tx1"/>
+              </a:solidFill>
+            </a:endParaRPr>
+          </a:p>
+        </p:txBody>
+      </p:sp>
+      <p:sp>
+        <p:nvSpPr>
+          <p:cNvPr id="20" name="Oval 19"/>
+          <p:cNvSpPr/>
+          <p:nvPr/>
+        </p:nvSpPr>
+        <p:spPr>
+          <a:xfrm>
+            <a:off x="2362200" y="2209800"/>
+            <a:ext cx="152400" cy="152400"/>
+          </a:xfrm>
+          <a:prstGeom prst="ellipse">
+            <a:avLst/>
+          </a:prstGeom>
+          <a:solidFill>
+            <a:schemeClr val="tx1"/>
+          </a:solidFill>
+          <a:ln>
+            <a:solidFill>
+              <a:schemeClr val="tx1"/>
+            </a:solidFill>
+          </a:ln>
+        </p:spPr>
+        <p:style>
+          <a:lnRef idx="2">
+            <a:schemeClr val="accent1">
+              <a:shade val="50000"/>
+            </a:schemeClr>
+          </a:lnRef>
+          <a:fillRef idx="1">
+            <a:schemeClr val="accent1"/>
+          </a:fillRef>
+          <a:effectRef idx="0">
+            <a:schemeClr val="accent1"/>
+          </a:effectRef>
+          <a:fontRef idx="minor">
+            <a:schemeClr val="lt1"/>
+          </a:fontRef>
+        </p:style>
+        <p:txBody>
+          <a:bodyPr rtlCol="0" anchor="ctr"/>
+          <a:lstStyle/>
+          <a:p>
+            <a:pPr algn="ctr"/>
+            <a:endParaRPr lang="en-GB"/>
+          </a:p>
+        </p:txBody>
+      </p:sp>
+      <p:sp>
+        <p:nvSpPr>
+          <p:cNvPr id="21" name="Oval 20"/>
+          <p:cNvSpPr/>
+          <p:nvPr/>
+        </p:nvSpPr>
+        <p:spPr>
+          <a:xfrm>
+            <a:off x="2362200" y="2819400"/>
+            <a:ext cx="152400" cy="152400"/>
+          </a:xfrm>
+          <a:prstGeom prst="ellipse">
+            <a:avLst/>
+          </a:prstGeom>
+          <a:solidFill>
+            <a:schemeClr val="tx1"/>
+          </a:solidFill>
+          <a:ln>
+            <a:solidFill>
+              <a:schemeClr val="tx1"/>
+            </a:solidFill>
+          </a:ln>
+        </p:spPr>
+        <p:style>
+          <a:lnRef idx="2">
+            <a:schemeClr val="accent1">
+              <a:shade val="50000"/>
+            </a:schemeClr>
+          </a:lnRef>
+          <a:fillRef idx="1">
+            <a:schemeClr val="accent1"/>
+          </a:fillRef>
+          <a:effectRef idx="0">
+            <a:schemeClr val="accent1"/>
+          </a:effectRef>
+          <a:fontRef idx="minor">
+            <a:schemeClr val="lt1"/>
+          </a:fontRef>
+        </p:style>
+        <p:txBody>
+          <a:bodyPr rtlCol="0" anchor="ctr"/>
+          <a:lstStyle/>
+          <a:p>
+            <a:pPr algn="ctr"/>
+            <a:endParaRPr lang="en-GB"/>
+          </a:p>
+        </p:txBody>
+      </p:sp>
+      <p:cxnSp>
+        <p:nvCxnSpPr>
+          <p:cNvPr id="23" name="Curved Connector 22"/>
+          <p:cNvCxnSpPr>
+            <a:stCxn id="18" idx="0"/>
+            <a:endCxn id="21" idx="4"/>
+          </p:cNvCxnSpPr>
+          <p:nvPr/>
+        </p:nvCxnSpPr>
+        <p:spPr>
+          <a:xfrm rot="16200000" flipV="1">
+            <a:off x="2476500" y="2933700"/>
+            <a:ext cx="381000" cy="457200"/>
+          </a:xfrm>
+          <a:prstGeom prst="curvedConnector3">
+            <a:avLst>
+              <a:gd name="adj1" fmla="val 50000"/>
+            </a:avLst>
+          </a:prstGeom>
+          <a:ln>
+            <a:solidFill>
+              <a:schemeClr val="tx1"/>
+            </a:solidFill>
+          </a:ln>
+        </p:spPr>
+        <p:style>
+          <a:lnRef idx="1">
+            <a:schemeClr val="accent1"/>
+          </a:lnRef>
+          <a:fillRef idx="0">
+            <a:schemeClr val="accent1"/>
+          </a:fillRef>
+          <a:effectRef idx="0">
+            <a:schemeClr val="accent1"/>
+          </a:effectRef>
+          <a:fontRef idx="minor">
+            <a:schemeClr val="tx1"/>
+          </a:fontRef>
+        </p:style>
+      </p:cxnSp>
+      <p:cxnSp>
+        <p:nvCxnSpPr>
+          <p:cNvPr id="27" name="Curved Connector 26"/>
+          <p:cNvCxnSpPr>
+            <a:stCxn id="16" idx="0"/>
+            <a:endCxn id="9" idx="4"/>
+          </p:cNvCxnSpPr>
+          <p:nvPr/>
+        </p:nvCxnSpPr>
+        <p:spPr>
+          <a:xfrm rot="16200000" flipV="1">
+            <a:off x="1943100" y="4152900"/>
+            <a:ext cx="457200" cy="381000"/>
+          </a:xfrm>
+          <a:prstGeom prst="curvedConnector3">
+            <a:avLst>
+              <a:gd name="adj1" fmla="val 50000"/>
+            </a:avLst>
+          </a:prstGeom>
+          <a:ln>
+            <a:solidFill>
+              <a:schemeClr val="tx1"/>
+            </a:solidFill>
+          </a:ln>
+        </p:spPr>
+        <p:style>
+          <a:lnRef idx="1">
+            <a:schemeClr val="accent1"/>
+          </a:lnRef>
+          <a:fillRef idx="0">
+            <a:schemeClr val="accent1"/>
+          </a:fillRef>
+          <a:effectRef idx="0">
+            <a:schemeClr val="accent1"/>
+          </a:effectRef>
+          <a:fontRef idx="minor">
+            <a:schemeClr val="tx1"/>
+          </a:fontRef>
+        </p:style>
+      </p:cxnSp>
+      <p:sp>
+        <p:nvSpPr>
+          <p:cNvPr id="30" name="Rectangle 29"/>
+          <p:cNvSpPr/>
+          <p:nvPr/>
+        </p:nvSpPr>
+        <p:spPr>
+          <a:xfrm>
+            <a:off x="2514600" y="1981200"/>
+            <a:ext cx="806311" cy="369332"/>
+          </a:xfrm>
+          <a:prstGeom prst="rect">
+            <a:avLst/>
+          </a:prstGeom>
+        </p:spPr>
+        <p:txBody>
+          <a:bodyPr wrap="none">
+            <a:spAutoFit/>
+          </a:bodyPr>
+          <a:lstStyle/>
+          <a:p>
+            <a:pPr algn="ctr"/>
+            <a:r>
+              <a:rPr lang="en-GB" i="1" dirty="0" smtClean="0"/>
+              <a:t>parent</a:t>
+            </a:r>
+            <a:endParaRPr lang="en-GB" i="1" dirty="0"/>
+          </a:p>
+        </p:txBody>
+      </p:sp>
+      <p:sp>
+        <p:nvSpPr>
+          <p:cNvPr id="31" name="Rectangle 30"/>
+          <p:cNvSpPr/>
+          <p:nvPr/>
+        </p:nvSpPr>
+        <p:spPr>
+          <a:xfrm>
+            <a:off x="2514600" y="2831068"/>
+            <a:ext cx="623890" cy="369332"/>
+          </a:xfrm>
+          <a:prstGeom prst="rect">
+            <a:avLst/>
+          </a:prstGeom>
+        </p:spPr>
+        <p:txBody>
+          <a:bodyPr wrap="none">
+            <a:spAutoFit/>
+          </a:bodyPr>
+          <a:lstStyle/>
+          <a:p>
+            <a:pPr algn="ctr"/>
+            <a:r>
+              <a:rPr lang="en-GB" i="1" dirty="0" smtClean="0"/>
+              <a:t>child</a:t>
+            </a:r>
+            <a:endParaRPr lang="en-GB" i="1" dirty="0"/>
+          </a:p>
+        </p:txBody>
+      </p:sp>
+      <p:sp>
+        <p:nvSpPr>
+          <p:cNvPr id="32" name="Rounded Rectangle 31"/>
+          <p:cNvSpPr/>
+          <p:nvPr/>
+        </p:nvSpPr>
+        <p:spPr>
+          <a:xfrm>
+            <a:off x="4191000" y="2971800"/>
+            <a:ext cx="2667000" cy="1371600"/>
+          </a:xfrm>
+          <a:prstGeom prst="roundRect">
+            <a:avLst/>
+          </a:prstGeom>
+          <a:solidFill>
+            <a:schemeClr val="bg1"/>
+          </a:solidFill>
+          <a:ln>
+            <a:solidFill>
+              <a:schemeClr val="tx1"/>
+            </a:solidFill>
+          </a:ln>
+        </p:spPr>
+        <p:style>
+          <a:lnRef idx="2">
+            <a:schemeClr val="accent1">
+              <a:shade val="50000"/>
+            </a:schemeClr>
+          </a:lnRef>
+          <a:fillRef idx="1">
+            <a:schemeClr val="accent1"/>
+          </a:fillRef>
+          <a:effectRef idx="0">
+            <a:schemeClr val="accent1"/>
+          </a:effectRef>
+          <a:fontRef idx="minor">
+            <a:schemeClr val="lt1"/>
+          </a:fontRef>
+        </p:style>
+        <p:txBody>
+          <a:bodyPr rtlCol="0" anchor="ctr"/>
+          <a:lstStyle/>
+          <a:p>
+            <a:pPr algn="ctr"/>
+            <a:endParaRPr lang="en-GB" dirty="0">
+              <a:solidFill>
+                <a:schemeClr val="tx1"/>
+              </a:solidFill>
+            </a:endParaRPr>
+          </a:p>
+        </p:txBody>
+      </p:sp>
+      <p:sp>
+        <p:nvSpPr>
+          <p:cNvPr id="33" name="Rectangle 32"/>
+          <p:cNvSpPr/>
+          <p:nvPr/>
+        </p:nvSpPr>
+        <p:spPr>
+          <a:xfrm>
+            <a:off x="4343400" y="2667000"/>
+            <a:ext cx="317716" cy="369332"/>
+          </a:xfrm>
+          <a:prstGeom prst="rect">
+            <a:avLst/>
+          </a:prstGeom>
+        </p:spPr>
+        <p:txBody>
+          <a:bodyPr wrap="none">
+            <a:spAutoFit/>
+          </a:bodyPr>
+          <a:lstStyle/>
+          <a:p>
+            <a:pPr algn="ctr"/>
+            <a:r>
+              <a:rPr lang="en-GB" dirty="0" smtClean="0"/>
+              <a:t>A</a:t>
+            </a:r>
+            <a:endParaRPr lang="en-GB" dirty="0"/>
+          </a:p>
+        </p:txBody>
+      </p:sp>
+      <p:sp>
+        <p:nvSpPr>
+          <p:cNvPr id="34" name="Rounded Rectangle 33"/>
+          <p:cNvSpPr/>
+          <p:nvPr/>
+        </p:nvSpPr>
+        <p:spPr>
+          <a:xfrm>
+            <a:off x="4343400" y="3352800"/>
+            <a:ext cx="1524000" cy="838200"/>
+          </a:xfrm>
+          <a:prstGeom prst="roundRect">
+            <a:avLst/>
+          </a:prstGeom>
+          <a:solidFill>
+            <a:schemeClr val="bg1"/>
+          </a:solidFill>
+          <a:ln>
+            <a:solidFill>
+              <a:schemeClr val="tx1"/>
+            </a:solidFill>
+          </a:ln>
+        </p:spPr>
+        <p:style>
+          <a:lnRef idx="2">
+            <a:schemeClr val="accent1">
+              <a:shade val="50000"/>
+            </a:schemeClr>
+          </a:lnRef>
+          <a:fillRef idx="1">
+            <a:schemeClr val="accent1"/>
+          </a:fillRef>
+          <a:effectRef idx="0">
+            <a:schemeClr val="accent1"/>
+          </a:effectRef>
+          <a:fontRef idx="minor">
+            <a:schemeClr val="lt1"/>
+          </a:fontRef>
+        </p:style>
+        <p:txBody>
+          <a:bodyPr rtlCol="0" anchor="ctr"/>
+          <a:lstStyle/>
+          <a:p>
+            <a:pPr algn="ctr"/>
+            <a:endParaRPr lang="en-GB" dirty="0">
+              <a:solidFill>
+                <a:schemeClr val="tx1"/>
+              </a:solidFill>
+            </a:endParaRPr>
+          </a:p>
+        </p:txBody>
+      </p:sp>
+      <p:sp>
+        <p:nvSpPr>
+          <p:cNvPr id="35" name="Rectangle 34"/>
+          <p:cNvSpPr/>
+          <p:nvPr/>
+        </p:nvSpPr>
+        <p:spPr>
+          <a:xfrm>
+            <a:off x="4343400" y="3048000"/>
+            <a:ext cx="317716" cy="369332"/>
+          </a:xfrm>
+          <a:prstGeom prst="rect">
+            <a:avLst/>
+          </a:prstGeom>
+        </p:spPr>
+        <p:txBody>
+          <a:bodyPr wrap="none">
+            <a:spAutoFit/>
+          </a:bodyPr>
+          <a:lstStyle/>
+          <a:p>
+            <a:pPr algn="ctr"/>
+            <a:r>
+              <a:rPr lang="en-GB" dirty="0" smtClean="0"/>
+              <a:t>B</a:t>
+            </a:r>
+            <a:endParaRPr lang="en-GB" dirty="0"/>
+          </a:p>
+        </p:txBody>
+      </p:sp>
+      <p:sp>
+        <p:nvSpPr>
+          <p:cNvPr id="36" name="Rounded Rectangle 35"/>
+          <p:cNvSpPr/>
+          <p:nvPr/>
+        </p:nvSpPr>
+        <p:spPr>
+          <a:xfrm>
+            <a:off x="4495800" y="3581400"/>
+            <a:ext cx="533400" cy="457200"/>
+          </a:xfrm>
+          <a:prstGeom prst="roundRect">
+            <a:avLst/>
+          </a:prstGeom>
+          <a:solidFill>
+            <a:schemeClr val="bg1"/>
+          </a:solidFill>
+          <a:ln>
+            <a:solidFill>
+              <a:schemeClr val="tx1"/>
+            </a:solidFill>
+          </a:ln>
+        </p:spPr>
+        <p:style>
+          <a:lnRef idx="2">
+            <a:schemeClr val="accent1">
+              <a:shade val="50000"/>
+            </a:schemeClr>
+          </a:lnRef>
+          <a:fillRef idx="1">
+            <a:schemeClr val="accent1"/>
+          </a:fillRef>
+          <a:effectRef idx="0">
+            <a:schemeClr val="accent1"/>
+          </a:effectRef>
+          <a:fontRef idx="minor">
+            <a:schemeClr val="lt1"/>
+          </a:fontRef>
+        </p:style>
+        <p:txBody>
+          <a:bodyPr rtlCol="0" anchor="ctr"/>
+          <a:lstStyle/>
+          <a:p>
+            <a:pPr algn="ctr"/>
+            <a:r>
+              <a:rPr lang="en-GB" dirty="0" smtClean="0">
+                <a:solidFill>
+                  <a:schemeClr val="tx1"/>
+                </a:solidFill>
+              </a:rPr>
+              <a:t>D</a:t>
+            </a:r>
+            <a:endParaRPr lang="en-GB" dirty="0">
+              <a:solidFill>
+                <a:schemeClr val="tx1"/>
+              </a:solidFill>
+            </a:endParaRPr>
+          </a:p>
+        </p:txBody>
+      </p:sp>
+      <p:sp>
+        <p:nvSpPr>
+          <p:cNvPr id="37" name="Rounded Rectangle 36"/>
+          <p:cNvSpPr/>
+          <p:nvPr/>
+        </p:nvSpPr>
+        <p:spPr>
+          <a:xfrm>
+            <a:off x="5181600" y="3581400"/>
+            <a:ext cx="533400" cy="457200"/>
+          </a:xfrm>
+          <a:prstGeom prst="roundRect">
+            <a:avLst/>
+          </a:prstGeom>
+          <a:solidFill>
+            <a:schemeClr val="bg1"/>
+          </a:solidFill>
+          <a:ln>
+            <a:solidFill>
+              <a:schemeClr val="tx1"/>
+            </a:solidFill>
+          </a:ln>
+        </p:spPr>
+        <p:style>
+          <a:lnRef idx="2">
+            <a:schemeClr val="accent1">
+              <a:shade val="50000"/>
+            </a:schemeClr>
+          </a:lnRef>
+          <a:fillRef idx="1">
+            <a:schemeClr val="accent1"/>
+          </a:fillRef>
+          <a:effectRef idx="0">
+            <a:schemeClr val="accent1"/>
+          </a:effectRef>
+          <a:fontRef idx="minor">
+            <a:schemeClr val="lt1"/>
+          </a:fontRef>
+        </p:style>
+        <p:txBody>
+          <a:bodyPr rtlCol="0" anchor="ctr"/>
+          <a:lstStyle/>
+          <a:p>
+            <a:pPr algn="ctr"/>
+            <a:r>
+              <a:rPr lang="en-GB" dirty="0" smtClean="0">
+                <a:solidFill>
+                  <a:schemeClr val="tx1"/>
+                </a:solidFill>
+              </a:rPr>
+              <a:t>E</a:t>
+            </a:r>
+            <a:endParaRPr lang="en-GB" dirty="0">
+              <a:solidFill>
+                <a:schemeClr val="tx1"/>
+              </a:solidFill>
+            </a:endParaRPr>
+          </a:p>
+        </p:txBody>
+      </p:sp>
+      <p:sp>
+        <p:nvSpPr>
+          <p:cNvPr id="38" name="Rounded Rectangle 37"/>
+          <p:cNvSpPr/>
+          <p:nvPr/>
+        </p:nvSpPr>
+        <p:spPr>
+          <a:xfrm>
+            <a:off x="6096000" y="3505200"/>
+            <a:ext cx="533400" cy="457200"/>
+          </a:xfrm>
+          <a:prstGeom prst="roundRect">
+            <a:avLst/>
+          </a:prstGeom>
+          <a:solidFill>
+            <a:schemeClr val="bg1"/>
+          </a:solidFill>
+          <a:ln>
+            <a:solidFill>
+              <a:schemeClr val="tx1"/>
+            </a:solidFill>
+          </a:ln>
+        </p:spPr>
+        <p:style>
+          <a:lnRef idx="2">
+            <a:schemeClr val="accent1">
+              <a:shade val="50000"/>
+            </a:schemeClr>
+          </a:lnRef>
+          <a:fillRef idx="1">
+            <a:schemeClr val="accent1"/>
+          </a:fillRef>
+          <a:effectRef idx="0">
+            <a:schemeClr val="accent1"/>
+          </a:effectRef>
+          <a:fontRef idx="minor">
+            <a:schemeClr val="lt1"/>
+          </a:fontRef>
+        </p:style>
+        <p:txBody>
+          <a:bodyPr rtlCol="0" anchor="ctr"/>
+          <a:lstStyle/>
+          <a:p>
+            <a:pPr algn="ctr"/>
+            <a:r>
+              <a:rPr lang="en-GB" dirty="0" smtClean="0">
+                <a:solidFill>
+                  <a:schemeClr val="tx1"/>
+                </a:solidFill>
+              </a:rPr>
+              <a:t>C</a:t>
+            </a:r>
+            <a:endParaRPr lang="en-GB" dirty="0">
+              <a:solidFill>
+                <a:schemeClr val="tx1"/>
+              </a:solidFill>
+            </a:endParaRPr>
+          </a:p>
+        </p:txBody>
+      </p:sp>
+      <p:sp>
+        <p:nvSpPr>
+          <p:cNvPr id="29" name="Rectangle 28"/>
+          <p:cNvSpPr/>
+          <p:nvPr/>
+        </p:nvSpPr>
+        <p:spPr>
+          <a:xfrm>
+            <a:off x="3505200" y="3505200"/>
+            <a:ext cx="415499" cy="369332"/>
+          </a:xfrm>
+          <a:prstGeom prst="rect">
+            <a:avLst/>
+          </a:prstGeom>
+        </p:spPr>
+        <p:txBody>
+          <a:bodyPr wrap="none">
+            <a:spAutoFit/>
+          </a:bodyPr>
+          <a:lstStyle/>
+          <a:p>
+            <a:pPr algn="ctr"/>
+            <a:r>
+              <a:rPr lang="en-GB" b="1" dirty="0" smtClean="0"/>
+              <a:t>=&gt;</a:t>
+            </a:r>
+            <a:endParaRPr lang="en-GB" dirty="0"/>
+          </a:p>
+        </p:txBody>
+      </p:sp>
+    </p:spTree>
+  </p:cSld>
+  <p:clrMapOvr>
+    <a:masterClrMapping/>
+  </p:clrMapOvr>
+</p:sld>
+</file>
+
+<file path=ppt/slides/slide26.xml><?xml version="1.0" encoding="utf-8"?>
+<p:sld xmlns:a="http://schemas.openxmlformats.org/drawingml/2006/main" xmlns:r="http://schemas.openxmlformats.org/officeDocument/2006/relationships" xmlns:p="http://schemas.openxmlformats.org/presentationml/2006/main">
+  <p:cSld>
+    <p:spTree>
+      <p:nvGrpSpPr>
+        <p:cNvPr id="1" name=""/>
+        <p:cNvGrpSpPr/>
+        <p:nvPr/>
+      </p:nvGrpSpPr>
+      <p:grpSpPr>
+        <a:xfrm>
+          <a:off x="0" y="0"/>
+          <a:ext cx="0" cy="0"/>
+          <a:chOff x="0" y="0"/>
+          <a:chExt cx="0" cy="0"/>
+        </a:xfrm>
+      </p:grpSpPr>
+      <p:sp>
+        <p:nvSpPr>
+          <p:cNvPr id="2" name="Title 1"/>
+          <p:cNvSpPr>
+            <a:spLocks noGrp="1"/>
+          </p:cNvSpPr>
+          <p:nvPr>
+            <p:ph type="title"/>
+          </p:nvPr>
+        </p:nvSpPr>
+        <p:spPr/>
+        <p:txBody>
+          <a:bodyPr/>
+          <a:lstStyle/>
+          <a:p>
+            <a:r>
+              <a:rPr lang="en-GB" dirty="0" smtClean="0"/>
+              <a:t>Modelling directed graphs - failure</a:t>
+            </a:r>
+            <a:endParaRPr lang="en-GB" dirty="0"/>
+          </a:p>
+        </p:txBody>
+      </p:sp>
+      <p:sp>
+        <p:nvSpPr>
+          <p:cNvPr id="3" name="Rounded Rectangle 2"/>
+          <p:cNvSpPr/>
+          <p:nvPr/>
+        </p:nvSpPr>
+        <p:spPr>
+          <a:xfrm>
+            <a:off x="1981200" y="2438400"/>
+            <a:ext cx="533400" cy="457200"/>
+          </a:xfrm>
+          <a:prstGeom prst="roundRect">
+            <a:avLst/>
+          </a:prstGeom>
+          <a:solidFill>
+            <a:schemeClr val="bg1"/>
+          </a:solidFill>
+          <a:ln>
+            <a:solidFill>
+              <a:schemeClr val="tx1"/>
+            </a:solidFill>
+          </a:ln>
+        </p:spPr>
+        <p:style>
+          <a:lnRef idx="2">
+            <a:schemeClr val="accent1">
+              <a:shade val="50000"/>
+            </a:schemeClr>
+          </a:lnRef>
+          <a:fillRef idx="1">
+            <a:schemeClr val="accent1"/>
+          </a:fillRef>
+          <a:effectRef idx="0">
+            <a:schemeClr val="accent1"/>
+          </a:effectRef>
+          <a:fontRef idx="minor">
+            <a:schemeClr val="lt1"/>
+          </a:fontRef>
+        </p:style>
+        <p:txBody>
+          <a:bodyPr rtlCol="0" anchor="ctr"/>
+          <a:lstStyle/>
+          <a:p>
+            <a:pPr algn="ctr"/>
+            <a:r>
+              <a:rPr lang="en-GB" dirty="0" smtClean="0">
+                <a:solidFill>
+                  <a:schemeClr val="tx1"/>
+                </a:solidFill>
+              </a:rPr>
+              <a:t>B</a:t>
+            </a:r>
+            <a:endParaRPr lang="en-GB" dirty="0">
+              <a:solidFill>
+                <a:schemeClr val="tx1"/>
+              </a:solidFill>
+            </a:endParaRPr>
+          </a:p>
+        </p:txBody>
+      </p:sp>
+      <p:sp>
+        <p:nvSpPr>
+          <p:cNvPr id="9" name="Oval 8"/>
+          <p:cNvSpPr/>
+          <p:nvPr/>
+        </p:nvSpPr>
+        <p:spPr>
+          <a:xfrm>
+            <a:off x="3124200" y="2895600"/>
+            <a:ext cx="152400" cy="152400"/>
+          </a:xfrm>
+          <a:prstGeom prst="ellipse">
+            <a:avLst/>
+          </a:prstGeom>
+          <a:solidFill>
+            <a:schemeClr val="tx1"/>
+          </a:solidFill>
+          <a:ln>
+            <a:solidFill>
+              <a:schemeClr val="tx1"/>
+            </a:solidFill>
+          </a:ln>
+        </p:spPr>
+        <p:style>
+          <a:lnRef idx="2">
+            <a:schemeClr val="accent1">
+              <a:shade val="50000"/>
+            </a:schemeClr>
+          </a:lnRef>
+          <a:fillRef idx="1">
+            <a:schemeClr val="accent1"/>
+          </a:fillRef>
+          <a:effectRef idx="0">
+            <a:schemeClr val="accent1"/>
+          </a:effectRef>
+          <a:fontRef idx="minor">
+            <a:schemeClr val="lt1"/>
+          </a:fontRef>
+        </p:style>
+        <p:txBody>
+          <a:bodyPr rtlCol="0" anchor="ctr"/>
+          <a:lstStyle/>
+          <a:p>
+            <a:pPr algn="ctr"/>
+            <a:endParaRPr lang="en-GB"/>
+          </a:p>
+        </p:txBody>
+      </p:sp>
+      <p:sp>
+        <p:nvSpPr>
+          <p:cNvPr id="13" name="Rounded Rectangle 12"/>
+          <p:cNvSpPr/>
+          <p:nvPr/>
+        </p:nvSpPr>
+        <p:spPr>
+          <a:xfrm>
+            <a:off x="2895600" y="2438400"/>
+            <a:ext cx="533400" cy="457200"/>
+          </a:xfrm>
+          <a:prstGeom prst="roundRect">
+            <a:avLst/>
+          </a:prstGeom>
+          <a:solidFill>
+            <a:schemeClr val="bg1"/>
+          </a:solidFill>
+          <a:ln>
+            <a:solidFill>
+              <a:schemeClr val="tx1"/>
+            </a:solidFill>
+          </a:ln>
+        </p:spPr>
+        <p:style>
+          <a:lnRef idx="2">
+            <a:schemeClr val="accent1">
+              <a:shade val="50000"/>
+            </a:schemeClr>
+          </a:lnRef>
+          <a:fillRef idx="1">
+            <a:schemeClr val="accent1"/>
+          </a:fillRef>
+          <a:effectRef idx="0">
+            <a:schemeClr val="accent1"/>
+          </a:effectRef>
+          <a:fontRef idx="minor">
+            <a:schemeClr val="lt1"/>
+          </a:fontRef>
+        </p:style>
+        <p:txBody>
+          <a:bodyPr rtlCol="0" anchor="ctr"/>
+          <a:lstStyle/>
+          <a:p>
+            <a:pPr algn="ctr"/>
+            <a:r>
+              <a:rPr lang="en-GB" dirty="0" smtClean="0">
+                <a:solidFill>
+                  <a:schemeClr val="tx1"/>
+                </a:solidFill>
+              </a:rPr>
+              <a:t>D</a:t>
+            </a:r>
+            <a:endParaRPr lang="en-GB" dirty="0">
+              <a:solidFill>
+                <a:schemeClr val="tx1"/>
+              </a:solidFill>
+            </a:endParaRPr>
+          </a:p>
+        </p:txBody>
+      </p:sp>
+      <p:sp>
+        <p:nvSpPr>
+          <p:cNvPr id="15" name="Rounded Rectangle 14"/>
+          <p:cNvSpPr/>
+          <p:nvPr/>
+        </p:nvSpPr>
+        <p:spPr>
+          <a:xfrm>
+            <a:off x="2590800" y="3505200"/>
+            <a:ext cx="533400" cy="457200"/>
+          </a:xfrm>
+          <a:prstGeom prst="roundRect">
+            <a:avLst/>
+          </a:prstGeom>
+          <a:solidFill>
+            <a:schemeClr val="bg1"/>
+          </a:solidFill>
+          <a:ln>
+            <a:solidFill>
+              <a:schemeClr val="tx1"/>
+            </a:solidFill>
+          </a:ln>
+        </p:spPr>
+        <p:style>
+          <a:lnRef idx="2">
+            <a:schemeClr val="accent1">
+              <a:shade val="50000"/>
+            </a:schemeClr>
+          </a:lnRef>
+          <a:fillRef idx="1">
+            <a:schemeClr val="accent1"/>
+          </a:fillRef>
+          <a:effectRef idx="0">
+            <a:schemeClr val="accent1"/>
+          </a:effectRef>
+          <a:fontRef idx="minor">
+            <a:schemeClr val="lt1"/>
+          </a:fontRef>
+        </p:style>
+        <p:txBody>
+          <a:bodyPr rtlCol="0" anchor="ctr"/>
+          <a:lstStyle/>
+          <a:p>
+            <a:pPr algn="ctr"/>
+            <a:r>
+              <a:rPr lang="en-GB" dirty="0" smtClean="0">
+                <a:solidFill>
+                  <a:schemeClr val="tx1"/>
+                </a:solidFill>
+              </a:rPr>
+              <a:t>E</a:t>
+            </a:r>
+            <a:endParaRPr lang="en-GB" dirty="0">
+              <a:solidFill>
+                <a:schemeClr val="tx1"/>
+              </a:solidFill>
+            </a:endParaRPr>
+          </a:p>
+        </p:txBody>
+      </p:sp>
+      <p:sp>
+        <p:nvSpPr>
+          <p:cNvPr id="16" name="Oval 15"/>
+          <p:cNvSpPr/>
+          <p:nvPr/>
+        </p:nvSpPr>
+        <p:spPr>
+          <a:xfrm>
+            <a:off x="2743200" y="3352800"/>
+            <a:ext cx="152400" cy="152400"/>
+          </a:xfrm>
+          <a:prstGeom prst="ellipse">
+            <a:avLst/>
+          </a:prstGeom>
+          <a:solidFill>
+            <a:schemeClr val="tx1"/>
+          </a:solidFill>
+          <a:ln>
+            <a:solidFill>
+              <a:schemeClr val="tx1"/>
+            </a:solidFill>
+          </a:ln>
+        </p:spPr>
+        <p:style>
+          <a:lnRef idx="2">
+            <a:schemeClr val="accent1">
+              <a:shade val="50000"/>
+            </a:schemeClr>
+          </a:lnRef>
+          <a:fillRef idx="1">
+            <a:schemeClr val="accent1"/>
+          </a:fillRef>
+          <a:effectRef idx="0">
+            <a:schemeClr val="accent1"/>
+          </a:effectRef>
+          <a:fontRef idx="minor">
+            <a:schemeClr val="lt1"/>
+          </a:fontRef>
+        </p:style>
+        <p:txBody>
+          <a:bodyPr rtlCol="0" anchor="ctr"/>
+          <a:lstStyle/>
+          <a:p>
+            <a:pPr algn="ctr"/>
+            <a:endParaRPr lang="en-GB"/>
+          </a:p>
+        </p:txBody>
+      </p:sp>
+      <p:sp>
+        <p:nvSpPr>
+          <p:cNvPr id="17" name="Rounded Rectangle 16"/>
+          <p:cNvSpPr/>
+          <p:nvPr/>
+        </p:nvSpPr>
+        <p:spPr>
+          <a:xfrm>
+            <a:off x="1600200" y="3505200"/>
+            <a:ext cx="533400" cy="457200"/>
+          </a:xfrm>
+          <a:prstGeom prst="roundRect">
+            <a:avLst/>
+          </a:prstGeom>
+          <a:solidFill>
+            <a:schemeClr val="bg1"/>
+          </a:solidFill>
+          <a:ln>
+            <a:solidFill>
+              <a:schemeClr val="tx1"/>
+            </a:solidFill>
+          </a:ln>
+        </p:spPr>
+        <p:style>
+          <a:lnRef idx="2">
+            <a:schemeClr val="accent1">
+              <a:shade val="50000"/>
+            </a:schemeClr>
+          </a:lnRef>
+          <a:fillRef idx="1">
+            <a:schemeClr val="accent1"/>
+          </a:fillRef>
+          <a:effectRef idx="0">
+            <a:schemeClr val="accent1"/>
+          </a:effectRef>
+          <a:fontRef idx="minor">
+            <a:schemeClr val="lt1"/>
+          </a:fontRef>
+        </p:style>
+        <p:txBody>
+          <a:bodyPr rtlCol="0" anchor="ctr"/>
+          <a:lstStyle/>
+          <a:p>
+            <a:pPr algn="ctr"/>
+            <a:r>
+              <a:rPr lang="en-GB" dirty="0" smtClean="0">
+                <a:solidFill>
+                  <a:schemeClr val="tx1"/>
+                </a:solidFill>
+              </a:rPr>
+              <a:t>C</a:t>
+            </a:r>
+            <a:endParaRPr lang="en-GB" dirty="0">
+              <a:solidFill>
+                <a:schemeClr val="tx1"/>
+              </a:solidFill>
+            </a:endParaRPr>
+          </a:p>
+        </p:txBody>
+      </p:sp>
+      <p:sp>
+        <p:nvSpPr>
+          <p:cNvPr id="18" name="Oval 17"/>
+          <p:cNvSpPr/>
+          <p:nvPr/>
+        </p:nvSpPr>
+        <p:spPr>
+          <a:xfrm>
+            <a:off x="1752600" y="3352800"/>
+            <a:ext cx="152400" cy="152400"/>
+          </a:xfrm>
+          <a:prstGeom prst="ellipse">
+            <a:avLst/>
+          </a:prstGeom>
+          <a:solidFill>
+            <a:schemeClr val="tx1"/>
+          </a:solidFill>
+          <a:ln>
+            <a:solidFill>
+              <a:schemeClr val="tx1"/>
+            </a:solidFill>
+          </a:ln>
+        </p:spPr>
+        <p:style>
+          <a:lnRef idx="2">
+            <a:schemeClr val="accent1">
+              <a:shade val="50000"/>
+            </a:schemeClr>
+          </a:lnRef>
+          <a:fillRef idx="1">
+            <a:schemeClr val="accent1"/>
+          </a:fillRef>
+          <a:effectRef idx="0">
+            <a:schemeClr val="accent1"/>
+          </a:effectRef>
+          <a:fontRef idx="minor">
+            <a:schemeClr val="lt1"/>
+          </a:fontRef>
+        </p:style>
+        <p:txBody>
+          <a:bodyPr rtlCol="0" anchor="ctr"/>
+          <a:lstStyle/>
+          <a:p>
+            <a:pPr algn="ctr"/>
+            <a:endParaRPr lang="en-GB"/>
+          </a:p>
+        </p:txBody>
+      </p:sp>
+      <p:sp>
+        <p:nvSpPr>
+          <p:cNvPr id="19" name="Rounded Rectangle 18"/>
+          <p:cNvSpPr/>
+          <p:nvPr/>
+        </p:nvSpPr>
+        <p:spPr>
+          <a:xfrm>
+            <a:off x="1143000" y="2438400"/>
+            <a:ext cx="533400" cy="457200"/>
+          </a:xfrm>
+          <a:prstGeom prst="roundRect">
+            <a:avLst/>
+          </a:prstGeom>
+          <a:solidFill>
+            <a:schemeClr val="bg1"/>
+          </a:solidFill>
+          <a:ln>
+            <a:solidFill>
+              <a:schemeClr val="tx1"/>
+            </a:solidFill>
+          </a:ln>
+        </p:spPr>
+        <p:style>
+          <a:lnRef idx="2">
+            <a:schemeClr val="accent1">
+              <a:shade val="50000"/>
+            </a:schemeClr>
+          </a:lnRef>
+          <a:fillRef idx="1">
+            <a:schemeClr val="accent1"/>
+          </a:fillRef>
+          <a:effectRef idx="0">
+            <a:schemeClr val="accent1"/>
+          </a:effectRef>
+          <a:fontRef idx="minor">
+            <a:schemeClr val="lt1"/>
+          </a:fontRef>
+        </p:style>
+        <p:txBody>
+          <a:bodyPr rtlCol="0" anchor="ctr"/>
+          <a:lstStyle/>
+          <a:p>
+            <a:pPr algn="ctr"/>
+            <a:r>
+              <a:rPr lang="en-GB" dirty="0" smtClean="0">
+                <a:solidFill>
+                  <a:schemeClr val="tx1"/>
+                </a:solidFill>
+              </a:rPr>
+              <a:t>A</a:t>
+            </a:r>
+            <a:endParaRPr lang="en-GB" dirty="0">
+              <a:solidFill>
+                <a:schemeClr val="tx1"/>
+              </a:solidFill>
+            </a:endParaRPr>
+          </a:p>
+        </p:txBody>
+      </p:sp>
+      <p:sp>
+        <p:nvSpPr>
+          <p:cNvPr id="21" name="Oval 20"/>
+          <p:cNvSpPr/>
+          <p:nvPr/>
+        </p:nvSpPr>
+        <p:spPr>
+          <a:xfrm>
+            <a:off x="1295400" y="2895600"/>
+            <a:ext cx="152400" cy="152400"/>
+          </a:xfrm>
+          <a:prstGeom prst="ellipse">
+            <a:avLst/>
+          </a:prstGeom>
+          <a:solidFill>
+            <a:schemeClr val="tx1"/>
+          </a:solidFill>
+          <a:ln>
+            <a:solidFill>
+              <a:schemeClr val="tx1"/>
+            </a:solidFill>
+          </a:ln>
+        </p:spPr>
+        <p:style>
+          <a:lnRef idx="2">
+            <a:schemeClr val="accent1">
+              <a:shade val="50000"/>
+            </a:schemeClr>
+          </a:lnRef>
+          <a:fillRef idx="1">
+            <a:schemeClr val="accent1"/>
+          </a:fillRef>
+          <a:effectRef idx="0">
+            <a:schemeClr val="accent1"/>
+          </a:effectRef>
+          <a:fontRef idx="minor">
+            <a:schemeClr val="lt1"/>
+          </a:fontRef>
+        </p:style>
+        <p:txBody>
+          <a:bodyPr rtlCol="0" anchor="ctr"/>
+          <a:lstStyle/>
+          <a:p>
+            <a:pPr algn="ctr"/>
+            <a:endParaRPr lang="en-GB"/>
+          </a:p>
+        </p:txBody>
+      </p:sp>
+      <p:cxnSp>
+        <p:nvCxnSpPr>
+          <p:cNvPr id="23" name="Curved Connector 22"/>
+          <p:cNvCxnSpPr>
+            <a:stCxn id="18" idx="0"/>
+            <a:endCxn id="21" idx="4"/>
+          </p:cNvCxnSpPr>
+          <p:nvPr/>
+        </p:nvCxnSpPr>
+        <p:spPr>
+          <a:xfrm rot="16200000" flipV="1">
+            <a:off x="1447800" y="2971800"/>
+            <a:ext cx="304800" cy="457200"/>
+          </a:xfrm>
+          <a:prstGeom prst="curvedConnector3">
+            <a:avLst>
+              <a:gd name="adj1" fmla="val 50000"/>
+            </a:avLst>
+          </a:prstGeom>
+          <a:ln>
+            <a:solidFill>
+              <a:schemeClr val="tx1"/>
+            </a:solidFill>
+          </a:ln>
+        </p:spPr>
+        <p:style>
+          <a:lnRef idx="1">
+            <a:schemeClr val="accent1"/>
+          </a:lnRef>
+          <a:fillRef idx="0">
+            <a:schemeClr val="accent1"/>
+          </a:fillRef>
+          <a:effectRef idx="0">
+            <a:schemeClr val="accent1"/>
+          </a:effectRef>
+          <a:fontRef idx="minor">
+            <a:schemeClr val="tx1"/>
+          </a:fontRef>
+        </p:style>
+      </p:cxnSp>
+      <p:cxnSp>
+        <p:nvCxnSpPr>
+          <p:cNvPr id="27" name="Curved Connector 26"/>
+          <p:cNvCxnSpPr>
+            <a:stCxn id="16" idx="0"/>
+            <a:endCxn id="9" idx="4"/>
+          </p:cNvCxnSpPr>
+          <p:nvPr/>
+        </p:nvCxnSpPr>
+        <p:spPr>
+          <a:xfrm rot="5400000" flipH="1" flipV="1">
+            <a:off x="2857500" y="3009900"/>
+            <a:ext cx="304800" cy="381000"/>
+          </a:xfrm>
+          <a:prstGeom prst="curvedConnector3">
+            <a:avLst>
+              <a:gd name="adj1" fmla="val 50000"/>
+            </a:avLst>
+          </a:prstGeom>
+          <a:ln>
+            <a:solidFill>
+              <a:schemeClr val="tx1"/>
+            </a:solidFill>
+          </a:ln>
+        </p:spPr>
+        <p:style>
+          <a:lnRef idx="1">
+            <a:schemeClr val="accent1"/>
+          </a:lnRef>
+          <a:fillRef idx="0">
+            <a:schemeClr val="accent1"/>
+          </a:fillRef>
+          <a:effectRef idx="0">
+            <a:schemeClr val="accent1"/>
+          </a:effectRef>
+          <a:fontRef idx="minor">
+            <a:schemeClr val="tx1"/>
+          </a:fontRef>
+        </p:style>
+      </p:cxnSp>
+      <p:sp>
+        <p:nvSpPr>
+          <p:cNvPr id="32" name="Rounded Rectangle 31"/>
+          <p:cNvSpPr/>
+          <p:nvPr/>
+        </p:nvSpPr>
+        <p:spPr>
+          <a:xfrm>
+            <a:off x="4495800" y="2590800"/>
+            <a:ext cx="1524000" cy="1371600"/>
+          </a:xfrm>
+          <a:prstGeom prst="roundRect">
+            <a:avLst/>
+          </a:prstGeom>
+          <a:solidFill>
+            <a:schemeClr val="bg1"/>
+          </a:solidFill>
+          <a:ln>
+            <a:solidFill>
+              <a:schemeClr val="tx1"/>
+            </a:solidFill>
+          </a:ln>
+        </p:spPr>
+        <p:style>
+          <a:lnRef idx="2">
+            <a:schemeClr val="accent1">
+              <a:shade val="50000"/>
+            </a:schemeClr>
+          </a:lnRef>
+          <a:fillRef idx="1">
+            <a:schemeClr val="accent1"/>
+          </a:fillRef>
+          <a:effectRef idx="0">
+            <a:schemeClr val="accent1"/>
+          </a:effectRef>
+          <a:fontRef idx="minor">
+            <a:schemeClr val="lt1"/>
+          </a:fontRef>
+        </p:style>
+        <p:txBody>
+          <a:bodyPr rtlCol="0" anchor="ctr"/>
+          <a:lstStyle/>
+          <a:p>
+            <a:pPr algn="ctr"/>
+            <a:endParaRPr lang="en-GB" dirty="0">
+              <a:solidFill>
+                <a:schemeClr val="tx1"/>
+              </a:solidFill>
+            </a:endParaRPr>
+          </a:p>
+        </p:txBody>
+      </p:sp>
+      <p:sp>
+        <p:nvSpPr>
+          <p:cNvPr id="33" name="Rectangle 32"/>
+          <p:cNvSpPr/>
+          <p:nvPr/>
+        </p:nvSpPr>
+        <p:spPr>
+          <a:xfrm>
+            <a:off x="4419600" y="2286000"/>
+            <a:ext cx="317716" cy="369332"/>
+          </a:xfrm>
+          <a:prstGeom prst="rect">
+            <a:avLst/>
+          </a:prstGeom>
+        </p:spPr>
+        <p:txBody>
+          <a:bodyPr wrap="none">
+            <a:spAutoFit/>
+          </a:bodyPr>
+          <a:lstStyle/>
+          <a:p>
+            <a:pPr algn="ctr"/>
+            <a:r>
+              <a:rPr lang="en-GB" dirty="0" smtClean="0"/>
+              <a:t>A</a:t>
+            </a:r>
+            <a:endParaRPr lang="en-GB" dirty="0"/>
+          </a:p>
+        </p:txBody>
+      </p:sp>
+      <p:sp>
+        <p:nvSpPr>
+          <p:cNvPr id="34" name="Rounded Rectangle 33"/>
+          <p:cNvSpPr/>
+          <p:nvPr/>
+        </p:nvSpPr>
+        <p:spPr>
+          <a:xfrm>
+            <a:off x="5029200" y="2362200"/>
+            <a:ext cx="838200" cy="838200"/>
+          </a:xfrm>
+          <a:prstGeom prst="roundRect">
+            <a:avLst/>
+          </a:prstGeom>
+          <a:noFill/>
+          <a:ln>
+            <a:solidFill>
+              <a:schemeClr val="tx1"/>
+            </a:solidFill>
+          </a:ln>
+        </p:spPr>
+        <p:style>
+          <a:lnRef idx="2">
+            <a:schemeClr val="accent1">
+              <a:shade val="50000"/>
+            </a:schemeClr>
+          </a:lnRef>
+          <a:fillRef idx="1">
+            <a:schemeClr val="accent1"/>
+          </a:fillRef>
+          <a:effectRef idx="0">
+            <a:schemeClr val="accent1"/>
+          </a:effectRef>
+          <a:fontRef idx="minor">
+            <a:schemeClr val="lt1"/>
+          </a:fontRef>
+        </p:style>
+        <p:txBody>
+          <a:bodyPr rtlCol="0" anchor="ctr"/>
+          <a:lstStyle/>
+          <a:p>
+            <a:pPr algn="ctr"/>
+            <a:endParaRPr lang="en-GB" dirty="0">
+              <a:solidFill>
+                <a:schemeClr val="tx1"/>
+              </a:solidFill>
+            </a:endParaRPr>
+          </a:p>
+        </p:txBody>
+      </p:sp>
+      <p:sp>
+        <p:nvSpPr>
+          <p:cNvPr id="35" name="Rectangle 34"/>
+          <p:cNvSpPr/>
+          <p:nvPr/>
+        </p:nvSpPr>
+        <p:spPr>
+          <a:xfrm>
+            <a:off x="5029200" y="1981200"/>
+            <a:ext cx="317716" cy="369332"/>
+          </a:xfrm>
+          <a:prstGeom prst="rect">
+            <a:avLst/>
+          </a:prstGeom>
+        </p:spPr>
+        <p:txBody>
+          <a:bodyPr wrap="none">
+            <a:spAutoFit/>
+          </a:bodyPr>
+          <a:lstStyle/>
+          <a:p>
+            <a:pPr algn="ctr"/>
+            <a:r>
+              <a:rPr lang="en-GB" dirty="0" smtClean="0"/>
+              <a:t>B</a:t>
+            </a:r>
+            <a:endParaRPr lang="en-GB" dirty="0"/>
+          </a:p>
+        </p:txBody>
+      </p:sp>
+      <p:sp>
+        <p:nvSpPr>
+          <p:cNvPr id="37" name="Rounded Rectangle 36"/>
+          <p:cNvSpPr/>
+          <p:nvPr/>
+        </p:nvSpPr>
+        <p:spPr>
+          <a:xfrm>
+            <a:off x="4876800" y="3429000"/>
+            <a:ext cx="533400" cy="457200"/>
+          </a:xfrm>
+          <a:prstGeom prst="roundRect">
+            <a:avLst/>
+          </a:prstGeom>
+          <a:solidFill>
+            <a:schemeClr val="bg1"/>
+          </a:solidFill>
+          <a:ln>
+            <a:solidFill>
+              <a:schemeClr val="tx1"/>
+            </a:solidFill>
+          </a:ln>
+        </p:spPr>
+        <p:style>
+          <a:lnRef idx="2">
+            <a:schemeClr val="accent1">
+              <a:shade val="50000"/>
+            </a:schemeClr>
+          </a:lnRef>
+          <a:fillRef idx="1">
+            <a:schemeClr val="accent1"/>
+          </a:fillRef>
+          <a:effectRef idx="0">
+            <a:schemeClr val="accent1"/>
+          </a:effectRef>
+          <a:fontRef idx="minor">
+            <a:schemeClr val="lt1"/>
+          </a:fontRef>
+        </p:style>
+        <p:txBody>
+          <a:bodyPr rtlCol="0" anchor="ctr"/>
+          <a:lstStyle/>
+          <a:p>
+            <a:pPr algn="ctr"/>
+            <a:r>
+              <a:rPr lang="en-GB" dirty="0" smtClean="0">
+                <a:solidFill>
+                  <a:schemeClr val="tx1"/>
+                </a:solidFill>
+              </a:rPr>
+              <a:t>E</a:t>
+            </a:r>
+            <a:endParaRPr lang="en-GB" dirty="0">
+              <a:solidFill>
+                <a:schemeClr val="tx1"/>
+              </a:solidFill>
+            </a:endParaRPr>
+          </a:p>
+        </p:txBody>
+      </p:sp>
+      <p:sp>
+        <p:nvSpPr>
+          <p:cNvPr id="38" name="Rounded Rectangle 37"/>
+          <p:cNvSpPr/>
+          <p:nvPr/>
+        </p:nvSpPr>
+        <p:spPr>
+          <a:xfrm>
+            <a:off x="5181600" y="2667000"/>
+            <a:ext cx="533400" cy="457200"/>
+          </a:xfrm>
+          <a:prstGeom prst="roundRect">
+            <a:avLst/>
+          </a:prstGeom>
+          <a:solidFill>
+            <a:schemeClr val="bg1"/>
+          </a:solidFill>
+          <a:ln>
+            <a:solidFill>
+              <a:schemeClr val="tx1"/>
+            </a:solidFill>
+          </a:ln>
+        </p:spPr>
+        <p:style>
+          <a:lnRef idx="2">
+            <a:schemeClr val="accent1">
+              <a:shade val="50000"/>
+            </a:schemeClr>
+          </a:lnRef>
+          <a:fillRef idx="1">
+            <a:schemeClr val="accent1"/>
+          </a:fillRef>
+          <a:effectRef idx="0">
+            <a:schemeClr val="accent1"/>
+          </a:effectRef>
+          <a:fontRef idx="minor">
+            <a:schemeClr val="lt1"/>
+          </a:fontRef>
+        </p:style>
+        <p:txBody>
+          <a:bodyPr rtlCol="0" anchor="ctr"/>
+          <a:lstStyle/>
+          <a:p>
+            <a:pPr algn="ctr"/>
+            <a:r>
+              <a:rPr lang="en-GB" dirty="0" smtClean="0">
+                <a:solidFill>
+                  <a:schemeClr val="tx1"/>
+                </a:solidFill>
+              </a:rPr>
+              <a:t>C</a:t>
+            </a:r>
+            <a:endParaRPr lang="en-GB" dirty="0">
+              <a:solidFill>
+                <a:schemeClr val="tx1"/>
+              </a:solidFill>
+            </a:endParaRPr>
+          </a:p>
+        </p:txBody>
+      </p:sp>
+      <p:sp>
+        <p:nvSpPr>
+          <p:cNvPr id="28" name="Rounded Rectangle 27"/>
+          <p:cNvSpPr/>
+          <p:nvPr/>
+        </p:nvSpPr>
+        <p:spPr>
+          <a:xfrm>
+            <a:off x="4648200" y="3352800"/>
+            <a:ext cx="914400" cy="990600"/>
+          </a:xfrm>
+          <a:prstGeom prst="roundRect">
+            <a:avLst/>
+          </a:prstGeom>
+          <a:noFill/>
+          <a:ln>
+            <a:solidFill>
+              <a:schemeClr val="tx1"/>
+            </a:solidFill>
+          </a:ln>
+        </p:spPr>
+        <p:style>
+          <a:lnRef idx="2">
+            <a:schemeClr val="accent1">
+              <a:shade val="50000"/>
+            </a:schemeClr>
+          </a:lnRef>
+          <a:fillRef idx="1">
+            <a:schemeClr val="accent1"/>
+          </a:fillRef>
+          <a:effectRef idx="0">
+            <a:schemeClr val="accent1"/>
+          </a:effectRef>
+          <a:fontRef idx="minor">
+            <a:schemeClr val="lt1"/>
+          </a:fontRef>
+        </p:style>
+        <p:txBody>
+          <a:bodyPr rtlCol="0" anchor="ctr"/>
+          <a:lstStyle/>
+          <a:p>
+            <a:pPr algn="ctr"/>
+            <a:endParaRPr lang="en-GB" dirty="0">
+              <a:solidFill>
+                <a:schemeClr val="tx1"/>
+              </a:solidFill>
+            </a:endParaRPr>
+          </a:p>
+        </p:txBody>
+      </p:sp>
+      <p:sp>
+        <p:nvSpPr>
+          <p:cNvPr id="29" name="Rectangle 28"/>
+          <p:cNvSpPr/>
+          <p:nvPr/>
+        </p:nvSpPr>
+        <p:spPr>
+          <a:xfrm>
+            <a:off x="4343400" y="4114800"/>
+            <a:ext cx="327334" cy="369332"/>
+          </a:xfrm>
+          <a:prstGeom prst="rect">
+            <a:avLst/>
+          </a:prstGeom>
+        </p:spPr>
+        <p:txBody>
+          <a:bodyPr wrap="none">
+            <a:spAutoFit/>
+          </a:bodyPr>
+          <a:lstStyle/>
+          <a:p>
+            <a:pPr algn="ctr"/>
+            <a:r>
+              <a:rPr lang="en-GB" dirty="0" smtClean="0"/>
+              <a:t>D</a:t>
+            </a:r>
+            <a:endParaRPr lang="en-GB" dirty="0"/>
+          </a:p>
+        </p:txBody>
+      </p:sp>
+      <p:cxnSp>
+        <p:nvCxnSpPr>
+          <p:cNvPr id="45" name="Curved Connector 5"/>
+          <p:cNvCxnSpPr>
+            <a:stCxn id="16" idx="0"/>
+            <a:endCxn id="46" idx="4"/>
+          </p:cNvCxnSpPr>
+          <p:nvPr/>
+        </p:nvCxnSpPr>
+        <p:spPr>
+          <a:xfrm rot="16200000" flipV="1">
+            <a:off x="2400300" y="2933700"/>
+            <a:ext cx="304800" cy="533400"/>
+          </a:xfrm>
+          <a:prstGeom prst="curvedConnector3">
+            <a:avLst>
+              <a:gd name="adj1" fmla="val 50000"/>
+            </a:avLst>
+          </a:prstGeom>
+          <a:ln>
+            <a:solidFill>
+              <a:schemeClr val="tx1"/>
+            </a:solidFill>
+          </a:ln>
+        </p:spPr>
+        <p:style>
+          <a:lnRef idx="1">
+            <a:schemeClr val="accent1"/>
+          </a:lnRef>
+          <a:fillRef idx="0">
+            <a:schemeClr val="accent1"/>
+          </a:fillRef>
+          <a:effectRef idx="0">
+            <a:schemeClr val="accent1"/>
+          </a:effectRef>
+          <a:fontRef idx="minor">
+            <a:schemeClr val="tx1"/>
+          </a:fontRef>
+        </p:style>
+      </p:cxnSp>
+      <p:sp>
+        <p:nvSpPr>
+          <p:cNvPr id="46" name="Oval 45"/>
+          <p:cNvSpPr/>
+          <p:nvPr/>
+        </p:nvSpPr>
+        <p:spPr>
+          <a:xfrm>
+            <a:off x="2209800" y="2895600"/>
+            <a:ext cx="152400" cy="152400"/>
+          </a:xfrm>
+          <a:prstGeom prst="ellipse">
+            <a:avLst/>
+          </a:prstGeom>
+          <a:solidFill>
+            <a:schemeClr val="tx1"/>
+          </a:solidFill>
+          <a:ln>
+            <a:solidFill>
+              <a:schemeClr val="tx1"/>
+            </a:solidFill>
+          </a:ln>
+        </p:spPr>
+        <p:style>
+          <a:lnRef idx="2">
+            <a:schemeClr val="accent1">
+              <a:shade val="50000"/>
+            </a:schemeClr>
+          </a:lnRef>
+          <a:fillRef idx="1">
+            <a:schemeClr val="accent1"/>
+          </a:fillRef>
+          <a:effectRef idx="0">
+            <a:schemeClr val="accent1"/>
+          </a:effectRef>
+          <a:fontRef idx="minor">
+            <a:schemeClr val="lt1"/>
+          </a:fontRef>
+        </p:style>
+        <p:txBody>
+          <a:bodyPr rtlCol="0" anchor="ctr"/>
+          <a:lstStyle/>
+          <a:p>
+            <a:pPr algn="ctr"/>
+            <a:endParaRPr lang="en-GB"/>
+          </a:p>
+        </p:txBody>
+      </p:sp>
+      <p:cxnSp>
+        <p:nvCxnSpPr>
+          <p:cNvPr id="47" name="Curved Connector 46"/>
+          <p:cNvCxnSpPr>
+            <a:stCxn id="18" idx="0"/>
+            <a:endCxn id="46" idx="4"/>
+          </p:cNvCxnSpPr>
+          <p:nvPr/>
+        </p:nvCxnSpPr>
+        <p:spPr>
+          <a:xfrm rot="5400000" flipH="1" flipV="1">
+            <a:off x="1905000" y="2971800"/>
+            <a:ext cx="304800" cy="457200"/>
+          </a:xfrm>
+          <a:prstGeom prst="curvedConnector3">
+            <a:avLst>
+              <a:gd name="adj1" fmla="val 50000"/>
+            </a:avLst>
+          </a:prstGeom>
+          <a:ln>
+            <a:solidFill>
+              <a:schemeClr val="tx1"/>
+            </a:solidFill>
+          </a:ln>
+        </p:spPr>
+        <p:style>
+          <a:lnRef idx="1">
+            <a:schemeClr val="accent1"/>
+          </a:lnRef>
+          <a:fillRef idx="0">
+            <a:schemeClr val="accent1"/>
+          </a:fillRef>
+          <a:effectRef idx="0">
+            <a:schemeClr val="accent1"/>
+          </a:effectRef>
+          <a:fontRef idx="minor">
+            <a:schemeClr val="tx1"/>
+          </a:fontRef>
+        </p:style>
+      </p:cxnSp>
+      <p:sp>
+        <p:nvSpPr>
+          <p:cNvPr id="50" name="Rectangle 49"/>
+          <p:cNvSpPr/>
+          <p:nvPr/>
+        </p:nvSpPr>
+        <p:spPr>
+          <a:xfrm>
+            <a:off x="3505200" y="2971800"/>
+            <a:ext cx="899349" cy="369332"/>
+          </a:xfrm>
+          <a:prstGeom prst="rect">
+            <a:avLst/>
+          </a:prstGeom>
+        </p:spPr>
+        <p:txBody>
+          <a:bodyPr wrap="none">
+            <a:spAutoFit/>
+          </a:bodyPr>
+          <a:lstStyle/>
+          <a:p>
+            <a:pPr algn="ctr"/>
+            <a:r>
+              <a:rPr lang="en-GB" b="1" dirty="0" smtClean="0"/>
+              <a:t>IS NOT!</a:t>
+            </a:r>
+            <a:endParaRPr lang="en-GB" dirty="0"/>
+          </a:p>
+        </p:txBody>
+      </p:sp>
+    </p:spTree>
+  </p:cSld>
+  <p:clrMapOvr>
+    <a:masterClrMapping/>
+  </p:clrMapOvr>
+</p:sld>
+</file>
+
+<file path=ppt/slides/slide27.xml><?xml version="1.0" encoding="utf-8"?>
+<p:sld xmlns:a="http://schemas.openxmlformats.org/drawingml/2006/main" xmlns:r="http://schemas.openxmlformats.org/officeDocument/2006/relationships" xmlns:p="http://schemas.openxmlformats.org/presentationml/2006/main">
+  <p:cSld>
+    <p:spTree>
+      <p:nvGrpSpPr>
+        <p:cNvPr id="1" name=""/>
+        <p:cNvGrpSpPr/>
+        <p:nvPr/>
+      </p:nvGrpSpPr>
+      <p:grpSpPr>
+        <a:xfrm>
+          <a:off x="0" y="0"/>
+          <a:ext cx="0" cy="0"/>
+          <a:chOff x="0" y="0"/>
+          <a:chExt cx="0" cy="0"/>
+        </a:xfrm>
+      </p:grpSpPr>
+      <p:sp>
+        <p:nvSpPr>
+          <p:cNvPr id="2" name="Title 1"/>
+          <p:cNvSpPr>
+            <a:spLocks noGrp="1"/>
+          </p:cNvSpPr>
+          <p:nvPr>
+            <p:ph type="title"/>
+          </p:nvPr>
+        </p:nvSpPr>
+        <p:spPr/>
+        <p:txBody>
+          <a:bodyPr/>
+          <a:lstStyle/>
+          <a:p>
+            <a:r>
+              <a:rPr lang="en-GB" dirty="0" smtClean="0"/>
+              <a:t>Modelling directed graphs</a:t>
+            </a:r>
+            <a:endParaRPr lang="en-GB" dirty="0"/>
+          </a:p>
+        </p:txBody>
+      </p:sp>
+      <p:sp>
+        <p:nvSpPr>
+          <p:cNvPr id="3" name="Rounded Rectangle 2"/>
+          <p:cNvSpPr/>
+          <p:nvPr/>
+        </p:nvSpPr>
+        <p:spPr>
+          <a:xfrm>
+            <a:off x="1981200" y="2286000"/>
+            <a:ext cx="533400" cy="838200"/>
+          </a:xfrm>
+          <a:prstGeom prst="roundRect">
+            <a:avLst/>
+          </a:prstGeom>
+          <a:solidFill>
+            <a:schemeClr val="bg1"/>
+          </a:solidFill>
+          <a:ln>
+            <a:solidFill>
+              <a:schemeClr val="tx1"/>
+            </a:solidFill>
+          </a:ln>
+        </p:spPr>
+        <p:style>
+          <a:lnRef idx="2">
+            <a:schemeClr val="accent1">
+              <a:shade val="50000"/>
+            </a:schemeClr>
+          </a:lnRef>
+          <a:fillRef idx="1">
+            <a:schemeClr val="accent1"/>
+          </a:fillRef>
+          <a:effectRef idx="0">
+            <a:schemeClr val="accent1"/>
+          </a:effectRef>
+          <a:fontRef idx="minor">
+            <a:schemeClr val="lt1"/>
+          </a:fontRef>
+        </p:style>
+        <p:txBody>
+          <a:bodyPr rtlCol="0" anchor="ctr"/>
+          <a:lstStyle/>
+          <a:p>
+            <a:pPr algn="ctr"/>
+            <a:r>
+              <a:rPr lang="en-GB" dirty="0" smtClean="0">
+                <a:solidFill>
+                  <a:schemeClr val="tx1"/>
+                </a:solidFill>
+              </a:rPr>
+              <a:t>B</a:t>
+            </a:r>
+            <a:endParaRPr lang="en-GB" dirty="0">
+              <a:solidFill>
+                <a:schemeClr val="tx1"/>
+              </a:solidFill>
+            </a:endParaRPr>
+          </a:p>
+        </p:txBody>
+      </p:sp>
+      <p:sp>
+        <p:nvSpPr>
+          <p:cNvPr id="13" name="Rounded Rectangle 12"/>
+          <p:cNvSpPr/>
+          <p:nvPr/>
+        </p:nvSpPr>
+        <p:spPr>
+          <a:xfrm>
+            <a:off x="2895600" y="2286000"/>
+            <a:ext cx="533400" cy="838200"/>
+          </a:xfrm>
+          <a:prstGeom prst="roundRect">
+            <a:avLst/>
+          </a:prstGeom>
+          <a:solidFill>
+            <a:schemeClr val="bg1"/>
+          </a:solidFill>
+          <a:ln>
+            <a:solidFill>
+              <a:schemeClr val="tx1"/>
+            </a:solidFill>
+          </a:ln>
+        </p:spPr>
+        <p:style>
+          <a:lnRef idx="2">
+            <a:schemeClr val="accent1">
+              <a:shade val="50000"/>
+            </a:schemeClr>
+          </a:lnRef>
+          <a:fillRef idx="1">
+            <a:schemeClr val="accent1"/>
+          </a:fillRef>
+          <a:effectRef idx="0">
+            <a:schemeClr val="accent1"/>
+          </a:effectRef>
+          <a:fontRef idx="minor">
+            <a:schemeClr val="lt1"/>
+          </a:fontRef>
+        </p:style>
+        <p:txBody>
+          <a:bodyPr rtlCol="0" anchor="ctr"/>
+          <a:lstStyle/>
+          <a:p>
+            <a:pPr algn="ctr"/>
+            <a:r>
+              <a:rPr lang="en-GB" dirty="0" smtClean="0">
+                <a:solidFill>
+                  <a:schemeClr val="tx1"/>
+                </a:solidFill>
+              </a:rPr>
+              <a:t>D</a:t>
+            </a:r>
+            <a:endParaRPr lang="en-GB" dirty="0">
+              <a:solidFill>
+                <a:schemeClr val="tx1"/>
+              </a:solidFill>
+            </a:endParaRPr>
+          </a:p>
+        </p:txBody>
+      </p:sp>
+      <p:sp>
+        <p:nvSpPr>
+          <p:cNvPr id="15" name="Rounded Rectangle 14"/>
+          <p:cNvSpPr/>
+          <p:nvPr/>
+        </p:nvSpPr>
+        <p:spPr>
+          <a:xfrm>
+            <a:off x="2590800" y="3733800"/>
+            <a:ext cx="533400" cy="457200"/>
+          </a:xfrm>
+          <a:prstGeom prst="roundRect">
+            <a:avLst/>
+          </a:prstGeom>
+          <a:solidFill>
+            <a:schemeClr val="bg1"/>
+          </a:solidFill>
+          <a:ln>
+            <a:solidFill>
+              <a:schemeClr val="tx1"/>
+            </a:solidFill>
+          </a:ln>
+        </p:spPr>
+        <p:style>
+          <a:lnRef idx="2">
+            <a:schemeClr val="accent1">
+              <a:shade val="50000"/>
+            </a:schemeClr>
+          </a:lnRef>
+          <a:fillRef idx="1">
+            <a:schemeClr val="accent1"/>
+          </a:fillRef>
+          <a:effectRef idx="0">
+            <a:schemeClr val="accent1"/>
+          </a:effectRef>
+          <a:fontRef idx="minor">
+            <a:schemeClr val="lt1"/>
+          </a:fontRef>
+        </p:style>
+        <p:txBody>
+          <a:bodyPr rtlCol="0" anchor="ctr"/>
+          <a:lstStyle/>
+          <a:p>
+            <a:pPr algn="ctr"/>
+            <a:r>
+              <a:rPr lang="en-GB" dirty="0" smtClean="0">
+                <a:solidFill>
+                  <a:schemeClr val="tx1"/>
+                </a:solidFill>
+              </a:rPr>
+              <a:t>E</a:t>
+            </a:r>
+            <a:endParaRPr lang="en-GB" dirty="0">
+              <a:solidFill>
+                <a:schemeClr val="tx1"/>
+              </a:solidFill>
+            </a:endParaRPr>
+          </a:p>
+        </p:txBody>
+      </p:sp>
+      <p:sp>
+        <p:nvSpPr>
+          <p:cNvPr id="16" name="Oval 15"/>
+          <p:cNvSpPr/>
+          <p:nvPr/>
+        </p:nvSpPr>
+        <p:spPr>
+          <a:xfrm>
+            <a:off x="2743200" y="3581400"/>
+            <a:ext cx="152400" cy="152400"/>
+          </a:xfrm>
+          <a:prstGeom prst="ellipse">
+            <a:avLst/>
+          </a:prstGeom>
+          <a:solidFill>
+            <a:schemeClr val="tx1"/>
+          </a:solidFill>
+          <a:ln>
+            <a:solidFill>
+              <a:schemeClr val="tx1"/>
+            </a:solidFill>
+          </a:ln>
+        </p:spPr>
+        <p:style>
+          <a:lnRef idx="2">
+            <a:schemeClr val="accent1">
+              <a:shade val="50000"/>
+            </a:schemeClr>
+          </a:lnRef>
+          <a:fillRef idx="1">
+            <a:schemeClr val="accent1"/>
+          </a:fillRef>
+          <a:effectRef idx="0">
+            <a:schemeClr val="accent1"/>
+          </a:effectRef>
+          <a:fontRef idx="minor">
+            <a:schemeClr val="lt1"/>
+          </a:fontRef>
+        </p:style>
+        <p:txBody>
+          <a:bodyPr rtlCol="0" anchor="ctr"/>
+          <a:lstStyle/>
+          <a:p>
+            <a:pPr algn="ctr"/>
+            <a:endParaRPr lang="en-GB"/>
+          </a:p>
+        </p:txBody>
+      </p:sp>
+      <p:sp>
+        <p:nvSpPr>
+          <p:cNvPr id="17" name="Rounded Rectangle 16"/>
+          <p:cNvSpPr/>
+          <p:nvPr/>
+        </p:nvSpPr>
+        <p:spPr>
+          <a:xfrm>
+            <a:off x="1600200" y="3733800"/>
+            <a:ext cx="533400" cy="457200"/>
+          </a:xfrm>
+          <a:prstGeom prst="roundRect">
+            <a:avLst/>
+          </a:prstGeom>
+          <a:solidFill>
+            <a:schemeClr val="bg1"/>
+          </a:solidFill>
+          <a:ln>
+            <a:solidFill>
+              <a:schemeClr val="tx1"/>
+            </a:solidFill>
+          </a:ln>
+        </p:spPr>
+        <p:style>
+          <a:lnRef idx="2">
+            <a:schemeClr val="accent1">
+              <a:shade val="50000"/>
+            </a:schemeClr>
+          </a:lnRef>
+          <a:fillRef idx="1">
+            <a:schemeClr val="accent1"/>
+          </a:fillRef>
+          <a:effectRef idx="0">
+            <a:schemeClr val="accent1"/>
+          </a:effectRef>
+          <a:fontRef idx="minor">
+            <a:schemeClr val="lt1"/>
+          </a:fontRef>
+        </p:style>
+        <p:txBody>
+          <a:bodyPr rtlCol="0" anchor="ctr"/>
+          <a:lstStyle/>
+          <a:p>
+            <a:pPr algn="ctr"/>
+            <a:r>
+              <a:rPr lang="en-GB" dirty="0" smtClean="0">
+                <a:solidFill>
+                  <a:schemeClr val="tx1"/>
+                </a:solidFill>
+              </a:rPr>
+              <a:t>C</a:t>
+            </a:r>
+            <a:endParaRPr lang="en-GB" dirty="0">
+              <a:solidFill>
+                <a:schemeClr val="tx1"/>
+              </a:solidFill>
+            </a:endParaRPr>
+          </a:p>
+        </p:txBody>
+      </p:sp>
+      <p:sp>
+        <p:nvSpPr>
+          <p:cNvPr id="18" name="Oval 17"/>
+          <p:cNvSpPr/>
+          <p:nvPr/>
+        </p:nvSpPr>
+        <p:spPr>
+          <a:xfrm>
+            <a:off x="1752600" y="3581400"/>
+            <a:ext cx="152400" cy="152400"/>
+          </a:xfrm>
+          <a:prstGeom prst="ellipse">
+            <a:avLst/>
+          </a:prstGeom>
+          <a:solidFill>
+            <a:schemeClr val="tx1"/>
+          </a:solidFill>
+          <a:ln>
+            <a:solidFill>
+              <a:schemeClr val="tx1"/>
+            </a:solidFill>
+          </a:ln>
+        </p:spPr>
+        <p:style>
+          <a:lnRef idx="2">
+            <a:schemeClr val="accent1">
+              <a:shade val="50000"/>
+            </a:schemeClr>
+          </a:lnRef>
+          <a:fillRef idx="1">
+            <a:schemeClr val="accent1"/>
+          </a:fillRef>
+          <a:effectRef idx="0">
+            <a:schemeClr val="accent1"/>
+          </a:effectRef>
+          <a:fontRef idx="minor">
+            <a:schemeClr val="lt1"/>
+          </a:fontRef>
+        </p:style>
+        <p:txBody>
+          <a:bodyPr rtlCol="0" anchor="ctr"/>
+          <a:lstStyle/>
+          <a:p>
+            <a:pPr algn="ctr"/>
+            <a:endParaRPr lang="en-GB"/>
+          </a:p>
+        </p:txBody>
+      </p:sp>
+      <p:sp>
+        <p:nvSpPr>
+          <p:cNvPr id="19" name="Rounded Rectangle 18"/>
+          <p:cNvSpPr/>
+          <p:nvPr/>
+        </p:nvSpPr>
+        <p:spPr>
+          <a:xfrm>
+            <a:off x="1143000" y="2286000"/>
+            <a:ext cx="533400" cy="838200"/>
+          </a:xfrm>
+          <a:prstGeom prst="roundRect">
+            <a:avLst/>
+          </a:prstGeom>
+          <a:solidFill>
+            <a:schemeClr val="bg1"/>
+          </a:solidFill>
+          <a:ln>
+            <a:solidFill>
+              <a:schemeClr val="tx1"/>
+            </a:solidFill>
+          </a:ln>
+        </p:spPr>
+        <p:style>
+          <a:lnRef idx="2">
+            <a:schemeClr val="accent1">
+              <a:shade val="50000"/>
+            </a:schemeClr>
+          </a:lnRef>
+          <a:fillRef idx="1">
+            <a:schemeClr val="accent1"/>
+          </a:fillRef>
+          <a:effectRef idx="0">
+            <a:schemeClr val="accent1"/>
+          </a:effectRef>
+          <a:fontRef idx="minor">
+            <a:schemeClr val="lt1"/>
+          </a:fontRef>
+        </p:style>
+        <p:txBody>
+          <a:bodyPr rtlCol="0" anchor="ctr"/>
+          <a:lstStyle/>
+          <a:p>
+            <a:pPr algn="ctr"/>
+            <a:r>
+              <a:rPr lang="en-GB" dirty="0" smtClean="0">
+                <a:solidFill>
+                  <a:schemeClr val="tx1"/>
+                </a:solidFill>
+              </a:rPr>
+              <a:t>A</a:t>
+            </a:r>
+            <a:endParaRPr lang="en-GB" dirty="0">
+              <a:solidFill>
+                <a:schemeClr val="tx1"/>
+              </a:solidFill>
+            </a:endParaRPr>
+          </a:p>
+        </p:txBody>
+      </p:sp>
+      <p:cxnSp>
+        <p:nvCxnSpPr>
+          <p:cNvPr id="23" name="Curved Connector 22"/>
+          <p:cNvCxnSpPr>
+            <a:stCxn id="18" idx="0"/>
+            <a:endCxn id="26" idx="2"/>
+          </p:cNvCxnSpPr>
+          <p:nvPr/>
+        </p:nvCxnSpPr>
+        <p:spPr>
+          <a:xfrm rot="16200000" flipV="1">
+            <a:off x="1333500" y="3086100"/>
+            <a:ext cx="533400" cy="457200"/>
+          </a:xfrm>
+          <a:prstGeom prst="curvedConnector3">
+            <a:avLst>
+              <a:gd name="adj1" fmla="val 50000"/>
+            </a:avLst>
+          </a:prstGeom>
+          <a:ln>
+            <a:solidFill>
+              <a:schemeClr val="tx1"/>
+            </a:solidFill>
+          </a:ln>
+        </p:spPr>
+        <p:style>
+          <a:lnRef idx="1">
+            <a:schemeClr val="accent1"/>
+          </a:lnRef>
+          <a:fillRef idx="0">
+            <a:schemeClr val="accent1"/>
+          </a:fillRef>
+          <a:effectRef idx="0">
+            <a:schemeClr val="accent1"/>
+          </a:effectRef>
+          <a:fontRef idx="minor">
+            <a:schemeClr val="tx1"/>
+          </a:fontRef>
+        </p:style>
+      </p:cxnSp>
+      <p:cxnSp>
+        <p:nvCxnSpPr>
+          <p:cNvPr id="27" name="Curved Connector 26"/>
+          <p:cNvCxnSpPr>
+            <a:stCxn id="16" idx="0"/>
+            <a:endCxn id="36" idx="2"/>
+          </p:cNvCxnSpPr>
+          <p:nvPr/>
+        </p:nvCxnSpPr>
+        <p:spPr>
+          <a:xfrm rot="5400000" flipH="1" flipV="1">
+            <a:off x="2705100" y="3162300"/>
+            <a:ext cx="533400" cy="304800"/>
+          </a:xfrm>
+          <a:prstGeom prst="curvedConnector3">
+            <a:avLst>
+              <a:gd name="adj1" fmla="val 50000"/>
+            </a:avLst>
+          </a:prstGeom>
+          <a:ln>
+            <a:solidFill>
+              <a:schemeClr val="tx1"/>
+            </a:solidFill>
+          </a:ln>
+        </p:spPr>
+        <p:style>
+          <a:lnRef idx="1">
+            <a:schemeClr val="accent1"/>
+          </a:lnRef>
+          <a:fillRef idx="0">
+            <a:schemeClr val="accent1"/>
+          </a:fillRef>
+          <a:effectRef idx="0">
+            <a:schemeClr val="accent1"/>
+          </a:effectRef>
+          <a:fontRef idx="minor">
+            <a:schemeClr val="tx1"/>
+          </a:fontRef>
+        </p:style>
+      </p:cxnSp>
+      <p:sp>
+        <p:nvSpPr>
+          <p:cNvPr id="32" name="Rounded Rectangle 31"/>
+          <p:cNvSpPr/>
+          <p:nvPr/>
+        </p:nvSpPr>
+        <p:spPr>
+          <a:xfrm>
+            <a:off x="4495800" y="2590800"/>
+            <a:ext cx="1524000" cy="1371600"/>
+          </a:xfrm>
+          <a:prstGeom prst="roundRect">
+            <a:avLst/>
+          </a:prstGeom>
+          <a:solidFill>
+            <a:schemeClr val="bg1"/>
+          </a:solidFill>
+          <a:ln>
+            <a:solidFill>
+              <a:schemeClr val="tx1"/>
+            </a:solidFill>
+          </a:ln>
+        </p:spPr>
+        <p:style>
+          <a:lnRef idx="2">
+            <a:schemeClr val="accent1">
+              <a:shade val="50000"/>
+            </a:schemeClr>
+          </a:lnRef>
+          <a:fillRef idx="1">
+            <a:schemeClr val="accent1"/>
+          </a:fillRef>
+          <a:effectRef idx="0">
+            <a:schemeClr val="accent1"/>
+          </a:effectRef>
+          <a:fontRef idx="minor">
+            <a:schemeClr val="lt1"/>
+          </a:fontRef>
+        </p:style>
+        <p:txBody>
+          <a:bodyPr rtlCol="0" anchor="ctr"/>
+          <a:lstStyle/>
+          <a:p>
+            <a:pPr algn="ctr"/>
+            <a:endParaRPr lang="en-GB" dirty="0">
+              <a:solidFill>
+                <a:schemeClr val="tx1"/>
+              </a:solidFill>
+            </a:endParaRPr>
+          </a:p>
+        </p:txBody>
+      </p:sp>
+      <p:sp>
+        <p:nvSpPr>
+          <p:cNvPr id="33" name="Rectangle 32"/>
+          <p:cNvSpPr/>
+          <p:nvPr/>
+        </p:nvSpPr>
+        <p:spPr>
+          <a:xfrm>
+            <a:off x="4419600" y="2286000"/>
+            <a:ext cx="317716" cy="369332"/>
+          </a:xfrm>
+          <a:prstGeom prst="rect">
+            <a:avLst/>
+          </a:prstGeom>
+        </p:spPr>
+        <p:txBody>
+          <a:bodyPr wrap="none">
+            <a:spAutoFit/>
+          </a:bodyPr>
+          <a:lstStyle/>
+          <a:p>
+            <a:pPr algn="ctr"/>
+            <a:r>
+              <a:rPr lang="en-GB" dirty="0" smtClean="0"/>
+              <a:t>A</a:t>
+            </a:r>
+            <a:endParaRPr lang="en-GB" dirty="0"/>
+          </a:p>
+        </p:txBody>
+      </p:sp>
+      <p:sp>
+        <p:nvSpPr>
+          <p:cNvPr id="34" name="Rounded Rectangle 33"/>
+          <p:cNvSpPr/>
+          <p:nvPr/>
+        </p:nvSpPr>
+        <p:spPr>
+          <a:xfrm>
+            <a:off x="5029200" y="2362200"/>
+            <a:ext cx="838200" cy="838200"/>
+          </a:xfrm>
+          <a:prstGeom prst="roundRect">
+            <a:avLst/>
+          </a:prstGeom>
+          <a:noFill/>
+          <a:ln>
+            <a:solidFill>
+              <a:schemeClr val="tx1"/>
+            </a:solidFill>
+          </a:ln>
+        </p:spPr>
+        <p:style>
+          <a:lnRef idx="2">
+            <a:schemeClr val="accent1">
+              <a:shade val="50000"/>
+            </a:schemeClr>
+          </a:lnRef>
+          <a:fillRef idx="1">
+            <a:schemeClr val="accent1"/>
+          </a:fillRef>
+          <a:effectRef idx="0">
+            <a:schemeClr val="accent1"/>
+          </a:effectRef>
+          <a:fontRef idx="minor">
+            <a:schemeClr val="lt1"/>
+          </a:fontRef>
+        </p:style>
+        <p:txBody>
+          <a:bodyPr rtlCol="0" anchor="ctr"/>
+          <a:lstStyle/>
+          <a:p>
+            <a:pPr algn="ctr"/>
+            <a:endParaRPr lang="en-GB" dirty="0">
+              <a:solidFill>
+                <a:schemeClr val="tx1"/>
+              </a:solidFill>
+            </a:endParaRPr>
+          </a:p>
+        </p:txBody>
+      </p:sp>
+      <p:sp>
+        <p:nvSpPr>
+          <p:cNvPr id="35" name="Rectangle 34"/>
+          <p:cNvSpPr/>
+          <p:nvPr/>
+        </p:nvSpPr>
+        <p:spPr>
+          <a:xfrm>
+            <a:off x="5029200" y="1981200"/>
+            <a:ext cx="317716" cy="369332"/>
+          </a:xfrm>
+          <a:prstGeom prst="rect">
+            <a:avLst/>
+          </a:prstGeom>
+        </p:spPr>
+        <p:txBody>
+          <a:bodyPr wrap="none">
+            <a:spAutoFit/>
+          </a:bodyPr>
+          <a:lstStyle/>
+          <a:p>
+            <a:pPr algn="ctr"/>
+            <a:r>
+              <a:rPr lang="en-GB" dirty="0" smtClean="0"/>
+              <a:t>B</a:t>
+            </a:r>
+            <a:endParaRPr lang="en-GB" dirty="0"/>
+          </a:p>
+        </p:txBody>
+      </p:sp>
+      <p:sp>
+        <p:nvSpPr>
+          <p:cNvPr id="37" name="Rounded Rectangle 36"/>
+          <p:cNvSpPr/>
+          <p:nvPr/>
+        </p:nvSpPr>
+        <p:spPr>
+          <a:xfrm>
+            <a:off x="4876800" y="3429000"/>
+            <a:ext cx="533400" cy="457200"/>
+          </a:xfrm>
+          <a:prstGeom prst="roundRect">
+            <a:avLst/>
+          </a:prstGeom>
+          <a:solidFill>
+            <a:schemeClr val="bg1"/>
+          </a:solidFill>
+          <a:ln>
+            <a:solidFill>
+              <a:schemeClr val="tx1"/>
+            </a:solidFill>
+          </a:ln>
+        </p:spPr>
+        <p:style>
+          <a:lnRef idx="2">
+            <a:schemeClr val="accent1">
+              <a:shade val="50000"/>
+            </a:schemeClr>
+          </a:lnRef>
+          <a:fillRef idx="1">
+            <a:schemeClr val="accent1"/>
+          </a:fillRef>
+          <a:effectRef idx="0">
+            <a:schemeClr val="accent1"/>
+          </a:effectRef>
+          <a:fontRef idx="minor">
+            <a:schemeClr val="lt1"/>
+          </a:fontRef>
+        </p:style>
+        <p:txBody>
+          <a:bodyPr rtlCol="0" anchor="ctr"/>
+          <a:lstStyle/>
+          <a:p>
+            <a:pPr algn="ctr"/>
+            <a:r>
+              <a:rPr lang="en-GB" dirty="0" smtClean="0">
+                <a:solidFill>
+                  <a:schemeClr val="tx1"/>
+                </a:solidFill>
+              </a:rPr>
+              <a:t>E</a:t>
+            </a:r>
+            <a:endParaRPr lang="en-GB" dirty="0">
+              <a:solidFill>
+                <a:schemeClr val="tx1"/>
+              </a:solidFill>
+            </a:endParaRPr>
+          </a:p>
+        </p:txBody>
+      </p:sp>
+      <p:sp>
+        <p:nvSpPr>
+          <p:cNvPr id="38" name="Rounded Rectangle 37"/>
+          <p:cNvSpPr/>
+          <p:nvPr/>
+        </p:nvSpPr>
+        <p:spPr>
+          <a:xfrm>
+            <a:off x="5181600" y="2667000"/>
+            <a:ext cx="533400" cy="457200"/>
+          </a:xfrm>
+          <a:prstGeom prst="roundRect">
+            <a:avLst/>
+          </a:prstGeom>
+          <a:solidFill>
+            <a:schemeClr val="bg1"/>
+          </a:solidFill>
+          <a:ln>
+            <a:solidFill>
+              <a:schemeClr val="tx1"/>
+            </a:solidFill>
+          </a:ln>
+        </p:spPr>
+        <p:style>
+          <a:lnRef idx="2">
+            <a:schemeClr val="accent1">
+              <a:shade val="50000"/>
+            </a:schemeClr>
+          </a:lnRef>
+          <a:fillRef idx="1">
+            <a:schemeClr val="accent1"/>
+          </a:fillRef>
+          <a:effectRef idx="0">
+            <a:schemeClr val="accent1"/>
+          </a:effectRef>
+          <a:fontRef idx="minor">
+            <a:schemeClr val="lt1"/>
+          </a:fontRef>
+        </p:style>
+        <p:txBody>
+          <a:bodyPr rtlCol="0" anchor="ctr"/>
+          <a:lstStyle/>
+          <a:p>
+            <a:pPr algn="ctr"/>
+            <a:r>
+              <a:rPr lang="en-GB" dirty="0" smtClean="0">
+                <a:solidFill>
+                  <a:schemeClr val="tx1"/>
+                </a:solidFill>
+              </a:rPr>
+              <a:t>C</a:t>
+            </a:r>
+            <a:endParaRPr lang="en-GB" dirty="0">
+              <a:solidFill>
+                <a:schemeClr val="tx1"/>
+              </a:solidFill>
+            </a:endParaRPr>
+          </a:p>
+        </p:txBody>
+      </p:sp>
+      <p:sp>
+        <p:nvSpPr>
+          <p:cNvPr id="28" name="Rounded Rectangle 27"/>
+          <p:cNvSpPr/>
+          <p:nvPr/>
+        </p:nvSpPr>
+        <p:spPr>
+          <a:xfrm>
+            <a:off x="4648200" y="3352800"/>
+            <a:ext cx="914400" cy="990600"/>
+          </a:xfrm>
+          <a:prstGeom prst="roundRect">
+            <a:avLst/>
+          </a:prstGeom>
+          <a:noFill/>
+          <a:ln>
+            <a:solidFill>
+              <a:schemeClr val="tx1"/>
+            </a:solidFill>
+          </a:ln>
+        </p:spPr>
+        <p:style>
+          <a:lnRef idx="2">
+            <a:schemeClr val="accent1">
+              <a:shade val="50000"/>
+            </a:schemeClr>
+          </a:lnRef>
+          <a:fillRef idx="1">
+            <a:schemeClr val="accent1"/>
+          </a:fillRef>
+          <a:effectRef idx="0">
+            <a:schemeClr val="accent1"/>
+          </a:effectRef>
+          <a:fontRef idx="minor">
+            <a:schemeClr val="lt1"/>
+          </a:fontRef>
+        </p:style>
+        <p:txBody>
+          <a:bodyPr rtlCol="0" anchor="ctr"/>
+          <a:lstStyle/>
+          <a:p>
+            <a:pPr algn="ctr"/>
+            <a:endParaRPr lang="en-GB" dirty="0">
+              <a:solidFill>
+                <a:schemeClr val="tx1"/>
+              </a:solidFill>
+            </a:endParaRPr>
+          </a:p>
+        </p:txBody>
+      </p:sp>
+      <p:sp>
+        <p:nvSpPr>
+          <p:cNvPr id="29" name="Rectangle 28"/>
+          <p:cNvSpPr/>
+          <p:nvPr/>
+        </p:nvSpPr>
+        <p:spPr>
+          <a:xfrm>
+            <a:off x="4343400" y="4114800"/>
+            <a:ext cx="327334" cy="369332"/>
+          </a:xfrm>
+          <a:prstGeom prst="rect">
+            <a:avLst/>
+          </a:prstGeom>
+        </p:spPr>
+        <p:txBody>
+          <a:bodyPr wrap="none">
+            <a:spAutoFit/>
+          </a:bodyPr>
+          <a:lstStyle/>
+          <a:p>
+            <a:pPr algn="ctr"/>
+            <a:r>
+              <a:rPr lang="en-GB" dirty="0" smtClean="0"/>
+              <a:t>D</a:t>
+            </a:r>
+            <a:endParaRPr lang="en-GB" dirty="0"/>
+          </a:p>
+        </p:txBody>
+      </p:sp>
+      <p:cxnSp>
+        <p:nvCxnSpPr>
+          <p:cNvPr id="45" name="Curved Connector 5"/>
+          <p:cNvCxnSpPr>
+            <a:stCxn id="16" idx="0"/>
+            <a:endCxn id="31" idx="2"/>
+          </p:cNvCxnSpPr>
+          <p:nvPr/>
+        </p:nvCxnSpPr>
+        <p:spPr>
+          <a:xfrm rot="16200000" flipV="1">
+            <a:off x="2324100" y="3086100"/>
+            <a:ext cx="533400" cy="457200"/>
+          </a:xfrm>
+          <a:prstGeom prst="curvedConnector3">
+            <a:avLst>
+              <a:gd name="adj1" fmla="val 50000"/>
+            </a:avLst>
+          </a:prstGeom>
+          <a:ln>
+            <a:solidFill>
+              <a:schemeClr val="tx1"/>
+            </a:solidFill>
+          </a:ln>
+        </p:spPr>
+        <p:style>
+          <a:lnRef idx="1">
+            <a:schemeClr val="accent1"/>
+          </a:lnRef>
+          <a:fillRef idx="0">
+            <a:schemeClr val="accent1"/>
+          </a:fillRef>
+          <a:effectRef idx="0">
+            <a:schemeClr val="accent1"/>
+          </a:effectRef>
+          <a:fontRef idx="minor">
+            <a:schemeClr val="tx1"/>
+          </a:fontRef>
+        </p:style>
+      </p:cxnSp>
+      <p:cxnSp>
+        <p:nvCxnSpPr>
+          <p:cNvPr id="47" name="Curved Connector 46"/>
+          <p:cNvCxnSpPr>
+            <a:stCxn id="18" idx="0"/>
+            <a:endCxn id="30" idx="2"/>
+          </p:cNvCxnSpPr>
+          <p:nvPr/>
+        </p:nvCxnSpPr>
+        <p:spPr>
+          <a:xfrm rot="5400000" flipH="1" flipV="1">
+            <a:off x="1714500" y="3162300"/>
+            <a:ext cx="533400" cy="304800"/>
+          </a:xfrm>
+          <a:prstGeom prst="curvedConnector3">
+            <a:avLst>
+              <a:gd name="adj1" fmla="val 50000"/>
+            </a:avLst>
+          </a:prstGeom>
+          <a:ln>
+            <a:solidFill>
+              <a:schemeClr val="tx1"/>
+            </a:solidFill>
+          </a:ln>
+        </p:spPr>
+        <p:style>
+          <a:lnRef idx="1">
+            <a:schemeClr val="accent1"/>
+          </a:lnRef>
+          <a:fillRef idx="0">
+            <a:schemeClr val="accent1"/>
+          </a:fillRef>
+          <a:effectRef idx="0">
+            <a:schemeClr val="accent1"/>
+          </a:effectRef>
+          <a:fontRef idx="minor">
+            <a:schemeClr val="tx1"/>
+          </a:fontRef>
+        </p:style>
+      </p:cxnSp>
+      <p:sp>
+        <p:nvSpPr>
+          <p:cNvPr id="26" name="Diamond 25"/>
+          <p:cNvSpPr/>
+          <p:nvPr/>
+        </p:nvSpPr>
+        <p:spPr>
+          <a:xfrm>
+            <a:off x="1295400" y="2895600"/>
+            <a:ext cx="152400" cy="152400"/>
+          </a:xfrm>
+          <a:prstGeom prst="diamond">
+            <a:avLst/>
+          </a:prstGeom>
+          <a:noFill/>
+          <a:ln>
+            <a:solidFill>
+              <a:schemeClr val="tx1"/>
+            </a:solidFill>
+          </a:ln>
+        </p:spPr>
+        <p:style>
+          <a:lnRef idx="2">
+            <a:schemeClr val="accent1">
+              <a:shade val="50000"/>
+            </a:schemeClr>
+          </a:lnRef>
+          <a:fillRef idx="1">
+            <a:schemeClr val="accent1"/>
+          </a:fillRef>
+          <a:effectRef idx="0">
+            <a:schemeClr val="accent1"/>
+          </a:effectRef>
+          <a:fontRef idx="minor">
+            <a:schemeClr val="lt1"/>
+          </a:fontRef>
+        </p:style>
+        <p:txBody>
+          <a:bodyPr rtlCol="0" anchor="ctr"/>
+          <a:lstStyle/>
+          <a:p>
+            <a:pPr algn="ctr"/>
+            <a:endParaRPr lang="en-GB"/>
+          </a:p>
+        </p:txBody>
+      </p:sp>
+      <p:sp>
+        <p:nvSpPr>
+          <p:cNvPr id="30" name="Diamond 29"/>
+          <p:cNvSpPr/>
+          <p:nvPr/>
+        </p:nvSpPr>
+        <p:spPr>
+          <a:xfrm>
+            <a:off x="2057400" y="2895600"/>
+            <a:ext cx="152400" cy="152400"/>
+          </a:xfrm>
+          <a:prstGeom prst="diamond">
+            <a:avLst/>
+          </a:prstGeom>
+          <a:noFill/>
+          <a:ln>
+            <a:solidFill>
+              <a:schemeClr val="tx1"/>
+            </a:solidFill>
+          </a:ln>
+        </p:spPr>
+        <p:style>
+          <a:lnRef idx="2">
+            <a:schemeClr val="accent1">
+              <a:shade val="50000"/>
+            </a:schemeClr>
+          </a:lnRef>
+          <a:fillRef idx="1">
+            <a:schemeClr val="accent1"/>
+          </a:fillRef>
+          <a:effectRef idx="0">
+            <a:schemeClr val="accent1"/>
+          </a:effectRef>
+          <a:fontRef idx="minor">
+            <a:schemeClr val="lt1"/>
+          </a:fontRef>
+        </p:style>
+        <p:txBody>
+          <a:bodyPr rtlCol="0" anchor="ctr"/>
+          <a:lstStyle/>
+          <a:p>
+            <a:pPr algn="ctr"/>
+            <a:endParaRPr lang="en-GB"/>
+          </a:p>
+        </p:txBody>
+      </p:sp>
+      <p:sp>
+        <p:nvSpPr>
+          <p:cNvPr id="31" name="Diamond 30"/>
+          <p:cNvSpPr/>
+          <p:nvPr/>
+        </p:nvSpPr>
+        <p:spPr>
+          <a:xfrm>
+            <a:off x="2286000" y="2895600"/>
+            <a:ext cx="152400" cy="152400"/>
+          </a:xfrm>
+          <a:prstGeom prst="diamond">
+            <a:avLst/>
+          </a:prstGeom>
+          <a:noFill/>
+          <a:ln>
+            <a:solidFill>
+              <a:schemeClr val="tx1"/>
+            </a:solidFill>
+          </a:ln>
+        </p:spPr>
+        <p:style>
+          <a:lnRef idx="2">
+            <a:schemeClr val="accent1">
+              <a:shade val="50000"/>
+            </a:schemeClr>
+          </a:lnRef>
+          <a:fillRef idx="1">
+            <a:schemeClr val="accent1"/>
+          </a:fillRef>
+          <a:effectRef idx="0">
+            <a:schemeClr val="accent1"/>
+          </a:effectRef>
+          <a:fontRef idx="minor">
+            <a:schemeClr val="lt1"/>
+          </a:fontRef>
+        </p:style>
+        <p:txBody>
+          <a:bodyPr rtlCol="0" anchor="ctr"/>
+          <a:lstStyle/>
+          <a:p>
+            <a:pPr algn="ctr"/>
+            <a:endParaRPr lang="en-GB"/>
+          </a:p>
+        </p:txBody>
+      </p:sp>
+      <p:sp>
+        <p:nvSpPr>
+          <p:cNvPr id="36" name="Diamond 35"/>
+          <p:cNvSpPr/>
+          <p:nvPr/>
+        </p:nvSpPr>
+        <p:spPr>
+          <a:xfrm>
+            <a:off x="3048000" y="2895600"/>
+            <a:ext cx="152400" cy="152400"/>
+          </a:xfrm>
+          <a:prstGeom prst="diamond">
+            <a:avLst/>
+          </a:prstGeom>
+          <a:noFill/>
+          <a:ln>
+            <a:solidFill>
+              <a:schemeClr val="tx1"/>
+            </a:solidFill>
+          </a:ln>
+        </p:spPr>
+        <p:style>
+          <a:lnRef idx="2">
+            <a:schemeClr val="accent1">
+              <a:shade val="50000"/>
+            </a:schemeClr>
+          </a:lnRef>
+          <a:fillRef idx="1">
+            <a:schemeClr val="accent1"/>
+          </a:fillRef>
+          <a:effectRef idx="0">
+            <a:schemeClr val="accent1"/>
+          </a:effectRef>
+          <a:fontRef idx="minor">
+            <a:schemeClr val="lt1"/>
+          </a:fontRef>
+        </p:style>
+        <p:txBody>
+          <a:bodyPr rtlCol="0" anchor="ctr"/>
+          <a:lstStyle/>
+          <a:p>
+            <a:pPr algn="ctr"/>
+            <a:endParaRPr lang="en-GB"/>
+          </a:p>
+        </p:txBody>
+      </p:sp>
+      <p:sp>
+        <p:nvSpPr>
+          <p:cNvPr id="43" name="Rectangle 42"/>
+          <p:cNvSpPr/>
+          <p:nvPr/>
+        </p:nvSpPr>
+        <p:spPr>
+          <a:xfrm>
+            <a:off x="3851701" y="2971800"/>
+            <a:ext cx="415499" cy="369332"/>
+          </a:xfrm>
+          <a:prstGeom prst="rect">
+            <a:avLst/>
+          </a:prstGeom>
+        </p:spPr>
+        <p:txBody>
+          <a:bodyPr wrap="none">
+            <a:spAutoFit/>
+          </a:bodyPr>
+          <a:lstStyle/>
+          <a:p>
+            <a:pPr algn="ctr"/>
+            <a:r>
+              <a:rPr lang="en-GB" b="1" dirty="0" smtClean="0"/>
+              <a:t>=&gt;</a:t>
+            </a:r>
+            <a:endParaRPr lang="en-GB" dirty="0"/>
+          </a:p>
+        </p:txBody>
+      </p:sp>
+    </p:spTree>
+  </p:cSld>
+  <p:clrMapOvr>
+    <a:masterClrMapping/>
+  </p:clrMapOvr>
+</p:sld>
+</file>
+
+<file path=ppt/slides/slide28.xml><?xml version="1.0" encoding="utf-8"?>
+<p:sld xmlns:a="http://schemas.openxmlformats.org/drawingml/2006/main" xmlns:r="http://schemas.openxmlformats.org/officeDocument/2006/relationships" xmlns:p="http://schemas.openxmlformats.org/presentationml/2006/main">
+  <p:cSld>
+    <p:spTree>
+      <p:nvGrpSpPr>
+        <p:cNvPr id="1" name=""/>
+        <p:cNvGrpSpPr/>
+        <p:nvPr/>
+      </p:nvGrpSpPr>
+      <p:grpSpPr>
+        <a:xfrm>
+          <a:off x="0" y="0"/>
+          <a:ext cx="0" cy="0"/>
+          <a:chOff x="0" y="0"/>
+          <a:chExt cx="0" cy="0"/>
+        </a:xfrm>
+      </p:grpSpPr>
+      <p:sp>
+        <p:nvSpPr>
+          <p:cNvPr id="2" name="Title 1"/>
+          <p:cNvSpPr>
+            <a:spLocks noGrp="1"/>
+          </p:cNvSpPr>
+          <p:nvPr>
+            <p:ph type="title"/>
+          </p:nvPr>
+        </p:nvSpPr>
+        <p:spPr/>
+        <p:txBody>
+          <a:bodyPr/>
+          <a:lstStyle/>
+          <a:p>
+            <a:r>
+              <a:rPr lang="en-GB" dirty="0" smtClean="0"/>
+              <a:t>Modelled overlap</a:t>
+            </a:r>
+            <a:endParaRPr lang="en-GB" dirty="0"/>
+          </a:p>
+        </p:txBody>
+      </p:sp>
+      <p:sp>
+        <p:nvSpPr>
+          <p:cNvPr id="32" name="Rounded Rectangle 31"/>
+          <p:cNvSpPr/>
+          <p:nvPr/>
+        </p:nvSpPr>
+        <p:spPr>
+          <a:xfrm>
+            <a:off x="3733800" y="3200400"/>
+            <a:ext cx="457200" cy="990600"/>
+          </a:xfrm>
+          <a:prstGeom prst="roundRect">
+            <a:avLst/>
+          </a:prstGeom>
+          <a:solidFill>
+            <a:schemeClr val="bg1"/>
+          </a:solidFill>
+          <a:ln>
+            <a:solidFill>
+              <a:schemeClr val="tx1"/>
+            </a:solidFill>
+          </a:ln>
+        </p:spPr>
+        <p:style>
+          <a:lnRef idx="2">
+            <a:schemeClr val="accent1">
+              <a:shade val="50000"/>
+            </a:schemeClr>
+          </a:lnRef>
+          <a:fillRef idx="1">
+            <a:schemeClr val="accent1"/>
+          </a:fillRef>
+          <a:effectRef idx="0">
+            <a:schemeClr val="accent1"/>
+          </a:effectRef>
+          <a:fontRef idx="minor">
+            <a:schemeClr val="lt1"/>
+          </a:fontRef>
+        </p:style>
+        <p:txBody>
+          <a:bodyPr rtlCol="0" anchor="ctr"/>
+          <a:lstStyle/>
+          <a:p>
+            <a:pPr algn="ctr"/>
+            <a:endParaRPr lang="en-GB" dirty="0">
+              <a:solidFill>
+                <a:schemeClr val="tx1"/>
+              </a:solidFill>
+            </a:endParaRPr>
+          </a:p>
+        </p:txBody>
+      </p:sp>
+      <p:sp>
+        <p:nvSpPr>
+          <p:cNvPr id="33" name="Rectangle 32"/>
+          <p:cNvSpPr/>
+          <p:nvPr/>
+        </p:nvSpPr>
+        <p:spPr>
+          <a:xfrm>
+            <a:off x="3733800" y="2819400"/>
+            <a:ext cx="317716" cy="369332"/>
+          </a:xfrm>
+          <a:prstGeom prst="rect">
+            <a:avLst/>
+          </a:prstGeom>
+        </p:spPr>
+        <p:txBody>
+          <a:bodyPr wrap="none">
+            <a:spAutoFit/>
+          </a:bodyPr>
+          <a:lstStyle/>
+          <a:p>
+            <a:pPr algn="ctr"/>
+            <a:r>
+              <a:rPr lang="en-GB" dirty="0" smtClean="0"/>
+              <a:t>A</a:t>
+            </a:r>
+            <a:endParaRPr lang="en-GB" dirty="0"/>
+          </a:p>
+        </p:txBody>
+      </p:sp>
+      <p:sp>
+        <p:nvSpPr>
+          <p:cNvPr id="34" name="Rounded Rectangle 33"/>
+          <p:cNvSpPr/>
+          <p:nvPr/>
+        </p:nvSpPr>
+        <p:spPr>
+          <a:xfrm>
+            <a:off x="4343400" y="3352800"/>
+            <a:ext cx="838200" cy="838200"/>
+          </a:xfrm>
+          <a:prstGeom prst="roundRect">
+            <a:avLst/>
+          </a:prstGeom>
+          <a:noFill/>
+          <a:ln>
+            <a:solidFill>
+              <a:schemeClr val="tx1"/>
+            </a:solidFill>
+          </a:ln>
+        </p:spPr>
+        <p:style>
+          <a:lnRef idx="2">
+            <a:schemeClr val="accent1">
+              <a:shade val="50000"/>
+            </a:schemeClr>
+          </a:lnRef>
+          <a:fillRef idx="1">
+            <a:schemeClr val="accent1"/>
+          </a:fillRef>
+          <a:effectRef idx="0">
+            <a:schemeClr val="accent1"/>
+          </a:effectRef>
+          <a:fontRef idx="minor">
+            <a:schemeClr val="lt1"/>
+          </a:fontRef>
+        </p:style>
+        <p:txBody>
+          <a:bodyPr rtlCol="0" anchor="ctr"/>
+          <a:lstStyle/>
+          <a:p>
+            <a:pPr algn="ctr"/>
+            <a:endParaRPr lang="en-GB" dirty="0">
+              <a:solidFill>
+                <a:schemeClr val="tx1"/>
+              </a:solidFill>
+            </a:endParaRPr>
+          </a:p>
+        </p:txBody>
+      </p:sp>
+      <p:sp>
+        <p:nvSpPr>
+          <p:cNvPr id="35" name="Rectangle 34"/>
+          <p:cNvSpPr/>
+          <p:nvPr/>
+        </p:nvSpPr>
+        <p:spPr>
+          <a:xfrm>
+            <a:off x="5486400" y="2971800"/>
+            <a:ext cx="317716" cy="369332"/>
+          </a:xfrm>
+          <a:prstGeom prst="rect">
+            <a:avLst/>
+          </a:prstGeom>
+        </p:spPr>
+        <p:txBody>
+          <a:bodyPr wrap="none">
+            <a:spAutoFit/>
+          </a:bodyPr>
+          <a:lstStyle/>
+          <a:p>
+            <a:pPr algn="ctr"/>
+            <a:r>
+              <a:rPr lang="en-GB" dirty="0" smtClean="0"/>
+              <a:t>B</a:t>
+            </a:r>
+            <a:endParaRPr lang="en-GB" dirty="0"/>
+          </a:p>
+        </p:txBody>
+      </p:sp>
+      <p:sp>
+        <p:nvSpPr>
+          <p:cNvPr id="38" name="Rounded Rectangle 37"/>
+          <p:cNvSpPr/>
+          <p:nvPr/>
+        </p:nvSpPr>
+        <p:spPr>
+          <a:xfrm>
+            <a:off x="4495800" y="3581400"/>
+            <a:ext cx="533400" cy="457200"/>
+          </a:xfrm>
+          <a:prstGeom prst="roundRect">
+            <a:avLst/>
+          </a:prstGeom>
+          <a:solidFill>
+            <a:schemeClr val="bg1"/>
+          </a:solidFill>
+          <a:ln>
+            <a:solidFill>
+              <a:schemeClr val="tx1"/>
+            </a:solidFill>
+          </a:ln>
+        </p:spPr>
+        <p:style>
+          <a:lnRef idx="2">
+            <a:schemeClr val="accent1">
+              <a:shade val="50000"/>
+            </a:schemeClr>
+          </a:lnRef>
+          <a:fillRef idx="1">
+            <a:schemeClr val="accent1"/>
+          </a:fillRef>
+          <a:effectRef idx="0">
+            <a:schemeClr val="accent1"/>
+          </a:effectRef>
+          <a:fontRef idx="minor">
+            <a:schemeClr val="lt1"/>
+          </a:fontRef>
+        </p:style>
+        <p:txBody>
+          <a:bodyPr rtlCol="0" anchor="ctr"/>
+          <a:lstStyle/>
+          <a:p>
+            <a:pPr algn="ctr"/>
+            <a:r>
+              <a:rPr lang="en-GB" dirty="0" smtClean="0">
+                <a:solidFill>
+                  <a:schemeClr val="tx1"/>
+                </a:solidFill>
+              </a:rPr>
+              <a:t>C</a:t>
+            </a:r>
+            <a:endParaRPr lang="en-GB" dirty="0">
+              <a:solidFill>
+                <a:schemeClr val="tx1"/>
+              </a:solidFill>
+            </a:endParaRPr>
+          </a:p>
+        </p:txBody>
+      </p:sp>
+      <p:sp>
+        <p:nvSpPr>
+          <p:cNvPr id="39" name="Rounded Rectangle 38"/>
+          <p:cNvSpPr/>
+          <p:nvPr/>
+        </p:nvSpPr>
+        <p:spPr>
+          <a:xfrm>
+            <a:off x="5334000" y="3352800"/>
+            <a:ext cx="533400" cy="990600"/>
+          </a:xfrm>
+          <a:prstGeom prst="roundRect">
+            <a:avLst/>
+          </a:prstGeom>
+          <a:noFill/>
+          <a:ln>
+            <a:solidFill>
+              <a:schemeClr val="tx1"/>
+            </a:solidFill>
+          </a:ln>
+        </p:spPr>
+        <p:style>
+          <a:lnRef idx="2">
+            <a:schemeClr val="accent1">
+              <a:shade val="50000"/>
+            </a:schemeClr>
+          </a:lnRef>
+          <a:fillRef idx="1">
+            <a:schemeClr val="accent1"/>
+          </a:fillRef>
+          <a:effectRef idx="0">
+            <a:schemeClr val="accent1"/>
+          </a:effectRef>
+          <a:fontRef idx="minor">
+            <a:schemeClr val="lt1"/>
+          </a:fontRef>
+        </p:style>
+        <p:txBody>
+          <a:bodyPr rtlCol="0" anchor="ctr"/>
+          <a:lstStyle/>
+          <a:p>
+            <a:pPr algn="ctr"/>
+            <a:endParaRPr lang="en-GB" dirty="0">
+              <a:solidFill>
+                <a:schemeClr val="tx1"/>
+              </a:solidFill>
+            </a:endParaRPr>
+          </a:p>
+        </p:txBody>
+      </p:sp>
+      <p:sp>
+        <p:nvSpPr>
+          <p:cNvPr id="40" name="Rectangle 39"/>
+          <p:cNvSpPr/>
+          <p:nvPr/>
+        </p:nvSpPr>
+        <p:spPr>
+          <a:xfrm>
+            <a:off x="4343400" y="2971800"/>
+            <a:ext cx="442749" cy="369332"/>
+          </a:xfrm>
+          <a:prstGeom prst="rect">
+            <a:avLst/>
+          </a:prstGeom>
+        </p:spPr>
+        <p:txBody>
+          <a:bodyPr wrap="none">
+            <a:spAutoFit/>
+          </a:bodyPr>
+          <a:lstStyle/>
+          <a:p>
+            <a:pPr algn="ctr"/>
+            <a:r>
+              <a:rPr lang="en-GB" dirty="0" smtClean="0"/>
+              <a:t>AB</a:t>
+            </a:r>
+            <a:endParaRPr lang="en-GB" dirty="0"/>
+          </a:p>
+        </p:txBody>
+      </p:sp>
+    </p:spTree>
+  </p:cSld>
+  <p:clrMapOvr>
+    <a:masterClrMapping/>
+  </p:clrMapOvr>
+</p:sld>
+</file>
+
+<file path=ppt/slides/slide29.xml><?xml version="1.0" encoding="utf-8"?>
+<p:sld xmlns:a="http://schemas.openxmlformats.org/drawingml/2006/main" xmlns:r="http://schemas.openxmlformats.org/officeDocument/2006/relationships" xmlns:p="http://schemas.openxmlformats.org/presentationml/2006/main">
+  <p:cSld>
+    <p:spTree>
+      <p:nvGrpSpPr>
+        <p:cNvPr id="1" name=""/>
+        <p:cNvGrpSpPr/>
+        <p:nvPr/>
+      </p:nvGrpSpPr>
+      <p:grpSpPr>
+        <a:xfrm>
+          <a:off x="0" y="0"/>
+          <a:ext cx="0" cy="0"/>
+          <a:chOff x="0" y="0"/>
+          <a:chExt cx="0" cy="0"/>
+        </a:xfrm>
+      </p:grpSpPr>
+      <p:sp>
+        <p:nvSpPr>
+          <p:cNvPr id="2" name="Title 1"/>
+          <p:cNvSpPr>
+            <a:spLocks noGrp="1"/>
+          </p:cNvSpPr>
+          <p:nvPr>
+            <p:ph type="title"/>
+          </p:nvPr>
+        </p:nvSpPr>
+        <p:spPr/>
+        <p:txBody>
+          <a:bodyPr>
+            <a:normAutofit fontScale="90000"/>
+          </a:bodyPr>
+          <a:lstStyle/>
+          <a:p>
+            <a:r>
+              <a:rPr lang="en-GB" dirty="0" smtClean="0"/>
+              <a:t>Modelled overlap with multiple parents</a:t>
+            </a:r>
+            <a:endParaRPr lang="en-GB" dirty="0"/>
+          </a:p>
+        </p:txBody>
+      </p:sp>
+      <p:sp>
+        <p:nvSpPr>
+          <p:cNvPr id="32" name="Rounded Rectangle 31"/>
+          <p:cNvSpPr/>
+          <p:nvPr/>
+        </p:nvSpPr>
+        <p:spPr>
+          <a:xfrm>
+            <a:off x="3733800" y="3200400"/>
+            <a:ext cx="457200" cy="990600"/>
+          </a:xfrm>
+          <a:prstGeom prst="roundRect">
+            <a:avLst/>
+          </a:prstGeom>
+          <a:solidFill>
+            <a:schemeClr val="bg1"/>
+          </a:solidFill>
+          <a:ln>
+            <a:solidFill>
+              <a:schemeClr val="tx1"/>
+            </a:solidFill>
+          </a:ln>
+        </p:spPr>
+        <p:style>
+          <a:lnRef idx="2">
+            <a:schemeClr val="accent1">
+              <a:shade val="50000"/>
+            </a:schemeClr>
+          </a:lnRef>
+          <a:fillRef idx="1">
+            <a:schemeClr val="accent1"/>
+          </a:fillRef>
+          <a:effectRef idx="0">
+            <a:schemeClr val="accent1"/>
+          </a:effectRef>
+          <a:fontRef idx="minor">
+            <a:schemeClr val="lt1"/>
+          </a:fontRef>
+        </p:style>
+        <p:txBody>
+          <a:bodyPr rtlCol="0" anchor="ctr"/>
+          <a:lstStyle/>
+          <a:p>
+            <a:pPr algn="ctr"/>
+            <a:endParaRPr lang="en-GB" dirty="0">
+              <a:solidFill>
+                <a:schemeClr val="tx1"/>
+              </a:solidFill>
+            </a:endParaRPr>
+          </a:p>
+        </p:txBody>
+      </p:sp>
+      <p:sp>
+        <p:nvSpPr>
+          <p:cNvPr id="33" name="Rectangle 32"/>
+          <p:cNvSpPr/>
+          <p:nvPr/>
+        </p:nvSpPr>
+        <p:spPr>
+          <a:xfrm>
+            <a:off x="3733800" y="2819400"/>
+            <a:ext cx="317716" cy="369332"/>
+          </a:xfrm>
+          <a:prstGeom prst="rect">
+            <a:avLst/>
+          </a:prstGeom>
+        </p:spPr>
+        <p:txBody>
+          <a:bodyPr wrap="none">
+            <a:spAutoFit/>
+          </a:bodyPr>
+          <a:lstStyle/>
+          <a:p>
+            <a:pPr algn="ctr"/>
+            <a:r>
+              <a:rPr lang="en-GB" dirty="0" smtClean="0"/>
+              <a:t>A</a:t>
+            </a:r>
+            <a:endParaRPr lang="en-GB" dirty="0"/>
+          </a:p>
+        </p:txBody>
+      </p:sp>
+      <p:sp>
+        <p:nvSpPr>
+          <p:cNvPr id="34" name="Rounded Rectangle 33"/>
+          <p:cNvSpPr/>
+          <p:nvPr/>
+        </p:nvSpPr>
+        <p:spPr>
+          <a:xfrm>
+            <a:off x="4343400" y="4114800"/>
+            <a:ext cx="838200" cy="838200"/>
+          </a:xfrm>
+          <a:prstGeom prst="roundRect">
+            <a:avLst/>
+          </a:prstGeom>
+          <a:noFill/>
+          <a:ln>
+            <a:solidFill>
+              <a:schemeClr val="tx1"/>
+            </a:solidFill>
+          </a:ln>
+        </p:spPr>
+        <p:style>
+          <a:lnRef idx="2">
+            <a:schemeClr val="accent1">
+              <a:shade val="50000"/>
+            </a:schemeClr>
+          </a:lnRef>
+          <a:fillRef idx="1">
+            <a:schemeClr val="accent1"/>
+          </a:fillRef>
+          <a:effectRef idx="0">
+            <a:schemeClr val="accent1"/>
+          </a:effectRef>
+          <a:fontRef idx="minor">
+            <a:schemeClr val="lt1"/>
+          </a:fontRef>
+        </p:style>
+        <p:txBody>
+          <a:bodyPr rtlCol="0" anchor="ctr"/>
+          <a:lstStyle/>
+          <a:p>
+            <a:pPr algn="ctr"/>
+            <a:endParaRPr lang="en-GB" dirty="0">
+              <a:solidFill>
+                <a:schemeClr val="tx1"/>
+              </a:solidFill>
+            </a:endParaRPr>
+          </a:p>
+        </p:txBody>
+      </p:sp>
+      <p:sp>
+        <p:nvSpPr>
+          <p:cNvPr id="35" name="Rectangle 34"/>
+          <p:cNvSpPr/>
+          <p:nvPr/>
+        </p:nvSpPr>
+        <p:spPr>
+          <a:xfrm>
+            <a:off x="5486400" y="2971800"/>
+            <a:ext cx="317716" cy="369332"/>
+          </a:xfrm>
+          <a:prstGeom prst="rect">
+            <a:avLst/>
+          </a:prstGeom>
+        </p:spPr>
+        <p:txBody>
+          <a:bodyPr wrap="none">
+            <a:spAutoFit/>
+          </a:bodyPr>
+          <a:lstStyle/>
+          <a:p>
+            <a:pPr algn="ctr"/>
+            <a:r>
+              <a:rPr lang="en-GB" dirty="0" smtClean="0"/>
+              <a:t>B</a:t>
+            </a:r>
+            <a:endParaRPr lang="en-GB" dirty="0"/>
+          </a:p>
+        </p:txBody>
+      </p:sp>
+      <p:sp>
+        <p:nvSpPr>
+          <p:cNvPr id="38" name="Rounded Rectangle 37"/>
+          <p:cNvSpPr/>
+          <p:nvPr/>
+        </p:nvSpPr>
+        <p:spPr>
+          <a:xfrm>
+            <a:off x="4495800" y="4343400"/>
+            <a:ext cx="533400" cy="457200"/>
+          </a:xfrm>
+          <a:prstGeom prst="roundRect">
+            <a:avLst/>
+          </a:prstGeom>
+          <a:solidFill>
+            <a:schemeClr val="bg1"/>
+          </a:solidFill>
+          <a:ln>
+            <a:solidFill>
+              <a:schemeClr val="tx1"/>
+            </a:solidFill>
+          </a:ln>
+        </p:spPr>
+        <p:style>
+          <a:lnRef idx="2">
+            <a:schemeClr val="accent1">
+              <a:shade val="50000"/>
+            </a:schemeClr>
+          </a:lnRef>
+          <a:fillRef idx="1">
+            <a:schemeClr val="accent1"/>
+          </a:fillRef>
+          <a:effectRef idx="0">
+            <a:schemeClr val="accent1"/>
+          </a:effectRef>
+          <a:fontRef idx="minor">
+            <a:schemeClr val="lt1"/>
+          </a:fontRef>
+        </p:style>
+        <p:txBody>
+          <a:bodyPr rtlCol="0" anchor="ctr"/>
+          <a:lstStyle/>
+          <a:p>
+            <a:pPr algn="ctr"/>
+            <a:r>
+              <a:rPr lang="en-GB" dirty="0" smtClean="0">
+                <a:solidFill>
+                  <a:schemeClr val="tx1"/>
+                </a:solidFill>
+              </a:rPr>
+              <a:t>C</a:t>
+            </a:r>
+            <a:endParaRPr lang="en-GB" dirty="0">
+              <a:solidFill>
+                <a:schemeClr val="tx1"/>
+              </a:solidFill>
+            </a:endParaRPr>
+          </a:p>
+        </p:txBody>
+      </p:sp>
+      <p:sp>
+        <p:nvSpPr>
+          <p:cNvPr id="39" name="Rounded Rectangle 38"/>
+          <p:cNvSpPr/>
+          <p:nvPr/>
+        </p:nvSpPr>
+        <p:spPr>
+          <a:xfrm>
+            <a:off x="5334000" y="3352800"/>
+            <a:ext cx="533400" cy="990600"/>
+          </a:xfrm>
+          <a:prstGeom prst="roundRect">
+            <a:avLst/>
+          </a:prstGeom>
+          <a:noFill/>
+          <a:ln>
+            <a:solidFill>
+              <a:schemeClr val="tx1"/>
+            </a:solidFill>
+          </a:ln>
+        </p:spPr>
+        <p:style>
+          <a:lnRef idx="2">
+            <a:schemeClr val="accent1">
+              <a:shade val="50000"/>
+            </a:schemeClr>
+          </a:lnRef>
+          <a:fillRef idx="1">
+            <a:schemeClr val="accent1"/>
+          </a:fillRef>
+          <a:effectRef idx="0">
+            <a:schemeClr val="accent1"/>
+          </a:effectRef>
+          <a:fontRef idx="minor">
+            <a:schemeClr val="lt1"/>
+          </a:fontRef>
+        </p:style>
+        <p:txBody>
+          <a:bodyPr rtlCol="0" anchor="ctr"/>
+          <a:lstStyle/>
+          <a:p>
+            <a:pPr algn="ctr"/>
+            <a:endParaRPr lang="en-GB" dirty="0">
+              <a:solidFill>
+                <a:schemeClr val="tx1"/>
+              </a:solidFill>
+            </a:endParaRPr>
+          </a:p>
+        </p:txBody>
+      </p:sp>
+      <p:sp>
+        <p:nvSpPr>
+          <p:cNvPr id="40" name="Rectangle 39"/>
+          <p:cNvSpPr/>
+          <p:nvPr/>
+        </p:nvSpPr>
+        <p:spPr>
+          <a:xfrm>
+            <a:off x="4343400" y="3733800"/>
+            <a:ext cx="442749" cy="369332"/>
+          </a:xfrm>
+          <a:prstGeom prst="rect">
+            <a:avLst/>
+          </a:prstGeom>
+        </p:spPr>
+        <p:txBody>
+          <a:bodyPr wrap="none">
+            <a:spAutoFit/>
+          </a:bodyPr>
+          <a:lstStyle/>
+          <a:p>
+            <a:pPr algn="ctr"/>
+            <a:r>
+              <a:rPr lang="en-GB" dirty="0" smtClean="0"/>
+              <a:t>AB</a:t>
+            </a:r>
+            <a:endParaRPr lang="en-GB" dirty="0"/>
+          </a:p>
+        </p:txBody>
+      </p:sp>
+      <p:sp>
+        <p:nvSpPr>
+          <p:cNvPr id="10" name="Oval 9"/>
+          <p:cNvSpPr/>
+          <p:nvPr/>
+        </p:nvSpPr>
+        <p:spPr>
+          <a:xfrm>
+            <a:off x="4724400" y="3962400"/>
+            <a:ext cx="152400" cy="152400"/>
+          </a:xfrm>
+          <a:prstGeom prst="ellipse">
+            <a:avLst/>
+          </a:prstGeom>
+          <a:solidFill>
+            <a:schemeClr val="tx1"/>
+          </a:solidFill>
+          <a:ln>
+            <a:solidFill>
+              <a:schemeClr val="tx1"/>
+            </a:solidFill>
+          </a:ln>
+        </p:spPr>
+        <p:style>
+          <a:lnRef idx="2">
+            <a:schemeClr val="accent1">
+              <a:shade val="50000"/>
+            </a:schemeClr>
+          </a:lnRef>
+          <a:fillRef idx="1">
+            <a:schemeClr val="accent1"/>
+          </a:fillRef>
+          <a:effectRef idx="0">
+            <a:schemeClr val="accent1"/>
+          </a:effectRef>
+          <a:fontRef idx="minor">
+            <a:schemeClr val="lt1"/>
+          </a:fontRef>
+        </p:style>
+        <p:txBody>
+          <a:bodyPr rtlCol="0" anchor="ctr"/>
+          <a:lstStyle/>
+          <a:p>
+            <a:pPr algn="ctr"/>
+            <a:endParaRPr lang="en-GB"/>
+          </a:p>
+        </p:txBody>
+      </p:sp>
+      <p:cxnSp>
+        <p:nvCxnSpPr>
+          <p:cNvPr id="11" name="Curved Connector 10"/>
+          <p:cNvCxnSpPr>
+            <a:stCxn id="10" idx="0"/>
+            <a:endCxn id="13" idx="3"/>
+          </p:cNvCxnSpPr>
+          <p:nvPr/>
+        </p:nvCxnSpPr>
+        <p:spPr>
+          <a:xfrm rot="16200000" flipV="1">
+            <a:off x="4191000" y="3352800"/>
+            <a:ext cx="533400" cy="685800"/>
+          </a:xfrm>
+          <a:prstGeom prst="curvedConnector2">
+            <a:avLst/>
+          </a:prstGeom>
+          <a:ln>
+            <a:solidFill>
+              <a:schemeClr val="tx1"/>
+            </a:solidFill>
+          </a:ln>
+        </p:spPr>
+        <p:style>
+          <a:lnRef idx="1">
+            <a:schemeClr val="accent1"/>
+          </a:lnRef>
+          <a:fillRef idx="0">
+            <a:schemeClr val="accent1"/>
+          </a:fillRef>
+          <a:effectRef idx="0">
+            <a:schemeClr val="accent1"/>
+          </a:effectRef>
+          <a:fontRef idx="minor">
+            <a:schemeClr val="tx1"/>
+          </a:fontRef>
+        </p:style>
+      </p:cxnSp>
+      <p:sp>
+        <p:nvSpPr>
+          <p:cNvPr id="13" name="Diamond 12"/>
+          <p:cNvSpPr/>
+          <p:nvPr/>
+        </p:nvSpPr>
+        <p:spPr>
+          <a:xfrm>
+            <a:off x="3962400" y="3352800"/>
+            <a:ext cx="152400" cy="152400"/>
+          </a:xfrm>
+          <a:prstGeom prst="diamond">
+            <a:avLst/>
+          </a:prstGeom>
+          <a:noFill/>
+          <a:ln>
+            <a:solidFill>
+              <a:schemeClr val="tx1"/>
+            </a:solidFill>
+          </a:ln>
+        </p:spPr>
+        <p:style>
+          <a:lnRef idx="2">
+            <a:schemeClr val="accent1">
+              <a:shade val="50000"/>
+            </a:schemeClr>
+          </a:lnRef>
+          <a:fillRef idx="1">
+            <a:schemeClr val="accent1"/>
+          </a:fillRef>
+          <a:effectRef idx="0">
+            <a:schemeClr val="accent1"/>
+          </a:effectRef>
+          <a:fontRef idx="minor">
+            <a:schemeClr val="lt1"/>
+          </a:fontRef>
+        </p:style>
+        <p:txBody>
+          <a:bodyPr rtlCol="0" anchor="ctr"/>
+          <a:lstStyle/>
+          <a:p>
+            <a:pPr algn="ctr"/>
+            <a:endParaRPr lang="en-GB"/>
+          </a:p>
+        </p:txBody>
+      </p:sp>
+      <p:cxnSp>
+        <p:nvCxnSpPr>
+          <p:cNvPr id="15" name="Curved Connector 10"/>
+          <p:cNvCxnSpPr>
+            <a:stCxn id="16" idx="1"/>
+            <a:endCxn id="10" idx="0"/>
+          </p:cNvCxnSpPr>
+          <p:nvPr/>
+        </p:nvCxnSpPr>
+        <p:spPr>
+          <a:xfrm rot="10800000" flipV="1">
+            <a:off x="4800600" y="3581400"/>
+            <a:ext cx="685800" cy="381000"/>
+          </a:xfrm>
+          <a:prstGeom prst="curvedConnector2">
+            <a:avLst/>
+          </a:prstGeom>
+          <a:ln>
+            <a:solidFill>
+              <a:schemeClr val="tx1"/>
+            </a:solidFill>
+          </a:ln>
+        </p:spPr>
+        <p:style>
+          <a:lnRef idx="1">
+            <a:schemeClr val="accent1"/>
+          </a:lnRef>
+          <a:fillRef idx="0">
+            <a:schemeClr val="accent1"/>
+          </a:fillRef>
+          <a:effectRef idx="0">
+            <a:schemeClr val="accent1"/>
+          </a:effectRef>
+          <a:fontRef idx="minor">
+            <a:schemeClr val="tx1"/>
+          </a:fontRef>
+        </p:style>
+      </p:cxnSp>
+      <p:sp>
+        <p:nvSpPr>
+          <p:cNvPr id="16" name="Diamond 15"/>
+          <p:cNvSpPr/>
+          <p:nvPr/>
+        </p:nvSpPr>
+        <p:spPr>
+          <a:xfrm>
+            <a:off x="5486400" y="3505200"/>
+            <a:ext cx="152400" cy="152400"/>
+          </a:xfrm>
+          <a:prstGeom prst="diamond">
+            <a:avLst/>
+          </a:prstGeom>
+          <a:noFill/>
+          <a:ln>
+            <a:solidFill>
+              <a:schemeClr val="tx1"/>
+            </a:solidFill>
+          </a:ln>
+        </p:spPr>
+        <p:style>
+          <a:lnRef idx="2">
+            <a:schemeClr val="accent1">
+              <a:shade val="50000"/>
+            </a:schemeClr>
+          </a:lnRef>
+          <a:fillRef idx="1">
+            <a:schemeClr val="accent1"/>
+          </a:fillRef>
+          <a:effectRef idx="0">
+            <a:schemeClr val="accent1"/>
+          </a:effectRef>
+          <a:fontRef idx="minor">
+            <a:schemeClr val="lt1"/>
+          </a:fontRef>
+        </p:style>
+        <p:txBody>
+          <a:bodyPr rtlCol="0" anchor="ctr"/>
+          <a:lstStyle/>
+          <a:p>
+            <a:pPr algn="ctr"/>
+            <a:endParaRPr lang="en-GB"/>
+          </a:p>
+        </p:txBody>
+      </p:sp>
+    </p:spTree>
+  </p:cSld>
+  <p:clrMapOvr>
+    <a:masterClrMapping/>
+  </p:clrMapOvr>
+</p:sld>
+</file>
+
 <file path=ppt/slides/slide3.xml><?xml version="1.0" encoding="utf-8"?>
 <p:sld xmlns:a="http://schemas.openxmlformats.org/drawingml/2006/main" xmlns:r="http://schemas.openxmlformats.org/officeDocument/2006/relationships" xmlns:p="http://schemas.openxmlformats.org/presentationml/2006/main">
   <p:cSld>
@@ -12565,6 +17086,412 @@
               <a:t>…</a:t>
             </a:r>
             <a:endParaRPr lang="en-GB" dirty="0"/>
+          </a:p>
+        </p:txBody>
+      </p:sp>
+    </p:spTree>
+  </p:cSld>
+  <p:clrMapOvr>
+    <a:masterClrMapping/>
+  </p:clrMapOvr>
+</p:sld>
+</file>
+
+<file path=ppt/slides/slide30.xml><?xml version="1.0" encoding="utf-8"?>
+<p:sld xmlns:a="http://schemas.openxmlformats.org/drawingml/2006/main" xmlns:r="http://schemas.openxmlformats.org/officeDocument/2006/relationships" xmlns:p="http://schemas.openxmlformats.org/presentationml/2006/main">
+  <p:cSld>
+    <p:spTree>
+      <p:nvGrpSpPr>
+        <p:cNvPr id="1" name=""/>
+        <p:cNvGrpSpPr/>
+        <p:nvPr/>
+      </p:nvGrpSpPr>
+      <p:grpSpPr>
+        <a:xfrm>
+          <a:off x="0" y="0"/>
+          <a:ext cx="0" cy="0"/>
+          <a:chOff x="0" y="0"/>
+          <a:chExt cx="0" cy="0"/>
+        </a:xfrm>
+      </p:grpSpPr>
+      <p:sp>
+        <p:nvSpPr>
+          <p:cNvPr id="2" name="Title 1"/>
+          <p:cNvSpPr>
+            <a:spLocks noGrp="1"/>
+          </p:cNvSpPr>
+          <p:nvPr>
+            <p:ph type="title"/>
+          </p:nvPr>
+        </p:nvSpPr>
+        <p:spPr/>
+        <p:txBody>
+          <a:bodyPr>
+            <a:normAutofit fontScale="90000"/>
+          </a:bodyPr>
+          <a:lstStyle/>
+          <a:p>
+            <a:r>
+              <a:rPr lang="en-GB" dirty="0" smtClean="0"/>
+              <a:t>Modelled overlap with a dominant parent</a:t>
+            </a:r>
+            <a:endParaRPr lang="en-GB" dirty="0"/>
+          </a:p>
+        </p:txBody>
+      </p:sp>
+      <p:sp>
+        <p:nvSpPr>
+          <p:cNvPr id="32" name="Rounded Rectangle 31"/>
+          <p:cNvSpPr/>
+          <p:nvPr/>
+        </p:nvSpPr>
+        <p:spPr>
+          <a:xfrm>
+            <a:off x="3733800" y="3200400"/>
+            <a:ext cx="1447800" cy="990600"/>
+          </a:xfrm>
+          <a:prstGeom prst="roundRect">
+            <a:avLst/>
+          </a:prstGeom>
+          <a:solidFill>
+            <a:schemeClr val="bg1"/>
+          </a:solidFill>
+          <a:ln>
+            <a:solidFill>
+              <a:schemeClr val="tx1"/>
+            </a:solidFill>
+          </a:ln>
+        </p:spPr>
+        <p:style>
+          <a:lnRef idx="2">
+            <a:schemeClr val="accent1">
+              <a:shade val="50000"/>
+            </a:schemeClr>
+          </a:lnRef>
+          <a:fillRef idx="1">
+            <a:schemeClr val="accent1"/>
+          </a:fillRef>
+          <a:effectRef idx="0">
+            <a:schemeClr val="accent1"/>
+          </a:effectRef>
+          <a:fontRef idx="minor">
+            <a:schemeClr val="lt1"/>
+          </a:fontRef>
+        </p:style>
+        <p:txBody>
+          <a:bodyPr rtlCol="0" anchor="ctr"/>
+          <a:lstStyle/>
+          <a:p>
+            <a:pPr algn="ctr"/>
+            <a:endParaRPr lang="en-GB" dirty="0">
+              <a:solidFill>
+                <a:schemeClr val="tx1"/>
+              </a:solidFill>
+            </a:endParaRPr>
+          </a:p>
+        </p:txBody>
+      </p:sp>
+      <p:sp>
+        <p:nvSpPr>
+          <p:cNvPr id="33" name="Rectangle 32"/>
+          <p:cNvSpPr/>
+          <p:nvPr/>
+        </p:nvSpPr>
+        <p:spPr>
+          <a:xfrm>
+            <a:off x="3733800" y="2819400"/>
+            <a:ext cx="317716" cy="369332"/>
+          </a:xfrm>
+          <a:prstGeom prst="rect">
+            <a:avLst/>
+          </a:prstGeom>
+        </p:spPr>
+        <p:txBody>
+          <a:bodyPr wrap="none">
+            <a:spAutoFit/>
+          </a:bodyPr>
+          <a:lstStyle/>
+          <a:p>
+            <a:pPr algn="ctr"/>
+            <a:r>
+              <a:rPr lang="en-GB" dirty="0" smtClean="0"/>
+              <a:t>A</a:t>
+            </a:r>
+            <a:endParaRPr lang="en-GB" dirty="0"/>
+          </a:p>
+        </p:txBody>
+      </p:sp>
+      <p:sp>
+        <p:nvSpPr>
+          <p:cNvPr id="35" name="Rectangle 34"/>
+          <p:cNvSpPr/>
+          <p:nvPr/>
+        </p:nvSpPr>
+        <p:spPr>
+          <a:xfrm>
+            <a:off x="5486400" y="2971800"/>
+            <a:ext cx="317716" cy="369332"/>
+          </a:xfrm>
+          <a:prstGeom prst="rect">
+            <a:avLst/>
+          </a:prstGeom>
+        </p:spPr>
+        <p:txBody>
+          <a:bodyPr wrap="none">
+            <a:spAutoFit/>
+          </a:bodyPr>
+          <a:lstStyle/>
+          <a:p>
+            <a:pPr algn="ctr"/>
+            <a:r>
+              <a:rPr lang="en-GB" dirty="0" smtClean="0"/>
+              <a:t>B</a:t>
+            </a:r>
+            <a:endParaRPr lang="en-GB" dirty="0"/>
+          </a:p>
+        </p:txBody>
+      </p:sp>
+      <p:sp>
+        <p:nvSpPr>
+          <p:cNvPr id="38" name="Rounded Rectangle 37"/>
+          <p:cNvSpPr/>
+          <p:nvPr/>
+        </p:nvSpPr>
+        <p:spPr>
+          <a:xfrm>
+            <a:off x="4343400" y="3505200"/>
+            <a:ext cx="533400" cy="457200"/>
+          </a:xfrm>
+          <a:prstGeom prst="roundRect">
+            <a:avLst/>
+          </a:prstGeom>
+          <a:solidFill>
+            <a:schemeClr val="bg1"/>
+          </a:solidFill>
+          <a:ln>
+            <a:solidFill>
+              <a:schemeClr val="tx1"/>
+            </a:solidFill>
+          </a:ln>
+        </p:spPr>
+        <p:style>
+          <a:lnRef idx="2">
+            <a:schemeClr val="accent1">
+              <a:shade val="50000"/>
+            </a:schemeClr>
+          </a:lnRef>
+          <a:fillRef idx="1">
+            <a:schemeClr val="accent1"/>
+          </a:fillRef>
+          <a:effectRef idx="0">
+            <a:schemeClr val="accent1"/>
+          </a:effectRef>
+          <a:fontRef idx="minor">
+            <a:schemeClr val="lt1"/>
+          </a:fontRef>
+        </p:style>
+        <p:txBody>
+          <a:bodyPr rtlCol="0" anchor="ctr"/>
+          <a:lstStyle/>
+          <a:p>
+            <a:pPr algn="ctr"/>
+            <a:r>
+              <a:rPr lang="en-GB" dirty="0" smtClean="0">
+                <a:solidFill>
+                  <a:schemeClr val="tx1"/>
+                </a:solidFill>
+              </a:rPr>
+              <a:t>C</a:t>
+            </a:r>
+            <a:endParaRPr lang="en-GB" dirty="0">
+              <a:solidFill>
+                <a:schemeClr val="tx1"/>
+              </a:solidFill>
+            </a:endParaRPr>
+          </a:p>
+        </p:txBody>
+      </p:sp>
+      <p:sp>
+        <p:nvSpPr>
+          <p:cNvPr id="39" name="Rounded Rectangle 38"/>
+          <p:cNvSpPr/>
+          <p:nvPr/>
+        </p:nvSpPr>
+        <p:spPr>
+          <a:xfrm>
+            <a:off x="5334000" y="3352800"/>
+            <a:ext cx="533400" cy="990600"/>
+          </a:xfrm>
+          <a:prstGeom prst="roundRect">
+            <a:avLst/>
+          </a:prstGeom>
+          <a:noFill/>
+          <a:ln>
+            <a:solidFill>
+              <a:schemeClr val="tx1"/>
+            </a:solidFill>
+          </a:ln>
+        </p:spPr>
+        <p:style>
+          <a:lnRef idx="2">
+            <a:schemeClr val="accent1">
+              <a:shade val="50000"/>
+            </a:schemeClr>
+          </a:lnRef>
+          <a:fillRef idx="1">
+            <a:schemeClr val="accent1"/>
+          </a:fillRef>
+          <a:effectRef idx="0">
+            <a:schemeClr val="accent1"/>
+          </a:effectRef>
+          <a:fontRef idx="minor">
+            <a:schemeClr val="lt1"/>
+          </a:fontRef>
+        </p:style>
+        <p:txBody>
+          <a:bodyPr rtlCol="0" anchor="ctr"/>
+          <a:lstStyle/>
+          <a:p>
+            <a:pPr algn="ctr"/>
+            <a:endParaRPr lang="en-GB" dirty="0">
+              <a:solidFill>
+                <a:schemeClr val="tx1"/>
+              </a:solidFill>
+            </a:endParaRPr>
+          </a:p>
+        </p:txBody>
+      </p:sp>
+      <p:sp>
+        <p:nvSpPr>
+          <p:cNvPr id="10" name="Oval 9"/>
+          <p:cNvSpPr/>
+          <p:nvPr/>
+        </p:nvSpPr>
+        <p:spPr>
+          <a:xfrm>
+            <a:off x="4876800" y="3657600"/>
+            <a:ext cx="152400" cy="152400"/>
+          </a:xfrm>
+          <a:prstGeom prst="ellipse">
+            <a:avLst/>
+          </a:prstGeom>
+          <a:solidFill>
+            <a:schemeClr val="tx1"/>
+          </a:solidFill>
+          <a:ln>
+            <a:solidFill>
+              <a:schemeClr val="tx1"/>
+            </a:solidFill>
+          </a:ln>
+        </p:spPr>
+        <p:style>
+          <a:lnRef idx="2">
+            <a:schemeClr val="accent1">
+              <a:shade val="50000"/>
+            </a:schemeClr>
+          </a:lnRef>
+          <a:fillRef idx="1">
+            <a:schemeClr val="accent1"/>
+          </a:fillRef>
+          <a:effectRef idx="0">
+            <a:schemeClr val="accent1"/>
+          </a:effectRef>
+          <a:fontRef idx="minor">
+            <a:schemeClr val="lt1"/>
+          </a:fontRef>
+        </p:style>
+        <p:txBody>
+          <a:bodyPr rtlCol="0" anchor="ctr"/>
+          <a:lstStyle/>
+          <a:p>
+            <a:pPr algn="ctr"/>
+            <a:endParaRPr lang="en-GB"/>
+          </a:p>
+        </p:txBody>
+      </p:sp>
+      <p:cxnSp>
+        <p:nvCxnSpPr>
+          <p:cNvPr id="15" name="Curved Connector 10"/>
+          <p:cNvCxnSpPr>
+            <a:stCxn id="16" idx="1"/>
+            <a:endCxn id="10" idx="6"/>
+          </p:cNvCxnSpPr>
+          <p:nvPr/>
+        </p:nvCxnSpPr>
+        <p:spPr>
+          <a:xfrm rot="10800000" flipV="1">
+            <a:off x="5029200" y="3581400"/>
+            <a:ext cx="457200" cy="152400"/>
+          </a:xfrm>
+          <a:prstGeom prst="curvedConnector3">
+            <a:avLst>
+              <a:gd name="adj1" fmla="val 50000"/>
+            </a:avLst>
+          </a:prstGeom>
+          <a:ln>
+            <a:solidFill>
+              <a:schemeClr val="tx1"/>
+            </a:solidFill>
+          </a:ln>
+        </p:spPr>
+        <p:style>
+          <a:lnRef idx="1">
+            <a:schemeClr val="accent1"/>
+          </a:lnRef>
+          <a:fillRef idx="0">
+            <a:schemeClr val="accent1"/>
+          </a:fillRef>
+          <a:effectRef idx="0">
+            <a:schemeClr val="accent1"/>
+          </a:effectRef>
+          <a:fontRef idx="minor">
+            <a:schemeClr val="tx1"/>
+          </a:fontRef>
+        </p:style>
+      </p:cxnSp>
+      <p:sp>
+        <p:nvSpPr>
+          <p:cNvPr id="16" name="Diamond 15"/>
+          <p:cNvSpPr/>
+          <p:nvPr/>
+        </p:nvSpPr>
+        <p:spPr>
+          <a:xfrm>
+            <a:off x="5486400" y="3505200"/>
+            <a:ext cx="152400" cy="152400"/>
+          </a:xfrm>
+          <a:prstGeom prst="diamond">
+            <a:avLst/>
+          </a:prstGeom>
+          <a:noFill/>
+          <a:ln>
+            <a:solidFill>
+              <a:schemeClr val="tx1"/>
+            </a:solidFill>
+          </a:ln>
+        </p:spPr>
+        <p:style>
+          <a:lnRef idx="2">
+            <a:schemeClr val="accent1">
+              <a:shade val="50000"/>
+            </a:schemeClr>
+          </a:lnRef>
+          <a:fillRef idx="1">
+            <a:schemeClr val="accent1"/>
+          </a:fillRef>
+          <a:effectRef idx="0">
+            <a:schemeClr val="accent1"/>
+          </a:effectRef>
+          <a:fontRef idx="minor">
+            <a:schemeClr val="lt1"/>
+          </a:fontRef>
+        </p:style>
+        <p:txBody>
+          <a:bodyPr rtlCol="0" anchor="ctr"/>
+          <a:lstStyle/>
+          <a:p>
+            <a:pPr algn="ctr"/>
+            <a:endParaRPr lang="en-GB"/>
           </a:p>
         </p:txBody>
       </p:sp>

--- a/bigraphspace/docs/images/Cookbook_diagrams.pptx
+++ b/bigraphspace/docs/images/Cookbook_diagrams.pptx
@@ -34,7 +34,13 @@
     <p:sldId id="284" r:id="rId28"/>
     <p:sldId id="280" r:id="rId29"/>
     <p:sldId id="282" r:id="rId30"/>
-    <p:sldId id="285" r:id="rId31"/>
+    <p:sldId id="286" r:id="rId31"/>
+    <p:sldId id="285" r:id="rId32"/>
+    <p:sldId id="287" r:id="rId33"/>
+    <p:sldId id="288" r:id="rId34"/>
+    <p:sldId id="289" r:id="rId35"/>
+    <p:sldId id="291" r:id="rId36"/>
+    <p:sldId id="290" r:id="rId37"/>
   </p:sldIdLst>
   <p:sldSz cx="9144000" cy="6858000" type="screen4x3"/>
   <p:notesSz cx="6858000" cy="9144000"/>
@@ -318,7 +324,7 @@
             <a:fld id="{1D8BD707-D9CF-40AE-B4C6-C98DA3205C09}" type="datetimeFigureOut">
               <a:rPr lang="en-US" smtClean="0"/>
               <a:pPr/>
-              <a:t>7/27/2009</a:t>
+              <a:t>7/28/2009</a:t>
             </a:fld>
             <a:endParaRPr lang="en-US"/>
           </a:p>
@@ -485,7 +491,7 @@
             <a:fld id="{1D8BD707-D9CF-40AE-B4C6-C98DA3205C09}" type="datetimeFigureOut">
               <a:rPr lang="en-US" smtClean="0"/>
               <a:pPr/>
-              <a:t>7/27/2009</a:t>
+              <a:t>7/28/2009</a:t>
             </a:fld>
             <a:endParaRPr lang="en-US"/>
           </a:p>
@@ -662,7 +668,7 @@
             <a:fld id="{1D8BD707-D9CF-40AE-B4C6-C98DA3205C09}" type="datetimeFigureOut">
               <a:rPr lang="en-US" smtClean="0"/>
               <a:pPr/>
-              <a:t>7/27/2009</a:t>
+              <a:t>7/28/2009</a:t>
             </a:fld>
             <a:endParaRPr lang="en-US"/>
           </a:p>
@@ -829,7 +835,7 @@
             <a:fld id="{1D8BD707-D9CF-40AE-B4C6-C98DA3205C09}" type="datetimeFigureOut">
               <a:rPr lang="en-US" smtClean="0"/>
               <a:pPr/>
-              <a:t>7/27/2009</a:t>
+              <a:t>7/28/2009</a:t>
             </a:fld>
             <a:endParaRPr lang="en-US"/>
           </a:p>
@@ -1072,7 +1078,7 @@
             <a:fld id="{1D8BD707-D9CF-40AE-B4C6-C98DA3205C09}" type="datetimeFigureOut">
               <a:rPr lang="en-US" smtClean="0"/>
               <a:pPr/>
-              <a:t>7/27/2009</a:t>
+              <a:t>7/28/2009</a:t>
             </a:fld>
             <a:endParaRPr lang="en-US"/>
           </a:p>
@@ -1357,7 +1363,7 @@
             <a:fld id="{1D8BD707-D9CF-40AE-B4C6-C98DA3205C09}" type="datetimeFigureOut">
               <a:rPr lang="en-US" smtClean="0"/>
               <a:pPr/>
-              <a:t>7/27/2009</a:t>
+              <a:t>7/28/2009</a:t>
             </a:fld>
             <a:endParaRPr lang="en-US"/>
           </a:p>
@@ -1776,7 +1782,7 @@
             <a:fld id="{1D8BD707-D9CF-40AE-B4C6-C98DA3205C09}" type="datetimeFigureOut">
               <a:rPr lang="en-US" smtClean="0"/>
               <a:pPr/>
-              <a:t>7/27/2009</a:t>
+              <a:t>7/28/2009</a:t>
             </a:fld>
             <a:endParaRPr lang="en-US"/>
           </a:p>
@@ -1891,7 +1897,7 @@
             <a:fld id="{1D8BD707-D9CF-40AE-B4C6-C98DA3205C09}" type="datetimeFigureOut">
               <a:rPr lang="en-US" smtClean="0"/>
               <a:pPr/>
-              <a:t>7/27/2009</a:t>
+              <a:t>7/28/2009</a:t>
             </a:fld>
             <a:endParaRPr lang="en-US"/>
           </a:p>
@@ -1983,7 +1989,7 @@
             <a:fld id="{1D8BD707-D9CF-40AE-B4C6-C98DA3205C09}" type="datetimeFigureOut">
               <a:rPr lang="en-US" smtClean="0"/>
               <a:pPr/>
-              <a:t>7/27/2009</a:t>
+              <a:t>7/28/2009</a:t>
             </a:fld>
             <a:endParaRPr lang="en-US"/>
           </a:p>
@@ -2257,7 +2263,7 @@
             <a:fld id="{1D8BD707-D9CF-40AE-B4C6-C98DA3205C09}" type="datetimeFigureOut">
               <a:rPr lang="en-US" smtClean="0"/>
               <a:pPr/>
-              <a:t>7/27/2009</a:t>
+              <a:t>7/28/2009</a:t>
             </a:fld>
             <a:endParaRPr lang="en-US"/>
           </a:p>
@@ -2507,7 +2513,7 @@
             <a:fld id="{1D8BD707-D9CF-40AE-B4C6-C98DA3205C09}" type="datetimeFigureOut">
               <a:rPr lang="en-US" smtClean="0"/>
               <a:pPr/>
-              <a:t>7/27/2009</a:t>
+              <a:t>7/28/2009</a:t>
             </a:fld>
             <a:endParaRPr lang="en-US"/>
           </a:p>
@@ -2717,7 +2723,7 @@
             <a:fld id="{1D8BD707-D9CF-40AE-B4C6-C98DA3205C09}" type="datetimeFigureOut">
               <a:rPr lang="en-US" smtClean="0"/>
               <a:pPr/>
-              <a:t>7/27/2009</a:t>
+              <a:t>7/28/2009</a:t>
             </a:fld>
             <a:endParaRPr lang="en-US"/>
           </a:p>
@@ -17133,7 +17139,499 @@
           <a:p>
             <a:r>
               <a:rPr lang="en-GB" dirty="0" smtClean="0"/>
-              <a:t>Modelled overlap with a dominant parent</a:t>
+              <a:t>Modelled overlap with </a:t>
+            </a:r>
+            <a:r>
+              <a:rPr lang="en-GB" dirty="0" smtClean="0"/>
+              <a:t>a dominant parent (1)</a:t>
+            </a:r>
+            <a:endParaRPr lang="en-GB" dirty="0"/>
+          </a:p>
+        </p:txBody>
+      </p:sp>
+      <p:sp>
+        <p:nvSpPr>
+          <p:cNvPr id="32" name="Rounded Rectangle 31"/>
+          <p:cNvSpPr/>
+          <p:nvPr/>
+        </p:nvSpPr>
+        <p:spPr>
+          <a:xfrm>
+            <a:off x="3733800" y="3352800"/>
+            <a:ext cx="1447800" cy="1524000"/>
+          </a:xfrm>
+          <a:prstGeom prst="roundRect">
+            <a:avLst/>
+          </a:prstGeom>
+          <a:solidFill>
+            <a:schemeClr val="bg1"/>
+          </a:solidFill>
+          <a:ln>
+            <a:solidFill>
+              <a:schemeClr val="tx1"/>
+            </a:solidFill>
+          </a:ln>
+        </p:spPr>
+        <p:style>
+          <a:lnRef idx="2">
+            <a:schemeClr val="accent1">
+              <a:shade val="50000"/>
+            </a:schemeClr>
+          </a:lnRef>
+          <a:fillRef idx="1">
+            <a:schemeClr val="accent1"/>
+          </a:fillRef>
+          <a:effectRef idx="0">
+            <a:schemeClr val="accent1"/>
+          </a:effectRef>
+          <a:fontRef idx="minor">
+            <a:schemeClr val="lt1"/>
+          </a:fontRef>
+        </p:style>
+        <p:txBody>
+          <a:bodyPr rtlCol="0" anchor="ctr"/>
+          <a:lstStyle/>
+          <a:p>
+            <a:pPr algn="ctr"/>
+            <a:endParaRPr lang="en-GB" dirty="0">
+              <a:solidFill>
+                <a:schemeClr val="tx1"/>
+              </a:solidFill>
+            </a:endParaRPr>
+          </a:p>
+        </p:txBody>
+      </p:sp>
+      <p:sp>
+        <p:nvSpPr>
+          <p:cNvPr id="33" name="Rectangle 32"/>
+          <p:cNvSpPr/>
+          <p:nvPr/>
+        </p:nvSpPr>
+        <p:spPr>
+          <a:xfrm>
+            <a:off x="3733800" y="2971800"/>
+            <a:ext cx="317716" cy="369332"/>
+          </a:xfrm>
+          <a:prstGeom prst="rect">
+            <a:avLst/>
+          </a:prstGeom>
+        </p:spPr>
+        <p:txBody>
+          <a:bodyPr wrap="none">
+            <a:spAutoFit/>
+          </a:bodyPr>
+          <a:lstStyle/>
+          <a:p>
+            <a:pPr algn="ctr"/>
+            <a:r>
+              <a:rPr lang="en-GB" dirty="0" smtClean="0"/>
+              <a:t>A</a:t>
+            </a:r>
+            <a:endParaRPr lang="en-GB" dirty="0"/>
+          </a:p>
+        </p:txBody>
+      </p:sp>
+      <p:sp>
+        <p:nvSpPr>
+          <p:cNvPr id="34" name="Rounded Rectangle 33"/>
+          <p:cNvSpPr/>
+          <p:nvPr/>
+        </p:nvSpPr>
+        <p:spPr>
+          <a:xfrm>
+            <a:off x="3886200" y="3886200"/>
+            <a:ext cx="1143000" cy="838200"/>
+          </a:xfrm>
+          <a:prstGeom prst="roundRect">
+            <a:avLst/>
+          </a:prstGeom>
+          <a:noFill/>
+          <a:ln>
+            <a:solidFill>
+              <a:schemeClr val="tx1"/>
+            </a:solidFill>
+          </a:ln>
+        </p:spPr>
+        <p:style>
+          <a:lnRef idx="2">
+            <a:schemeClr val="accent1">
+              <a:shade val="50000"/>
+            </a:schemeClr>
+          </a:lnRef>
+          <a:fillRef idx="1">
+            <a:schemeClr val="accent1"/>
+          </a:fillRef>
+          <a:effectRef idx="0">
+            <a:schemeClr val="accent1"/>
+          </a:effectRef>
+          <a:fontRef idx="minor">
+            <a:schemeClr val="lt1"/>
+          </a:fontRef>
+        </p:style>
+        <p:txBody>
+          <a:bodyPr rtlCol="0" anchor="ctr"/>
+          <a:lstStyle/>
+          <a:p>
+            <a:pPr algn="ctr"/>
+            <a:endParaRPr lang="en-GB" dirty="0">
+              <a:solidFill>
+                <a:schemeClr val="tx1"/>
+              </a:solidFill>
+            </a:endParaRPr>
+          </a:p>
+        </p:txBody>
+      </p:sp>
+      <p:sp>
+        <p:nvSpPr>
+          <p:cNvPr id="35" name="Rectangle 34"/>
+          <p:cNvSpPr/>
+          <p:nvPr/>
+        </p:nvSpPr>
+        <p:spPr>
+          <a:xfrm>
+            <a:off x="5486400" y="2971800"/>
+            <a:ext cx="317716" cy="369332"/>
+          </a:xfrm>
+          <a:prstGeom prst="rect">
+            <a:avLst/>
+          </a:prstGeom>
+        </p:spPr>
+        <p:txBody>
+          <a:bodyPr wrap="none">
+            <a:spAutoFit/>
+          </a:bodyPr>
+          <a:lstStyle/>
+          <a:p>
+            <a:pPr algn="ctr"/>
+            <a:r>
+              <a:rPr lang="en-GB" dirty="0" smtClean="0"/>
+              <a:t>B</a:t>
+            </a:r>
+            <a:endParaRPr lang="en-GB" dirty="0"/>
+          </a:p>
+        </p:txBody>
+      </p:sp>
+      <p:sp>
+        <p:nvSpPr>
+          <p:cNvPr id="38" name="Rounded Rectangle 37"/>
+          <p:cNvSpPr/>
+          <p:nvPr/>
+        </p:nvSpPr>
+        <p:spPr>
+          <a:xfrm>
+            <a:off x="4267200" y="4114800"/>
+            <a:ext cx="533400" cy="457200"/>
+          </a:xfrm>
+          <a:prstGeom prst="roundRect">
+            <a:avLst/>
+          </a:prstGeom>
+          <a:solidFill>
+            <a:schemeClr val="bg1"/>
+          </a:solidFill>
+          <a:ln>
+            <a:solidFill>
+              <a:schemeClr val="tx1"/>
+            </a:solidFill>
+          </a:ln>
+        </p:spPr>
+        <p:style>
+          <a:lnRef idx="2">
+            <a:schemeClr val="accent1">
+              <a:shade val="50000"/>
+            </a:schemeClr>
+          </a:lnRef>
+          <a:fillRef idx="1">
+            <a:schemeClr val="accent1"/>
+          </a:fillRef>
+          <a:effectRef idx="0">
+            <a:schemeClr val="accent1"/>
+          </a:effectRef>
+          <a:fontRef idx="minor">
+            <a:schemeClr val="lt1"/>
+          </a:fontRef>
+        </p:style>
+        <p:txBody>
+          <a:bodyPr rtlCol="0" anchor="ctr"/>
+          <a:lstStyle/>
+          <a:p>
+            <a:pPr algn="ctr"/>
+            <a:r>
+              <a:rPr lang="en-GB" dirty="0" smtClean="0">
+                <a:solidFill>
+                  <a:schemeClr val="tx1"/>
+                </a:solidFill>
+              </a:rPr>
+              <a:t>C</a:t>
+            </a:r>
+            <a:endParaRPr lang="en-GB" dirty="0">
+              <a:solidFill>
+                <a:schemeClr val="tx1"/>
+              </a:solidFill>
+            </a:endParaRPr>
+          </a:p>
+        </p:txBody>
+      </p:sp>
+      <p:sp>
+        <p:nvSpPr>
+          <p:cNvPr id="39" name="Rounded Rectangle 38"/>
+          <p:cNvSpPr/>
+          <p:nvPr/>
+        </p:nvSpPr>
+        <p:spPr>
+          <a:xfrm>
+            <a:off x="5334000" y="3352800"/>
+            <a:ext cx="533400" cy="990600"/>
+          </a:xfrm>
+          <a:prstGeom prst="roundRect">
+            <a:avLst/>
+          </a:prstGeom>
+          <a:noFill/>
+          <a:ln>
+            <a:solidFill>
+              <a:schemeClr val="tx1"/>
+            </a:solidFill>
+          </a:ln>
+        </p:spPr>
+        <p:style>
+          <a:lnRef idx="2">
+            <a:schemeClr val="accent1">
+              <a:shade val="50000"/>
+            </a:schemeClr>
+          </a:lnRef>
+          <a:fillRef idx="1">
+            <a:schemeClr val="accent1"/>
+          </a:fillRef>
+          <a:effectRef idx="0">
+            <a:schemeClr val="accent1"/>
+          </a:effectRef>
+          <a:fontRef idx="minor">
+            <a:schemeClr val="lt1"/>
+          </a:fontRef>
+        </p:style>
+        <p:txBody>
+          <a:bodyPr rtlCol="0" anchor="ctr"/>
+          <a:lstStyle/>
+          <a:p>
+            <a:pPr algn="ctr"/>
+            <a:endParaRPr lang="en-GB" dirty="0">
+              <a:solidFill>
+                <a:schemeClr val="tx1"/>
+              </a:solidFill>
+            </a:endParaRPr>
+          </a:p>
+        </p:txBody>
+      </p:sp>
+      <p:sp>
+        <p:nvSpPr>
+          <p:cNvPr id="40" name="Rectangle 39"/>
+          <p:cNvSpPr/>
+          <p:nvPr/>
+        </p:nvSpPr>
+        <p:spPr>
+          <a:xfrm>
+            <a:off x="3886200" y="3516868"/>
+            <a:ext cx="442749" cy="369332"/>
+          </a:xfrm>
+          <a:prstGeom prst="rect">
+            <a:avLst/>
+          </a:prstGeom>
+        </p:spPr>
+        <p:txBody>
+          <a:bodyPr wrap="none">
+            <a:spAutoFit/>
+          </a:bodyPr>
+          <a:lstStyle/>
+          <a:p>
+            <a:pPr algn="ctr"/>
+            <a:r>
+              <a:rPr lang="en-GB" dirty="0" smtClean="0"/>
+              <a:t>AB</a:t>
+            </a:r>
+            <a:endParaRPr lang="en-GB" dirty="0"/>
+          </a:p>
+        </p:txBody>
+      </p:sp>
+      <p:sp>
+        <p:nvSpPr>
+          <p:cNvPr id="10" name="Oval 9"/>
+          <p:cNvSpPr/>
+          <p:nvPr/>
+        </p:nvSpPr>
+        <p:spPr>
+          <a:xfrm>
+            <a:off x="4495800" y="3733800"/>
+            <a:ext cx="152400" cy="152400"/>
+          </a:xfrm>
+          <a:prstGeom prst="ellipse">
+            <a:avLst/>
+          </a:prstGeom>
+          <a:solidFill>
+            <a:schemeClr val="tx1"/>
+          </a:solidFill>
+          <a:ln>
+            <a:solidFill>
+              <a:schemeClr val="tx1"/>
+            </a:solidFill>
+          </a:ln>
+        </p:spPr>
+        <p:style>
+          <a:lnRef idx="2">
+            <a:schemeClr val="accent1">
+              <a:shade val="50000"/>
+            </a:schemeClr>
+          </a:lnRef>
+          <a:fillRef idx="1">
+            <a:schemeClr val="accent1"/>
+          </a:fillRef>
+          <a:effectRef idx="0">
+            <a:schemeClr val="accent1"/>
+          </a:effectRef>
+          <a:fontRef idx="minor">
+            <a:schemeClr val="lt1"/>
+          </a:fontRef>
+        </p:style>
+        <p:txBody>
+          <a:bodyPr rtlCol="0" anchor="ctr"/>
+          <a:lstStyle/>
+          <a:p>
+            <a:pPr algn="ctr"/>
+            <a:endParaRPr lang="en-GB"/>
+          </a:p>
+        </p:txBody>
+      </p:sp>
+      <p:cxnSp>
+        <p:nvCxnSpPr>
+          <p:cNvPr id="15" name="Curved Connector 10"/>
+          <p:cNvCxnSpPr>
+            <a:stCxn id="16" idx="1"/>
+            <a:endCxn id="10" idx="0"/>
+          </p:cNvCxnSpPr>
+          <p:nvPr/>
+        </p:nvCxnSpPr>
+        <p:spPr>
+          <a:xfrm rot="10800000" flipV="1">
+            <a:off x="4572000" y="3581400"/>
+            <a:ext cx="914400" cy="152400"/>
+          </a:xfrm>
+          <a:prstGeom prst="curvedConnector2">
+            <a:avLst/>
+          </a:prstGeom>
+          <a:ln>
+            <a:solidFill>
+              <a:schemeClr val="tx1"/>
+            </a:solidFill>
+          </a:ln>
+        </p:spPr>
+        <p:style>
+          <a:lnRef idx="1">
+            <a:schemeClr val="accent1"/>
+          </a:lnRef>
+          <a:fillRef idx="0">
+            <a:schemeClr val="accent1"/>
+          </a:fillRef>
+          <a:effectRef idx="0">
+            <a:schemeClr val="accent1"/>
+          </a:effectRef>
+          <a:fontRef idx="minor">
+            <a:schemeClr val="tx1"/>
+          </a:fontRef>
+        </p:style>
+      </p:cxnSp>
+      <p:sp>
+        <p:nvSpPr>
+          <p:cNvPr id="16" name="Diamond 15"/>
+          <p:cNvSpPr/>
+          <p:nvPr/>
+        </p:nvSpPr>
+        <p:spPr>
+          <a:xfrm>
+            <a:off x="5486400" y="3505200"/>
+            <a:ext cx="152400" cy="152400"/>
+          </a:xfrm>
+          <a:prstGeom prst="diamond">
+            <a:avLst/>
+          </a:prstGeom>
+          <a:noFill/>
+          <a:ln>
+            <a:solidFill>
+              <a:schemeClr val="tx1"/>
+            </a:solidFill>
+          </a:ln>
+        </p:spPr>
+        <p:style>
+          <a:lnRef idx="2">
+            <a:schemeClr val="accent1">
+              <a:shade val="50000"/>
+            </a:schemeClr>
+          </a:lnRef>
+          <a:fillRef idx="1">
+            <a:schemeClr val="accent1"/>
+          </a:fillRef>
+          <a:effectRef idx="0">
+            <a:schemeClr val="accent1"/>
+          </a:effectRef>
+          <a:fontRef idx="minor">
+            <a:schemeClr val="lt1"/>
+          </a:fontRef>
+        </p:style>
+        <p:txBody>
+          <a:bodyPr rtlCol="0" anchor="ctr"/>
+          <a:lstStyle/>
+          <a:p>
+            <a:pPr algn="ctr"/>
+            <a:endParaRPr lang="en-GB"/>
+          </a:p>
+        </p:txBody>
+      </p:sp>
+    </p:spTree>
+  </p:cSld>
+  <p:clrMapOvr>
+    <a:masterClrMapping/>
+  </p:clrMapOvr>
+</p:sld>
+</file>
+
+<file path=ppt/slides/slide31.xml><?xml version="1.0" encoding="utf-8"?>
+<p:sld xmlns:a="http://schemas.openxmlformats.org/drawingml/2006/main" xmlns:r="http://schemas.openxmlformats.org/officeDocument/2006/relationships" xmlns:p="http://schemas.openxmlformats.org/presentationml/2006/main">
+  <p:cSld>
+    <p:spTree>
+      <p:nvGrpSpPr>
+        <p:cNvPr id="1" name=""/>
+        <p:cNvGrpSpPr/>
+        <p:nvPr/>
+      </p:nvGrpSpPr>
+      <p:grpSpPr>
+        <a:xfrm>
+          <a:off x="0" y="0"/>
+          <a:ext cx="0" cy="0"/>
+          <a:chOff x="0" y="0"/>
+          <a:chExt cx="0" cy="0"/>
+        </a:xfrm>
+      </p:grpSpPr>
+      <p:sp>
+        <p:nvSpPr>
+          <p:cNvPr id="2" name="Title 1"/>
+          <p:cNvSpPr>
+            <a:spLocks noGrp="1"/>
+          </p:cNvSpPr>
+          <p:nvPr>
+            <p:ph type="title"/>
+          </p:nvPr>
+        </p:nvSpPr>
+        <p:spPr/>
+        <p:txBody>
+          <a:bodyPr>
+            <a:normAutofit fontScale="90000"/>
+          </a:bodyPr>
+          <a:lstStyle/>
+          <a:p>
+            <a:r>
+              <a:rPr lang="en-GB" dirty="0" smtClean="0"/>
+              <a:t>Modelled overlap with a dominant </a:t>
+            </a:r>
+            <a:r>
+              <a:rPr lang="en-GB" dirty="0" smtClean="0"/>
+              <a:t>parent (2)</a:t>
             </a:r>
             <a:endParaRPr lang="en-GB" dirty="0"/>
           </a:p>
@@ -17492,6 +17990,3239 @@
           <a:p>
             <a:pPr algn="ctr"/>
             <a:endParaRPr lang="en-GB"/>
+          </a:p>
+        </p:txBody>
+      </p:sp>
+    </p:spTree>
+  </p:cSld>
+  <p:clrMapOvr>
+    <a:masterClrMapping/>
+  </p:clrMapOvr>
+</p:sld>
+</file>
+
+<file path=ppt/slides/slide32.xml><?xml version="1.0" encoding="utf-8"?>
+<p:sld xmlns:a="http://schemas.openxmlformats.org/drawingml/2006/main" xmlns:r="http://schemas.openxmlformats.org/officeDocument/2006/relationships" xmlns:p="http://schemas.openxmlformats.org/presentationml/2006/main">
+  <p:cSld>
+    <p:spTree>
+      <p:nvGrpSpPr>
+        <p:cNvPr id="1" name=""/>
+        <p:cNvGrpSpPr/>
+        <p:nvPr/>
+      </p:nvGrpSpPr>
+      <p:grpSpPr>
+        <a:xfrm>
+          <a:off x="0" y="0"/>
+          <a:ext cx="0" cy="0"/>
+          <a:chOff x="0" y="0"/>
+          <a:chExt cx="0" cy="0"/>
+        </a:xfrm>
+      </p:grpSpPr>
+      <p:sp>
+        <p:nvSpPr>
+          <p:cNvPr id="2" name="Title 1"/>
+          <p:cNvSpPr>
+            <a:spLocks noGrp="1"/>
+          </p:cNvSpPr>
+          <p:nvPr>
+            <p:ph type="title"/>
+          </p:nvPr>
+        </p:nvSpPr>
+        <p:spPr/>
+        <p:txBody>
+          <a:bodyPr/>
+          <a:lstStyle/>
+          <a:p>
+            <a:r>
+              <a:rPr lang="en-GB" dirty="0" smtClean="0"/>
+              <a:t>Signal levels</a:t>
+            </a:r>
+            <a:endParaRPr lang="en-GB" dirty="0"/>
+          </a:p>
+        </p:txBody>
+      </p:sp>
+      <p:sp>
+        <p:nvSpPr>
+          <p:cNvPr id="3" name="Rounded Rectangle 2"/>
+          <p:cNvSpPr/>
+          <p:nvPr/>
+        </p:nvSpPr>
+        <p:spPr>
+          <a:xfrm>
+            <a:off x="3581400" y="3200400"/>
+            <a:ext cx="1600200" cy="1676400"/>
+          </a:xfrm>
+          <a:prstGeom prst="roundRect">
+            <a:avLst/>
+          </a:prstGeom>
+          <a:solidFill>
+            <a:schemeClr val="bg1"/>
+          </a:solidFill>
+          <a:ln>
+            <a:solidFill>
+              <a:schemeClr val="tx1"/>
+            </a:solidFill>
+          </a:ln>
+        </p:spPr>
+        <p:style>
+          <a:lnRef idx="2">
+            <a:schemeClr val="accent1">
+              <a:shade val="50000"/>
+            </a:schemeClr>
+          </a:lnRef>
+          <a:fillRef idx="1">
+            <a:schemeClr val="accent1"/>
+          </a:fillRef>
+          <a:effectRef idx="0">
+            <a:schemeClr val="accent1"/>
+          </a:effectRef>
+          <a:fontRef idx="minor">
+            <a:schemeClr val="lt1"/>
+          </a:fontRef>
+        </p:style>
+        <p:txBody>
+          <a:bodyPr rtlCol="0" anchor="ctr"/>
+          <a:lstStyle/>
+          <a:p>
+            <a:pPr algn="ctr"/>
+            <a:endParaRPr lang="en-GB" dirty="0">
+              <a:solidFill>
+                <a:schemeClr val="tx1"/>
+              </a:solidFill>
+            </a:endParaRPr>
+          </a:p>
+        </p:txBody>
+      </p:sp>
+      <p:sp>
+        <p:nvSpPr>
+          <p:cNvPr id="4" name="Rectangle 3"/>
+          <p:cNvSpPr/>
+          <p:nvPr/>
+        </p:nvSpPr>
+        <p:spPr>
+          <a:xfrm>
+            <a:off x="3427957" y="2438400"/>
+            <a:ext cx="915443" cy="369332"/>
+          </a:xfrm>
+          <a:prstGeom prst="rect">
+            <a:avLst/>
+          </a:prstGeom>
+        </p:spPr>
+        <p:txBody>
+          <a:bodyPr wrap="none">
+            <a:spAutoFit/>
+          </a:bodyPr>
+          <a:lstStyle/>
+          <a:p>
+            <a:pPr algn="ctr"/>
+            <a:r>
+              <a:rPr lang="en-GB" dirty="0" smtClean="0"/>
+              <a:t>S-level1</a:t>
+            </a:r>
+            <a:endParaRPr lang="en-GB" dirty="0"/>
+          </a:p>
+        </p:txBody>
+      </p:sp>
+      <p:sp>
+        <p:nvSpPr>
+          <p:cNvPr id="5" name="Rounded Rectangle 4"/>
+          <p:cNvSpPr/>
+          <p:nvPr/>
+        </p:nvSpPr>
+        <p:spPr>
+          <a:xfrm>
+            <a:off x="3886200" y="4267200"/>
+            <a:ext cx="1066800" cy="457200"/>
+          </a:xfrm>
+          <a:prstGeom prst="roundRect">
+            <a:avLst/>
+          </a:prstGeom>
+          <a:noFill/>
+          <a:ln>
+            <a:solidFill>
+              <a:schemeClr val="tx1"/>
+            </a:solidFill>
+          </a:ln>
+        </p:spPr>
+        <p:style>
+          <a:lnRef idx="2">
+            <a:schemeClr val="accent1">
+              <a:shade val="50000"/>
+            </a:schemeClr>
+          </a:lnRef>
+          <a:fillRef idx="1">
+            <a:schemeClr val="accent1"/>
+          </a:fillRef>
+          <a:effectRef idx="0">
+            <a:schemeClr val="accent1"/>
+          </a:effectRef>
+          <a:fontRef idx="minor">
+            <a:schemeClr val="lt1"/>
+          </a:fontRef>
+        </p:style>
+        <p:txBody>
+          <a:bodyPr rtlCol="0" anchor="ctr"/>
+          <a:lstStyle/>
+          <a:p>
+            <a:pPr algn="ctr"/>
+            <a:endParaRPr lang="en-GB" dirty="0">
+              <a:solidFill>
+                <a:schemeClr val="tx1"/>
+              </a:solidFill>
+            </a:endParaRPr>
+          </a:p>
+        </p:txBody>
+      </p:sp>
+      <p:sp>
+        <p:nvSpPr>
+          <p:cNvPr id="6" name="Rounded Rectangle 5"/>
+          <p:cNvSpPr/>
+          <p:nvPr/>
+        </p:nvSpPr>
+        <p:spPr>
+          <a:xfrm>
+            <a:off x="3886200" y="3429000"/>
+            <a:ext cx="533400" cy="457200"/>
+          </a:xfrm>
+          <a:prstGeom prst="roundRect">
+            <a:avLst/>
+          </a:prstGeom>
+          <a:solidFill>
+            <a:schemeClr val="bg1"/>
+          </a:solidFill>
+          <a:ln>
+            <a:solidFill>
+              <a:schemeClr val="tx1"/>
+            </a:solidFill>
+          </a:ln>
+        </p:spPr>
+        <p:style>
+          <a:lnRef idx="2">
+            <a:schemeClr val="accent1">
+              <a:shade val="50000"/>
+            </a:schemeClr>
+          </a:lnRef>
+          <a:fillRef idx="1">
+            <a:schemeClr val="accent1"/>
+          </a:fillRef>
+          <a:effectRef idx="0">
+            <a:schemeClr val="accent1"/>
+          </a:effectRef>
+          <a:fontRef idx="minor">
+            <a:schemeClr val="lt1"/>
+          </a:fontRef>
+        </p:style>
+        <p:txBody>
+          <a:bodyPr rtlCol="0" anchor="ctr"/>
+          <a:lstStyle/>
+          <a:p>
+            <a:pPr algn="ctr"/>
+            <a:r>
+              <a:rPr lang="en-GB" dirty="0" smtClean="0">
+                <a:solidFill>
+                  <a:schemeClr val="tx1"/>
+                </a:solidFill>
+              </a:rPr>
+              <a:t>D</a:t>
+            </a:r>
+            <a:endParaRPr lang="en-GB" dirty="0">
+              <a:solidFill>
+                <a:schemeClr val="tx1"/>
+              </a:solidFill>
+            </a:endParaRPr>
+          </a:p>
+        </p:txBody>
+      </p:sp>
+      <p:sp>
+        <p:nvSpPr>
+          <p:cNvPr id="7" name="Rectangle 6"/>
+          <p:cNvSpPr/>
+          <p:nvPr/>
+        </p:nvSpPr>
+        <p:spPr>
+          <a:xfrm>
+            <a:off x="3885157" y="3962400"/>
+            <a:ext cx="915443" cy="369332"/>
+          </a:xfrm>
+          <a:prstGeom prst="rect">
+            <a:avLst/>
+          </a:prstGeom>
+        </p:spPr>
+        <p:txBody>
+          <a:bodyPr wrap="none">
+            <a:spAutoFit/>
+          </a:bodyPr>
+          <a:lstStyle/>
+          <a:p>
+            <a:pPr algn="ctr"/>
+            <a:r>
+              <a:rPr lang="en-GB" dirty="0" smtClean="0"/>
+              <a:t>S-level3</a:t>
+            </a:r>
+            <a:endParaRPr lang="en-GB" dirty="0"/>
+          </a:p>
+        </p:txBody>
+      </p:sp>
+      <p:sp>
+        <p:nvSpPr>
+          <p:cNvPr id="9" name="Rounded Rectangle 8"/>
+          <p:cNvSpPr/>
+          <p:nvPr/>
+        </p:nvSpPr>
+        <p:spPr>
+          <a:xfrm>
+            <a:off x="3276600" y="2743200"/>
+            <a:ext cx="2057400" cy="2286000"/>
+          </a:xfrm>
+          <a:prstGeom prst="roundRect">
+            <a:avLst/>
+          </a:prstGeom>
+          <a:noFill/>
+          <a:ln>
+            <a:solidFill>
+              <a:schemeClr val="tx1"/>
+            </a:solidFill>
+          </a:ln>
+        </p:spPr>
+        <p:style>
+          <a:lnRef idx="2">
+            <a:schemeClr val="accent1">
+              <a:shade val="50000"/>
+            </a:schemeClr>
+          </a:lnRef>
+          <a:fillRef idx="1">
+            <a:schemeClr val="accent1"/>
+          </a:fillRef>
+          <a:effectRef idx="0">
+            <a:schemeClr val="accent1"/>
+          </a:effectRef>
+          <a:fontRef idx="minor">
+            <a:schemeClr val="lt1"/>
+          </a:fontRef>
+        </p:style>
+        <p:txBody>
+          <a:bodyPr rtlCol="0" anchor="ctr"/>
+          <a:lstStyle/>
+          <a:p>
+            <a:pPr algn="ctr"/>
+            <a:endParaRPr lang="en-GB" dirty="0">
+              <a:solidFill>
+                <a:schemeClr val="tx1"/>
+              </a:solidFill>
+            </a:endParaRPr>
+          </a:p>
+        </p:txBody>
+      </p:sp>
+      <p:sp>
+        <p:nvSpPr>
+          <p:cNvPr id="10" name="Rectangle 9"/>
+          <p:cNvSpPr/>
+          <p:nvPr/>
+        </p:nvSpPr>
+        <p:spPr>
+          <a:xfrm>
+            <a:off x="3656557" y="2895600"/>
+            <a:ext cx="915443" cy="369332"/>
+          </a:xfrm>
+          <a:prstGeom prst="rect">
+            <a:avLst/>
+          </a:prstGeom>
+        </p:spPr>
+        <p:txBody>
+          <a:bodyPr wrap="none">
+            <a:spAutoFit/>
+          </a:bodyPr>
+          <a:lstStyle/>
+          <a:p>
+            <a:pPr algn="ctr"/>
+            <a:r>
+              <a:rPr lang="en-GB" dirty="0" smtClean="0"/>
+              <a:t>S-level2</a:t>
+            </a:r>
+            <a:endParaRPr lang="en-GB" dirty="0"/>
+          </a:p>
+        </p:txBody>
+      </p:sp>
+    </p:spTree>
+  </p:cSld>
+  <p:clrMapOvr>
+    <a:masterClrMapping/>
+  </p:clrMapOvr>
+</p:sld>
+</file>
+
+<file path=ppt/slides/slide33.xml><?xml version="1.0" encoding="utf-8"?>
+<p:sld xmlns:a="http://schemas.openxmlformats.org/drawingml/2006/main" xmlns:r="http://schemas.openxmlformats.org/officeDocument/2006/relationships" xmlns:p="http://schemas.openxmlformats.org/presentationml/2006/main">
+  <p:cSld>
+    <p:spTree>
+      <p:nvGrpSpPr>
+        <p:cNvPr id="1" name=""/>
+        <p:cNvGrpSpPr/>
+        <p:nvPr/>
+      </p:nvGrpSpPr>
+      <p:grpSpPr>
+        <a:xfrm>
+          <a:off x="0" y="0"/>
+          <a:ext cx="0" cy="0"/>
+          <a:chOff x="0" y="0"/>
+          <a:chExt cx="0" cy="0"/>
+        </a:xfrm>
+      </p:grpSpPr>
+      <p:sp>
+        <p:nvSpPr>
+          <p:cNvPr id="2" name="Title 1"/>
+          <p:cNvSpPr>
+            <a:spLocks noGrp="1"/>
+          </p:cNvSpPr>
+          <p:nvPr>
+            <p:ph type="title"/>
+          </p:nvPr>
+        </p:nvSpPr>
+        <p:spPr/>
+        <p:txBody>
+          <a:bodyPr>
+            <a:normAutofit/>
+          </a:bodyPr>
+          <a:lstStyle/>
+          <a:p>
+            <a:r>
+              <a:rPr lang="en-GB" dirty="0" smtClean="0"/>
+              <a:t>Signal link</a:t>
+            </a:r>
+            <a:endParaRPr lang="en-GB" dirty="0"/>
+          </a:p>
+        </p:txBody>
+      </p:sp>
+      <p:sp>
+        <p:nvSpPr>
+          <p:cNvPr id="32" name="Rounded Rectangle 31"/>
+          <p:cNvSpPr/>
+          <p:nvPr/>
+        </p:nvSpPr>
+        <p:spPr>
+          <a:xfrm>
+            <a:off x="685800" y="2209800"/>
+            <a:ext cx="1447800" cy="1143000"/>
+          </a:xfrm>
+          <a:prstGeom prst="roundRect">
+            <a:avLst/>
+          </a:prstGeom>
+          <a:solidFill>
+            <a:schemeClr val="bg1"/>
+          </a:solidFill>
+          <a:ln>
+            <a:solidFill>
+              <a:schemeClr val="tx1"/>
+            </a:solidFill>
+          </a:ln>
+        </p:spPr>
+        <p:style>
+          <a:lnRef idx="2">
+            <a:schemeClr val="accent1">
+              <a:shade val="50000"/>
+            </a:schemeClr>
+          </a:lnRef>
+          <a:fillRef idx="1">
+            <a:schemeClr val="accent1"/>
+          </a:fillRef>
+          <a:effectRef idx="0">
+            <a:schemeClr val="accent1"/>
+          </a:effectRef>
+          <a:fontRef idx="minor">
+            <a:schemeClr val="lt1"/>
+          </a:fontRef>
+        </p:style>
+        <p:txBody>
+          <a:bodyPr rtlCol="0" anchor="ctr"/>
+          <a:lstStyle/>
+          <a:p>
+            <a:pPr algn="ctr"/>
+            <a:endParaRPr lang="en-GB" dirty="0">
+              <a:solidFill>
+                <a:schemeClr val="tx1"/>
+              </a:solidFill>
+            </a:endParaRPr>
+          </a:p>
+        </p:txBody>
+      </p:sp>
+      <p:sp>
+        <p:nvSpPr>
+          <p:cNvPr id="33" name="Rectangle 32"/>
+          <p:cNvSpPr/>
+          <p:nvPr/>
+        </p:nvSpPr>
+        <p:spPr>
+          <a:xfrm>
+            <a:off x="478180" y="1905000"/>
+            <a:ext cx="732958" cy="369332"/>
+          </a:xfrm>
+          <a:prstGeom prst="rect">
+            <a:avLst/>
+          </a:prstGeom>
+        </p:spPr>
+        <p:txBody>
+          <a:bodyPr wrap="none">
+            <a:spAutoFit/>
+          </a:bodyPr>
+          <a:lstStyle/>
+          <a:p>
+            <a:pPr algn="ctr"/>
+            <a:r>
+              <a:rPr lang="en-GB" dirty="0" smtClean="0"/>
+              <a:t>Room</a:t>
+            </a:r>
+            <a:endParaRPr lang="en-GB" dirty="0"/>
+          </a:p>
+        </p:txBody>
+      </p:sp>
+      <p:sp>
+        <p:nvSpPr>
+          <p:cNvPr id="35" name="Rectangle 34"/>
+          <p:cNvSpPr/>
+          <p:nvPr/>
+        </p:nvSpPr>
+        <p:spPr>
+          <a:xfrm>
+            <a:off x="2228407" y="2057400"/>
+            <a:ext cx="737702" cy="369332"/>
+          </a:xfrm>
+          <a:prstGeom prst="rect">
+            <a:avLst/>
+          </a:prstGeom>
+        </p:spPr>
+        <p:txBody>
+          <a:bodyPr wrap="none">
+            <a:spAutoFit/>
+          </a:bodyPr>
+          <a:lstStyle/>
+          <a:p>
+            <a:pPr algn="ctr"/>
+            <a:r>
+              <a:rPr lang="en-GB" dirty="0" smtClean="0"/>
+              <a:t>Signal</a:t>
+            </a:r>
+            <a:endParaRPr lang="en-GB" dirty="0"/>
+          </a:p>
+        </p:txBody>
+      </p:sp>
+      <p:sp>
+        <p:nvSpPr>
+          <p:cNvPr id="38" name="Rounded Rectangle 37"/>
+          <p:cNvSpPr/>
+          <p:nvPr/>
+        </p:nvSpPr>
+        <p:spPr>
+          <a:xfrm>
+            <a:off x="1219200" y="2590800"/>
+            <a:ext cx="609600" cy="533400"/>
+          </a:xfrm>
+          <a:prstGeom prst="roundRect">
+            <a:avLst/>
+          </a:prstGeom>
+          <a:solidFill>
+            <a:schemeClr val="bg1"/>
+          </a:solidFill>
+          <a:ln>
+            <a:solidFill>
+              <a:schemeClr val="tx1"/>
+            </a:solidFill>
+          </a:ln>
+        </p:spPr>
+        <p:style>
+          <a:lnRef idx="2">
+            <a:schemeClr val="accent1">
+              <a:shade val="50000"/>
+            </a:schemeClr>
+          </a:lnRef>
+          <a:fillRef idx="1">
+            <a:schemeClr val="accent1"/>
+          </a:fillRef>
+          <a:effectRef idx="0">
+            <a:schemeClr val="accent1"/>
+          </a:effectRef>
+          <a:fontRef idx="minor">
+            <a:schemeClr val="lt1"/>
+          </a:fontRef>
+        </p:style>
+        <p:txBody>
+          <a:bodyPr rtlCol="0" anchor="ctr"/>
+          <a:lstStyle/>
+          <a:p>
+            <a:pPr algn="ctr"/>
+            <a:endParaRPr lang="en-GB" dirty="0">
+              <a:solidFill>
+                <a:schemeClr val="tx1"/>
+              </a:solidFill>
+            </a:endParaRPr>
+          </a:p>
+        </p:txBody>
+      </p:sp>
+      <p:sp>
+        <p:nvSpPr>
+          <p:cNvPr id="39" name="Rounded Rectangle 38"/>
+          <p:cNvSpPr/>
+          <p:nvPr/>
+        </p:nvSpPr>
+        <p:spPr>
+          <a:xfrm>
+            <a:off x="2286000" y="2438400"/>
+            <a:ext cx="533400" cy="533400"/>
+          </a:xfrm>
+          <a:prstGeom prst="roundRect">
+            <a:avLst/>
+          </a:prstGeom>
+          <a:noFill/>
+          <a:ln>
+            <a:solidFill>
+              <a:schemeClr val="tx1"/>
+            </a:solidFill>
+          </a:ln>
+        </p:spPr>
+        <p:style>
+          <a:lnRef idx="2">
+            <a:schemeClr val="accent1">
+              <a:shade val="50000"/>
+            </a:schemeClr>
+          </a:lnRef>
+          <a:fillRef idx="1">
+            <a:schemeClr val="accent1"/>
+          </a:fillRef>
+          <a:effectRef idx="0">
+            <a:schemeClr val="accent1"/>
+          </a:effectRef>
+          <a:fontRef idx="minor">
+            <a:schemeClr val="lt1"/>
+          </a:fontRef>
+        </p:style>
+        <p:txBody>
+          <a:bodyPr rtlCol="0" anchor="ctr"/>
+          <a:lstStyle/>
+          <a:p>
+            <a:pPr algn="ctr"/>
+            <a:endParaRPr lang="en-GB" dirty="0">
+              <a:solidFill>
+                <a:schemeClr val="tx1"/>
+              </a:solidFill>
+            </a:endParaRPr>
+          </a:p>
+        </p:txBody>
+      </p:sp>
+      <p:sp>
+        <p:nvSpPr>
+          <p:cNvPr id="10" name="Oval 9"/>
+          <p:cNvSpPr/>
+          <p:nvPr/>
+        </p:nvSpPr>
+        <p:spPr>
+          <a:xfrm>
+            <a:off x="1828800" y="2743200"/>
+            <a:ext cx="152400" cy="152400"/>
+          </a:xfrm>
+          <a:prstGeom prst="ellipse">
+            <a:avLst/>
+          </a:prstGeom>
+          <a:solidFill>
+            <a:schemeClr val="tx1"/>
+          </a:solidFill>
+          <a:ln>
+            <a:solidFill>
+              <a:schemeClr val="tx1"/>
+            </a:solidFill>
+          </a:ln>
+        </p:spPr>
+        <p:style>
+          <a:lnRef idx="2">
+            <a:schemeClr val="accent1">
+              <a:shade val="50000"/>
+            </a:schemeClr>
+          </a:lnRef>
+          <a:fillRef idx="1">
+            <a:schemeClr val="accent1"/>
+          </a:fillRef>
+          <a:effectRef idx="0">
+            <a:schemeClr val="accent1"/>
+          </a:effectRef>
+          <a:fontRef idx="minor">
+            <a:schemeClr val="lt1"/>
+          </a:fontRef>
+        </p:style>
+        <p:txBody>
+          <a:bodyPr rtlCol="0" anchor="ctr"/>
+          <a:lstStyle/>
+          <a:p>
+            <a:pPr algn="ctr"/>
+            <a:endParaRPr lang="en-GB"/>
+          </a:p>
+        </p:txBody>
+      </p:sp>
+      <p:cxnSp>
+        <p:nvCxnSpPr>
+          <p:cNvPr id="15" name="Curved Connector 10"/>
+          <p:cNvCxnSpPr>
+            <a:stCxn id="16" idx="1"/>
+            <a:endCxn id="10" idx="6"/>
+          </p:cNvCxnSpPr>
+          <p:nvPr/>
+        </p:nvCxnSpPr>
+        <p:spPr>
+          <a:xfrm rot="10800000" flipV="1">
+            <a:off x="1981200" y="2667000"/>
+            <a:ext cx="457200" cy="152400"/>
+          </a:xfrm>
+          <a:prstGeom prst="curvedConnector3">
+            <a:avLst>
+              <a:gd name="adj1" fmla="val 50000"/>
+            </a:avLst>
+          </a:prstGeom>
+          <a:ln>
+            <a:solidFill>
+              <a:schemeClr val="tx1"/>
+            </a:solidFill>
+          </a:ln>
+        </p:spPr>
+        <p:style>
+          <a:lnRef idx="1">
+            <a:schemeClr val="accent1"/>
+          </a:lnRef>
+          <a:fillRef idx="0">
+            <a:schemeClr val="accent1"/>
+          </a:fillRef>
+          <a:effectRef idx="0">
+            <a:schemeClr val="accent1"/>
+          </a:effectRef>
+          <a:fontRef idx="minor">
+            <a:schemeClr val="tx1"/>
+          </a:fontRef>
+        </p:style>
+      </p:cxnSp>
+      <p:sp>
+        <p:nvSpPr>
+          <p:cNvPr id="16" name="Diamond 15"/>
+          <p:cNvSpPr/>
+          <p:nvPr/>
+        </p:nvSpPr>
+        <p:spPr>
+          <a:xfrm>
+            <a:off x="2438400" y="2590800"/>
+            <a:ext cx="152400" cy="152400"/>
+          </a:xfrm>
+          <a:prstGeom prst="diamond">
+            <a:avLst/>
+          </a:prstGeom>
+          <a:noFill/>
+          <a:ln>
+            <a:solidFill>
+              <a:schemeClr val="tx1"/>
+            </a:solidFill>
+          </a:ln>
+        </p:spPr>
+        <p:style>
+          <a:lnRef idx="2">
+            <a:schemeClr val="accent1">
+              <a:shade val="50000"/>
+            </a:schemeClr>
+          </a:lnRef>
+          <a:fillRef idx="1">
+            <a:schemeClr val="accent1"/>
+          </a:fillRef>
+          <a:effectRef idx="0">
+            <a:schemeClr val="accent1"/>
+          </a:effectRef>
+          <a:fontRef idx="minor">
+            <a:schemeClr val="lt1"/>
+          </a:fontRef>
+        </p:style>
+        <p:txBody>
+          <a:bodyPr rtlCol="0" anchor="ctr"/>
+          <a:lstStyle/>
+          <a:p>
+            <a:pPr algn="ctr"/>
+            <a:endParaRPr lang="en-GB"/>
+          </a:p>
+        </p:txBody>
+      </p:sp>
+      <p:sp>
+        <p:nvSpPr>
+          <p:cNvPr id="11" name="Rectangle 10"/>
+          <p:cNvSpPr/>
+          <p:nvPr/>
+        </p:nvSpPr>
+        <p:spPr>
+          <a:xfrm>
+            <a:off x="1093110" y="2286000"/>
+            <a:ext cx="811890" cy="369332"/>
+          </a:xfrm>
+          <a:prstGeom prst="rect">
+            <a:avLst/>
+          </a:prstGeom>
+        </p:spPr>
+        <p:txBody>
+          <a:bodyPr wrap="none">
+            <a:spAutoFit/>
+          </a:bodyPr>
+          <a:lstStyle/>
+          <a:p>
+            <a:pPr algn="ctr"/>
+            <a:r>
+              <a:rPr lang="en-GB" dirty="0" smtClean="0"/>
+              <a:t>Device</a:t>
+            </a:r>
+            <a:endParaRPr lang="en-GB" dirty="0"/>
+          </a:p>
+        </p:txBody>
+      </p:sp>
+      <p:sp>
+        <p:nvSpPr>
+          <p:cNvPr id="12" name="Rounded Rectangle 11"/>
+          <p:cNvSpPr/>
+          <p:nvPr/>
+        </p:nvSpPr>
+        <p:spPr>
+          <a:xfrm>
+            <a:off x="3408020" y="2286000"/>
+            <a:ext cx="1447800" cy="1143000"/>
+          </a:xfrm>
+          <a:prstGeom prst="roundRect">
+            <a:avLst/>
+          </a:prstGeom>
+          <a:solidFill>
+            <a:schemeClr val="bg1"/>
+          </a:solidFill>
+          <a:ln>
+            <a:solidFill>
+              <a:schemeClr val="tx1"/>
+            </a:solidFill>
+          </a:ln>
+        </p:spPr>
+        <p:style>
+          <a:lnRef idx="2">
+            <a:schemeClr val="accent1">
+              <a:shade val="50000"/>
+            </a:schemeClr>
+          </a:lnRef>
+          <a:fillRef idx="1">
+            <a:schemeClr val="accent1"/>
+          </a:fillRef>
+          <a:effectRef idx="0">
+            <a:schemeClr val="accent1"/>
+          </a:effectRef>
+          <a:fontRef idx="minor">
+            <a:schemeClr val="lt1"/>
+          </a:fontRef>
+        </p:style>
+        <p:txBody>
+          <a:bodyPr rtlCol="0" anchor="ctr"/>
+          <a:lstStyle/>
+          <a:p>
+            <a:pPr algn="ctr"/>
+            <a:endParaRPr lang="en-GB" dirty="0">
+              <a:solidFill>
+                <a:schemeClr val="tx1"/>
+              </a:solidFill>
+            </a:endParaRPr>
+          </a:p>
+        </p:txBody>
+      </p:sp>
+      <p:sp>
+        <p:nvSpPr>
+          <p:cNvPr id="13" name="Rectangle 12"/>
+          <p:cNvSpPr/>
+          <p:nvPr/>
+        </p:nvSpPr>
+        <p:spPr>
+          <a:xfrm>
+            <a:off x="3200400" y="1981200"/>
+            <a:ext cx="732958" cy="369332"/>
+          </a:xfrm>
+          <a:prstGeom prst="rect">
+            <a:avLst/>
+          </a:prstGeom>
+        </p:spPr>
+        <p:txBody>
+          <a:bodyPr wrap="none">
+            <a:spAutoFit/>
+          </a:bodyPr>
+          <a:lstStyle/>
+          <a:p>
+            <a:pPr algn="ctr"/>
+            <a:r>
+              <a:rPr lang="en-GB" dirty="0" smtClean="0"/>
+              <a:t>Room</a:t>
+            </a:r>
+            <a:endParaRPr lang="en-GB" dirty="0"/>
+          </a:p>
+        </p:txBody>
+      </p:sp>
+      <p:sp>
+        <p:nvSpPr>
+          <p:cNvPr id="14" name="Rectangle 13"/>
+          <p:cNvSpPr/>
+          <p:nvPr/>
+        </p:nvSpPr>
+        <p:spPr>
+          <a:xfrm>
+            <a:off x="5103027" y="2133600"/>
+            <a:ext cx="737702" cy="369332"/>
+          </a:xfrm>
+          <a:prstGeom prst="rect">
+            <a:avLst/>
+          </a:prstGeom>
+        </p:spPr>
+        <p:txBody>
+          <a:bodyPr wrap="none">
+            <a:spAutoFit/>
+          </a:bodyPr>
+          <a:lstStyle/>
+          <a:p>
+            <a:pPr algn="ctr"/>
+            <a:r>
+              <a:rPr lang="en-GB" dirty="0" smtClean="0"/>
+              <a:t>Signal</a:t>
+            </a:r>
+            <a:endParaRPr lang="en-GB" dirty="0"/>
+          </a:p>
+        </p:txBody>
+      </p:sp>
+      <p:sp>
+        <p:nvSpPr>
+          <p:cNvPr id="17" name="Rounded Rectangle 16"/>
+          <p:cNvSpPr/>
+          <p:nvPr/>
+        </p:nvSpPr>
+        <p:spPr>
+          <a:xfrm>
+            <a:off x="3941420" y="2667000"/>
+            <a:ext cx="609600" cy="533400"/>
+          </a:xfrm>
+          <a:prstGeom prst="roundRect">
+            <a:avLst/>
+          </a:prstGeom>
+          <a:solidFill>
+            <a:schemeClr val="bg1"/>
+          </a:solidFill>
+          <a:ln>
+            <a:solidFill>
+              <a:schemeClr val="tx1"/>
+            </a:solidFill>
+          </a:ln>
+        </p:spPr>
+        <p:style>
+          <a:lnRef idx="2">
+            <a:schemeClr val="accent1">
+              <a:shade val="50000"/>
+            </a:schemeClr>
+          </a:lnRef>
+          <a:fillRef idx="1">
+            <a:schemeClr val="accent1"/>
+          </a:fillRef>
+          <a:effectRef idx="0">
+            <a:schemeClr val="accent1"/>
+          </a:effectRef>
+          <a:fontRef idx="minor">
+            <a:schemeClr val="lt1"/>
+          </a:fontRef>
+        </p:style>
+        <p:txBody>
+          <a:bodyPr rtlCol="0" anchor="ctr"/>
+          <a:lstStyle/>
+          <a:p>
+            <a:pPr algn="ctr"/>
+            <a:endParaRPr lang="en-GB" dirty="0">
+              <a:solidFill>
+                <a:schemeClr val="tx1"/>
+              </a:solidFill>
+            </a:endParaRPr>
+          </a:p>
+        </p:txBody>
+      </p:sp>
+      <p:sp>
+        <p:nvSpPr>
+          <p:cNvPr id="18" name="Rounded Rectangle 17"/>
+          <p:cNvSpPr/>
+          <p:nvPr/>
+        </p:nvSpPr>
+        <p:spPr>
+          <a:xfrm>
+            <a:off x="5160620" y="2514600"/>
+            <a:ext cx="533400" cy="533400"/>
+          </a:xfrm>
+          <a:prstGeom prst="roundRect">
+            <a:avLst/>
+          </a:prstGeom>
+          <a:noFill/>
+          <a:ln>
+            <a:solidFill>
+              <a:schemeClr val="tx1"/>
+            </a:solidFill>
+          </a:ln>
+        </p:spPr>
+        <p:style>
+          <a:lnRef idx="2">
+            <a:schemeClr val="accent1">
+              <a:shade val="50000"/>
+            </a:schemeClr>
+          </a:lnRef>
+          <a:fillRef idx="1">
+            <a:schemeClr val="accent1"/>
+          </a:fillRef>
+          <a:effectRef idx="0">
+            <a:schemeClr val="accent1"/>
+          </a:effectRef>
+          <a:fontRef idx="minor">
+            <a:schemeClr val="lt1"/>
+          </a:fontRef>
+        </p:style>
+        <p:txBody>
+          <a:bodyPr rtlCol="0" anchor="ctr"/>
+          <a:lstStyle/>
+          <a:p>
+            <a:pPr algn="ctr"/>
+            <a:endParaRPr lang="en-GB" dirty="0">
+              <a:solidFill>
+                <a:schemeClr val="tx1"/>
+              </a:solidFill>
+            </a:endParaRPr>
+          </a:p>
+        </p:txBody>
+      </p:sp>
+      <p:sp>
+        <p:nvSpPr>
+          <p:cNvPr id="19" name="Oval 18"/>
+          <p:cNvSpPr/>
+          <p:nvPr/>
+        </p:nvSpPr>
+        <p:spPr>
+          <a:xfrm>
+            <a:off x="5002529" y="2743200"/>
+            <a:ext cx="152400" cy="152400"/>
+          </a:xfrm>
+          <a:prstGeom prst="ellipse">
+            <a:avLst/>
+          </a:prstGeom>
+          <a:solidFill>
+            <a:schemeClr val="tx1"/>
+          </a:solidFill>
+          <a:ln>
+            <a:solidFill>
+              <a:schemeClr val="tx1"/>
+            </a:solidFill>
+          </a:ln>
+        </p:spPr>
+        <p:style>
+          <a:lnRef idx="2">
+            <a:schemeClr val="accent1">
+              <a:shade val="50000"/>
+            </a:schemeClr>
+          </a:lnRef>
+          <a:fillRef idx="1">
+            <a:schemeClr val="accent1"/>
+          </a:fillRef>
+          <a:effectRef idx="0">
+            <a:schemeClr val="accent1"/>
+          </a:effectRef>
+          <a:fontRef idx="minor">
+            <a:schemeClr val="lt1"/>
+          </a:fontRef>
+        </p:style>
+        <p:txBody>
+          <a:bodyPr rtlCol="0" anchor="ctr"/>
+          <a:lstStyle/>
+          <a:p>
+            <a:pPr algn="ctr"/>
+            <a:endParaRPr lang="en-GB"/>
+          </a:p>
+        </p:txBody>
+      </p:sp>
+      <p:cxnSp>
+        <p:nvCxnSpPr>
+          <p:cNvPr id="20" name="Curved Connector 10"/>
+          <p:cNvCxnSpPr>
+            <a:stCxn id="21" idx="3"/>
+            <a:endCxn id="19" idx="2"/>
+          </p:cNvCxnSpPr>
+          <p:nvPr/>
+        </p:nvCxnSpPr>
+        <p:spPr>
+          <a:xfrm flipV="1">
+            <a:off x="4392929" y="2819400"/>
+            <a:ext cx="609600" cy="76200"/>
+          </a:xfrm>
+          <a:prstGeom prst="curvedConnector3">
+            <a:avLst>
+              <a:gd name="adj1" fmla="val 50000"/>
+            </a:avLst>
+          </a:prstGeom>
+          <a:ln>
+            <a:solidFill>
+              <a:schemeClr val="tx1"/>
+            </a:solidFill>
+          </a:ln>
+        </p:spPr>
+        <p:style>
+          <a:lnRef idx="1">
+            <a:schemeClr val="accent1"/>
+          </a:lnRef>
+          <a:fillRef idx="0">
+            <a:schemeClr val="accent1"/>
+          </a:fillRef>
+          <a:effectRef idx="0">
+            <a:schemeClr val="accent1"/>
+          </a:effectRef>
+          <a:fontRef idx="minor">
+            <a:schemeClr val="tx1"/>
+          </a:fontRef>
+        </p:style>
+      </p:cxnSp>
+      <p:sp>
+        <p:nvSpPr>
+          <p:cNvPr id="21" name="Diamond 20"/>
+          <p:cNvSpPr/>
+          <p:nvPr/>
+        </p:nvSpPr>
+        <p:spPr>
+          <a:xfrm>
+            <a:off x="4240529" y="2819400"/>
+            <a:ext cx="152400" cy="152400"/>
+          </a:xfrm>
+          <a:prstGeom prst="diamond">
+            <a:avLst/>
+          </a:prstGeom>
+          <a:noFill/>
+          <a:ln>
+            <a:solidFill>
+              <a:schemeClr val="tx1"/>
+            </a:solidFill>
+          </a:ln>
+        </p:spPr>
+        <p:style>
+          <a:lnRef idx="2">
+            <a:schemeClr val="accent1">
+              <a:shade val="50000"/>
+            </a:schemeClr>
+          </a:lnRef>
+          <a:fillRef idx="1">
+            <a:schemeClr val="accent1"/>
+          </a:fillRef>
+          <a:effectRef idx="0">
+            <a:schemeClr val="accent1"/>
+          </a:effectRef>
+          <a:fontRef idx="minor">
+            <a:schemeClr val="lt1"/>
+          </a:fontRef>
+        </p:style>
+        <p:txBody>
+          <a:bodyPr rtlCol="0" anchor="ctr"/>
+          <a:lstStyle/>
+          <a:p>
+            <a:pPr algn="ctr"/>
+            <a:endParaRPr lang="en-GB"/>
+          </a:p>
+        </p:txBody>
+      </p:sp>
+      <p:sp>
+        <p:nvSpPr>
+          <p:cNvPr id="22" name="Rectangle 21"/>
+          <p:cNvSpPr/>
+          <p:nvPr/>
+        </p:nvSpPr>
+        <p:spPr>
+          <a:xfrm>
+            <a:off x="3815330" y="2362200"/>
+            <a:ext cx="811890" cy="369332"/>
+          </a:xfrm>
+          <a:prstGeom prst="rect">
+            <a:avLst/>
+          </a:prstGeom>
+        </p:spPr>
+        <p:txBody>
+          <a:bodyPr wrap="none">
+            <a:spAutoFit/>
+          </a:bodyPr>
+          <a:lstStyle/>
+          <a:p>
+            <a:pPr algn="ctr"/>
+            <a:r>
+              <a:rPr lang="en-GB" dirty="0" smtClean="0"/>
+              <a:t>Device</a:t>
+            </a:r>
+            <a:endParaRPr lang="en-GB" dirty="0"/>
+          </a:p>
+        </p:txBody>
+      </p:sp>
+      <p:sp>
+        <p:nvSpPr>
+          <p:cNvPr id="28" name="Rounded Rectangle 27"/>
+          <p:cNvSpPr/>
+          <p:nvPr/>
+        </p:nvSpPr>
+        <p:spPr>
+          <a:xfrm>
+            <a:off x="6382193" y="2362200"/>
+            <a:ext cx="1447800" cy="1143000"/>
+          </a:xfrm>
+          <a:prstGeom prst="roundRect">
+            <a:avLst/>
+          </a:prstGeom>
+          <a:solidFill>
+            <a:schemeClr val="bg1"/>
+          </a:solidFill>
+          <a:ln>
+            <a:solidFill>
+              <a:schemeClr val="tx1"/>
+            </a:solidFill>
+          </a:ln>
+        </p:spPr>
+        <p:style>
+          <a:lnRef idx="2">
+            <a:schemeClr val="accent1">
+              <a:shade val="50000"/>
+            </a:schemeClr>
+          </a:lnRef>
+          <a:fillRef idx="1">
+            <a:schemeClr val="accent1"/>
+          </a:fillRef>
+          <a:effectRef idx="0">
+            <a:schemeClr val="accent1"/>
+          </a:effectRef>
+          <a:fontRef idx="minor">
+            <a:schemeClr val="lt1"/>
+          </a:fontRef>
+        </p:style>
+        <p:txBody>
+          <a:bodyPr rtlCol="0" anchor="ctr"/>
+          <a:lstStyle/>
+          <a:p>
+            <a:pPr algn="ctr"/>
+            <a:endParaRPr lang="en-GB" dirty="0">
+              <a:solidFill>
+                <a:schemeClr val="tx1"/>
+              </a:solidFill>
+            </a:endParaRPr>
+          </a:p>
+        </p:txBody>
+      </p:sp>
+      <p:sp>
+        <p:nvSpPr>
+          <p:cNvPr id="29" name="Rectangle 28"/>
+          <p:cNvSpPr/>
+          <p:nvPr/>
+        </p:nvSpPr>
+        <p:spPr>
+          <a:xfrm>
+            <a:off x="6248400" y="2057400"/>
+            <a:ext cx="732958" cy="369332"/>
+          </a:xfrm>
+          <a:prstGeom prst="rect">
+            <a:avLst/>
+          </a:prstGeom>
+        </p:spPr>
+        <p:txBody>
+          <a:bodyPr wrap="none">
+            <a:spAutoFit/>
+          </a:bodyPr>
+          <a:lstStyle/>
+          <a:p>
+            <a:pPr algn="ctr"/>
+            <a:r>
+              <a:rPr lang="en-GB" dirty="0" smtClean="0"/>
+              <a:t>Room</a:t>
+            </a:r>
+            <a:endParaRPr lang="en-GB" dirty="0"/>
+          </a:p>
+        </p:txBody>
+      </p:sp>
+      <p:sp>
+        <p:nvSpPr>
+          <p:cNvPr id="30" name="Rectangle 29"/>
+          <p:cNvSpPr/>
+          <p:nvPr/>
+        </p:nvSpPr>
+        <p:spPr>
+          <a:xfrm>
+            <a:off x="7924800" y="2209800"/>
+            <a:ext cx="737702" cy="369332"/>
+          </a:xfrm>
+          <a:prstGeom prst="rect">
+            <a:avLst/>
+          </a:prstGeom>
+        </p:spPr>
+        <p:txBody>
+          <a:bodyPr wrap="none">
+            <a:spAutoFit/>
+          </a:bodyPr>
+          <a:lstStyle/>
+          <a:p>
+            <a:pPr algn="ctr"/>
+            <a:r>
+              <a:rPr lang="en-GB" dirty="0" smtClean="0"/>
+              <a:t>Signal</a:t>
+            </a:r>
+            <a:endParaRPr lang="en-GB" dirty="0"/>
+          </a:p>
+        </p:txBody>
+      </p:sp>
+      <p:sp>
+        <p:nvSpPr>
+          <p:cNvPr id="31" name="Rounded Rectangle 30"/>
+          <p:cNvSpPr/>
+          <p:nvPr/>
+        </p:nvSpPr>
+        <p:spPr>
+          <a:xfrm>
+            <a:off x="6915593" y="2743200"/>
+            <a:ext cx="609600" cy="533400"/>
+          </a:xfrm>
+          <a:prstGeom prst="roundRect">
+            <a:avLst/>
+          </a:prstGeom>
+          <a:solidFill>
+            <a:schemeClr val="bg1"/>
+          </a:solidFill>
+          <a:ln>
+            <a:solidFill>
+              <a:schemeClr val="tx1"/>
+            </a:solidFill>
+          </a:ln>
+        </p:spPr>
+        <p:style>
+          <a:lnRef idx="2">
+            <a:schemeClr val="accent1">
+              <a:shade val="50000"/>
+            </a:schemeClr>
+          </a:lnRef>
+          <a:fillRef idx="1">
+            <a:schemeClr val="accent1"/>
+          </a:fillRef>
+          <a:effectRef idx="0">
+            <a:schemeClr val="accent1"/>
+          </a:effectRef>
+          <a:fontRef idx="minor">
+            <a:schemeClr val="lt1"/>
+          </a:fontRef>
+        </p:style>
+        <p:txBody>
+          <a:bodyPr rtlCol="0" anchor="ctr"/>
+          <a:lstStyle/>
+          <a:p>
+            <a:pPr algn="ctr"/>
+            <a:endParaRPr lang="en-GB" dirty="0">
+              <a:solidFill>
+                <a:schemeClr val="tx1"/>
+              </a:solidFill>
+            </a:endParaRPr>
+          </a:p>
+        </p:txBody>
+      </p:sp>
+      <p:sp>
+        <p:nvSpPr>
+          <p:cNvPr id="34" name="Rounded Rectangle 33"/>
+          <p:cNvSpPr/>
+          <p:nvPr/>
+        </p:nvSpPr>
+        <p:spPr>
+          <a:xfrm>
+            <a:off x="7982393" y="2590800"/>
+            <a:ext cx="533400" cy="533400"/>
+          </a:xfrm>
+          <a:prstGeom prst="roundRect">
+            <a:avLst/>
+          </a:prstGeom>
+          <a:noFill/>
+          <a:ln>
+            <a:solidFill>
+              <a:schemeClr val="tx1"/>
+            </a:solidFill>
+          </a:ln>
+        </p:spPr>
+        <p:style>
+          <a:lnRef idx="2">
+            <a:schemeClr val="accent1">
+              <a:shade val="50000"/>
+            </a:schemeClr>
+          </a:lnRef>
+          <a:fillRef idx="1">
+            <a:schemeClr val="accent1"/>
+          </a:fillRef>
+          <a:effectRef idx="0">
+            <a:schemeClr val="accent1"/>
+          </a:effectRef>
+          <a:fontRef idx="minor">
+            <a:schemeClr val="lt1"/>
+          </a:fontRef>
+        </p:style>
+        <p:txBody>
+          <a:bodyPr rtlCol="0" anchor="ctr"/>
+          <a:lstStyle/>
+          <a:p>
+            <a:pPr algn="ctr"/>
+            <a:endParaRPr lang="en-GB" dirty="0">
+              <a:solidFill>
+                <a:schemeClr val="tx1"/>
+              </a:solidFill>
+            </a:endParaRPr>
+          </a:p>
+        </p:txBody>
+      </p:sp>
+      <p:cxnSp>
+        <p:nvCxnSpPr>
+          <p:cNvPr id="37" name="Curved Connector 10"/>
+          <p:cNvCxnSpPr>
+            <a:stCxn id="40" idx="1"/>
+            <a:endCxn id="42" idx="3"/>
+          </p:cNvCxnSpPr>
+          <p:nvPr/>
+        </p:nvCxnSpPr>
+        <p:spPr>
+          <a:xfrm rot="10800000" flipV="1">
+            <a:off x="7367103" y="2819400"/>
+            <a:ext cx="767691" cy="152400"/>
+          </a:xfrm>
+          <a:prstGeom prst="curvedConnector3">
+            <a:avLst>
+              <a:gd name="adj1" fmla="val 50000"/>
+            </a:avLst>
+          </a:prstGeom>
+          <a:ln>
+            <a:solidFill>
+              <a:schemeClr val="tx1"/>
+            </a:solidFill>
+          </a:ln>
+        </p:spPr>
+        <p:style>
+          <a:lnRef idx="1">
+            <a:schemeClr val="accent1"/>
+          </a:lnRef>
+          <a:fillRef idx="0">
+            <a:schemeClr val="accent1"/>
+          </a:fillRef>
+          <a:effectRef idx="0">
+            <a:schemeClr val="accent1"/>
+          </a:effectRef>
+          <a:fontRef idx="minor">
+            <a:schemeClr val="tx1"/>
+          </a:fontRef>
+        </p:style>
+      </p:cxnSp>
+      <p:sp>
+        <p:nvSpPr>
+          <p:cNvPr id="40" name="Diamond 39"/>
+          <p:cNvSpPr/>
+          <p:nvPr/>
+        </p:nvSpPr>
+        <p:spPr>
+          <a:xfrm>
+            <a:off x="8134793" y="2743200"/>
+            <a:ext cx="152400" cy="152400"/>
+          </a:xfrm>
+          <a:prstGeom prst="diamond">
+            <a:avLst/>
+          </a:prstGeom>
+          <a:noFill/>
+          <a:ln>
+            <a:solidFill>
+              <a:schemeClr val="tx1"/>
+            </a:solidFill>
+          </a:ln>
+        </p:spPr>
+        <p:style>
+          <a:lnRef idx="2">
+            <a:schemeClr val="accent1">
+              <a:shade val="50000"/>
+            </a:schemeClr>
+          </a:lnRef>
+          <a:fillRef idx="1">
+            <a:schemeClr val="accent1"/>
+          </a:fillRef>
+          <a:effectRef idx="0">
+            <a:schemeClr val="accent1"/>
+          </a:effectRef>
+          <a:fontRef idx="minor">
+            <a:schemeClr val="lt1"/>
+          </a:fontRef>
+        </p:style>
+        <p:txBody>
+          <a:bodyPr rtlCol="0" anchor="ctr"/>
+          <a:lstStyle/>
+          <a:p>
+            <a:pPr algn="ctr"/>
+            <a:endParaRPr lang="en-GB"/>
+          </a:p>
+        </p:txBody>
+      </p:sp>
+      <p:sp>
+        <p:nvSpPr>
+          <p:cNvPr id="41" name="Rectangle 40"/>
+          <p:cNvSpPr/>
+          <p:nvPr/>
+        </p:nvSpPr>
+        <p:spPr>
+          <a:xfrm>
+            <a:off x="6789503" y="2438400"/>
+            <a:ext cx="811890" cy="369332"/>
+          </a:xfrm>
+          <a:prstGeom prst="rect">
+            <a:avLst/>
+          </a:prstGeom>
+        </p:spPr>
+        <p:txBody>
+          <a:bodyPr wrap="none">
+            <a:spAutoFit/>
+          </a:bodyPr>
+          <a:lstStyle/>
+          <a:p>
+            <a:pPr algn="ctr"/>
+            <a:r>
+              <a:rPr lang="en-GB" dirty="0" smtClean="0"/>
+              <a:t>Device</a:t>
+            </a:r>
+            <a:endParaRPr lang="en-GB" dirty="0"/>
+          </a:p>
+        </p:txBody>
+      </p:sp>
+      <p:sp>
+        <p:nvSpPr>
+          <p:cNvPr id="42" name="Diamond 41"/>
+          <p:cNvSpPr/>
+          <p:nvPr/>
+        </p:nvSpPr>
+        <p:spPr>
+          <a:xfrm>
+            <a:off x="7214702" y="2895600"/>
+            <a:ext cx="152400" cy="152400"/>
+          </a:xfrm>
+          <a:prstGeom prst="diamond">
+            <a:avLst/>
+          </a:prstGeom>
+          <a:noFill/>
+          <a:ln>
+            <a:solidFill>
+              <a:schemeClr val="tx1"/>
+            </a:solidFill>
+          </a:ln>
+        </p:spPr>
+        <p:style>
+          <a:lnRef idx="2">
+            <a:schemeClr val="accent1">
+              <a:shade val="50000"/>
+            </a:schemeClr>
+          </a:lnRef>
+          <a:fillRef idx="1">
+            <a:schemeClr val="accent1"/>
+          </a:fillRef>
+          <a:effectRef idx="0">
+            <a:schemeClr val="accent1"/>
+          </a:effectRef>
+          <a:fontRef idx="minor">
+            <a:schemeClr val="lt1"/>
+          </a:fontRef>
+        </p:style>
+        <p:txBody>
+          <a:bodyPr rtlCol="0" anchor="ctr"/>
+          <a:lstStyle/>
+          <a:p>
+            <a:pPr algn="ctr"/>
+            <a:endParaRPr lang="en-GB"/>
+          </a:p>
+        </p:txBody>
+      </p:sp>
+    </p:spTree>
+  </p:cSld>
+  <p:clrMapOvr>
+    <a:masterClrMapping/>
+  </p:clrMapOvr>
+</p:sld>
+</file>
+
+<file path=ppt/slides/slide34.xml><?xml version="1.0" encoding="utf-8"?>
+<p:sld xmlns:a="http://schemas.openxmlformats.org/drawingml/2006/main" xmlns:r="http://schemas.openxmlformats.org/officeDocument/2006/relationships" xmlns:p="http://schemas.openxmlformats.org/presentationml/2006/main">
+  <p:cSld>
+    <p:spTree>
+      <p:nvGrpSpPr>
+        <p:cNvPr id="1" name=""/>
+        <p:cNvGrpSpPr/>
+        <p:nvPr/>
+      </p:nvGrpSpPr>
+      <p:grpSpPr>
+        <a:xfrm>
+          <a:off x="0" y="0"/>
+          <a:ext cx="0" cy="0"/>
+          <a:chOff x="0" y="0"/>
+          <a:chExt cx="0" cy="0"/>
+        </a:xfrm>
+      </p:grpSpPr>
+      <p:sp>
+        <p:nvSpPr>
+          <p:cNvPr id="2" name="Title 1"/>
+          <p:cNvSpPr>
+            <a:spLocks noGrp="1"/>
+          </p:cNvSpPr>
+          <p:nvPr>
+            <p:ph type="title"/>
+          </p:nvPr>
+        </p:nvSpPr>
+        <p:spPr/>
+        <p:txBody>
+          <a:bodyPr>
+            <a:normAutofit/>
+          </a:bodyPr>
+          <a:lstStyle/>
+          <a:p>
+            <a:r>
+              <a:rPr lang="en-GB" dirty="0" smtClean="0"/>
+              <a:t>Signal coverage with links</a:t>
+            </a:r>
+            <a:endParaRPr lang="en-GB" dirty="0"/>
+          </a:p>
+        </p:txBody>
+      </p:sp>
+      <p:sp>
+        <p:nvSpPr>
+          <p:cNvPr id="32" name="Rounded Rectangle 31"/>
+          <p:cNvSpPr/>
+          <p:nvPr/>
+        </p:nvSpPr>
+        <p:spPr>
+          <a:xfrm>
+            <a:off x="2209800" y="2286000"/>
+            <a:ext cx="1066800" cy="1371600"/>
+          </a:xfrm>
+          <a:prstGeom prst="roundRect">
+            <a:avLst/>
+          </a:prstGeom>
+          <a:solidFill>
+            <a:schemeClr val="bg1"/>
+          </a:solidFill>
+          <a:ln>
+            <a:solidFill>
+              <a:schemeClr val="tx1"/>
+            </a:solidFill>
+          </a:ln>
+        </p:spPr>
+        <p:style>
+          <a:lnRef idx="2">
+            <a:schemeClr val="accent1">
+              <a:shade val="50000"/>
+            </a:schemeClr>
+          </a:lnRef>
+          <a:fillRef idx="1">
+            <a:schemeClr val="accent1"/>
+          </a:fillRef>
+          <a:effectRef idx="0">
+            <a:schemeClr val="accent1"/>
+          </a:effectRef>
+          <a:fontRef idx="minor">
+            <a:schemeClr val="lt1"/>
+          </a:fontRef>
+        </p:style>
+        <p:txBody>
+          <a:bodyPr rtlCol="0" anchor="ctr"/>
+          <a:lstStyle/>
+          <a:p>
+            <a:pPr algn="ctr"/>
+            <a:endParaRPr lang="en-GB" dirty="0">
+              <a:solidFill>
+                <a:schemeClr val="tx1"/>
+              </a:solidFill>
+            </a:endParaRPr>
+          </a:p>
+        </p:txBody>
+      </p:sp>
+      <p:sp>
+        <p:nvSpPr>
+          <p:cNvPr id="33" name="Rectangle 32"/>
+          <p:cNvSpPr/>
+          <p:nvPr/>
+        </p:nvSpPr>
+        <p:spPr>
+          <a:xfrm>
+            <a:off x="2198023" y="1981200"/>
+            <a:ext cx="849977" cy="369332"/>
+          </a:xfrm>
+          <a:prstGeom prst="rect">
+            <a:avLst/>
+          </a:prstGeom>
+        </p:spPr>
+        <p:txBody>
+          <a:bodyPr wrap="none">
+            <a:spAutoFit/>
+          </a:bodyPr>
+          <a:lstStyle/>
+          <a:p>
+            <a:pPr algn="ctr"/>
+            <a:r>
+              <a:rPr lang="en-GB" dirty="0" smtClean="0"/>
+              <a:t>Room1</a:t>
+            </a:r>
+            <a:endParaRPr lang="en-GB" dirty="0"/>
+          </a:p>
+        </p:txBody>
+      </p:sp>
+      <p:sp>
+        <p:nvSpPr>
+          <p:cNvPr id="12" name="Rounded Rectangle 11"/>
+          <p:cNvSpPr/>
+          <p:nvPr/>
+        </p:nvSpPr>
+        <p:spPr>
+          <a:xfrm>
+            <a:off x="3408020" y="2286000"/>
+            <a:ext cx="1447800" cy="1371600"/>
+          </a:xfrm>
+          <a:prstGeom prst="roundRect">
+            <a:avLst/>
+          </a:prstGeom>
+          <a:solidFill>
+            <a:schemeClr val="bg1"/>
+          </a:solidFill>
+          <a:ln>
+            <a:solidFill>
+              <a:schemeClr val="tx1"/>
+            </a:solidFill>
+          </a:ln>
+        </p:spPr>
+        <p:style>
+          <a:lnRef idx="2">
+            <a:schemeClr val="accent1">
+              <a:shade val="50000"/>
+            </a:schemeClr>
+          </a:lnRef>
+          <a:fillRef idx="1">
+            <a:schemeClr val="accent1"/>
+          </a:fillRef>
+          <a:effectRef idx="0">
+            <a:schemeClr val="accent1"/>
+          </a:effectRef>
+          <a:fontRef idx="minor">
+            <a:schemeClr val="lt1"/>
+          </a:fontRef>
+        </p:style>
+        <p:txBody>
+          <a:bodyPr rtlCol="0" anchor="ctr"/>
+          <a:lstStyle/>
+          <a:p>
+            <a:pPr algn="ctr"/>
+            <a:endParaRPr lang="en-GB" dirty="0">
+              <a:solidFill>
+                <a:schemeClr val="tx1"/>
+              </a:solidFill>
+            </a:endParaRPr>
+          </a:p>
+        </p:txBody>
+      </p:sp>
+      <p:sp>
+        <p:nvSpPr>
+          <p:cNvPr id="13" name="Rectangle 12"/>
+          <p:cNvSpPr/>
+          <p:nvPr/>
+        </p:nvSpPr>
+        <p:spPr>
+          <a:xfrm>
+            <a:off x="3352800" y="1981200"/>
+            <a:ext cx="849977" cy="369332"/>
+          </a:xfrm>
+          <a:prstGeom prst="rect">
+            <a:avLst/>
+          </a:prstGeom>
+        </p:spPr>
+        <p:txBody>
+          <a:bodyPr wrap="none">
+            <a:spAutoFit/>
+          </a:bodyPr>
+          <a:lstStyle/>
+          <a:p>
+            <a:pPr algn="ctr"/>
+            <a:r>
+              <a:rPr lang="en-GB" dirty="0" smtClean="0"/>
+              <a:t>Room2</a:t>
+            </a:r>
+            <a:endParaRPr lang="en-GB" dirty="0"/>
+          </a:p>
+        </p:txBody>
+      </p:sp>
+      <p:sp>
+        <p:nvSpPr>
+          <p:cNvPr id="14" name="Rectangle 13"/>
+          <p:cNvSpPr/>
+          <p:nvPr/>
+        </p:nvSpPr>
+        <p:spPr>
+          <a:xfrm>
+            <a:off x="5103027" y="2133600"/>
+            <a:ext cx="737702" cy="369332"/>
+          </a:xfrm>
+          <a:prstGeom prst="rect">
+            <a:avLst/>
+          </a:prstGeom>
+        </p:spPr>
+        <p:txBody>
+          <a:bodyPr wrap="none">
+            <a:spAutoFit/>
+          </a:bodyPr>
+          <a:lstStyle/>
+          <a:p>
+            <a:pPr algn="ctr"/>
+            <a:r>
+              <a:rPr lang="en-GB" dirty="0" smtClean="0"/>
+              <a:t>Signal</a:t>
+            </a:r>
+            <a:endParaRPr lang="en-GB" dirty="0"/>
+          </a:p>
+        </p:txBody>
+      </p:sp>
+      <p:sp>
+        <p:nvSpPr>
+          <p:cNvPr id="17" name="Rounded Rectangle 16"/>
+          <p:cNvSpPr/>
+          <p:nvPr/>
+        </p:nvSpPr>
+        <p:spPr>
+          <a:xfrm>
+            <a:off x="3707490" y="2895600"/>
+            <a:ext cx="609600" cy="533400"/>
+          </a:xfrm>
+          <a:prstGeom prst="roundRect">
+            <a:avLst/>
+          </a:prstGeom>
+          <a:solidFill>
+            <a:schemeClr val="bg1"/>
+          </a:solidFill>
+          <a:ln>
+            <a:solidFill>
+              <a:schemeClr val="tx1"/>
+            </a:solidFill>
+          </a:ln>
+        </p:spPr>
+        <p:style>
+          <a:lnRef idx="2">
+            <a:schemeClr val="accent1">
+              <a:shade val="50000"/>
+            </a:schemeClr>
+          </a:lnRef>
+          <a:fillRef idx="1">
+            <a:schemeClr val="accent1"/>
+          </a:fillRef>
+          <a:effectRef idx="0">
+            <a:schemeClr val="accent1"/>
+          </a:effectRef>
+          <a:fontRef idx="minor">
+            <a:schemeClr val="lt1"/>
+          </a:fontRef>
+        </p:style>
+        <p:txBody>
+          <a:bodyPr rtlCol="0" anchor="ctr"/>
+          <a:lstStyle/>
+          <a:p>
+            <a:pPr algn="ctr"/>
+            <a:endParaRPr lang="en-GB" dirty="0">
+              <a:solidFill>
+                <a:schemeClr val="tx1"/>
+              </a:solidFill>
+            </a:endParaRPr>
+          </a:p>
+        </p:txBody>
+      </p:sp>
+      <p:sp>
+        <p:nvSpPr>
+          <p:cNvPr id="18" name="Rounded Rectangle 17"/>
+          <p:cNvSpPr/>
+          <p:nvPr/>
+        </p:nvSpPr>
+        <p:spPr>
+          <a:xfrm>
+            <a:off x="5160620" y="2514600"/>
+            <a:ext cx="533400" cy="533400"/>
+          </a:xfrm>
+          <a:prstGeom prst="roundRect">
+            <a:avLst/>
+          </a:prstGeom>
+          <a:noFill/>
+          <a:ln>
+            <a:solidFill>
+              <a:schemeClr val="tx1"/>
+            </a:solidFill>
+          </a:ln>
+        </p:spPr>
+        <p:style>
+          <a:lnRef idx="2">
+            <a:schemeClr val="accent1">
+              <a:shade val="50000"/>
+            </a:schemeClr>
+          </a:lnRef>
+          <a:fillRef idx="1">
+            <a:schemeClr val="accent1"/>
+          </a:fillRef>
+          <a:effectRef idx="0">
+            <a:schemeClr val="accent1"/>
+          </a:effectRef>
+          <a:fontRef idx="minor">
+            <a:schemeClr val="lt1"/>
+          </a:fontRef>
+        </p:style>
+        <p:txBody>
+          <a:bodyPr rtlCol="0" anchor="ctr"/>
+          <a:lstStyle/>
+          <a:p>
+            <a:pPr algn="ctr"/>
+            <a:endParaRPr lang="en-GB" dirty="0">
+              <a:solidFill>
+                <a:schemeClr val="tx1"/>
+              </a:solidFill>
+            </a:endParaRPr>
+          </a:p>
+        </p:txBody>
+      </p:sp>
+      <p:sp>
+        <p:nvSpPr>
+          <p:cNvPr id="19" name="Oval 18"/>
+          <p:cNvSpPr/>
+          <p:nvPr/>
+        </p:nvSpPr>
+        <p:spPr>
+          <a:xfrm>
+            <a:off x="5002529" y="2743200"/>
+            <a:ext cx="152400" cy="152400"/>
+          </a:xfrm>
+          <a:prstGeom prst="ellipse">
+            <a:avLst/>
+          </a:prstGeom>
+          <a:solidFill>
+            <a:schemeClr val="tx1"/>
+          </a:solidFill>
+          <a:ln>
+            <a:solidFill>
+              <a:schemeClr val="tx1"/>
+            </a:solidFill>
+          </a:ln>
+        </p:spPr>
+        <p:style>
+          <a:lnRef idx="2">
+            <a:schemeClr val="accent1">
+              <a:shade val="50000"/>
+            </a:schemeClr>
+          </a:lnRef>
+          <a:fillRef idx="1">
+            <a:schemeClr val="accent1"/>
+          </a:fillRef>
+          <a:effectRef idx="0">
+            <a:schemeClr val="accent1"/>
+          </a:effectRef>
+          <a:fontRef idx="minor">
+            <a:schemeClr val="lt1"/>
+          </a:fontRef>
+        </p:style>
+        <p:txBody>
+          <a:bodyPr rtlCol="0" anchor="ctr"/>
+          <a:lstStyle/>
+          <a:p>
+            <a:pPr algn="ctr"/>
+            <a:endParaRPr lang="en-GB"/>
+          </a:p>
+        </p:txBody>
+      </p:sp>
+      <p:cxnSp>
+        <p:nvCxnSpPr>
+          <p:cNvPr id="20" name="Curved Connector 10"/>
+          <p:cNvCxnSpPr>
+            <a:stCxn id="21" idx="3"/>
+            <a:endCxn id="19" idx="2"/>
+          </p:cNvCxnSpPr>
+          <p:nvPr/>
+        </p:nvCxnSpPr>
+        <p:spPr>
+          <a:xfrm>
+            <a:off x="4648200" y="2590800"/>
+            <a:ext cx="354329" cy="228600"/>
+          </a:xfrm>
+          <a:prstGeom prst="curvedConnector3">
+            <a:avLst>
+              <a:gd name="adj1" fmla="val 50000"/>
+            </a:avLst>
+          </a:prstGeom>
+          <a:ln>
+            <a:solidFill>
+              <a:schemeClr val="tx1"/>
+            </a:solidFill>
+          </a:ln>
+        </p:spPr>
+        <p:style>
+          <a:lnRef idx="1">
+            <a:schemeClr val="accent1"/>
+          </a:lnRef>
+          <a:fillRef idx="0">
+            <a:schemeClr val="accent1"/>
+          </a:fillRef>
+          <a:effectRef idx="0">
+            <a:schemeClr val="accent1"/>
+          </a:effectRef>
+          <a:fontRef idx="minor">
+            <a:schemeClr val="tx1"/>
+          </a:fontRef>
+        </p:style>
+      </p:cxnSp>
+      <p:sp>
+        <p:nvSpPr>
+          <p:cNvPr id="21" name="Diamond 20"/>
+          <p:cNvSpPr/>
+          <p:nvPr/>
+        </p:nvSpPr>
+        <p:spPr>
+          <a:xfrm>
+            <a:off x="4495800" y="2514600"/>
+            <a:ext cx="152400" cy="152400"/>
+          </a:xfrm>
+          <a:prstGeom prst="diamond">
+            <a:avLst/>
+          </a:prstGeom>
+          <a:noFill/>
+          <a:ln>
+            <a:solidFill>
+              <a:schemeClr val="tx1"/>
+            </a:solidFill>
+          </a:ln>
+        </p:spPr>
+        <p:style>
+          <a:lnRef idx="2">
+            <a:schemeClr val="accent1">
+              <a:shade val="50000"/>
+            </a:schemeClr>
+          </a:lnRef>
+          <a:fillRef idx="1">
+            <a:schemeClr val="accent1"/>
+          </a:fillRef>
+          <a:effectRef idx="0">
+            <a:schemeClr val="accent1"/>
+          </a:effectRef>
+          <a:fontRef idx="minor">
+            <a:schemeClr val="lt1"/>
+          </a:fontRef>
+        </p:style>
+        <p:txBody>
+          <a:bodyPr rtlCol="0" anchor="ctr"/>
+          <a:lstStyle/>
+          <a:p>
+            <a:pPr algn="ctr"/>
+            <a:endParaRPr lang="en-GB"/>
+          </a:p>
+        </p:txBody>
+      </p:sp>
+      <p:sp>
+        <p:nvSpPr>
+          <p:cNvPr id="22" name="Rectangle 21"/>
+          <p:cNvSpPr/>
+          <p:nvPr/>
+        </p:nvSpPr>
+        <p:spPr>
+          <a:xfrm>
+            <a:off x="3581400" y="2590800"/>
+            <a:ext cx="811890" cy="369332"/>
+          </a:xfrm>
+          <a:prstGeom prst="rect">
+            <a:avLst/>
+          </a:prstGeom>
+        </p:spPr>
+        <p:txBody>
+          <a:bodyPr wrap="none">
+            <a:spAutoFit/>
+          </a:bodyPr>
+          <a:lstStyle/>
+          <a:p>
+            <a:pPr algn="ctr"/>
+            <a:r>
+              <a:rPr lang="en-GB" dirty="0" smtClean="0"/>
+              <a:t>Device</a:t>
+            </a:r>
+            <a:endParaRPr lang="en-GB" dirty="0"/>
+          </a:p>
+        </p:txBody>
+      </p:sp>
+    </p:spTree>
+  </p:cSld>
+  <p:clrMapOvr>
+    <a:masterClrMapping/>
+  </p:clrMapOvr>
+</p:sld>
+</file>
+
+<file path=ppt/slides/slide35.xml><?xml version="1.0" encoding="utf-8"?>
+<p:sld xmlns:a="http://schemas.openxmlformats.org/drawingml/2006/main" xmlns:r="http://schemas.openxmlformats.org/officeDocument/2006/relationships" xmlns:p="http://schemas.openxmlformats.org/presentationml/2006/main">
+  <p:cSld>
+    <p:spTree>
+      <p:nvGrpSpPr>
+        <p:cNvPr id="1" name=""/>
+        <p:cNvGrpSpPr/>
+        <p:nvPr/>
+      </p:nvGrpSpPr>
+      <p:grpSpPr>
+        <a:xfrm>
+          <a:off x="0" y="0"/>
+          <a:ext cx="0" cy="0"/>
+          <a:chOff x="0" y="0"/>
+          <a:chExt cx="0" cy="0"/>
+        </a:xfrm>
+      </p:grpSpPr>
+      <p:sp>
+        <p:nvSpPr>
+          <p:cNvPr id="2" name="Title 1"/>
+          <p:cNvSpPr>
+            <a:spLocks noGrp="1"/>
+          </p:cNvSpPr>
+          <p:nvPr>
+            <p:ph type="title"/>
+          </p:nvPr>
+        </p:nvSpPr>
+        <p:spPr/>
+        <p:txBody>
+          <a:bodyPr>
+            <a:normAutofit fontScale="90000"/>
+          </a:bodyPr>
+          <a:lstStyle/>
+          <a:p>
+            <a:r>
+              <a:rPr lang="en-GB" dirty="0" smtClean="0"/>
+              <a:t>Signal coverage -&gt; receipt with links</a:t>
+            </a:r>
+            <a:endParaRPr lang="en-GB" dirty="0"/>
+          </a:p>
+        </p:txBody>
+      </p:sp>
+      <p:sp>
+        <p:nvSpPr>
+          <p:cNvPr id="32" name="Rounded Rectangle 31"/>
+          <p:cNvSpPr/>
+          <p:nvPr/>
+        </p:nvSpPr>
+        <p:spPr>
+          <a:xfrm>
+            <a:off x="2209800" y="2286000"/>
+            <a:ext cx="1066800" cy="1371600"/>
+          </a:xfrm>
+          <a:prstGeom prst="roundRect">
+            <a:avLst/>
+          </a:prstGeom>
+          <a:solidFill>
+            <a:schemeClr val="bg1"/>
+          </a:solidFill>
+          <a:ln>
+            <a:solidFill>
+              <a:schemeClr val="tx1"/>
+            </a:solidFill>
+          </a:ln>
+        </p:spPr>
+        <p:style>
+          <a:lnRef idx="2">
+            <a:schemeClr val="accent1">
+              <a:shade val="50000"/>
+            </a:schemeClr>
+          </a:lnRef>
+          <a:fillRef idx="1">
+            <a:schemeClr val="accent1"/>
+          </a:fillRef>
+          <a:effectRef idx="0">
+            <a:schemeClr val="accent1"/>
+          </a:effectRef>
+          <a:fontRef idx="minor">
+            <a:schemeClr val="lt1"/>
+          </a:fontRef>
+        </p:style>
+        <p:txBody>
+          <a:bodyPr rtlCol="0" anchor="ctr"/>
+          <a:lstStyle/>
+          <a:p>
+            <a:pPr algn="ctr"/>
+            <a:endParaRPr lang="en-GB" dirty="0">
+              <a:solidFill>
+                <a:schemeClr val="tx1"/>
+              </a:solidFill>
+            </a:endParaRPr>
+          </a:p>
+        </p:txBody>
+      </p:sp>
+      <p:sp>
+        <p:nvSpPr>
+          <p:cNvPr id="33" name="Rectangle 32"/>
+          <p:cNvSpPr/>
+          <p:nvPr/>
+        </p:nvSpPr>
+        <p:spPr>
+          <a:xfrm>
+            <a:off x="2198023" y="1981200"/>
+            <a:ext cx="849977" cy="369332"/>
+          </a:xfrm>
+          <a:prstGeom prst="rect">
+            <a:avLst/>
+          </a:prstGeom>
+        </p:spPr>
+        <p:txBody>
+          <a:bodyPr wrap="none">
+            <a:spAutoFit/>
+          </a:bodyPr>
+          <a:lstStyle/>
+          <a:p>
+            <a:pPr algn="ctr"/>
+            <a:r>
+              <a:rPr lang="en-GB" dirty="0" smtClean="0"/>
+              <a:t>Room1</a:t>
+            </a:r>
+            <a:endParaRPr lang="en-GB" dirty="0"/>
+          </a:p>
+        </p:txBody>
+      </p:sp>
+      <p:sp>
+        <p:nvSpPr>
+          <p:cNvPr id="12" name="Rounded Rectangle 11"/>
+          <p:cNvSpPr/>
+          <p:nvPr/>
+        </p:nvSpPr>
+        <p:spPr>
+          <a:xfrm>
+            <a:off x="3408020" y="2286000"/>
+            <a:ext cx="1447800" cy="1371600"/>
+          </a:xfrm>
+          <a:prstGeom prst="roundRect">
+            <a:avLst/>
+          </a:prstGeom>
+          <a:solidFill>
+            <a:schemeClr val="bg1"/>
+          </a:solidFill>
+          <a:ln>
+            <a:solidFill>
+              <a:schemeClr val="tx1"/>
+            </a:solidFill>
+          </a:ln>
+        </p:spPr>
+        <p:style>
+          <a:lnRef idx="2">
+            <a:schemeClr val="accent1">
+              <a:shade val="50000"/>
+            </a:schemeClr>
+          </a:lnRef>
+          <a:fillRef idx="1">
+            <a:schemeClr val="accent1"/>
+          </a:fillRef>
+          <a:effectRef idx="0">
+            <a:schemeClr val="accent1"/>
+          </a:effectRef>
+          <a:fontRef idx="minor">
+            <a:schemeClr val="lt1"/>
+          </a:fontRef>
+        </p:style>
+        <p:txBody>
+          <a:bodyPr rtlCol="0" anchor="ctr"/>
+          <a:lstStyle/>
+          <a:p>
+            <a:pPr algn="ctr"/>
+            <a:endParaRPr lang="en-GB" dirty="0">
+              <a:solidFill>
+                <a:schemeClr val="tx1"/>
+              </a:solidFill>
+            </a:endParaRPr>
+          </a:p>
+        </p:txBody>
+      </p:sp>
+      <p:sp>
+        <p:nvSpPr>
+          <p:cNvPr id="13" name="Rectangle 12"/>
+          <p:cNvSpPr/>
+          <p:nvPr/>
+        </p:nvSpPr>
+        <p:spPr>
+          <a:xfrm>
+            <a:off x="3352800" y="1981200"/>
+            <a:ext cx="849977" cy="369332"/>
+          </a:xfrm>
+          <a:prstGeom prst="rect">
+            <a:avLst/>
+          </a:prstGeom>
+        </p:spPr>
+        <p:txBody>
+          <a:bodyPr wrap="none">
+            <a:spAutoFit/>
+          </a:bodyPr>
+          <a:lstStyle/>
+          <a:p>
+            <a:pPr algn="ctr"/>
+            <a:r>
+              <a:rPr lang="en-GB" dirty="0" smtClean="0"/>
+              <a:t>Room2</a:t>
+            </a:r>
+            <a:endParaRPr lang="en-GB" dirty="0"/>
+          </a:p>
+        </p:txBody>
+      </p:sp>
+      <p:sp>
+        <p:nvSpPr>
+          <p:cNvPr id="14" name="Rectangle 13"/>
+          <p:cNvSpPr/>
+          <p:nvPr/>
+        </p:nvSpPr>
+        <p:spPr>
+          <a:xfrm>
+            <a:off x="5103027" y="2133600"/>
+            <a:ext cx="737702" cy="369332"/>
+          </a:xfrm>
+          <a:prstGeom prst="rect">
+            <a:avLst/>
+          </a:prstGeom>
+        </p:spPr>
+        <p:txBody>
+          <a:bodyPr wrap="none">
+            <a:spAutoFit/>
+          </a:bodyPr>
+          <a:lstStyle/>
+          <a:p>
+            <a:pPr algn="ctr"/>
+            <a:r>
+              <a:rPr lang="en-GB" dirty="0" smtClean="0"/>
+              <a:t>Signal</a:t>
+            </a:r>
+            <a:endParaRPr lang="en-GB" dirty="0"/>
+          </a:p>
+        </p:txBody>
+      </p:sp>
+      <p:sp>
+        <p:nvSpPr>
+          <p:cNvPr id="17" name="Rounded Rectangle 16"/>
+          <p:cNvSpPr/>
+          <p:nvPr/>
+        </p:nvSpPr>
+        <p:spPr>
+          <a:xfrm>
+            <a:off x="3707490" y="2895600"/>
+            <a:ext cx="609600" cy="533400"/>
+          </a:xfrm>
+          <a:prstGeom prst="roundRect">
+            <a:avLst/>
+          </a:prstGeom>
+          <a:solidFill>
+            <a:schemeClr val="bg1"/>
+          </a:solidFill>
+          <a:ln>
+            <a:solidFill>
+              <a:schemeClr val="tx1"/>
+            </a:solidFill>
+          </a:ln>
+        </p:spPr>
+        <p:style>
+          <a:lnRef idx="2">
+            <a:schemeClr val="accent1">
+              <a:shade val="50000"/>
+            </a:schemeClr>
+          </a:lnRef>
+          <a:fillRef idx="1">
+            <a:schemeClr val="accent1"/>
+          </a:fillRef>
+          <a:effectRef idx="0">
+            <a:schemeClr val="accent1"/>
+          </a:effectRef>
+          <a:fontRef idx="minor">
+            <a:schemeClr val="lt1"/>
+          </a:fontRef>
+        </p:style>
+        <p:txBody>
+          <a:bodyPr rtlCol="0" anchor="ctr"/>
+          <a:lstStyle/>
+          <a:p>
+            <a:pPr algn="ctr"/>
+            <a:endParaRPr lang="en-GB" dirty="0">
+              <a:solidFill>
+                <a:schemeClr val="tx1"/>
+              </a:solidFill>
+            </a:endParaRPr>
+          </a:p>
+        </p:txBody>
+      </p:sp>
+      <p:sp>
+        <p:nvSpPr>
+          <p:cNvPr id="18" name="Rounded Rectangle 17"/>
+          <p:cNvSpPr/>
+          <p:nvPr/>
+        </p:nvSpPr>
+        <p:spPr>
+          <a:xfrm>
+            <a:off x="5160620" y="2514600"/>
+            <a:ext cx="533400" cy="533400"/>
+          </a:xfrm>
+          <a:prstGeom prst="roundRect">
+            <a:avLst/>
+          </a:prstGeom>
+          <a:noFill/>
+          <a:ln>
+            <a:solidFill>
+              <a:schemeClr val="tx1"/>
+            </a:solidFill>
+          </a:ln>
+        </p:spPr>
+        <p:style>
+          <a:lnRef idx="2">
+            <a:schemeClr val="accent1">
+              <a:shade val="50000"/>
+            </a:schemeClr>
+          </a:lnRef>
+          <a:fillRef idx="1">
+            <a:schemeClr val="accent1"/>
+          </a:fillRef>
+          <a:effectRef idx="0">
+            <a:schemeClr val="accent1"/>
+          </a:effectRef>
+          <a:fontRef idx="minor">
+            <a:schemeClr val="lt1"/>
+          </a:fontRef>
+        </p:style>
+        <p:txBody>
+          <a:bodyPr rtlCol="0" anchor="ctr"/>
+          <a:lstStyle/>
+          <a:p>
+            <a:pPr algn="ctr"/>
+            <a:endParaRPr lang="en-GB" dirty="0">
+              <a:solidFill>
+                <a:schemeClr val="tx1"/>
+              </a:solidFill>
+            </a:endParaRPr>
+          </a:p>
+        </p:txBody>
+      </p:sp>
+      <p:sp>
+        <p:nvSpPr>
+          <p:cNvPr id="19" name="Oval 18"/>
+          <p:cNvSpPr/>
+          <p:nvPr/>
+        </p:nvSpPr>
+        <p:spPr>
+          <a:xfrm>
+            <a:off x="5002529" y="2743200"/>
+            <a:ext cx="152400" cy="152400"/>
+          </a:xfrm>
+          <a:prstGeom prst="ellipse">
+            <a:avLst/>
+          </a:prstGeom>
+          <a:solidFill>
+            <a:schemeClr val="tx1"/>
+          </a:solidFill>
+          <a:ln>
+            <a:solidFill>
+              <a:schemeClr val="tx1"/>
+            </a:solidFill>
+          </a:ln>
+        </p:spPr>
+        <p:style>
+          <a:lnRef idx="2">
+            <a:schemeClr val="accent1">
+              <a:shade val="50000"/>
+            </a:schemeClr>
+          </a:lnRef>
+          <a:fillRef idx="1">
+            <a:schemeClr val="accent1"/>
+          </a:fillRef>
+          <a:effectRef idx="0">
+            <a:schemeClr val="accent1"/>
+          </a:effectRef>
+          <a:fontRef idx="minor">
+            <a:schemeClr val="lt1"/>
+          </a:fontRef>
+        </p:style>
+        <p:txBody>
+          <a:bodyPr rtlCol="0" anchor="ctr"/>
+          <a:lstStyle/>
+          <a:p>
+            <a:pPr algn="ctr"/>
+            <a:endParaRPr lang="en-GB"/>
+          </a:p>
+        </p:txBody>
+      </p:sp>
+      <p:cxnSp>
+        <p:nvCxnSpPr>
+          <p:cNvPr id="20" name="Curved Connector 10"/>
+          <p:cNvCxnSpPr>
+            <a:stCxn id="21" idx="3"/>
+            <a:endCxn id="19" idx="2"/>
+          </p:cNvCxnSpPr>
+          <p:nvPr/>
+        </p:nvCxnSpPr>
+        <p:spPr>
+          <a:xfrm>
+            <a:off x="4648200" y="2590800"/>
+            <a:ext cx="354329" cy="228600"/>
+          </a:xfrm>
+          <a:prstGeom prst="curvedConnector3">
+            <a:avLst>
+              <a:gd name="adj1" fmla="val 50000"/>
+            </a:avLst>
+          </a:prstGeom>
+          <a:ln>
+            <a:solidFill>
+              <a:schemeClr val="tx1"/>
+            </a:solidFill>
+          </a:ln>
+        </p:spPr>
+        <p:style>
+          <a:lnRef idx="1">
+            <a:schemeClr val="accent1"/>
+          </a:lnRef>
+          <a:fillRef idx="0">
+            <a:schemeClr val="accent1"/>
+          </a:fillRef>
+          <a:effectRef idx="0">
+            <a:schemeClr val="accent1"/>
+          </a:effectRef>
+          <a:fontRef idx="minor">
+            <a:schemeClr val="tx1"/>
+          </a:fontRef>
+        </p:style>
+      </p:cxnSp>
+      <p:sp>
+        <p:nvSpPr>
+          <p:cNvPr id="21" name="Diamond 20"/>
+          <p:cNvSpPr/>
+          <p:nvPr/>
+        </p:nvSpPr>
+        <p:spPr>
+          <a:xfrm>
+            <a:off x="4495800" y="2514600"/>
+            <a:ext cx="152400" cy="152400"/>
+          </a:xfrm>
+          <a:prstGeom prst="diamond">
+            <a:avLst/>
+          </a:prstGeom>
+          <a:noFill/>
+          <a:ln>
+            <a:solidFill>
+              <a:schemeClr val="tx1"/>
+            </a:solidFill>
+          </a:ln>
+        </p:spPr>
+        <p:style>
+          <a:lnRef idx="2">
+            <a:schemeClr val="accent1">
+              <a:shade val="50000"/>
+            </a:schemeClr>
+          </a:lnRef>
+          <a:fillRef idx="1">
+            <a:schemeClr val="accent1"/>
+          </a:fillRef>
+          <a:effectRef idx="0">
+            <a:schemeClr val="accent1"/>
+          </a:effectRef>
+          <a:fontRef idx="minor">
+            <a:schemeClr val="lt1"/>
+          </a:fontRef>
+        </p:style>
+        <p:txBody>
+          <a:bodyPr rtlCol="0" anchor="ctr"/>
+          <a:lstStyle/>
+          <a:p>
+            <a:pPr algn="ctr"/>
+            <a:endParaRPr lang="en-GB"/>
+          </a:p>
+        </p:txBody>
+      </p:sp>
+      <p:sp>
+        <p:nvSpPr>
+          <p:cNvPr id="22" name="Rectangle 21"/>
+          <p:cNvSpPr/>
+          <p:nvPr/>
+        </p:nvSpPr>
+        <p:spPr>
+          <a:xfrm>
+            <a:off x="3581400" y="2590800"/>
+            <a:ext cx="811890" cy="369332"/>
+          </a:xfrm>
+          <a:prstGeom prst="rect">
+            <a:avLst/>
+          </a:prstGeom>
+        </p:spPr>
+        <p:txBody>
+          <a:bodyPr wrap="none">
+            <a:spAutoFit/>
+          </a:bodyPr>
+          <a:lstStyle/>
+          <a:p>
+            <a:pPr algn="ctr"/>
+            <a:r>
+              <a:rPr lang="en-GB" dirty="0" smtClean="0"/>
+              <a:t>Device</a:t>
+            </a:r>
+            <a:endParaRPr lang="en-GB" dirty="0"/>
+          </a:p>
+        </p:txBody>
+      </p:sp>
+      <p:cxnSp>
+        <p:nvCxnSpPr>
+          <p:cNvPr id="15" name="Curved Connector 10"/>
+          <p:cNvCxnSpPr>
+            <a:stCxn id="16" idx="3"/>
+            <a:endCxn id="19" idx="2"/>
+          </p:cNvCxnSpPr>
+          <p:nvPr/>
+        </p:nvCxnSpPr>
+        <p:spPr>
+          <a:xfrm flipV="1">
+            <a:off x="4191000" y="2819400"/>
+            <a:ext cx="811529" cy="304800"/>
+          </a:xfrm>
+          <a:prstGeom prst="curvedConnector3">
+            <a:avLst>
+              <a:gd name="adj1" fmla="val 50000"/>
+            </a:avLst>
+          </a:prstGeom>
+          <a:ln>
+            <a:solidFill>
+              <a:schemeClr val="tx1"/>
+            </a:solidFill>
+          </a:ln>
+        </p:spPr>
+        <p:style>
+          <a:lnRef idx="1">
+            <a:schemeClr val="accent1"/>
+          </a:lnRef>
+          <a:fillRef idx="0">
+            <a:schemeClr val="accent1"/>
+          </a:fillRef>
+          <a:effectRef idx="0">
+            <a:schemeClr val="accent1"/>
+          </a:effectRef>
+          <a:fontRef idx="minor">
+            <a:schemeClr val="tx1"/>
+          </a:fontRef>
+        </p:style>
+      </p:cxnSp>
+      <p:sp>
+        <p:nvSpPr>
+          <p:cNvPr id="16" name="Diamond 15"/>
+          <p:cNvSpPr/>
+          <p:nvPr/>
+        </p:nvSpPr>
+        <p:spPr>
+          <a:xfrm>
+            <a:off x="4038600" y="3048000"/>
+            <a:ext cx="152400" cy="152400"/>
+          </a:xfrm>
+          <a:prstGeom prst="diamond">
+            <a:avLst/>
+          </a:prstGeom>
+          <a:noFill/>
+          <a:ln>
+            <a:solidFill>
+              <a:schemeClr val="tx1"/>
+            </a:solidFill>
+          </a:ln>
+        </p:spPr>
+        <p:style>
+          <a:lnRef idx="2">
+            <a:schemeClr val="accent1">
+              <a:shade val="50000"/>
+            </a:schemeClr>
+          </a:lnRef>
+          <a:fillRef idx="1">
+            <a:schemeClr val="accent1"/>
+          </a:fillRef>
+          <a:effectRef idx="0">
+            <a:schemeClr val="accent1"/>
+          </a:effectRef>
+          <a:fontRef idx="minor">
+            <a:schemeClr val="lt1"/>
+          </a:fontRef>
+        </p:style>
+        <p:txBody>
+          <a:bodyPr rtlCol="0" anchor="ctr"/>
+          <a:lstStyle/>
+          <a:p>
+            <a:pPr algn="ctr"/>
+            <a:endParaRPr lang="en-GB"/>
+          </a:p>
+        </p:txBody>
+      </p:sp>
+    </p:spTree>
+  </p:cSld>
+  <p:clrMapOvr>
+    <a:masterClrMapping/>
+  </p:clrMapOvr>
+</p:sld>
+</file>
+
+<file path=ppt/slides/slide36.xml><?xml version="1.0" encoding="utf-8"?>
+<p:sld xmlns:a="http://schemas.openxmlformats.org/drawingml/2006/main" xmlns:r="http://schemas.openxmlformats.org/officeDocument/2006/relationships" xmlns:p="http://schemas.openxmlformats.org/presentationml/2006/main">
+  <p:cSld>
+    <p:spTree>
+      <p:nvGrpSpPr>
+        <p:cNvPr id="1" name=""/>
+        <p:cNvGrpSpPr/>
+        <p:nvPr/>
+      </p:nvGrpSpPr>
+      <p:grpSpPr>
+        <a:xfrm>
+          <a:off x="0" y="0"/>
+          <a:ext cx="0" cy="0"/>
+          <a:chOff x="0" y="0"/>
+          <a:chExt cx="0" cy="0"/>
+        </a:xfrm>
+      </p:grpSpPr>
+      <p:sp>
+        <p:nvSpPr>
+          <p:cNvPr id="2" name="Title 1"/>
+          <p:cNvSpPr>
+            <a:spLocks noGrp="1"/>
+          </p:cNvSpPr>
+          <p:nvPr>
+            <p:ph type="title"/>
+          </p:nvPr>
+        </p:nvSpPr>
+        <p:spPr/>
+        <p:txBody>
+          <a:bodyPr>
+            <a:normAutofit fontScale="90000"/>
+          </a:bodyPr>
+          <a:lstStyle/>
+          <a:p>
+            <a:r>
+              <a:rPr lang="en-GB" dirty="0" smtClean="0"/>
+              <a:t>Signal coverage with subdivision and links</a:t>
+            </a:r>
+            <a:endParaRPr lang="en-GB" dirty="0"/>
+          </a:p>
+        </p:txBody>
+      </p:sp>
+      <p:sp>
+        <p:nvSpPr>
+          <p:cNvPr id="32" name="Rounded Rectangle 31"/>
+          <p:cNvSpPr/>
+          <p:nvPr/>
+        </p:nvSpPr>
+        <p:spPr>
+          <a:xfrm>
+            <a:off x="2209800" y="2286000"/>
+            <a:ext cx="1066800" cy="1676400"/>
+          </a:xfrm>
+          <a:prstGeom prst="roundRect">
+            <a:avLst/>
+          </a:prstGeom>
+          <a:solidFill>
+            <a:schemeClr val="bg1"/>
+          </a:solidFill>
+          <a:ln>
+            <a:solidFill>
+              <a:schemeClr val="tx1"/>
+            </a:solidFill>
+          </a:ln>
+        </p:spPr>
+        <p:style>
+          <a:lnRef idx="2">
+            <a:schemeClr val="accent1">
+              <a:shade val="50000"/>
+            </a:schemeClr>
+          </a:lnRef>
+          <a:fillRef idx="1">
+            <a:schemeClr val="accent1"/>
+          </a:fillRef>
+          <a:effectRef idx="0">
+            <a:schemeClr val="accent1"/>
+          </a:effectRef>
+          <a:fontRef idx="minor">
+            <a:schemeClr val="lt1"/>
+          </a:fontRef>
+        </p:style>
+        <p:txBody>
+          <a:bodyPr rtlCol="0" anchor="ctr"/>
+          <a:lstStyle/>
+          <a:p>
+            <a:pPr algn="ctr"/>
+            <a:endParaRPr lang="en-GB" dirty="0">
+              <a:solidFill>
+                <a:schemeClr val="tx1"/>
+              </a:solidFill>
+            </a:endParaRPr>
+          </a:p>
+        </p:txBody>
+      </p:sp>
+      <p:sp>
+        <p:nvSpPr>
+          <p:cNvPr id="33" name="Rectangle 32"/>
+          <p:cNvSpPr/>
+          <p:nvPr/>
+        </p:nvSpPr>
+        <p:spPr>
+          <a:xfrm>
+            <a:off x="2198023" y="1981200"/>
+            <a:ext cx="849977" cy="369332"/>
+          </a:xfrm>
+          <a:prstGeom prst="rect">
+            <a:avLst/>
+          </a:prstGeom>
+        </p:spPr>
+        <p:txBody>
+          <a:bodyPr wrap="none">
+            <a:spAutoFit/>
+          </a:bodyPr>
+          <a:lstStyle/>
+          <a:p>
+            <a:pPr algn="ctr"/>
+            <a:r>
+              <a:rPr lang="en-GB" dirty="0" smtClean="0"/>
+              <a:t>Room1</a:t>
+            </a:r>
+            <a:endParaRPr lang="en-GB" dirty="0"/>
+          </a:p>
+        </p:txBody>
+      </p:sp>
+      <p:sp>
+        <p:nvSpPr>
+          <p:cNvPr id="12" name="Rounded Rectangle 11"/>
+          <p:cNvSpPr/>
+          <p:nvPr/>
+        </p:nvSpPr>
+        <p:spPr>
+          <a:xfrm>
+            <a:off x="3408020" y="2286000"/>
+            <a:ext cx="1447800" cy="1676400"/>
+          </a:xfrm>
+          <a:prstGeom prst="roundRect">
+            <a:avLst/>
+          </a:prstGeom>
+          <a:solidFill>
+            <a:schemeClr val="bg1"/>
+          </a:solidFill>
+          <a:ln>
+            <a:solidFill>
+              <a:schemeClr val="tx1"/>
+            </a:solidFill>
+          </a:ln>
+        </p:spPr>
+        <p:style>
+          <a:lnRef idx="2">
+            <a:schemeClr val="accent1">
+              <a:shade val="50000"/>
+            </a:schemeClr>
+          </a:lnRef>
+          <a:fillRef idx="1">
+            <a:schemeClr val="accent1"/>
+          </a:fillRef>
+          <a:effectRef idx="0">
+            <a:schemeClr val="accent1"/>
+          </a:effectRef>
+          <a:fontRef idx="minor">
+            <a:schemeClr val="lt1"/>
+          </a:fontRef>
+        </p:style>
+        <p:txBody>
+          <a:bodyPr rtlCol="0" anchor="ctr"/>
+          <a:lstStyle/>
+          <a:p>
+            <a:pPr algn="ctr"/>
+            <a:endParaRPr lang="en-GB" dirty="0">
+              <a:solidFill>
+                <a:schemeClr val="tx1"/>
+              </a:solidFill>
+            </a:endParaRPr>
+          </a:p>
+        </p:txBody>
+      </p:sp>
+      <p:sp>
+        <p:nvSpPr>
+          <p:cNvPr id="13" name="Rectangle 12"/>
+          <p:cNvSpPr/>
+          <p:nvPr/>
+        </p:nvSpPr>
+        <p:spPr>
+          <a:xfrm>
+            <a:off x="3352800" y="1981200"/>
+            <a:ext cx="849977" cy="369332"/>
+          </a:xfrm>
+          <a:prstGeom prst="rect">
+            <a:avLst/>
+          </a:prstGeom>
+        </p:spPr>
+        <p:txBody>
+          <a:bodyPr wrap="none">
+            <a:spAutoFit/>
+          </a:bodyPr>
+          <a:lstStyle/>
+          <a:p>
+            <a:pPr algn="ctr"/>
+            <a:r>
+              <a:rPr lang="en-GB" dirty="0" smtClean="0"/>
+              <a:t>Room2</a:t>
+            </a:r>
+            <a:endParaRPr lang="en-GB" dirty="0"/>
+          </a:p>
+        </p:txBody>
+      </p:sp>
+      <p:sp>
+        <p:nvSpPr>
+          <p:cNvPr id="14" name="Rectangle 13"/>
+          <p:cNvSpPr/>
+          <p:nvPr/>
+        </p:nvSpPr>
+        <p:spPr>
+          <a:xfrm>
+            <a:off x="5103027" y="2133600"/>
+            <a:ext cx="737702" cy="369332"/>
+          </a:xfrm>
+          <a:prstGeom prst="rect">
+            <a:avLst/>
+          </a:prstGeom>
+        </p:spPr>
+        <p:txBody>
+          <a:bodyPr wrap="none">
+            <a:spAutoFit/>
+          </a:bodyPr>
+          <a:lstStyle/>
+          <a:p>
+            <a:pPr algn="ctr"/>
+            <a:r>
+              <a:rPr lang="en-GB" dirty="0" smtClean="0"/>
+              <a:t>Signal</a:t>
+            </a:r>
+            <a:endParaRPr lang="en-GB" dirty="0"/>
+          </a:p>
+        </p:txBody>
+      </p:sp>
+      <p:sp>
+        <p:nvSpPr>
+          <p:cNvPr id="17" name="Rounded Rectangle 16"/>
+          <p:cNvSpPr/>
+          <p:nvPr/>
+        </p:nvSpPr>
+        <p:spPr>
+          <a:xfrm>
+            <a:off x="3631290" y="3276600"/>
+            <a:ext cx="609600" cy="533400"/>
+          </a:xfrm>
+          <a:prstGeom prst="roundRect">
+            <a:avLst/>
+          </a:prstGeom>
+          <a:solidFill>
+            <a:schemeClr val="bg1"/>
+          </a:solidFill>
+          <a:ln>
+            <a:solidFill>
+              <a:schemeClr val="tx1"/>
+            </a:solidFill>
+          </a:ln>
+        </p:spPr>
+        <p:style>
+          <a:lnRef idx="2">
+            <a:schemeClr val="accent1">
+              <a:shade val="50000"/>
+            </a:schemeClr>
+          </a:lnRef>
+          <a:fillRef idx="1">
+            <a:schemeClr val="accent1"/>
+          </a:fillRef>
+          <a:effectRef idx="0">
+            <a:schemeClr val="accent1"/>
+          </a:effectRef>
+          <a:fontRef idx="minor">
+            <a:schemeClr val="lt1"/>
+          </a:fontRef>
+        </p:style>
+        <p:txBody>
+          <a:bodyPr rtlCol="0" anchor="ctr"/>
+          <a:lstStyle/>
+          <a:p>
+            <a:pPr algn="ctr"/>
+            <a:endParaRPr lang="en-GB" dirty="0">
+              <a:solidFill>
+                <a:schemeClr val="tx1"/>
+              </a:solidFill>
+            </a:endParaRPr>
+          </a:p>
+        </p:txBody>
+      </p:sp>
+      <p:sp>
+        <p:nvSpPr>
+          <p:cNvPr id="18" name="Rounded Rectangle 17"/>
+          <p:cNvSpPr/>
+          <p:nvPr/>
+        </p:nvSpPr>
+        <p:spPr>
+          <a:xfrm>
+            <a:off x="5160620" y="2514600"/>
+            <a:ext cx="533400" cy="533400"/>
+          </a:xfrm>
+          <a:prstGeom prst="roundRect">
+            <a:avLst/>
+          </a:prstGeom>
+          <a:noFill/>
+          <a:ln>
+            <a:solidFill>
+              <a:schemeClr val="tx1"/>
+            </a:solidFill>
+          </a:ln>
+        </p:spPr>
+        <p:style>
+          <a:lnRef idx="2">
+            <a:schemeClr val="accent1">
+              <a:shade val="50000"/>
+            </a:schemeClr>
+          </a:lnRef>
+          <a:fillRef idx="1">
+            <a:schemeClr val="accent1"/>
+          </a:fillRef>
+          <a:effectRef idx="0">
+            <a:schemeClr val="accent1"/>
+          </a:effectRef>
+          <a:fontRef idx="minor">
+            <a:schemeClr val="lt1"/>
+          </a:fontRef>
+        </p:style>
+        <p:txBody>
+          <a:bodyPr rtlCol="0" anchor="ctr"/>
+          <a:lstStyle/>
+          <a:p>
+            <a:pPr algn="ctr"/>
+            <a:endParaRPr lang="en-GB" dirty="0">
+              <a:solidFill>
+                <a:schemeClr val="tx1"/>
+              </a:solidFill>
+            </a:endParaRPr>
+          </a:p>
+        </p:txBody>
+      </p:sp>
+      <p:sp>
+        <p:nvSpPr>
+          <p:cNvPr id="19" name="Oval 18"/>
+          <p:cNvSpPr/>
+          <p:nvPr/>
+        </p:nvSpPr>
+        <p:spPr>
+          <a:xfrm>
+            <a:off x="5002529" y="2743200"/>
+            <a:ext cx="152400" cy="152400"/>
+          </a:xfrm>
+          <a:prstGeom prst="ellipse">
+            <a:avLst/>
+          </a:prstGeom>
+          <a:solidFill>
+            <a:schemeClr val="tx1"/>
+          </a:solidFill>
+          <a:ln>
+            <a:solidFill>
+              <a:schemeClr val="tx1"/>
+            </a:solidFill>
+          </a:ln>
+        </p:spPr>
+        <p:style>
+          <a:lnRef idx="2">
+            <a:schemeClr val="accent1">
+              <a:shade val="50000"/>
+            </a:schemeClr>
+          </a:lnRef>
+          <a:fillRef idx="1">
+            <a:schemeClr val="accent1"/>
+          </a:fillRef>
+          <a:effectRef idx="0">
+            <a:schemeClr val="accent1"/>
+          </a:effectRef>
+          <a:fontRef idx="minor">
+            <a:schemeClr val="lt1"/>
+          </a:fontRef>
+        </p:style>
+        <p:txBody>
+          <a:bodyPr rtlCol="0" anchor="ctr"/>
+          <a:lstStyle/>
+          <a:p>
+            <a:pPr algn="ctr"/>
+            <a:endParaRPr lang="en-GB"/>
+          </a:p>
+        </p:txBody>
+      </p:sp>
+      <p:cxnSp>
+        <p:nvCxnSpPr>
+          <p:cNvPr id="20" name="Curved Connector 10"/>
+          <p:cNvCxnSpPr>
+            <a:stCxn id="21" idx="3"/>
+            <a:endCxn id="19" idx="2"/>
+          </p:cNvCxnSpPr>
+          <p:nvPr/>
+        </p:nvCxnSpPr>
+        <p:spPr>
+          <a:xfrm>
+            <a:off x="4572000" y="2743200"/>
+            <a:ext cx="430529" cy="76200"/>
+          </a:xfrm>
+          <a:prstGeom prst="curvedConnector3">
+            <a:avLst>
+              <a:gd name="adj1" fmla="val 50000"/>
+            </a:avLst>
+          </a:prstGeom>
+          <a:ln>
+            <a:solidFill>
+              <a:schemeClr val="tx1"/>
+            </a:solidFill>
+          </a:ln>
+        </p:spPr>
+        <p:style>
+          <a:lnRef idx="1">
+            <a:schemeClr val="accent1"/>
+          </a:lnRef>
+          <a:fillRef idx="0">
+            <a:schemeClr val="accent1"/>
+          </a:fillRef>
+          <a:effectRef idx="0">
+            <a:schemeClr val="accent1"/>
+          </a:effectRef>
+          <a:fontRef idx="minor">
+            <a:schemeClr val="tx1"/>
+          </a:fontRef>
+        </p:style>
+      </p:cxnSp>
+      <p:sp>
+        <p:nvSpPr>
+          <p:cNvPr id="21" name="Diamond 20"/>
+          <p:cNvSpPr/>
+          <p:nvPr/>
+        </p:nvSpPr>
+        <p:spPr>
+          <a:xfrm>
+            <a:off x="4419600" y="2667000"/>
+            <a:ext cx="152400" cy="152400"/>
+          </a:xfrm>
+          <a:prstGeom prst="diamond">
+            <a:avLst/>
+          </a:prstGeom>
+          <a:noFill/>
+          <a:ln>
+            <a:solidFill>
+              <a:schemeClr val="tx1"/>
+            </a:solidFill>
+          </a:ln>
+        </p:spPr>
+        <p:style>
+          <a:lnRef idx="2">
+            <a:schemeClr val="accent1">
+              <a:shade val="50000"/>
+            </a:schemeClr>
+          </a:lnRef>
+          <a:fillRef idx="1">
+            <a:schemeClr val="accent1"/>
+          </a:fillRef>
+          <a:effectRef idx="0">
+            <a:schemeClr val="accent1"/>
+          </a:effectRef>
+          <a:fontRef idx="minor">
+            <a:schemeClr val="lt1"/>
+          </a:fontRef>
+        </p:style>
+        <p:txBody>
+          <a:bodyPr rtlCol="0" anchor="ctr"/>
+          <a:lstStyle/>
+          <a:p>
+            <a:pPr algn="ctr"/>
+            <a:endParaRPr lang="en-GB"/>
+          </a:p>
+        </p:txBody>
+      </p:sp>
+      <p:sp>
+        <p:nvSpPr>
+          <p:cNvPr id="22" name="Rectangle 21"/>
+          <p:cNvSpPr/>
+          <p:nvPr/>
+        </p:nvSpPr>
+        <p:spPr>
+          <a:xfrm>
+            <a:off x="3505200" y="2971800"/>
+            <a:ext cx="811890" cy="369332"/>
+          </a:xfrm>
+          <a:prstGeom prst="rect">
+            <a:avLst/>
+          </a:prstGeom>
+        </p:spPr>
+        <p:txBody>
+          <a:bodyPr wrap="none">
+            <a:spAutoFit/>
+          </a:bodyPr>
+          <a:lstStyle/>
+          <a:p>
+            <a:pPr algn="ctr"/>
+            <a:r>
+              <a:rPr lang="en-GB" dirty="0" smtClean="0"/>
+              <a:t>Device</a:t>
+            </a:r>
+            <a:endParaRPr lang="en-GB" dirty="0"/>
+          </a:p>
+        </p:txBody>
+      </p:sp>
+      <p:sp>
+        <p:nvSpPr>
+          <p:cNvPr id="15" name="Rounded Rectangle 14"/>
+          <p:cNvSpPr/>
+          <p:nvPr/>
+        </p:nvSpPr>
+        <p:spPr>
+          <a:xfrm>
+            <a:off x="3581400" y="2590800"/>
+            <a:ext cx="1066800" cy="381000"/>
+          </a:xfrm>
+          <a:prstGeom prst="roundRect">
+            <a:avLst/>
+          </a:prstGeom>
+          <a:noFill/>
+          <a:ln w="9525">
+            <a:solidFill>
+              <a:schemeClr val="tx1"/>
+            </a:solidFill>
+            <a:prstDash val="solid"/>
+          </a:ln>
+        </p:spPr>
+        <p:style>
+          <a:lnRef idx="2">
+            <a:schemeClr val="accent1">
+              <a:shade val="50000"/>
+            </a:schemeClr>
+          </a:lnRef>
+          <a:fillRef idx="1">
+            <a:schemeClr val="accent1"/>
+          </a:fillRef>
+          <a:effectRef idx="0">
+            <a:schemeClr val="accent1"/>
+          </a:effectRef>
+          <a:fontRef idx="minor">
+            <a:schemeClr val="lt1"/>
+          </a:fontRef>
+        </p:style>
+        <p:txBody>
+          <a:bodyPr rtlCol="0" anchor="ctr"/>
+          <a:lstStyle/>
+          <a:p>
+            <a:pPr algn="ctr"/>
+            <a:endParaRPr lang="en-GB" dirty="0">
+              <a:solidFill>
+                <a:schemeClr val="tx1"/>
+              </a:solidFill>
+            </a:endParaRPr>
+          </a:p>
+        </p:txBody>
+      </p:sp>
+      <p:sp>
+        <p:nvSpPr>
+          <p:cNvPr id="16" name="Rectangle 15"/>
+          <p:cNvSpPr/>
+          <p:nvPr/>
+        </p:nvSpPr>
+        <p:spPr>
+          <a:xfrm>
+            <a:off x="3521635" y="2297668"/>
+            <a:ext cx="1202765" cy="369332"/>
+          </a:xfrm>
+          <a:prstGeom prst="rect">
+            <a:avLst/>
+          </a:prstGeom>
+        </p:spPr>
+        <p:txBody>
+          <a:bodyPr wrap="none">
+            <a:spAutoFit/>
+          </a:bodyPr>
+          <a:lstStyle/>
+          <a:p>
+            <a:pPr algn="ctr"/>
+            <a:r>
+              <a:rPr lang="en-GB" dirty="0" smtClean="0"/>
+              <a:t>Sub-r</a:t>
+            </a:r>
+            <a:r>
+              <a:rPr lang="en-GB" dirty="0" smtClean="0"/>
+              <a:t>egion</a:t>
+            </a:r>
+            <a:endParaRPr lang="en-GB" dirty="0"/>
           </a:p>
         </p:txBody>
       </p:sp>
